--- a/docs/Презентация.pptx
+++ b/docs/Презентация.pptx
@@ -4,16 +4,15 @@
   <p:sldMasterIdLst>
     <p:sldMasterId id="2147483648" r:id="rId1"/>
   </p:sldMasterIdLst>
+  <p:notesMasterIdLst>
+    <p:notesMasterId r:id="rId7"/>
+  </p:notesMasterIdLst>
   <p:sldIdLst>
     <p:sldId id="256" r:id="rId2"/>
     <p:sldId id="257" r:id="rId3"/>
-    <p:sldId id="258" r:id="rId4"/>
+    <p:sldId id="260" r:id="rId4"/>
     <p:sldId id="262" r:id="rId5"/>
-    <p:sldId id="260" r:id="rId6"/>
-    <p:sldId id="259" r:id="rId7"/>
-    <p:sldId id="263" r:id="rId8"/>
-    <p:sldId id="264" r:id="rId9"/>
-    <p:sldId id="261" r:id="rId10"/>
+    <p:sldId id="264" r:id="rId6"/>
   </p:sldIdLst>
   <p:sldSz cx="12192000" cy="6858000"/>
   <p:notesSz cx="6858000" cy="9144000"/>
@@ -112,7 +111,452 @@
       </a:defRPr>
     </a:lvl9pPr>
   </p:defaultTextStyle>
+  <p:extLst>
+    <p:ext uri="{EFAFB233-063F-42B5-8137-9DF3F51BA10A}">
+      <p15:sldGuideLst xmlns:p15="http://schemas.microsoft.com/office/powerpoint/2012/main"/>
+    </p:ext>
+  </p:extLst>
 </p:presentation>
+</file>
+
+<file path=ppt/notesMasters/notesMaster1.xml><?xml version="1.0" encoding="utf-8"?>
+<p:notesMaster xmlns:a="http://schemas.openxmlformats.org/drawingml/2006/main" xmlns:r="http://schemas.openxmlformats.org/officeDocument/2006/relationships" xmlns:p="http://schemas.openxmlformats.org/presentationml/2006/main">
+  <p:cSld>
+    <p:bg>
+      <p:bgRef idx="1001">
+        <a:schemeClr val="bg1"/>
+      </p:bgRef>
+    </p:bg>
+    <p:spTree>
+      <p:nvGrpSpPr>
+        <p:cNvPr id="1" name=""/>
+        <p:cNvGrpSpPr/>
+        <p:nvPr/>
+      </p:nvGrpSpPr>
+      <p:grpSpPr>
+        <a:xfrm>
+          <a:off x="0" y="0"/>
+          <a:ext cx="0" cy="0"/>
+          <a:chOff x="0" y="0"/>
+          <a:chExt cx="0" cy="0"/>
+        </a:xfrm>
+      </p:grpSpPr>
+      <p:sp>
+        <p:nvSpPr>
+          <p:cNvPr id="2" name="Верхний колонтитул 1"/>
+          <p:cNvSpPr>
+            <a:spLocks noGrp="1"/>
+          </p:cNvSpPr>
+          <p:nvPr>
+            <p:ph type="hdr" sz="quarter"/>
+          </p:nvPr>
+        </p:nvSpPr>
+        <p:spPr>
+          <a:xfrm>
+            <a:off x="0" y="0"/>
+            <a:ext cx="2971800" cy="458788"/>
+          </a:xfrm>
+          <a:prstGeom prst="rect">
+            <a:avLst/>
+          </a:prstGeom>
+        </p:spPr>
+        <p:txBody>
+          <a:bodyPr vert="horz" lIns="91440" tIns="45720" rIns="91440" bIns="45720" rtlCol="0"/>
+          <a:lstStyle>
+            <a:lvl1pPr algn="l">
+              <a:defRPr sz="1200"/>
+            </a:lvl1pPr>
+          </a:lstStyle>
+          <a:p>
+            <a:endParaRPr lang="ru-RU"/>
+          </a:p>
+        </p:txBody>
+      </p:sp>
+      <p:sp>
+        <p:nvSpPr>
+          <p:cNvPr id="3" name="Дата 2"/>
+          <p:cNvSpPr>
+            <a:spLocks noGrp="1"/>
+          </p:cNvSpPr>
+          <p:nvPr>
+            <p:ph type="dt" idx="1"/>
+          </p:nvPr>
+        </p:nvSpPr>
+        <p:spPr>
+          <a:xfrm>
+            <a:off x="3884613" y="0"/>
+            <a:ext cx="2971800" cy="458788"/>
+          </a:xfrm>
+          <a:prstGeom prst="rect">
+            <a:avLst/>
+          </a:prstGeom>
+        </p:spPr>
+        <p:txBody>
+          <a:bodyPr vert="horz" lIns="91440" tIns="45720" rIns="91440" bIns="45720" rtlCol="0"/>
+          <a:lstStyle>
+            <a:lvl1pPr algn="r">
+              <a:defRPr sz="1200"/>
+            </a:lvl1pPr>
+          </a:lstStyle>
+          <a:p>
+            <a:fld id="{DB406D86-2B39-4EB5-BC1A-528B84856720}" type="datetimeFigureOut">
+              <a:rPr lang="ru-RU" smtClean="0"/>
+              <a:t>06.06.2024</a:t>
+            </a:fld>
+            <a:endParaRPr lang="ru-RU"/>
+          </a:p>
+        </p:txBody>
+      </p:sp>
+      <p:sp>
+        <p:nvSpPr>
+          <p:cNvPr id="4" name="Образ слайда 3"/>
+          <p:cNvSpPr>
+            <a:spLocks noGrp="1" noRot="1" noChangeAspect="1"/>
+          </p:cNvSpPr>
+          <p:nvPr>
+            <p:ph type="sldImg" idx="2"/>
+          </p:nvPr>
+        </p:nvSpPr>
+        <p:spPr>
+          <a:xfrm>
+            <a:off x="685800" y="1143000"/>
+            <a:ext cx="5486400" cy="3086100"/>
+          </a:xfrm>
+          <a:prstGeom prst="rect">
+            <a:avLst/>
+          </a:prstGeom>
+          <a:noFill/>
+          <a:ln w="12700">
+            <a:solidFill>
+              <a:prstClr val="black"/>
+            </a:solidFill>
+          </a:ln>
+        </p:spPr>
+        <p:txBody>
+          <a:bodyPr vert="horz" lIns="91440" tIns="45720" rIns="91440" bIns="45720" rtlCol="0" anchor="ctr"/>
+          <a:lstStyle/>
+          <a:p>
+            <a:endParaRPr lang="ru-RU"/>
+          </a:p>
+        </p:txBody>
+      </p:sp>
+      <p:sp>
+        <p:nvSpPr>
+          <p:cNvPr id="5" name="Заметки 4"/>
+          <p:cNvSpPr>
+            <a:spLocks noGrp="1"/>
+          </p:cNvSpPr>
+          <p:nvPr>
+            <p:ph type="body" sz="quarter" idx="3"/>
+          </p:nvPr>
+        </p:nvSpPr>
+        <p:spPr>
+          <a:xfrm>
+            <a:off x="685800" y="4400550"/>
+            <a:ext cx="5486400" cy="3600450"/>
+          </a:xfrm>
+          <a:prstGeom prst="rect">
+            <a:avLst/>
+          </a:prstGeom>
+        </p:spPr>
+        <p:txBody>
+          <a:bodyPr vert="horz" lIns="91440" tIns="45720" rIns="91440" bIns="45720" rtlCol="0"/>
+          <a:lstStyle/>
+          <a:p>
+            <a:pPr lvl="0"/>
+            <a:r>
+              <a:rPr lang="ru-RU"/>
+              <a:t>Образец текста</a:t>
+            </a:r>
+          </a:p>
+          <a:p>
+            <a:pPr lvl="1"/>
+            <a:r>
+              <a:rPr lang="ru-RU"/>
+              <a:t>Второй уровень</a:t>
+            </a:r>
+          </a:p>
+          <a:p>
+            <a:pPr lvl="2"/>
+            <a:r>
+              <a:rPr lang="ru-RU"/>
+              <a:t>Третий уровень</a:t>
+            </a:r>
+          </a:p>
+          <a:p>
+            <a:pPr lvl="3"/>
+            <a:r>
+              <a:rPr lang="ru-RU"/>
+              <a:t>Четвертый уровень</a:t>
+            </a:r>
+          </a:p>
+          <a:p>
+            <a:pPr lvl="4"/>
+            <a:r>
+              <a:rPr lang="ru-RU"/>
+              <a:t>Пятый уровень</a:t>
+            </a:r>
+          </a:p>
+        </p:txBody>
+      </p:sp>
+      <p:sp>
+        <p:nvSpPr>
+          <p:cNvPr id="6" name="Нижний колонтитул 5"/>
+          <p:cNvSpPr>
+            <a:spLocks noGrp="1"/>
+          </p:cNvSpPr>
+          <p:nvPr>
+            <p:ph type="ftr" sz="quarter" idx="4"/>
+          </p:nvPr>
+        </p:nvSpPr>
+        <p:spPr>
+          <a:xfrm>
+            <a:off x="0" y="8685213"/>
+            <a:ext cx="2971800" cy="458787"/>
+          </a:xfrm>
+          <a:prstGeom prst="rect">
+            <a:avLst/>
+          </a:prstGeom>
+        </p:spPr>
+        <p:txBody>
+          <a:bodyPr vert="horz" lIns="91440" tIns="45720" rIns="91440" bIns="45720" rtlCol="0" anchor="b"/>
+          <a:lstStyle>
+            <a:lvl1pPr algn="l">
+              <a:defRPr sz="1200"/>
+            </a:lvl1pPr>
+          </a:lstStyle>
+          <a:p>
+            <a:endParaRPr lang="ru-RU"/>
+          </a:p>
+        </p:txBody>
+      </p:sp>
+      <p:sp>
+        <p:nvSpPr>
+          <p:cNvPr id="7" name="Номер слайда 6"/>
+          <p:cNvSpPr>
+            <a:spLocks noGrp="1"/>
+          </p:cNvSpPr>
+          <p:nvPr>
+            <p:ph type="sldNum" sz="quarter" idx="5"/>
+          </p:nvPr>
+        </p:nvSpPr>
+        <p:spPr>
+          <a:xfrm>
+            <a:off x="3884613" y="8685213"/>
+            <a:ext cx="2971800" cy="458787"/>
+          </a:xfrm>
+          <a:prstGeom prst="rect">
+            <a:avLst/>
+          </a:prstGeom>
+        </p:spPr>
+        <p:txBody>
+          <a:bodyPr vert="horz" lIns="91440" tIns="45720" rIns="91440" bIns="45720" rtlCol="0" anchor="b"/>
+          <a:lstStyle>
+            <a:lvl1pPr algn="r">
+              <a:defRPr sz="1200"/>
+            </a:lvl1pPr>
+          </a:lstStyle>
+          <a:p>
+            <a:fld id="{600DD7E4-AEBE-4F2D-81C5-E23D161449AB}" type="slidenum">
+              <a:rPr lang="ru-RU" smtClean="0"/>
+              <a:t>‹#›</a:t>
+            </a:fld>
+            <a:endParaRPr lang="ru-RU"/>
+          </a:p>
+        </p:txBody>
+      </p:sp>
+    </p:spTree>
+    <p:extLst>
+      <p:ext uri="{BB962C8B-B14F-4D97-AF65-F5344CB8AC3E}">
+        <p14:creationId xmlns:p14="http://schemas.microsoft.com/office/powerpoint/2010/main" val="1407011048"/>
+      </p:ext>
+    </p:extLst>
+  </p:cSld>
+  <p:clrMap bg1="lt1" tx1="dk1" bg2="lt2" tx2="dk2" accent1="accent1" accent2="accent2" accent3="accent3" accent4="accent4" accent5="accent5" accent6="accent6" hlink="hlink" folHlink="folHlink"/>
+  <p:notesStyle>
+    <a:lvl1pPr marL="0" algn="l" defTabSz="914400" rtl="0" eaLnBrk="1" latinLnBrk="0" hangingPunct="1">
+      <a:defRPr sz="1200" kern="1200">
+        <a:solidFill>
+          <a:schemeClr val="tx1"/>
+        </a:solidFill>
+        <a:latin typeface="+mn-lt"/>
+        <a:ea typeface="+mn-ea"/>
+        <a:cs typeface="+mn-cs"/>
+      </a:defRPr>
+    </a:lvl1pPr>
+    <a:lvl2pPr marL="457200" algn="l" defTabSz="914400" rtl="0" eaLnBrk="1" latinLnBrk="0" hangingPunct="1">
+      <a:defRPr sz="1200" kern="1200">
+        <a:solidFill>
+          <a:schemeClr val="tx1"/>
+        </a:solidFill>
+        <a:latin typeface="+mn-lt"/>
+        <a:ea typeface="+mn-ea"/>
+        <a:cs typeface="+mn-cs"/>
+      </a:defRPr>
+    </a:lvl2pPr>
+    <a:lvl3pPr marL="914400" algn="l" defTabSz="914400" rtl="0" eaLnBrk="1" latinLnBrk="0" hangingPunct="1">
+      <a:defRPr sz="1200" kern="1200">
+        <a:solidFill>
+          <a:schemeClr val="tx1"/>
+        </a:solidFill>
+        <a:latin typeface="+mn-lt"/>
+        <a:ea typeface="+mn-ea"/>
+        <a:cs typeface="+mn-cs"/>
+      </a:defRPr>
+    </a:lvl3pPr>
+    <a:lvl4pPr marL="1371600" algn="l" defTabSz="914400" rtl="0" eaLnBrk="1" latinLnBrk="0" hangingPunct="1">
+      <a:defRPr sz="1200" kern="1200">
+        <a:solidFill>
+          <a:schemeClr val="tx1"/>
+        </a:solidFill>
+        <a:latin typeface="+mn-lt"/>
+        <a:ea typeface="+mn-ea"/>
+        <a:cs typeface="+mn-cs"/>
+      </a:defRPr>
+    </a:lvl4pPr>
+    <a:lvl5pPr marL="1828800" algn="l" defTabSz="914400" rtl="0" eaLnBrk="1" latinLnBrk="0" hangingPunct="1">
+      <a:defRPr sz="1200" kern="1200">
+        <a:solidFill>
+          <a:schemeClr val="tx1"/>
+        </a:solidFill>
+        <a:latin typeface="+mn-lt"/>
+        <a:ea typeface="+mn-ea"/>
+        <a:cs typeface="+mn-cs"/>
+      </a:defRPr>
+    </a:lvl5pPr>
+    <a:lvl6pPr marL="2286000" algn="l" defTabSz="914400" rtl="0" eaLnBrk="1" latinLnBrk="0" hangingPunct="1">
+      <a:defRPr sz="1200" kern="1200">
+        <a:solidFill>
+          <a:schemeClr val="tx1"/>
+        </a:solidFill>
+        <a:latin typeface="+mn-lt"/>
+        <a:ea typeface="+mn-ea"/>
+        <a:cs typeface="+mn-cs"/>
+      </a:defRPr>
+    </a:lvl6pPr>
+    <a:lvl7pPr marL="2743200" algn="l" defTabSz="914400" rtl="0" eaLnBrk="1" latinLnBrk="0" hangingPunct="1">
+      <a:defRPr sz="1200" kern="1200">
+        <a:solidFill>
+          <a:schemeClr val="tx1"/>
+        </a:solidFill>
+        <a:latin typeface="+mn-lt"/>
+        <a:ea typeface="+mn-ea"/>
+        <a:cs typeface="+mn-cs"/>
+      </a:defRPr>
+    </a:lvl7pPr>
+    <a:lvl8pPr marL="3200400" algn="l" defTabSz="914400" rtl="0" eaLnBrk="1" latinLnBrk="0" hangingPunct="1">
+      <a:defRPr sz="1200" kern="1200">
+        <a:solidFill>
+          <a:schemeClr val="tx1"/>
+        </a:solidFill>
+        <a:latin typeface="+mn-lt"/>
+        <a:ea typeface="+mn-ea"/>
+        <a:cs typeface="+mn-cs"/>
+      </a:defRPr>
+    </a:lvl8pPr>
+    <a:lvl9pPr marL="3657600" algn="l" defTabSz="914400" rtl="0" eaLnBrk="1" latinLnBrk="0" hangingPunct="1">
+      <a:defRPr sz="1200" kern="1200">
+        <a:solidFill>
+          <a:schemeClr val="tx1"/>
+        </a:solidFill>
+        <a:latin typeface="+mn-lt"/>
+        <a:ea typeface="+mn-ea"/>
+        <a:cs typeface="+mn-cs"/>
+      </a:defRPr>
+    </a:lvl9pPr>
+  </p:notesStyle>
+</p:notesMaster>
+</file>
+
+<file path=ppt/notesSlides/notesSlide1.xml><?xml version="1.0" encoding="utf-8"?>
+<p:notes xmlns:a="http://schemas.openxmlformats.org/drawingml/2006/main" xmlns:r="http://schemas.openxmlformats.org/officeDocument/2006/relationships" xmlns:p="http://schemas.openxmlformats.org/presentationml/2006/main">
+  <p:cSld>
+    <p:spTree>
+      <p:nvGrpSpPr>
+        <p:cNvPr id="1" name=""/>
+        <p:cNvGrpSpPr/>
+        <p:nvPr/>
+      </p:nvGrpSpPr>
+      <p:grpSpPr>
+        <a:xfrm>
+          <a:off x="0" y="0"/>
+          <a:ext cx="0" cy="0"/>
+          <a:chOff x="0" y="0"/>
+          <a:chExt cx="0" cy="0"/>
+        </a:xfrm>
+      </p:grpSpPr>
+      <p:sp>
+        <p:nvSpPr>
+          <p:cNvPr id="2" name="Образ слайда 1"/>
+          <p:cNvSpPr>
+            <a:spLocks noGrp="1" noRot="1" noChangeAspect="1"/>
+          </p:cNvSpPr>
+          <p:nvPr>
+            <p:ph type="sldImg"/>
+          </p:nvPr>
+        </p:nvSpPr>
+        <p:spPr/>
+      </p:sp>
+      <p:sp>
+        <p:nvSpPr>
+          <p:cNvPr id="3" name="Заметки 2"/>
+          <p:cNvSpPr>
+            <a:spLocks noGrp="1"/>
+          </p:cNvSpPr>
+          <p:nvPr>
+            <p:ph type="body" idx="1"/>
+          </p:nvPr>
+        </p:nvSpPr>
+        <p:spPr/>
+        <p:txBody>
+          <a:bodyPr/>
+          <a:lstStyle/>
+          <a:p>
+            <a:endParaRPr lang="ru-RU" sz="2400" kern="1200" dirty="0">
+              <a:solidFill>
+                <a:schemeClr val="tx1"/>
+              </a:solidFill>
+              <a:latin typeface="Times New Roman" panose="02020603050405020304" pitchFamily="18" charset="0"/>
+              <a:ea typeface="+mn-ea"/>
+              <a:cs typeface="Times New Roman" panose="02020603050405020304" pitchFamily="18" charset="0"/>
+            </a:endParaRPr>
+          </a:p>
+        </p:txBody>
+      </p:sp>
+      <p:sp>
+        <p:nvSpPr>
+          <p:cNvPr id="4" name="Номер слайда 3"/>
+          <p:cNvSpPr>
+            <a:spLocks noGrp="1"/>
+          </p:cNvSpPr>
+          <p:nvPr>
+            <p:ph type="sldNum" sz="quarter" idx="5"/>
+          </p:nvPr>
+        </p:nvSpPr>
+        <p:spPr/>
+        <p:txBody>
+          <a:bodyPr/>
+          <a:lstStyle/>
+          <a:p>
+            <a:fld id="{600DD7E4-AEBE-4F2D-81C5-E23D161449AB}" type="slidenum">
+              <a:rPr lang="ru-RU" smtClean="0"/>
+              <a:t>5</a:t>
+            </a:fld>
+            <a:endParaRPr lang="ru-RU"/>
+          </a:p>
+        </p:txBody>
+      </p:sp>
+    </p:spTree>
+    <p:extLst>
+      <p:ext uri="{BB962C8B-B14F-4D97-AF65-F5344CB8AC3E}">
+        <p14:creationId xmlns:p14="http://schemas.microsoft.com/office/powerpoint/2010/main" val="1501171608"/>
+      </p:ext>
+    </p:extLst>
+  </p:cSld>
+  <p:clrMapOvr>
+    <a:masterClrMapping/>
+  </p:clrMapOvr>
+</p:notes>
 </file>
 
 <file path=ppt/slideLayouts/slideLayout1.xml><?xml version="1.0" encoding="utf-8"?>
@@ -262,7 +706,7 @@
           <a:p>
             <a:fld id="{B93E592B-316F-437C-9AE0-9B59089EEBBB}" type="datetimeFigureOut">
               <a:rPr lang="ru-RU" smtClean="0"/>
-              <a:t>05.06.2024</a:t>
+              <a:t>06.06.2024</a:t>
             </a:fld>
             <a:endParaRPr lang="ru-RU"/>
           </a:p>
@@ -460,7 +904,7 @@
           <a:p>
             <a:fld id="{B93E592B-316F-437C-9AE0-9B59089EEBBB}" type="datetimeFigureOut">
               <a:rPr lang="ru-RU" smtClean="0"/>
-              <a:t>05.06.2024</a:t>
+              <a:t>06.06.2024</a:t>
             </a:fld>
             <a:endParaRPr lang="ru-RU"/>
           </a:p>
@@ -668,7 +1112,7 @@
           <a:p>
             <a:fld id="{B93E592B-316F-437C-9AE0-9B59089EEBBB}" type="datetimeFigureOut">
               <a:rPr lang="ru-RU" smtClean="0"/>
-              <a:t>05.06.2024</a:t>
+              <a:t>06.06.2024</a:t>
             </a:fld>
             <a:endParaRPr lang="ru-RU"/>
           </a:p>
@@ -866,7 +1310,7 @@
           <a:p>
             <a:fld id="{B93E592B-316F-437C-9AE0-9B59089EEBBB}" type="datetimeFigureOut">
               <a:rPr lang="ru-RU" smtClean="0"/>
-              <a:t>05.06.2024</a:t>
+              <a:t>06.06.2024</a:t>
             </a:fld>
             <a:endParaRPr lang="ru-RU"/>
           </a:p>
@@ -1141,7 +1585,7 @@
           <a:p>
             <a:fld id="{B93E592B-316F-437C-9AE0-9B59089EEBBB}" type="datetimeFigureOut">
               <a:rPr lang="ru-RU" smtClean="0"/>
-              <a:t>05.06.2024</a:t>
+              <a:t>06.06.2024</a:t>
             </a:fld>
             <a:endParaRPr lang="ru-RU"/>
           </a:p>
@@ -1406,7 +1850,7 @@
           <a:p>
             <a:fld id="{B93E592B-316F-437C-9AE0-9B59089EEBBB}" type="datetimeFigureOut">
               <a:rPr lang="ru-RU" smtClean="0"/>
-              <a:t>05.06.2024</a:t>
+              <a:t>06.06.2024</a:t>
             </a:fld>
             <a:endParaRPr lang="ru-RU"/>
           </a:p>
@@ -1818,7 +2262,7 @@
           <a:p>
             <a:fld id="{B93E592B-316F-437C-9AE0-9B59089EEBBB}" type="datetimeFigureOut">
               <a:rPr lang="ru-RU" smtClean="0"/>
-              <a:t>05.06.2024</a:t>
+              <a:t>06.06.2024</a:t>
             </a:fld>
             <a:endParaRPr lang="ru-RU"/>
           </a:p>
@@ -1959,7 +2403,7 @@
           <a:p>
             <a:fld id="{B93E592B-316F-437C-9AE0-9B59089EEBBB}" type="datetimeFigureOut">
               <a:rPr lang="ru-RU" smtClean="0"/>
-              <a:t>05.06.2024</a:t>
+              <a:t>06.06.2024</a:t>
             </a:fld>
             <a:endParaRPr lang="ru-RU"/>
           </a:p>
@@ -2072,7 +2516,7 @@
           <a:p>
             <a:fld id="{B93E592B-316F-437C-9AE0-9B59089EEBBB}" type="datetimeFigureOut">
               <a:rPr lang="ru-RU" smtClean="0"/>
-              <a:t>05.06.2024</a:t>
+              <a:t>06.06.2024</a:t>
             </a:fld>
             <a:endParaRPr lang="ru-RU"/>
           </a:p>
@@ -2383,7 +2827,7 @@
           <a:p>
             <a:fld id="{B93E592B-316F-437C-9AE0-9B59089EEBBB}" type="datetimeFigureOut">
               <a:rPr lang="ru-RU" smtClean="0"/>
-              <a:t>05.06.2024</a:t>
+              <a:t>06.06.2024</a:t>
             </a:fld>
             <a:endParaRPr lang="ru-RU"/>
           </a:p>
@@ -2671,7 +3115,7 @@
           <a:p>
             <a:fld id="{B93E592B-316F-437C-9AE0-9B59089EEBBB}" type="datetimeFigureOut">
               <a:rPr lang="ru-RU" smtClean="0"/>
-              <a:t>05.06.2024</a:t>
+              <a:t>06.06.2024</a:t>
             </a:fld>
             <a:endParaRPr lang="ru-RU"/>
           </a:p>
@@ -2912,7 +3356,7 @@
           <a:p>
             <a:fld id="{B93E592B-316F-437C-9AE0-9B59089EEBBB}" type="datetimeFigureOut">
               <a:rPr lang="ru-RU" smtClean="0"/>
-              <a:t>05.06.2024</a:t>
+              <a:t>06.06.2024</a:t>
             </a:fld>
             <a:endParaRPr lang="ru-RU"/>
           </a:p>
@@ -3567,7 +4011,12 @@
             <p:ph type="title"/>
           </p:nvPr>
         </p:nvSpPr>
-        <p:spPr/>
+        <p:spPr>
+          <a:xfrm>
+            <a:off x="838200" y="365126"/>
+            <a:ext cx="10515600" cy="953466"/>
+          </a:xfrm>
+        </p:spPr>
         <p:txBody>
           <a:bodyPr>
             <a:normAutofit/>
@@ -3576,7 +4025,15 @@
           <a:p>
             <a:r>
               <a:rPr lang="ru-RU" b="1" u="sng" dirty="0"/>
-              <a:t>Цель работы</a:t>
+              <a:t>Цель</a:t>
+            </a:r>
+            <a:r>
+              <a:rPr lang="en-US" b="1" u="sng" dirty="0"/>
+              <a:t> </a:t>
+            </a:r>
+            <a:r>
+              <a:rPr lang="ru-RU" b="1" u="sng" dirty="0"/>
+              <a:t>работы</a:t>
             </a:r>
           </a:p>
         </p:txBody>
@@ -3597,12 +4054,279 @@
             <p:ph idx="1"/>
           </p:nvPr>
         </p:nvSpPr>
-        <p:spPr/>
+        <p:spPr>
+          <a:xfrm>
+            <a:off x="838200" y="1318593"/>
+            <a:ext cx="10515600" cy="1371598"/>
+          </a:xfrm>
+        </p:spPr>
         <p:txBody>
           <a:bodyPr>
             <a:normAutofit/>
           </a:bodyPr>
           <a:lstStyle/>
+          <a:p>
+            <a:pPr marL="0" indent="0">
+              <a:lnSpc>
+                <a:spcPct val="150000"/>
+              </a:lnSpc>
+              <a:buNone/>
+            </a:pPr>
+            <a:r>
+              <a:rPr lang="ru-RU" sz="2400" dirty="0">
+                <a:latin typeface="Times New Roman" panose="02020603050405020304" pitchFamily="18" charset="0"/>
+                <a:cs typeface="Times New Roman" panose="02020603050405020304" pitchFamily="18" charset="0"/>
+              </a:rPr>
+              <a:t>Создание информационной системы электронной библиотеки с трекингом времени, словарём и знакомство с работой моделями нейронных сетей.</a:t>
+            </a:r>
+          </a:p>
+        </p:txBody>
+      </p:sp>
+      <p:sp>
+        <p:nvSpPr>
+          <p:cNvPr id="6" name="Заголовок 1">
+            <a:extLst>
+              <a:ext uri="{FF2B5EF4-FFF2-40B4-BE49-F238E27FC236}">
+                <a16:creationId xmlns:a16="http://schemas.microsoft.com/office/drawing/2014/main" id="{67E2F264-6A31-3BAA-049B-EAE2CFACFB04}"/>
+              </a:ext>
+            </a:extLst>
+          </p:cNvPr>
+          <p:cNvSpPr txBox="1">
+            <a:spLocks/>
+          </p:cNvSpPr>
+          <p:nvPr/>
+        </p:nvSpPr>
+        <p:spPr>
+          <a:xfrm>
+            <a:off x="838200" y="2996648"/>
+            <a:ext cx="10515600" cy="864704"/>
+          </a:xfrm>
+          <a:prstGeom prst="rect">
+            <a:avLst/>
+          </a:prstGeom>
+        </p:spPr>
+        <p:txBody>
+          <a:bodyPr vert="horz" lIns="91440" tIns="45720" rIns="91440" bIns="45720" rtlCol="0" anchor="ctr">
+            <a:normAutofit/>
+          </a:bodyPr>
+          <a:lstStyle>
+            <a:lvl1pPr algn="l" defTabSz="914400" rtl="0" eaLnBrk="1" latinLnBrk="0" hangingPunct="1">
+              <a:lnSpc>
+                <a:spcPct val="90000"/>
+              </a:lnSpc>
+              <a:spcBef>
+                <a:spcPct val="0"/>
+              </a:spcBef>
+              <a:buNone/>
+              <a:defRPr sz="4400" kern="1200">
+                <a:solidFill>
+                  <a:schemeClr val="tx1"/>
+                </a:solidFill>
+                <a:latin typeface="+mj-lt"/>
+                <a:ea typeface="+mj-ea"/>
+                <a:cs typeface="+mj-cs"/>
+              </a:defRPr>
+            </a:lvl1pPr>
+          </a:lstStyle>
+          <a:p>
+            <a:r>
+              <a:rPr lang="ru-RU" b="1" u="sng" dirty="0"/>
+              <a:t>Задачи</a:t>
+            </a:r>
+          </a:p>
+        </p:txBody>
+      </p:sp>
+      <p:sp>
+        <p:nvSpPr>
+          <p:cNvPr id="7" name="Объект 2">
+            <a:extLst>
+              <a:ext uri="{FF2B5EF4-FFF2-40B4-BE49-F238E27FC236}">
+                <a16:creationId xmlns:a16="http://schemas.microsoft.com/office/drawing/2014/main" id="{C1AF610F-0BE1-CB03-E4B1-CB2FBF832325}"/>
+              </a:ext>
+            </a:extLst>
+          </p:cNvPr>
+          <p:cNvSpPr txBox="1">
+            <a:spLocks/>
+          </p:cNvSpPr>
+          <p:nvPr/>
+        </p:nvSpPr>
+        <p:spPr>
+          <a:xfrm>
+            <a:off x="838200" y="3861353"/>
+            <a:ext cx="10515600" cy="2315610"/>
+          </a:xfrm>
+          <a:prstGeom prst="rect">
+            <a:avLst/>
+          </a:prstGeom>
+        </p:spPr>
+        <p:txBody>
+          <a:bodyPr vert="horz" lIns="91440" tIns="45720" rIns="91440" bIns="45720" rtlCol="0">
+            <a:normAutofit/>
+          </a:bodyPr>
+          <a:lstStyle>
+            <a:lvl1pPr marL="228600" indent="-228600" algn="l" defTabSz="914400" rtl="0" eaLnBrk="1" latinLnBrk="0" hangingPunct="1">
+              <a:lnSpc>
+                <a:spcPct val="90000"/>
+              </a:lnSpc>
+              <a:spcBef>
+                <a:spcPts val="1000"/>
+              </a:spcBef>
+              <a:buFont typeface="Arial" panose="020B0604020202020204" pitchFamily="34" charset="0"/>
+              <a:buChar char="•"/>
+              <a:defRPr sz="2800" kern="1200">
+                <a:solidFill>
+                  <a:schemeClr val="tx1"/>
+                </a:solidFill>
+                <a:latin typeface="+mn-lt"/>
+                <a:ea typeface="+mn-ea"/>
+                <a:cs typeface="+mn-cs"/>
+              </a:defRPr>
+            </a:lvl1pPr>
+            <a:lvl2pPr marL="685800" indent="-228600" algn="l" defTabSz="914400" rtl="0" eaLnBrk="1" latinLnBrk="0" hangingPunct="1">
+              <a:lnSpc>
+                <a:spcPct val="90000"/>
+              </a:lnSpc>
+              <a:spcBef>
+                <a:spcPts val="500"/>
+              </a:spcBef>
+              <a:buFont typeface="Arial" panose="020B0604020202020204" pitchFamily="34" charset="0"/>
+              <a:buChar char="•"/>
+              <a:defRPr sz="2400" kern="1200">
+                <a:solidFill>
+                  <a:schemeClr val="tx1"/>
+                </a:solidFill>
+                <a:latin typeface="+mn-lt"/>
+                <a:ea typeface="+mn-ea"/>
+                <a:cs typeface="+mn-cs"/>
+              </a:defRPr>
+            </a:lvl2pPr>
+            <a:lvl3pPr marL="1143000" indent="-228600" algn="l" defTabSz="914400" rtl="0" eaLnBrk="1" latinLnBrk="0" hangingPunct="1">
+              <a:lnSpc>
+                <a:spcPct val="90000"/>
+              </a:lnSpc>
+              <a:spcBef>
+                <a:spcPts val="500"/>
+              </a:spcBef>
+              <a:buFont typeface="Arial" panose="020B0604020202020204" pitchFamily="34" charset="0"/>
+              <a:buChar char="•"/>
+              <a:defRPr sz="2000" kern="1200">
+                <a:solidFill>
+                  <a:schemeClr val="tx1"/>
+                </a:solidFill>
+                <a:latin typeface="+mn-lt"/>
+                <a:ea typeface="+mn-ea"/>
+                <a:cs typeface="+mn-cs"/>
+              </a:defRPr>
+            </a:lvl3pPr>
+            <a:lvl4pPr marL="1600200" indent="-228600" algn="l" defTabSz="914400" rtl="0" eaLnBrk="1" latinLnBrk="0" hangingPunct="1">
+              <a:lnSpc>
+                <a:spcPct val="90000"/>
+              </a:lnSpc>
+              <a:spcBef>
+                <a:spcPts val="500"/>
+              </a:spcBef>
+              <a:buFont typeface="Arial" panose="020B0604020202020204" pitchFamily="34" charset="0"/>
+              <a:buChar char="•"/>
+              <a:defRPr sz="1800" kern="1200">
+                <a:solidFill>
+                  <a:schemeClr val="tx1"/>
+                </a:solidFill>
+                <a:latin typeface="+mn-lt"/>
+                <a:ea typeface="+mn-ea"/>
+                <a:cs typeface="+mn-cs"/>
+              </a:defRPr>
+            </a:lvl4pPr>
+            <a:lvl5pPr marL="2057400" indent="-228600" algn="l" defTabSz="914400" rtl="0" eaLnBrk="1" latinLnBrk="0" hangingPunct="1">
+              <a:lnSpc>
+                <a:spcPct val="90000"/>
+              </a:lnSpc>
+              <a:spcBef>
+                <a:spcPts val="500"/>
+              </a:spcBef>
+              <a:buFont typeface="Arial" panose="020B0604020202020204" pitchFamily="34" charset="0"/>
+              <a:buChar char="•"/>
+              <a:defRPr sz="1800" kern="1200">
+                <a:solidFill>
+                  <a:schemeClr val="tx1"/>
+                </a:solidFill>
+                <a:latin typeface="+mn-lt"/>
+                <a:ea typeface="+mn-ea"/>
+                <a:cs typeface="+mn-cs"/>
+              </a:defRPr>
+            </a:lvl5pPr>
+            <a:lvl6pPr marL="2514600" indent="-228600" algn="l" defTabSz="914400" rtl="0" eaLnBrk="1" latinLnBrk="0" hangingPunct="1">
+              <a:lnSpc>
+                <a:spcPct val="90000"/>
+              </a:lnSpc>
+              <a:spcBef>
+                <a:spcPts val="500"/>
+              </a:spcBef>
+              <a:buFont typeface="Arial" panose="020B0604020202020204" pitchFamily="34" charset="0"/>
+              <a:buChar char="•"/>
+              <a:defRPr sz="1800" kern="1200">
+                <a:solidFill>
+                  <a:schemeClr val="tx1"/>
+                </a:solidFill>
+                <a:latin typeface="+mn-lt"/>
+                <a:ea typeface="+mn-ea"/>
+                <a:cs typeface="+mn-cs"/>
+              </a:defRPr>
+            </a:lvl6pPr>
+            <a:lvl7pPr marL="2971800" indent="-228600" algn="l" defTabSz="914400" rtl="0" eaLnBrk="1" latinLnBrk="0" hangingPunct="1">
+              <a:lnSpc>
+                <a:spcPct val="90000"/>
+              </a:lnSpc>
+              <a:spcBef>
+                <a:spcPts val="500"/>
+              </a:spcBef>
+              <a:buFont typeface="Arial" panose="020B0604020202020204" pitchFamily="34" charset="0"/>
+              <a:buChar char="•"/>
+              <a:defRPr sz="1800" kern="1200">
+                <a:solidFill>
+                  <a:schemeClr val="tx1"/>
+                </a:solidFill>
+                <a:latin typeface="+mn-lt"/>
+                <a:ea typeface="+mn-ea"/>
+                <a:cs typeface="+mn-cs"/>
+              </a:defRPr>
+            </a:lvl7pPr>
+            <a:lvl8pPr marL="3429000" indent="-228600" algn="l" defTabSz="914400" rtl="0" eaLnBrk="1" latinLnBrk="0" hangingPunct="1">
+              <a:lnSpc>
+                <a:spcPct val="90000"/>
+              </a:lnSpc>
+              <a:spcBef>
+                <a:spcPts val="500"/>
+              </a:spcBef>
+              <a:buFont typeface="Arial" panose="020B0604020202020204" pitchFamily="34" charset="0"/>
+              <a:buChar char="•"/>
+              <a:defRPr sz="1800" kern="1200">
+                <a:solidFill>
+                  <a:schemeClr val="tx1"/>
+                </a:solidFill>
+                <a:latin typeface="+mn-lt"/>
+                <a:ea typeface="+mn-ea"/>
+                <a:cs typeface="+mn-cs"/>
+              </a:defRPr>
+            </a:lvl8pPr>
+            <a:lvl9pPr marL="3886200" indent="-228600" algn="l" defTabSz="914400" rtl="0" eaLnBrk="1" latinLnBrk="0" hangingPunct="1">
+              <a:lnSpc>
+                <a:spcPct val="90000"/>
+              </a:lnSpc>
+              <a:spcBef>
+                <a:spcPts val="500"/>
+              </a:spcBef>
+              <a:buFont typeface="Arial" panose="020B0604020202020204" pitchFamily="34" charset="0"/>
+              <a:buChar char="•"/>
+              <a:defRPr sz="1800" kern="1200">
+                <a:solidFill>
+                  <a:schemeClr val="tx1"/>
+                </a:solidFill>
+                <a:latin typeface="+mn-lt"/>
+                <a:ea typeface="+mn-ea"/>
+                <a:cs typeface="+mn-cs"/>
+              </a:defRPr>
+            </a:lvl9pPr>
+          </a:lstStyle>
           <a:p>
             <a:pPr>
               <a:lnSpc>
@@ -3610,23 +4334,26 @@
               </a:lnSpc>
             </a:pPr>
             <a:r>
-              <a:rPr lang="ru-RU" sz="3600" dirty="0">
+              <a:rPr lang="ru-RU" sz="2400" dirty="0">
                 <a:latin typeface="Times New Roman" panose="02020603050405020304" pitchFamily="18" charset="0"/>
                 <a:cs typeface="Times New Roman" panose="02020603050405020304" pitchFamily="18" charset="0"/>
               </a:rPr>
-              <a:t>Создание информационной системы электронной библиотеки</a:t>
-            </a:r>
-            <a:r>
-              <a:rPr lang="en-US" sz="3600" dirty="0">
+              <a:t>Разработка программного обеспечения</a:t>
+            </a:r>
+            <a:r>
+              <a:rPr lang="en-US" sz="2400" dirty="0">
                 <a:latin typeface="Times New Roman" panose="02020603050405020304" pitchFamily="18" charset="0"/>
                 <a:cs typeface="Times New Roman" panose="02020603050405020304" pitchFamily="18" charset="0"/>
               </a:rPr>
-              <a:t>;</a:t>
-            </a:r>
-            <a:endParaRPr lang="ru-RU" sz="3600" dirty="0">
-              <a:latin typeface="Times New Roman" panose="02020603050405020304" pitchFamily="18" charset="0"/>
-              <a:cs typeface="Times New Roman" panose="02020603050405020304" pitchFamily="18" charset="0"/>
-            </a:endParaRPr>
+              <a:t> </a:t>
+            </a:r>
+            <a:r>
+              <a:rPr lang="ru-RU" sz="2400" dirty="0">
+                <a:latin typeface="Times New Roman" panose="02020603050405020304" pitchFamily="18" charset="0"/>
+                <a:cs typeface="Times New Roman" panose="02020603050405020304" pitchFamily="18" charset="0"/>
+              </a:rPr>
+              <a:t>электронной библиотеки</a:t>
+            </a:r>
           </a:p>
           <a:p>
             <a:pPr>
@@ -3635,23 +4362,26 @@
               </a:lnSpc>
             </a:pPr>
             <a:r>
-              <a:rPr lang="ru-RU" sz="3600" dirty="0">
+              <a:rPr lang="ru-RU" sz="2400" dirty="0">
                 <a:latin typeface="Times New Roman" panose="02020603050405020304" pitchFamily="18" charset="0"/>
                 <a:cs typeface="Times New Roman" panose="02020603050405020304" pitchFamily="18" charset="0"/>
               </a:rPr>
-              <a:t>Внедрение возможностей искусственного интеллекта в разработанную ИС</a:t>
-            </a:r>
-            <a:r>
-              <a:rPr lang="en-US" sz="3600" dirty="0">
+              <a:t>Реализация функции краткого пересказа текста</a:t>
+            </a:r>
+          </a:p>
+          <a:p>
+            <a:pPr>
+              <a:lnSpc>
+                <a:spcPct val="150000"/>
+              </a:lnSpc>
+            </a:pPr>
+            <a:r>
+              <a:rPr lang="ru-RU" sz="2400" dirty="0">
                 <a:latin typeface="Times New Roman" panose="02020603050405020304" pitchFamily="18" charset="0"/>
                 <a:cs typeface="Times New Roman" panose="02020603050405020304" pitchFamily="18" charset="0"/>
               </a:rPr>
-              <a:t>.</a:t>
-            </a:r>
-            <a:endParaRPr lang="ru-RU" sz="3600" dirty="0">
-              <a:latin typeface="Times New Roman" panose="02020603050405020304" pitchFamily="18" charset="0"/>
-              <a:cs typeface="Times New Roman" panose="02020603050405020304" pitchFamily="18" charset="0"/>
-            </a:endParaRPr>
+              <a:t>Реализация функции словаря</a:t>
+            </a:r>
           </a:p>
         </p:txBody>
       </p:sp>
@@ -3690,7 +4420,7 @@
           <p:cNvPr id="2" name="Заголовок 1">
             <a:extLst>
               <a:ext uri="{FF2B5EF4-FFF2-40B4-BE49-F238E27FC236}">
-                <a16:creationId xmlns:a16="http://schemas.microsoft.com/office/drawing/2014/main" id="{E961B6CE-94BF-B1D0-F9BD-6A5CC85CF384}"/>
+                <a16:creationId xmlns:a16="http://schemas.microsoft.com/office/drawing/2014/main" id="{6F264373-B6DA-A24A-489E-6D51D9248D45}"/>
               </a:ext>
             </a:extLst>
           </p:cNvPr>
@@ -3708,7 +4438,7 @@
           <a:p>
             <a:r>
               <a:rPr lang="ru-RU" b="1" u="sng" dirty="0"/>
-              <a:t>Задачи</a:t>
+              <a:t>Функции системы</a:t>
             </a:r>
           </a:p>
         </p:txBody>
@@ -3718,7 +4448,7 @@
           <p:cNvPr id="3" name="Объект 2">
             <a:extLst>
               <a:ext uri="{FF2B5EF4-FFF2-40B4-BE49-F238E27FC236}">
-                <a16:creationId xmlns:a16="http://schemas.microsoft.com/office/drawing/2014/main" id="{9642898C-6940-AF1A-4DB4-B51D8F9097CF}"/>
+                <a16:creationId xmlns:a16="http://schemas.microsoft.com/office/drawing/2014/main" id="{FC902084-EC69-4059-C0D9-625BBE8E07B6}"/>
               </a:ext>
             </a:extLst>
           </p:cNvPr>
@@ -3731,83 +4461,99 @@
         </p:nvSpPr>
         <p:spPr/>
         <p:txBody>
-          <a:bodyPr/>
+          <a:bodyPr>
+            <a:normAutofit/>
+          </a:bodyPr>
           <a:lstStyle/>
           <a:p>
-            <a:r>
-              <a:rPr lang="ru-RU" dirty="0">
+            <a:pPr>
+              <a:lnSpc>
+                <a:spcPct val="150000"/>
+              </a:lnSpc>
+            </a:pPr>
+            <a:r>
+              <a:rPr lang="ru-RU" sz="2400" dirty="0">
                 <a:latin typeface="Times New Roman" panose="02020603050405020304" pitchFamily="18" charset="0"/>
                 <a:cs typeface="Times New Roman" panose="02020603050405020304" pitchFamily="18" charset="0"/>
               </a:rPr>
-              <a:t>Спроектировать логическую схему базы данных</a:t>
-            </a:r>
-          </a:p>
-          <a:p>
-            <a:r>
-              <a:rPr lang="ru-RU" dirty="0">
+              <a:t>предоставление списка книг;</a:t>
+            </a:r>
+          </a:p>
+          <a:p>
+            <a:pPr>
+              <a:lnSpc>
+                <a:spcPct val="150000"/>
+              </a:lnSpc>
+            </a:pPr>
+            <a:r>
+              <a:rPr lang="ru-RU" sz="2400" dirty="0">
                 <a:latin typeface="Times New Roman" panose="02020603050405020304" pitchFamily="18" charset="0"/>
                 <a:cs typeface="Times New Roman" panose="02020603050405020304" pitchFamily="18" charset="0"/>
               </a:rPr>
-              <a:t>Выбор технологии для разработки программной системы</a:t>
-            </a:r>
-          </a:p>
-          <a:p>
-            <a:r>
-              <a:rPr lang="ru-RU" dirty="0">
+              <a:t>просмотр документа;</a:t>
+            </a:r>
+          </a:p>
+          <a:p>
+            <a:pPr>
+              <a:lnSpc>
+                <a:spcPct val="150000"/>
+              </a:lnSpc>
+            </a:pPr>
+            <a:r>
+              <a:rPr lang="ru-RU" sz="2400" dirty="0">
                 <a:latin typeface="Times New Roman" panose="02020603050405020304" pitchFamily="18" charset="0"/>
                 <a:cs typeface="Times New Roman" panose="02020603050405020304" pitchFamily="18" charset="0"/>
               </a:rPr>
-              <a:t>Нахождение аналогичных разработок</a:t>
-            </a:r>
-          </a:p>
-          <a:p>
-            <a:r>
-              <a:rPr lang="ru-RU" dirty="0">
+              <a:t>перевод текста документа;</a:t>
+            </a:r>
+          </a:p>
+          <a:p>
+            <a:pPr>
+              <a:lnSpc>
+                <a:spcPct val="150000"/>
+              </a:lnSpc>
+            </a:pPr>
+            <a:r>
+              <a:rPr lang="ru-RU" sz="2400" dirty="0">
                 <a:latin typeface="Times New Roman" panose="02020603050405020304" pitchFamily="18" charset="0"/>
                 <a:cs typeface="Times New Roman" panose="02020603050405020304" pitchFamily="18" charset="0"/>
               </a:rPr>
-              <a:t>Определение набора функции системы</a:t>
-            </a:r>
-          </a:p>
-          <a:p>
-            <a:r>
-              <a:rPr lang="ru-RU" dirty="0">
+              <a:t>нахождение определения выбранного слова;</a:t>
+            </a:r>
+          </a:p>
+          <a:p>
+            <a:pPr>
+              <a:lnSpc>
+                <a:spcPct val="150000"/>
+              </a:lnSpc>
+            </a:pPr>
+            <a:r>
+              <a:rPr lang="ru-RU" sz="2400" dirty="0">
                 <a:latin typeface="Times New Roman" panose="02020603050405020304" pitchFamily="18" charset="0"/>
                 <a:cs typeface="Times New Roman" panose="02020603050405020304" pitchFamily="18" charset="0"/>
               </a:rPr>
-              <a:t>Разработка программного обеспечения</a:t>
-            </a:r>
-          </a:p>
-          <a:p>
-            <a:r>
-              <a:rPr lang="ru-RU" dirty="0">
+              <a:t>обобщение текста</a:t>
+            </a:r>
+            <a:r>
+              <a:rPr lang="en-US" sz="2400" dirty="0">
                 <a:latin typeface="Times New Roman" panose="02020603050405020304" pitchFamily="18" charset="0"/>
                 <a:cs typeface="Times New Roman" panose="02020603050405020304" pitchFamily="18" charset="0"/>
               </a:rPr>
-              <a:t>Выбор провайдера моделей НС</a:t>
-            </a:r>
-          </a:p>
-          <a:p>
-            <a:r>
-              <a:rPr lang="ru-RU" dirty="0">
+              <a:t>;</a:t>
+            </a:r>
+          </a:p>
+          <a:p>
+            <a:pPr>
+              <a:lnSpc>
+                <a:spcPct val="150000"/>
+              </a:lnSpc>
+            </a:pPr>
+            <a:r>
+              <a:rPr lang="ru-RU" sz="2400" dirty="0">
                 <a:latin typeface="Times New Roman" panose="02020603050405020304" pitchFamily="18" charset="0"/>
                 <a:cs typeface="Times New Roman" panose="02020603050405020304" pitchFamily="18" charset="0"/>
               </a:rPr>
-              <a:t>Тестирование</a:t>
-            </a:r>
-            <a:r>
-              <a:rPr lang="en-US" dirty="0">
-                <a:latin typeface="Times New Roman" panose="02020603050405020304" pitchFamily="18" charset="0"/>
-                <a:cs typeface="Times New Roman" panose="02020603050405020304" pitchFamily="18" charset="0"/>
-              </a:rPr>
-              <a:t> </a:t>
-            </a:r>
-            <a:r>
-              <a:rPr lang="ru-RU" dirty="0">
-                <a:latin typeface="Times New Roman" panose="02020603050405020304" pitchFamily="18" charset="0"/>
-                <a:cs typeface="Times New Roman" panose="02020603050405020304" pitchFamily="18" charset="0"/>
-              </a:rPr>
-              <a:t>разработанной системы</a:t>
+              <a:t>трекинг проведенного времени за документом.</a:t>
             </a:r>
           </a:p>
         </p:txBody>
@@ -3815,7 +4561,7 @@
     </p:spTree>
     <p:extLst>
       <p:ext uri="{BB962C8B-B14F-4D97-AF65-F5344CB8AC3E}">
-        <p14:creationId xmlns:p14="http://schemas.microsoft.com/office/powerpoint/2010/main" val="4282919120"/>
+        <p14:creationId xmlns:p14="http://schemas.microsoft.com/office/powerpoint/2010/main" val="1747370249"/>
       </p:ext>
     </p:extLst>
   </p:cSld>
@@ -3860,11 +4606,13 @@
         </p:nvSpPr>
         <p:spPr/>
         <p:txBody>
-          <a:bodyPr/>
+          <a:bodyPr>
+            <a:normAutofit/>
+          </a:bodyPr>
           <a:lstStyle/>
           <a:p>
             <a:r>
-              <a:rPr lang="ru-RU" b="1" u="sng" dirty="0"/>
+              <a:rPr lang="ru-RU" sz="2800" b="1" u="sng" dirty="0"/>
               <a:t>Таблица результатов сравнительного анализа аналогов и системы</a:t>
             </a:r>
           </a:p>
@@ -3886,7 +4634,7 @@
             <p:ph idx="1"/>
             <p:extLst>
               <p:ext uri="{D42A27DB-BD31-4B8C-83A1-F6EECF244321}">
-                <p14:modId xmlns:p14="http://schemas.microsoft.com/office/powerpoint/2010/main" val="2935990100"/>
+                <p14:modId xmlns:p14="http://schemas.microsoft.com/office/powerpoint/2010/main" val="2008490473"/>
               </p:ext>
             </p:extLst>
           </p:nvPr>
@@ -3899,7 +4647,7 @@
           <a:graphicData uri="http://schemas.openxmlformats.org/drawingml/2006/table">
             <a:tbl>
               <a:tblPr firstRow="1" firstCol="1" bandRow="1">
-                <a:tableStyleId>{5C22544A-7EE6-4342-B048-85BDC9FD1C3A}</a:tableStyleId>
+                <a:tableStyleId>{5940675A-B579-460E-94D1-54222C63F5DA}</a:tableStyleId>
               </a:tblPr>
               <a:tblGrid>
                 <a:gridCol w="3068945">
@@ -3950,15 +4698,15 @@
                         </a:lnSpc>
                       </a:pPr>
                       <a:r>
-                        <a:rPr lang="ru-RU" sz="1800" kern="150" dirty="0">
+                        <a:rPr lang="ru-RU" sz="1800" b="1" kern="150" dirty="0">
                           <a:effectLst/>
                         </a:rPr>
                         <a:t>Название программного продукта</a:t>
                       </a:r>
-                      <a:endParaRPr lang="ru-RU" sz="1800" kern="150" dirty="0">
+                      <a:endParaRPr lang="ru-RU" sz="1800" b="1" kern="150" dirty="0">
                         <a:effectLst/>
                         <a:latin typeface="Times New Roman" panose="02020603050405020304" pitchFamily="18" charset="0"/>
-                        <a:ea typeface="Times New Roman" panose="02020603050405020304" pitchFamily="18" charset="0"/>
+                        <a:ea typeface="+mn-ea"/>
                       </a:endParaRPr>
                     </a:p>
                   </a:txBody>
@@ -3975,15 +4723,15 @@
                         </a:lnSpc>
                       </a:pPr>
                       <a:r>
-                        <a:rPr lang="ru-RU" sz="1800" kern="150">
+                        <a:rPr lang="ru-RU" sz="1800" b="1" kern="150" dirty="0">
                           <a:effectLst/>
                         </a:rPr>
                         <a:t>Calibre</a:t>
                       </a:r>
-                      <a:endParaRPr lang="ru-RU" sz="1800" kern="150">
+                      <a:endParaRPr lang="ru-RU" sz="1800" b="1" kern="150" dirty="0">
                         <a:effectLst/>
                         <a:latin typeface="Times New Roman" panose="02020603050405020304" pitchFamily="18" charset="0"/>
-                        <a:ea typeface="Times New Roman" panose="02020603050405020304" pitchFamily="18" charset="0"/>
+                        <a:ea typeface="+mn-ea"/>
                       </a:endParaRPr>
                     </a:p>
                   </a:txBody>
@@ -4000,15 +4748,15 @@
                         </a:lnSpc>
                       </a:pPr>
                       <a:r>
-                        <a:rPr lang="en-US" sz="1800" kern="150">
+                        <a:rPr lang="en-US" sz="1800" b="1" kern="150" dirty="0">
                           <a:effectLst/>
                         </a:rPr>
                         <a:t>Kavita</a:t>
                       </a:r>
-                      <a:endParaRPr lang="ru-RU" sz="1800" kern="150">
+                      <a:endParaRPr lang="ru-RU" sz="1800" b="1" kern="150" dirty="0">
                         <a:effectLst/>
                         <a:latin typeface="Times New Roman" panose="02020603050405020304" pitchFamily="18" charset="0"/>
-                        <a:ea typeface="Times New Roman" panose="02020603050405020304" pitchFamily="18" charset="0"/>
+                        <a:ea typeface="+mn-ea"/>
                       </a:endParaRPr>
                     </a:p>
                   </a:txBody>
@@ -4025,15 +4773,15 @@
                         </a:lnSpc>
                       </a:pPr>
                       <a:r>
-                        <a:rPr lang="en-US" sz="1800" kern="150">
+                        <a:rPr lang="en-US" sz="1800" b="1" kern="150" dirty="0">
                           <a:effectLst/>
                         </a:rPr>
                         <a:t>Koodo</a:t>
                       </a:r>
-                      <a:endParaRPr lang="ru-RU" sz="1800" kern="150">
+                      <a:endParaRPr lang="ru-RU" sz="1800" b="1" kern="150" dirty="0">
                         <a:effectLst/>
                         <a:latin typeface="Times New Roman" panose="02020603050405020304" pitchFamily="18" charset="0"/>
-                        <a:ea typeface="Times New Roman" panose="02020603050405020304" pitchFamily="18" charset="0"/>
+                        <a:ea typeface="+mn-ea"/>
                       </a:endParaRPr>
                     </a:p>
                   </a:txBody>
@@ -4050,15 +4798,15 @@
                         </a:lnSpc>
                       </a:pPr>
                       <a:r>
-                        <a:rPr lang="ru-RU" sz="1800" kern="150">
+                        <a:rPr lang="ru-RU" sz="1800" b="1" kern="150" dirty="0">
                           <a:effectLst/>
                         </a:rPr>
                         <a:t>Разработанный программный продукт</a:t>
                       </a:r>
-                      <a:endParaRPr lang="ru-RU" sz="1800" kern="150">
+                      <a:endParaRPr lang="ru-RU" sz="1800" b="1" kern="150" dirty="0">
                         <a:effectLst/>
                         <a:latin typeface="Times New Roman" panose="02020603050405020304" pitchFamily="18" charset="0"/>
-                        <a:ea typeface="Times New Roman" panose="02020603050405020304" pitchFamily="18" charset="0"/>
+                        <a:ea typeface="+mn-ea"/>
                       </a:endParaRPr>
                     </a:p>
                   </a:txBody>
@@ -4082,15 +4830,147 @@
                         </a:lnSpc>
                       </a:pPr>
                       <a:r>
-                        <a:rPr lang="ru-RU" sz="1800" kern="150" dirty="0">
+                        <a:rPr lang="ru-RU" sz="1800" b="1" kern="150" dirty="0">
                           <a:effectLst/>
                         </a:rPr>
                         <a:t>Многопользовательская система</a:t>
                       </a:r>
+                      <a:endParaRPr lang="ru-RU" sz="1800" b="1" kern="150" dirty="0">
+                        <a:effectLst/>
+                        <a:latin typeface="Times New Roman" panose="02020603050405020304" pitchFamily="18" charset="0"/>
+                        <a:ea typeface="+mn-ea"/>
+                      </a:endParaRPr>
+                    </a:p>
+                  </a:txBody>
+                  <a:tcPr marL="68580" marR="68580" marT="0" marB="0"/>
+                </a:tc>
+                <a:tc>
+                  <a:txBody>
+                    <a:bodyPr/>
+                    <a:lstStyle/>
+                    <a:p>
+                      <a:pPr algn="ctr">
+                        <a:lnSpc>
+                          <a:spcPct val="115000"/>
+                        </a:lnSpc>
+                      </a:pPr>
+                      <a:r>
+                        <a:rPr lang="ru-RU" sz="1800" kern="150" dirty="0">
+                          <a:effectLst/>
+                        </a:rPr>
+                        <a:t>-</a:t>
+                      </a:r>
                       <a:endParaRPr lang="ru-RU" sz="1800" kern="150" dirty="0">
                         <a:effectLst/>
                         <a:latin typeface="Times New Roman" panose="02020603050405020304" pitchFamily="18" charset="0"/>
-                        <a:ea typeface="Times New Roman" panose="02020603050405020304" pitchFamily="18" charset="0"/>
+                        <a:ea typeface="+mn-ea"/>
+                      </a:endParaRPr>
+                    </a:p>
+                  </a:txBody>
+                  <a:tcPr marL="68580" marR="68580" marT="0" marB="0"/>
+                </a:tc>
+                <a:tc>
+                  <a:txBody>
+                    <a:bodyPr/>
+                    <a:lstStyle/>
+                    <a:p>
+                      <a:pPr algn="ctr">
+                        <a:lnSpc>
+                          <a:spcPct val="115000"/>
+                        </a:lnSpc>
+                      </a:pPr>
+                      <a:r>
+                        <a:rPr lang="ru-RU" sz="1800" kern="150">
+                          <a:effectLst/>
+                        </a:rPr>
+                        <a:t>+</a:t>
+                      </a:r>
+                      <a:endParaRPr lang="ru-RU" sz="1800" kern="150">
+                        <a:effectLst/>
+                        <a:latin typeface="Times New Roman" panose="02020603050405020304" pitchFamily="18" charset="0"/>
+                        <a:ea typeface="+mn-ea"/>
+                      </a:endParaRPr>
+                    </a:p>
+                  </a:txBody>
+                  <a:tcPr marL="68580" marR="68580" marT="0" marB="0"/>
+                </a:tc>
+                <a:tc>
+                  <a:txBody>
+                    <a:bodyPr/>
+                    <a:lstStyle/>
+                    <a:p>
+                      <a:pPr algn="ctr">
+                        <a:lnSpc>
+                          <a:spcPct val="115000"/>
+                        </a:lnSpc>
+                      </a:pPr>
+                      <a:r>
+                        <a:rPr lang="en-US" sz="1800" kern="150">
+                          <a:effectLst/>
+                        </a:rPr>
+                        <a:t>-</a:t>
+                      </a:r>
+                      <a:endParaRPr lang="ru-RU" sz="1800" kern="150">
+                        <a:effectLst/>
+                        <a:latin typeface="Times New Roman" panose="02020603050405020304" pitchFamily="18" charset="0"/>
+                        <a:ea typeface="+mn-ea"/>
+                      </a:endParaRPr>
+                    </a:p>
+                  </a:txBody>
+                  <a:tcPr marL="68580" marR="68580" marT="0" marB="0"/>
+                </a:tc>
+                <a:tc>
+                  <a:txBody>
+                    <a:bodyPr/>
+                    <a:lstStyle/>
+                    <a:p>
+                      <a:pPr algn="ctr">
+                        <a:lnSpc>
+                          <a:spcPct val="115000"/>
+                        </a:lnSpc>
+                      </a:pPr>
+                      <a:r>
+                        <a:rPr lang="ru-RU" sz="1800" kern="150">
+                          <a:effectLst/>
+                        </a:rPr>
+                        <a:t>+</a:t>
+                      </a:r>
+                      <a:endParaRPr lang="ru-RU" sz="1800" kern="150">
+                        <a:effectLst/>
+                        <a:latin typeface="Times New Roman" panose="02020603050405020304" pitchFamily="18" charset="0"/>
+                        <a:ea typeface="+mn-ea"/>
+                      </a:endParaRPr>
+                    </a:p>
+                  </a:txBody>
+                  <a:tcPr marL="68580" marR="68580" marT="0" marB="0"/>
+                </a:tc>
+                <a:extLst>
+                  <a:ext uri="{0D108BD9-81ED-4DB2-BD59-A6C34878D82A}">
+                    <a16:rowId xmlns:a16="http://schemas.microsoft.com/office/drawing/2014/main" val="1529556747"/>
+                  </a:ext>
+                </a:extLst>
+              </a:tr>
+              <a:tr h="431308">
+                <a:tc>
+                  <a:txBody>
+                    <a:bodyPr/>
+                    <a:lstStyle/>
+                    <a:p>
+                      <a:pPr algn="ctr">
+                        <a:lnSpc>
+                          <a:spcPct val="115000"/>
+                        </a:lnSpc>
+                      </a:pPr>
+                      <a:r>
+                        <a:rPr lang="ru-RU" sz="1800" b="1" kern="150" dirty="0">
+                          <a:effectLst/>
+                        </a:rPr>
+                        <a:t>Веб-интерфейс</a:t>
+                      </a:r>
+                      <a:endParaRPr lang="ru-RU" sz="1800" b="1" kern="150" dirty="0">
+                        <a:effectLst/>
+                        <a:latin typeface="Times New Roman" panose="02020603050405020304" pitchFamily="18" charset="0"/>
+                        <a:ea typeface="+mn-ea"/>
                       </a:endParaRPr>
                     </a:p>
                   </a:txBody>
@@ -4115,7 +4995,7 @@
                       <a:endParaRPr lang="ru-RU" sz="1800" kern="150">
                         <a:effectLst/>
                         <a:latin typeface="Times New Roman" panose="02020603050405020304" pitchFamily="18" charset="0"/>
-                        <a:ea typeface="Times New Roman" panose="02020603050405020304" pitchFamily="18" charset="0"/>
+                        <a:ea typeface="+mn-ea"/>
                       </a:endParaRPr>
                     </a:p>
                   </a:txBody>
@@ -4140,7 +5020,271 @@
                       <a:endParaRPr lang="ru-RU" sz="1800" kern="150">
                         <a:effectLst/>
                         <a:latin typeface="Times New Roman" panose="02020603050405020304" pitchFamily="18" charset="0"/>
-                        <a:ea typeface="Times New Roman" panose="02020603050405020304" pitchFamily="18" charset="0"/>
+                        <a:ea typeface="+mn-ea"/>
+                      </a:endParaRPr>
+                    </a:p>
+                  </a:txBody>
+                  <a:tcPr marL="68580" marR="68580" marT="0" marB="0"/>
+                </a:tc>
+                <a:tc>
+                  <a:txBody>
+                    <a:bodyPr/>
+                    <a:lstStyle/>
+                    <a:p>
+                      <a:pPr algn="ctr">
+                        <a:lnSpc>
+                          <a:spcPct val="115000"/>
+                        </a:lnSpc>
+                      </a:pPr>
+                      <a:r>
+                        <a:rPr lang="en-US" sz="1800" kern="150">
+                          <a:effectLst/>
+                        </a:rPr>
+                        <a:t>+</a:t>
+                      </a:r>
+                      <a:endParaRPr lang="ru-RU" sz="1800" kern="150">
+                        <a:effectLst/>
+                        <a:latin typeface="Times New Roman" panose="02020603050405020304" pitchFamily="18" charset="0"/>
+                        <a:ea typeface="+mn-ea"/>
+                      </a:endParaRPr>
+                    </a:p>
+                  </a:txBody>
+                  <a:tcPr marL="68580" marR="68580" marT="0" marB="0"/>
+                </a:tc>
+                <a:tc>
+                  <a:txBody>
+                    <a:bodyPr/>
+                    <a:lstStyle/>
+                    <a:p>
+                      <a:pPr algn="ctr">
+                        <a:lnSpc>
+                          <a:spcPct val="115000"/>
+                        </a:lnSpc>
+                      </a:pPr>
+                      <a:r>
+                        <a:rPr lang="ru-RU" sz="1800" kern="150">
+                          <a:effectLst/>
+                        </a:rPr>
+                        <a:t>+</a:t>
+                      </a:r>
+                      <a:endParaRPr lang="ru-RU" sz="1800" kern="150">
+                        <a:effectLst/>
+                        <a:latin typeface="Times New Roman" panose="02020603050405020304" pitchFamily="18" charset="0"/>
+                        <a:ea typeface="+mn-ea"/>
+                      </a:endParaRPr>
+                    </a:p>
+                  </a:txBody>
+                  <a:tcPr marL="68580" marR="68580" marT="0" marB="0"/>
+                </a:tc>
+                <a:extLst>
+                  <a:ext uri="{0D108BD9-81ED-4DB2-BD59-A6C34878D82A}">
+                    <a16:rowId xmlns:a16="http://schemas.microsoft.com/office/drawing/2014/main" val="1667977833"/>
+                  </a:ext>
+                </a:extLst>
+              </a:tr>
+              <a:tr h="543915">
+                <a:tc>
+                  <a:txBody>
+                    <a:bodyPr/>
+                    <a:lstStyle/>
+                    <a:p>
+                      <a:pPr algn="ctr">
+                        <a:lnSpc>
+                          <a:spcPct val="115000"/>
+                        </a:lnSpc>
+                      </a:pPr>
+                      <a:r>
+                        <a:rPr lang="ru-RU" sz="1800" b="1" kern="150" dirty="0">
+                          <a:effectLst/>
+                        </a:rPr>
+                        <a:t>Настольное приложение</a:t>
+                      </a:r>
+                      <a:endParaRPr lang="ru-RU" sz="1800" b="1" kern="150" dirty="0">
+                        <a:effectLst/>
+                        <a:latin typeface="Times New Roman" panose="02020603050405020304" pitchFamily="18" charset="0"/>
+                        <a:ea typeface="+mn-ea"/>
+                      </a:endParaRPr>
+                    </a:p>
+                  </a:txBody>
+                  <a:tcPr marL="68580" marR="68580" marT="0" marB="0"/>
+                </a:tc>
+                <a:tc>
+                  <a:txBody>
+                    <a:bodyPr/>
+                    <a:lstStyle/>
+                    <a:p>
+                      <a:pPr algn="ctr">
+                        <a:lnSpc>
+                          <a:spcPct val="115000"/>
+                        </a:lnSpc>
+                      </a:pPr>
+                      <a:r>
+                        <a:rPr lang="ru-RU" sz="1800" kern="150" dirty="0">
+                          <a:effectLst/>
+                        </a:rPr>
+                        <a:t>+</a:t>
+                      </a:r>
+                      <a:endParaRPr lang="ru-RU" sz="1800" kern="150" dirty="0">
+                        <a:effectLst/>
+                        <a:latin typeface="Times New Roman" panose="02020603050405020304" pitchFamily="18" charset="0"/>
+                        <a:ea typeface="+mn-ea"/>
+                      </a:endParaRPr>
+                    </a:p>
+                  </a:txBody>
+                  <a:tcPr marL="68580" marR="68580" marT="0" marB="0"/>
+                </a:tc>
+                <a:tc>
+                  <a:txBody>
+                    <a:bodyPr/>
+                    <a:lstStyle/>
+                    <a:p>
+                      <a:pPr algn="ctr">
+                        <a:lnSpc>
+                          <a:spcPct val="115000"/>
+                        </a:lnSpc>
+                      </a:pPr>
+                      <a:r>
+                        <a:rPr lang="ru-RU" sz="1800" kern="150">
+                          <a:effectLst/>
+                        </a:rPr>
+                        <a:t>-</a:t>
+                      </a:r>
+                      <a:endParaRPr lang="ru-RU" sz="1800" kern="150">
+                        <a:effectLst/>
+                        <a:latin typeface="Times New Roman" panose="02020603050405020304" pitchFamily="18" charset="0"/>
+                        <a:ea typeface="+mn-ea"/>
+                      </a:endParaRPr>
+                    </a:p>
+                  </a:txBody>
+                  <a:tcPr marL="68580" marR="68580" marT="0" marB="0"/>
+                </a:tc>
+                <a:tc>
+                  <a:txBody>
+                    <a:bodyPr/>
+                    <a:lstStyle/>
+                    <a:p>
+                      <a:pPr algn="ctr">
+                        <a:lnSpc>
+                          <a:spcPct val="115000"/>
+                        </a:lnSpc>
+                      </a:pPr>
+                      <a:r>
+                        <a:rPr lang="en-US" sz="1800" kern="150">
+                          <a:effectLst/>
+                        </a:rPr>
+                        <a:t>+</a:t>
+                      </a:r>
+                      <a:endParaRPr lang="ru-RU" sz="1800" kern="150">
+                        <a:effectLst/>
+                        <a:latin typeface="Times New Roman" panose="02020603050405020304" pitchFamily="18" charset="0"/>
+                        <a:ea typeface="+mn-ea"/>
+                      </a:endParaRPr>
+                    </a:p>
+                  </a:txBody>
+                  <a:tcPr marL="68580" marR="68580" marT="0" marB="0"/>
+                </a:tc>
+                <a:tc>
+                  <a:txBody>
+                    <a:bodyPr/>
+                    <a:lstStyle/>
+                    <a:p>
+                      <a:pPr algn="ctr">
+                        <a:lnSpc>
+                          <a:spcPct val="115000"/>
+                        </a:lnSpc>
+                      </a:pPr>
+                      <a:r>
+                        <a:rPr lang="ru-RU" sz="1800" kern="150" dirty="0">
+                          <a:effectLst/>
+                        </a:rPr>
+                        <a:t>+</a:t>
+                      </a:r>
+                      <a:endParaRPr lang="ru-RU" sz="1800" kern="150" dirty="0">
+                        <a:effectLst/>
+                        <a:latin typeface="Times New Roman" panose="02020603050405020304" pitchFamily="18" charset="0"/>
+                        <a:ea typeface="+mn-ea"/>
+                      </a:endParaRPr>
+                    </a:p>
+                  </a:txBody>
+                  <a:tcPr marL="68580" marR="68580" marT="0" marB="0"/>
+                </a:tc>
+                <a:extLst>
+                  <a:ext uri="{0D108BD9-81ED-4DB2-BD59-A6C34878D82A}">
+                    <a16:rowId xmlns:a16="http://schemas.microsoft.com/office/drawing/2014/main" val="1388003479"/>
+                  </a:ext>
+                </a:extLst>
+              </a:tr>
+              <a:tr h="543915">
+                <a:tc>
+                  <a:txBody>
+                    <a:bodyPr/>
+                    <a:lstStyle/>
+                    <a:p>
+                      <a:pPr algn="ctr">
+                        <a:lnSpc>
+                          <a:spcPct val="115000"/>
+                        </a:lnSpc>
+                      </a:pPr>
+                      <a:r>
+                        <a:rPr lang="ru-RU" sz="1800" b="1" kern="150" dirty="0">
+                          <a:effectLst/>
+                        </a:rPr>
+                        <a:t>Трекинг проведенного времени</a:t>
+                      </a:r>
+                      <a:endParaRPr lang="ru-RU" sz="1800" b="1" kern="150" dirty="0">
+                        <a:effectLst/>
+                        <a:latin typeface="Times New Roman" panose="02020603050405020304" pitchFamily="18" charset="0"/>
+                        <a:ea typeface="+mn-ea"/>
+                      </a:endParaRPr>
+                    </a:p>
+                  </a:txBody>
+                  <a:tcPr marL="68580" marR="68580" marT="0" marB="0"/>
+                </a:tc>
+                <a:tc>
+                  <a:txBody>
+                    <a:bodyPr/>
+                    <a:lstStyle/>
+                    <a:p>
+                      <a:pPr algn="ctr">
+                        <a:lnSpc>
+                          <a:spcPct val="115000"/>
+                        </a:lnSpc>
+                      </a:pPr>
+                      <a:r>
+                        <a:rPr lang="ru-RU" sz="1800" kern="150" dirty="0">
+                          <a:effectLst/>
+                        </a:rPr>
+                        <a:t>-</a:t>
+                      </a:r>
+                      <a:endParaRPr lang="ru-RU" sz="1800" kern="150" dirty="0">
+                        <a:effectLst/>
+                        <a:latin typeface="Times New Roman" panose="02020603050405020304" pitchFamily="18" charset="0"/>
+                        <a:ea typeface="+mn-ea"/>
+                      </a:endParaRPr>
+                    </a:p>
+                  </a:txBody>
+                  <a:tcPr marL="68580" marR="68580" marT="0" marB="0"/>
+                </a:tc>
+                <a:tc>
+                  <a:txBody>
+                    <a:bodyPr/>
+                    <a:lstStyle/>
+                    <a:p>
+                      <a:pPr algn="ctr">
+                        <a:lnSpc>
+                          <a:spcPct val="115000"/>
+                        </a:lnSpc>
+                      </a:pPr>
+                      <a:r>
+                        <a:rPr lang="ru-RU" sz="1800" kern="150" dirty="0">
+                          <a:effectLst/>
+                        </a:rPr>
+                        <a:t>-</a:t>
+                      </a:r>
+                      <a:endParaRPr lang="ru-RU" sz="1800" kern="150" dirty="0">
+                        <a:effectLst/>
+                        <a:latin typeface="Times New Roman" panose="02020603050405020304" pitchFamily="18" charset="0"/>
+                        <a:ea typeface="+mn-ea"/>
                       </a:endParaRPr>
                     </a:p>
                   </a:txBody>
@@ -4165,7 +5309,7 @@
                       <a:endParaRPr lang="ru-RU" sz="1800" kern="150">
                         <a:effectLst/>
                         <a:latin typeface="Times New Roman" panose="02020603050405020304" pitchFamily="18" charset="0"/>
-                        <a:ea typeface="Times New Roman" panose="02020603050405020304" pitchFamily="18" charset="0"/>
+                        <a:ea typeface="+mn-ea"/>
                       </a:endParaRPr>
                     </a:p>
                   </a:txBody>
@@ -4190,7 +5334,7 @@
                       <a:endParaRPr lang="ru-RU" sz="1800" kern="150">
                         <a:effectLst/>
                         <a:latin typeface="Times New Roman" panose="02020603050405020304" pitchFamily="18" charset="0"/>
-                        <a:ea typeface="Times New Roman" panose="02020603050405020304" pitchFamily="18" charset="0"/>
+                        <a:ea typeface="+mn-ea"/>
                       </a:endParaRPr>
                     </a:p>
                   </a:txBody>
@@ -4198,11 +5342,11 @@
                 </a:tc>
                 <a:extLst>
                   <a:ext uri="{0D108BD9-81ED-4DB2-BD59-A6C34878D82A}">
-                    <a16:rowId xmlns:a16="http://schemas.microsoft.com/office/drawing/2014/main" val="1529556747"/>
+                    <a16:rowId xmlns:a16="http://schemas.microsoft.com/office/drawing/2014/main" val="1112398990"/>
                   </a:ext>
                 </a:extLst>
               </a:tr>
-              <a:tr h="431308">
+              <a:tr h="543915">
                 <a:tc>
                   <a:txBody>
                     <a:bodyPr/>
@@ -4214,15 +5358,15 @@
                         </a:lnSpc>
                       </a:pPr>
                       <a:r>
-                        <a:rPr lang="ru-RU" sz="1800" kern="150" dirty="0">
+                        <a:rPr lang="ru-RU" sz="1800" b="1" kern="150" dirty="0">
                           <a:effectLst/>
                         </a:rPr>
-                        <a:t>Веб-интерфейс</a:t>
+                        <a:t>Краткий пересказ выделенного текста</a:t>
                       </a:r>
-                      <a:endParaRPr lang="ru-RU" sz="1800" kern="150" dirty="0">
+                      <a:endParaRPr lang="ru-RU" sz="1800" b="1" kern="150" dirty="0">
                         <a:effectLst/>
                         <a:latin typeface="Times New Roman" panose="02020603050405020304" pitchFamily="18" charset="0"/>
-                        <a:ea typeface="Times New Roman" panose="02020603050405020304" pitchFamily="18" charset="0"/>
+                        <a:ea typeface="+mn-ea"/>
                       </a:endParaRPr>
                     </a:p>
                   </a:txBody>
@@ -4247,7 +5391,57 @@
                       <a:endParaRPr lang="ru-RU" sz="1800" kern="150">
                         <a:effectLst/>
                         <a:latin typeface="Times New Roman" panose="02020603050405020304" pitchFamily="18" charset="0"/>
-                        <a:ea typeface="Times New Roman" panose="02020603050405020304" pitchFamily="18" charset="0"/>
+                        <a:ea typeface="+mn-ea"/>
+                      </a:endParaRPr>
+                    </a:p>
+                  </a:txBody>
+                  <a:tcPr marL="68580" marR="68580" marT="0" marB="0"/>
+                </a:tc>
+                <a:tc>
+                  <a:txBody>
+                    <a:bodyPr/>
+                    <a:lstStyle/>
+                    <a:p>
+                      <a:pPr algn="ctr">
+                        <a:lnSpc>
+                          <a:spcPct val="115000"/>
+                        </a:lnSpc>
+                      </a:pPr>
+                      <a:r>
+                        <a:rPr lang="ru-RU" sz="1800" kern="150" dirty="0">
+                          <a:effectLst/>
+                        </a:rPr>
+                        <a:t>-</a:t>
+                      </a:r>
+                      <a:endParaRPr lang="ru-RU" sz="1800" kern="150" dirty="0">
+                        <a:effectLst/>
+                        <a:latin typeface="Times New Roman" panose="02020603050405020304" pitchFamily="18" charset="0"/>
+                        <a:ea typeface="+mn-ea"/>
+                      </a:endParaRPr>
+                    </a:p>
+                  </a:txBody>
+                  <a:tcPr marL="68580" marR="68580" marT="0" marB="0"/>
+                </a:tc>
+                <a:tc>
+                  <a:txBody>
+                    <a:bodyPr/>
+                    <a:lstStyle/>
+                    <a:p>
+                      <a:pPr algn="ctr">
+                        <a:lnSpc>
+                          <a:spcPct val="115000"/>
+                        </a:lnSpc>
+                      </a:pPr>
+                      <a:r>
+                        <a:rPr lang="ru-RU" sz="1800" kern="150" dirty="0">
+                          <a:effectLst/>
+                        </a:rPr>
+                        <a:t>-</a:t>
+                      </a:r>
+                      <a:endParaRPr lang="ru-RU" sz="1800" kern="150" dirty="0">
+                        <a:effectLst/>
+                        <a:latin typeface="Times New Roman" panose="02020603050405020304" pitchFamily="18" charset="0"/>
+                        <a:ea typeface="+mn-ea"/>
                       </a:endParaRPr>
                     </a:p>
                   </a:txBody>
@@ -4272,12 +5466,19 @@
                       <a:endParaRPr lang="ru-RU" sz="1800" kern="150">
                         <a:effectLst/>
                         <a:latin typeface="Times New Roman" panose="02020603050405020304" pitchFamily="18" charset="0"/>
-                        <a:ea typeface="Times New Roman" panose="02020603050405020304" pitchFamily="18" charset="0"/>
+                        <a:ea typeface="+mn-ea"/>
                       </a:endParaRPr>
                     </a:p>
                   </a:txBody>
                   <a:tcPr marL="68580" marR="68580" marT="0" marB="0"/>
                 </a:tc>
+                <a:extLst>
+                  <a:ext uri="{0D108BD9-81ED-4DB2-BD59-A6C34878D82A}">
+                    <a16:rowId xmlns:a16="http://schemas.microsoft.com/office/drawing/2014/main" val="2031758304"/>
+                  </a:ext>
+                </a:extLst>
+              </a:tr>
+              <a:tr h="431308">
                 <a:tc>
                   <a:txBody>
                     <a:bodyPr/>
@@ -4289,15 +5490,15 @@
                         </a:lnSpc>
                       </a:pPr>
                       <a:r>
-                        <a:rPr lang="en-US" sz="1800" kern="150">
+                        <a:rPr lang="ru-RU" sz="1800" b="1" kern="150" dirty="0">
                           <a:effectLst/>
                         </a:rPr>
-                        <a:t>+</a:t>
+                        <a:t>Встроенный словарь</a:t>
                       </a:r>
-                      <a:endParaRPr lang="ru-RU" sz="1800" kern="150">
+                      <a:endParaRPr lang="ru-RU" sz="1800" b="1" kern="150" dirty="0">
                         <a:effectLst/>
                         <a:latin typeface="Times New Roman" panose="02020603050405020304" pitchFamily="18" charset="0"/>
-                        <a:ea typeface="Times New Roman" panose="02020603050405020304" pitchFamily="18" charset="0"/>
+                        <a:ea typeface="+mn-ea"/>
                       </a:endParaRPr>
                     </a:p>
                   </a:txBody>
@@ -4322,19 +5523,12 @@
                       <a:endParaRPr lang="ru-RU" sz="1800" kern="150">
                         <a:effectLst/>
                         <a:latin typeface="Times New Roman" panose="02020603050405020304" pitchFamily="18" charset="0"/>
-                        <a:ea typeface="Times New Roman" panose="02020603050405020304" pitchFamily="18" charset="0"/>
+                        <a:ea typeface="+mn-ea"/>
                       </a:endParaRPr>
                     </a:p>
                   </a:txBody>
                   <a:tcPr marL="68580" marR="68580" marT="0" marB="0"/>
                 </a:tc>
-                <a:extLst>
-                  <a:ext uri="{0D108BD9-81ED-4DB2-BD59-A6C34878D82A}">
-                    <a16:rowId xmlns:a16="http://schemas.microsoft.com/office/drawing/2014/main" val="1667977833"/>
-                  </a:ext>
-                </a:extLst>
-              </a:tr>
-              <a:tr h="543915">
                 <a:tc>
                   <a:txBody>
                     <a:bodyPr/>
@@ -4349,12 +5543,37 @@
                         <a:rPr lang="ru-RU" sz="1800" kern="150">
                           <a:effectLst/>
                         </a:rPr>
-                        <a:t>Настольное приложение</a:t>
+                        <a:t>-</a:t>
                       </a:r>
                       <a:endParaRPr lang="ru-RU" sz="1800" kern="150">
                         <a:effectLst/>
                         <a:latin typeface="Times New Roman" panose="02020603050405020304" pitchFamily="18" charset="0"/>
-                        <a:ea typeface="Times New Roman" panose="02020603050405020304" pitchFamily="18" charset="0"/>
+                        <a:ea typeface="+mn-ea"/>
+                      </a:endParaRPr>
+                    </a:p>
+                  </a:txBody>
+                  <a:tcPr marL="68580" marR="68580" marT="0" marB="0"/>
+                </a:tc>
+                <a:tc>
+                  <a:txBody>
+                    <a:bodyPr/>
+                    <a:lstStyle/>
+                    <a:p>
+                      <a:pPr algn="ctr">
+                        <a:lnSpc>
+                          <a:spcPct val="115000"/>
+                        </a:lnSpc>
+                      </a:pPr>
+                      <a:r>
+                        <a:rPr lang="ru-RU" sz="1800" kern="150" dirty="0">
+                          <a:effectLst/>
+                        </a:rPr>
+                        <a:t>-</a:t>
+                      </a:r>
+                      <a:endParaRPr lang="ru-RU" sz="1800" kern="150" dirty="0">
+                        <a:effectLst/>
+                        <a:latin typeface="Times New Roman" panose="02020603050405020304" pitchFamily="18" charset="0"/>
+                        <a:ea typeface="+mn-ea"/>
                       </a:endParaRPr>
                     </a:p>
                   </a:txBody>
@@ -4379,478 +5598,7 @@
                       <a:endParaRPr lang="ru-RU" sz="1800" kern="150" dirty="0">
                         <a:effectLst/>
                         <a:latin typeface="Times New Roman" panose="02020603050405020304" pitchFamily="18" charset="0"/>
-                        <a:ea typeface="Times New Roman" panose="02020603050405020304" pitchFamily="18" charset="0"/>
-                      </a:endParaRPr>
-                    </a:p>
-                  </a:txBody>
-                  <a:tcPr marL="68580" marR="68580" marT="0" marB="0"/>
-                </a:tc>
-                <a:tc>
-                  <a:txBody>
-                    <a:bodyPr/>
-                    <a:lstStyle/>
-                    <a:p>
-                      <a:pPr algn="ctr">
-                        <a:lnSpc>
-                          <a:spcPct val="115000"/>
-                        </a:lnSpc>
-                      </a:pPr>
-                      <a:r>
-                        <a:rPr lang="ru-RU" sz="1800" kern="150">
-                          <a:effectLst/>
-                        </a:rPr>
-                        <a:t>-</a:t>
-                      </a:r>
-                      <a:endParaRPr lang="ru-RU" sz="1800" kern="150">
-                        <a:effectLst/>
-                        <a:latin typeface="Times New Roman" panose="02020603050405020304" pitchFamily="18" charset="0"/>
-                        <a:ea typeface="Times New Roman" panose="02020603050405020304" pitchFamily="18" charset="0"/>
-                      </a:endParaRPr>
-                    </a:p>
-                  </a:txBody>
-                  <a:tcPr marL="68580" marR="68580" marT="0" marB="0"/>
-                </a:tc>
-                <a:tc>
-                  <a:txBody>
-                    <a:bodyPr/>
-                    <a:lstStyle/>
-                    <a:p>
-                      <a:pPr algn="ctr">
-                        <a:lnSpc>
-                          <a:spcPct val="115000"/>
-                        </a:lnSpc>
-                      </a:pPr>
-                      <a:r>
-                        <a:rPr lang="en-US" sz="1800" kern="150">
-                          <a:effectLst/>
-                        </a:rPr>
-                        <a:t>+</a:t>
-                      </a:r>
-                      <a:endParaRPr lang="ru-RU" sz="1800" kern="150">
-                        <a:effectLst/>
-                        <a:latin typeface="Times New Roman" panose="02020603050405020304" pitchFamily="18" charset="0"/>
-                        <a:ea typeface="Times New Roman" panose="02020603050405020304" pitchFamily="18" charset="0"/>
-                      </a:endParaRPr>
-                    </a:p>
-                  </a:txBody>
-                  <a:tcPr marL="68580" marR="68580" marT="0" marB="0"/>
-                </a:tc>
-                <a:tc>
-                  <a:txBody>
-                    <a:bodyPr/>
-                    <a:lstStyle/>
-                    <a:p>
-                      <a:pPr algn="ctr">
-                        <a:lnSpc>
-                          <a:spcPct val="115000"/>
-                        </a:lnSpc>
-                      </a:pPr>
-                      <a:r>
-                        <a:rPr lang="ru-RU" sz="1800" kern="150" dirty="0">
-                          <a:effectLst/>
-                        </a:rPr>
-                        <a:t>+</a:t>
-                      </a:r>
-                      <a:endParaRPr lang="ru-RU" sz="1800" kern="150" dirty="0">
-                        <a:effectLst/>
-                        <a:latin typeface="Times New Roman" panose="02020603050405020304" pitchFamily="18" charset="0"/>
-                        <a:ea typeface="Times New Roman" panose="02020603050405020304" pitchFamily="18" charset="0"/>
-                      </a:endParaRPr>
-                    </a:p>
-                  </a:txBody>
-                  <a:tcPr marL="68580" marR="68580" marT="0" marB="0"/>
-                </a:tc>
-                <a:extLst>
-                  <a:ext uri="{0D108BD9-81ED-4DB2-BD59-A6C34878D82A}">
-                    <a16:rowId xmlns:a16="http://schemas.microsoft.com/office/drawing/2014/main" val="1388003479"/>
-                  </a:ext>
-                </a:extLst>
-              </a:tr>
-              <a:tr h="543915">
-                <a:tc>
-                  <a:txBody>
-                    <a:bodyPr/>
-                    <a:lstStyle/>
-                    <a:p>
-                      <a:pPr algn="ctr">
-                        <a:lnSpc>
-                          <a:spcPct val="115000"/>
-                        </a:lnSpc>
-                      </a:pPr>
-                      <a:r>
-                        <a:rPr lang="ru-RU" sz="1800" kern="150">
-                          <a:effectLst/>
-                        </a:rPr>
-                        <a:t>Трекинг проведенного времени</a:t>
-                      </a:r>
-                      <a:endParaRPr lang="ru-RU" sz="1800" kern="150">
-                        <a:effectLst/>
-                        <a:latin typeface="Times New Roman" panose="02020603050405020304" pitchFamily="18" charset="0"/>
-                        <a:ea typeface="Times New Roman" panose="02020603050405020304" pitchFamily="18" charset="0"/>
-                      </a:endParaRPr>
-                    </a:p>
-                  </a:txBody>
-                  <a:tcPr marL="68580" marR="68580" marT="0" marB="0"/>
-                </a:tc>
-                <a:tc>
-                  <a:txBody>
-                    <a:bodyPr/>
-                    <a:lstStyle/>
-                    <a:p>
-                      <a:pPr algn="ctr">
-                        <a:lnSpc>
-                          <a:spcPct val="115000"/>
-                        </a:lnSpc>
-                      </a:pPr>
-                      <a:r>
-                        <a:rPr lang="ru-RU" sz="1800" kern="150" dirty="0">
-                          <a:effectLst/>
-                        </a:rPr>
-                        <a:t>-</a:t>
-                      </a:r>
-                      <a:endParaRPr lang="ru-RU" sz="1800" kern="150" dirty="0">
-                        <a:effectLst/>
-                        <a:latin typeface="Times New Roman" panose="02020603050405020304" pitchFamily="18" charset="0"/>
-                        <a:ea typeface="Times New Roman" panose="02020603050405020304" pitchFamily="18" charset="0"/>
-                      </a:endParaRPr>
-                    </a:p>
-                  </a:txBody>
-                  <a:tcPr marL="68580" marR="68580" marT="0" marB="0"/>
-                </a:tc>
-                <a:tc>
-                  <a:txBody>
-                    <a:bodyPr/>
-                    <a:lstStyle/>
-                    <a:p>
-                      <a:pPr algn="ctr">
-                        <a:lnSpc>
-                          <a:spcPct val="115000"/>
-                        </a:lnSpc>
-                      </a:pPr>
-                      <a:r>
-                        <a:rPr lang="ru-RU" sz="1800" kern="150" dirty="0">
-                          <a:effectLst/>
-                        </a:rPr>
-                        <a:t>-</a:t>
-                      </a:r>
-                      <a:endParaRPr lang="ru-RU" sz="1800" kern="150" dirty="0">
-                        <a:effectLst/>
-                        <a:latin typeface="Times New Roman" panose="02020603050405020304" pitchFamily="18" charset="0"/>
-                        <a:ea typeface="Times New Roman" panose="02020603050405020304" pitchFamily="18" charset="0"/>
-                      </a:endParaRPr>
-                    </a:p>
-                  </a:txBody>
-                  <a:tcPr marL="68580" marR="68580" marT="0" marB="0"/>
-                </a:tc>
-                <a:tc>
-                  <a:txBody>
-                    <a:bodyPr/>
-                    <a:lstStyle/>
-                    <a:p>
-                      <a:pPr algn="ctr">
-                        <a:lnSpc>
-                          <a:spcPct val="115000"/>
-                        </a:lnSpc>
-                      </a:pPr>
-                      <a:r>
-                        <a:rPr lang="en-US" sz="1800" kern="150">
-                          <a:effectLst/>
-                        </a:rPr>
-                        <a:t>-</a:t>
-                      </a:r>
-                      <a:endParaRPr lang="ru-RU" sz="1800" kern="150">
-                        <a:effectLst/>
-                        <a:latin typeface="Times New Roman" panose="02020603050405020304" pitchFamily="18" charset="0"/>
-                        <a:ea typeface="Times New Roman" panose="02020603050405020304" pitchFamily="18" charset="0"/>
-                      </a:endParaRPr>
-                    </a:p>
-                  </a:txBody>
-                  <a:tcPr marL="68580" marR="68580" marT="0" marB="0"/>
-                </a:tc>
-                <a:tc>
-                  <a:txBody>
-                    <a:bodyPr/>
-                    <a:lstStyle/>
-                    <a:p>
-                      <a:pPr algn="ctr">
-                        <a:lnSpc>
-                          <a:spcPct val="115000"/>
-                        </a:lnSpc>
-                      </a:pPr>
-                      <a:r>
-                        <a:rPr lang="ru-RU" sz="1800" kern="150">
-                          <a:effectLst/>
-                        </a:rPr>
-                        <a:t>+</a:t>
-                      </a:r>
-                      <a:endParaRPr lang="ru-RU" sz="1800" kern="150">
-                        <a:effectLst/>
-                        <a:latin typeface="Times New Roman" panose="02020603050405020304" pitchFamily="18" charset="0"/>
-                        <a:ea typeface="Times New Roman" panose="02020603050405020304" pitchFamily="18" charset="0"/>
-                      </a:endParaRPr>
-                    </a:p>
-                  </a:txBody>
-                  <a:tcPr marL="68580" marR="68580" marT="0" marB="0"/>
-                </a:tc>
-                <a:extLst>
-                  <a:ext uri="{0D108BD9-81ED-4DB2-BD59-A6C34878D82A}">
-                    <a16:rowId xmlns:a16="http://schemas.microsoft.com/office/drawing/2014/main" val="1112398990"/>
-                  </a:ext>
-                </a:extLst>
-              </a:tr>
-              <a:tr h="543915">
-                <a:tc>
-                  <a:txBody>
-                    <a:bodyPr/>
-                    <a:lstStyle/>
-                    <a:p>
-                      <a:pPr algn="ctr">
-                        <a:lnSpc>
-                          <a:spcPct val="115000"/>
-                        </a:lnSpc>
-                      </a:pPr>
-                      <a:r>
-                        <a:rPr lang="ru-RU" sz="1800" kern="150">
-                          <a:effectLst/>
-                        </a:rPr>
-                        <a:t>Краткий пересказ выделенного текста</a:t>
-                      </a:r>
-                      <a:endParaRPr lang="ru-RU" sz="1800" kern="150">
-                        <a:effectLst/>
-                        <a:latin typeface="Times New Roman" panose="02020603050405020304" pitchFamily="18" charset="0"/>
-                        <a:ea typeface="Times New Roman" panose="02020603050405020304" pitchFamily="18" charset="0"/>
-                      </a:endParaRPr>
-                    </a:p>
-                  </a:txBody>
-                  <a:tcPr marL="68580" marR="68580" marT="0" marB="0"/>
-                </a:tc>
-                <a:tc>
-                  <a:txBody>
-                    <a:bodyPr/>
-                    <a:lstStyle/>
-                    <a:p>
-                      <a:pPr algn="ctr">
-                        <a:lnSpc>
-                          <a:spcPct val="115000"/>
-                        </a:lnSpc>
-                      </a:pPr>
-                      <a:r>
-                        <a:rPr lang="ru-RU" sz="1800" kern="150">
-                          <a:effectLst/>
-                        </a:rPr>
-                        <a:t>-</a:t>
-                      </a:r>
-                      <a:endParaRPr lang="ru-RU" sz="1800" kern="150">
-                        <a:effectLst/>
-                        <a:latin typeface="Times New Roman" panose="02020603050405020304" pitchFamily="18" charset="0"/>
-                        <a:ea typeface="Times New Roman" panose="02020603050405020304" pitchFamily="18" charset="0"/>
-                      </a:endParaRPr>
-                    </a:p>
-                  </a:txBody>
-                  <a:tcPr marL="68580" marR="68580" marT="0" marB="0"/>
-                </a:tc>
-                <a:tc>
-                  <a:txBody>
-                    <a:bodyPr/>
-                    <a:lstStyle/>
-                    <a:p>
-                      <a:pPr algn="ctr">
-                        <a:lnSpc>
-                          <a:spcPct val="115000"/>
-                        </a:lnSpc>
-                      </a:pPr>
-                      <a:r>
-                        <a:rPr lang="ru-RU" sz="1800" kern="150" dirty="0">
-                          <a:effectLst/>
-                        </a:rPr>
-                        <a:t>-</a:t>
-                      </a:r>
-                      <a:endParaRPr lang="ru-RU" sz="1800" kern="150" dirty="0">
-                        <a:effectLst/>
-                        <a:latin typeface="Times New Roman" panose="02020603050405020304" pitchFamily="18" charset="0"/>
-                        <a:ea typeface="Times New Roman" panose="02020603050405020304" pitchFamily="18" charset="0"/>
-                      </a:endParaRPr>
-                    </a:p>
-                  </a:txBody>
-                  <a:tcPr marL="68580" marR="68580" marT="0" marB="0"/>
-                </a:tc>
-                <a:tc>
-                  <a:txBody>
-                    <a:bodyPr/>
-                    <a:lstStyle/>
-                    <a:p>
-                      <a:pPr algn="ctr">
-                        <a:lnSpc>
-                          <a:spcPct val="115000"/>
-                        </a:lnSpc>
-                      </a:pPr>
-                      <a:r>
-                        <a:rPr lang="ru-RU" sz="1800" kern="150" dirty="0">
-                          <a:effectLst/>
-                        </a:rPr>
-                        <a:t>-</a:t>
-                      </a:r>
-                      <a:endParaRPr lang="ru-RU" sz="1800" kern="150" dirty="0">
-                        <a:effectLst/>
-                        <a:latin typeface="Times New Roman" panose="02020603050405020304" pitchFamily="18" charset="0"/>
-                        <a:ea typeface="Times New Roman" panose="02020603050405020304" pitchFamily="18" charset="0"/>
-                      </a:endParaRPr>
-                    </a:p>
-                  </a:txBody>
-                  <a:tcPr marL="68580" marR="68580" marT="0" marB="0"/>
-                </a:tc>
-                <a:tc>
-                  <a:txBody>
-                    <a:bodyPr/>
-                    <a:lstStyle/>
-                    <a:p>
-                      <a:pPr algn="ctr">
-                        <a:lnSpc>
-                          <a:spcPct val="115000"/>
-                        </a:lnSpc>
-                      </a:pPr>
-                      <a:r>
-                        <a:rPr lang="ru-RU" sz="1800" kern="150">
-                          <a:effectLst/>
-                        </a:rPr>
-                        <a:t>+</a:t>
-                      </a:r>
-                      <a:endParaRPr lang="ru-RU" sz="1800" kern="150">
-                        <a:effectLst/>
-                        <a:latin typeface="Times New Roman" panose="02020603050405020304" pitchFamily="18" charset="0"/>
-                        <a:ea typeface="Times New Roman" panose="02020603050405020304" pitchFamily="18" charset="0"/>
-                      </a:endParaRPr>
-                    </a:p>
-                  </a:txBody>
-                  <a:tcPr marL="68580" marR="68580" marT="0" marB="0"/>
-                </a:tc>
-                <a:extLst>
-                  <a:ext uri="{0D108BD9-81ED-4DB2-BD59-A6C34878D82A}">
-                    <a16:rowId xmlns:a16="http://schemas.microsoft.com/office/drawing/2014/main" val="2031758304"/>
-                  </a:ext>
-                </a:extLst>
-              </a:tr>
-              <a:tr h="431308">
-                <a:tc>
-                  <a:txBody>
-                    <a:bodyPr/>
-                    <a:lstStyle/>
-                    <a:p>
-                      <a:pPr algn="ctr">
-                        <a:lnSpc>
-                          <a:spcPct val="115000"/>
-                        </a:lnSpc>
-                      </a:pPr>
-                      <a:r>
-                        <a:rPr lang="ru-RU" sz="1800" kern="150">
-                          <a:effectLst/>
-                        </a:rPr>
-                        <a:t>Встроенный словарь</a:t>
-                      </a:r>
-                      <a:endParaRPr lang="ru-RU" sz="1800" kern="150">
-                        <a:effectLst/>
-                        <a:latin typeface="Times New Roman" panose="02020603050405020304" pitchFamily="18" charset="0"/>
-                        <a:ea typeface="Times New Roman" panose="02020603050405020304" pitchFamily="18" charset="0"/>
-                      </a:endParaRPr>
-                    </a:p>
-                  </a:txBody>
-                  <a:tcPr marL="68580" marR="68580" marT="0" marB="0"/>
-                </a:tc>
-                <a:tc>
-                  <a:txBody>
-                    <a:bodyPr/>
-                    <a:lstStyle/>
-                    <a:p>
-                      <a:pPr algn="ctr">
-                        <a:lnSpc>
-                          <a:spcPct val="115000"/>
-                        </a:lnSpc>
-                      </a:pPr>
-                      <a:r>
-                        <a:rPr lang="ru-RU" sz="1800" kern="150">
-                          <a:effectLst/>
-                        </a:rPr>
-                        <a:t>+</a:t>
-                      </a:r>
-                      <a:endParaRPr lang="ru-RU" sz="1800" kern="150">
-                        <a:effectLst/>
-                        <a:latin typeface="Times New Roman" panose="02020603050405020304" pitchFamily="18" charset="0"/>
-                        <a:ea typeface="Times New Roman" panose="02020603050405020304" pitchFamily="18" charset="0"/>
-                      </a:endParaRPr>
-                    </a:p>
-                  </a:txBody>
-                  <a:tcPr marL="68580" marR="68580" marT="0" marB="0"/>
-                </a:tc>
-                <a:tc>
-                  <a:txBody>
-                    <a:bodyPr/>
-                    <a:lstStyle/>
-                    <a:p>
-                      <a:pPr algn="ctr">
-                        <a:lnSpc>
-                          <a:spcPct val="115000"/>
-                        </a:lnSpc>
-                      </a:pPr>
-                      <a:r>
-                        <a:rPr lang="ru-RU" sz="1800" kern="150">
-                          <a:effectLst/>
-                        </a:rPr>
-                        <a:t>-</a:t>
-                      </a:r>
-                      <a:endParaRPr lang="ru-RU" sz="1800" kern="150">
-                        <a:effectLst/>
-                        <a:latin typeface="Times New Roman" panose="02020603050405020304" pitchFamily="18" charset="0"/>
-                        <a:ea typeface="Times New Roman" panose="02020603050405020304" pitchFamily="18" charset="0"/>
-                      </a:endParaRPr>
-                    </a:p>
-                  </a:txBody>
-                  <a:tcPr marL="68580" marR="68580" marT="0" marB="0"/>
-                </a:tc>
-                <a:tc>
-                  <a:txBody>
-                    <a:bodyPr/>
-                    <a:lstStyle/>
-                    <a:p>
-                      <a:pPr algn="ctr">
-                        <a:lnSpc>
-                          <a:spcPct val="115000"/>
-                        </a:lnSpc>
-                      </a:pPr>
-                      <a:r>
-                        <a:rPr lang="ru-RU" sz="1800" kern="150" dirty="0">
-                          <a:effectLst/>
-                        </a:rPr>
-                        <a:t>-</a:t>
-                      </a:r>
-                      <a:endParaRPr lang="ru-RU" sz="1800" kern="150" dirty="0">
-                        <a:effectLst/>
-                        <a:latin typeface="Times New Roman" panose="02020603050405020304" pitchFamily="18" charset="0"/>
-                        <a:ea typeface="Times New Roman" panose="02020603050405020304" pitchFamily="18" charset="0"/>
-                      </a:endParaRPr>
-                    </a:p>
-                  </a:txBody>
-                  <a:tcPr marL="68580" marR="68580" marT="0" marB="0"/>
-                </a:tc>
-                <a:tc>
-                  <a:txBody>
-                    <a:bodyPr/>
-                    <a:lstStyle/>
-                    <a:p>
-                      <a:pPr algn="ctr">
-                        <a:lnSpc>
-                          <a:spcPct val="115000"/>
-                        </a:lnSpc>
-                      </a:pPr>
-                      <a:r>
-                        <a:rPr lang="ru-RU" sz="1800" kern="150" dirty="0">
-                          <a:effectLst/>
-                        </a:rPr>
-                        <a:t>+</a:t>
-                      </a:r>
-                      <a:endParaRPr lang="ru-RU" sz="1800" kern="150" dirty="0">
-                        <a:effectLst/>
-                        <a:latin typeface="Times New Roman" panose="02020603050405020304" pitchFamily="18" charset="0"/>
-                        <a:ea typeface="Times New Roman" panose="02020603050405020304" pitchFamily="18" charset="0"/>
+                        <a:ea typeface="+mn-ea"/>
                       </a:endParaRPr>
                     </a:p>
                   </a:txBody>
@@ -4874,15 +5622,15 @@
                         </a:lnSpc>
                       </a:pPr>
                       <a:r>
-                        <a:rPr lang="ru-RU" sz="1800" kern="150">
+                        <a:rPr lang="ru-RU" sz="1800" b="1" kern="150" dirty="0">
                           <a:effectLst/>
                         </a:rPr>
                         <a:t>Лицензия исходного кода программы</a:t>
                       </a:r>
-                      <a:endParaRPr lang="ru-RU" sz="1800" kern="150">
+                      <a:endParaRPr lang="ru-RU" sz="1800" b="1" kern="150" dirty="0">
                         <a:effectLst/>
                         <a:latin typeface="Times New Roman" panose="02020603050405020304" pitchFamily="18" charset="0"/>
-                        <a:ea typeface="Times New Roman" panose="02020603050405020304" pitchFamily="18" charset="0"/>
+                        <a:ea typeface="+mn-ea"/>
                       </a:endParaRPr>
                     </a:p>
                   </a:txBody>
@@ -4907,7 +5655,7 @@
                       <a:endParaRPr lang="ru-RU" sz="1800" kern="150">
                         <a:effectLst/>
                         <a:latin typeface="Times New Roman" panose="02020603050405020304" pitchFamily="18" charset="0"/>
-                        <a:ea typeface="Times New Roman" panose="02020603050405020304" pitchFamily="18" charset="0"/>
+                        <a:ea typeface="+mn-ea"/>
                       </a:endParaRPr>
                     </a:p>
                   </a:txBody>
@@ -4932,7 +5680,7 @@
                       <a:endParaRPr lang="ru-RU" sz="1800" kern="150">
                         <a:effectLst/>
                         <a:latin typeface="Times New Roman" panose="02020603050405020304" pitchFamily="18" charset="0"/>
-                        <a:ea typeface="Times New Roman" panose="02020603050405020304" pitchFamily="18" charset="0"/>
+                        <a:ea typeface="+mn-ea"/>
                       </a:endParaRPr>
                     </a:p>
                   </a:txBody>
@@ -4957,7 +5705,7 @@
                       <a:endParaRPr lang="ru-RU" sz="1800" kern="150">
                         <a:effectLst/>
                         <a:latin typeface="Times New Roman" panose="02020603050405020304" pitchFamily="18" charset="0"/>
-                        <a:ea typeface="Times New Roman" panose="02020603050405020304" pitchFamily="18" charset="0"/>
+                        <a:ea typeface="+mn-ea"/>
                       </a:endParaRPr>
                     </a:p>
                   </a:txBody>
@@ -4982,7 +5730,7 @@
                       <a:endParaRPr lang="ru-RU" sz="1800" kern="150" dirty="0">
                         <a:effectLst/>
                         <a:latin typeface="Times New Roman" panose="02020603050405020304" pitchFamily="18" charset="0"/>
-                        <a:ea typeface="Times New Roman" panose="02020603050405020304" pitchFamily="18" charset="0"/>
+                        <a:ea typeface="+mn-ea"/>
                       </a:endParaRPr>
                     </a:p>
                   </a:txBody>
@@ -5033,7 +5781,7 @@
           <p:cNvPr id="2" name="Заголовок 1">
             <a:extLst>
               <a:ext uri="{FF2B5EF4-FFF2-40B4-BE49-F238E27FC236}">
-                <a16:creationId xmlns:a16="http://schemas.microsoft.com/office/drawing/2014/main" id="{6F264373-B6DA-A24A-489E-6D51D9248D45}"/>
+                <a16:creationId xmlns:a16="http://schemas.microsoft.com/office/drawing/2014/main" id="{336ED51E-9495-08B0-A76E-B6BF8D85BAB1}"/>
               </a:ext>
             </a:extLst>
           </p:cNvPr>
@@ -5051,7 +5799,7 @@
           <a:p>
             <a:r>
               <a:rPr lang="ru-RU" b="1" u="sng" dirty="0"/>
-              <a:t>Функции системы</a:t>
+              <a:t>Выбранные технологии</a:t>
             </a:r>
           </a:p>
         </p:txBody>
@@ -5061,7 +5809,7 @@
           <p:cNvPr id="3" name="Объект 2">
             <a:extLst>
               <a:ext uri="{FF2B5EF4-FFF2-40B4-BE49-F238E27FC236}">
-                <a16:creationId xmlns:a16="http://schemas.microsoft.com/office/drawing/2014/main" id="{FC902084-EC69-4059-C0D9-625BBE8E07B6}"/>
+                <a16:creationId xmlns:a16="http://schemas.microsoft.com/office/drawing/2014/main" id="{F791F861-6AA5-1100-C112-011872973822}"/>
               </a:ext>
             </a:extLst>
           </p:cNvPr>
@@ -5075,7 +5823,7 @@
         <p:spPr/>
         <p:txBody>
           <a:bodyPr>
-            <a:normAutofit lnSpcReduction="10000"/>
+            <a:normAutofit/>
           </a:bodyPr>
           <a:lstStyle/>
           <a:p>
@@ -5085,11 +5833,46 @@
               </a:lnSpc>
             </a:pPr>
             <a:r>
-              <a:rPr lang="ru-RU" dirty="0">
+              <a:rPr lang="ru-RU" sz="2400" dirty="0">
                 <a:latin typeface="Times New Roman" panose="02020603050405020304" pitchFamily="18" charset="0"/>
                 <a:cs typeface="Times New Roman" panose="02020603050405020304" pitchFamily="18" charset="0"/>
               </a:rPr>
-              <a:t>предоставление списка документов;</a:t>
+              <a:t>Веб-фреймворк </a:t>
+            </a:r>
+            <a:r>
+              <a:rPr lang="en-US" sz="2400" dirty="0">
+                <a:latin typeface="Times New Roman" panose="02020603050405020304" pitchFamily="18" charset="0"/>
+                <a:cs typeface="Times New Roman" panose="02020603050405020304" pitchFamily="18" charset="0"/>
+              </a:rPr>
+              <a:t>Angular</a:t>
+            </a:r>
+            <a:r>
+              <a:rPr lang="ru-RU" sz="2400" dirty="0">
+                <a:latin typeface="Times New Roman" panose="02020603050405020304" pitchFamily="18" charset="0"/>
+                <a:cs typeface="Times New Roman" panose="02020603050405020304" pitchFamily="18" charset="0"/>
+              </a:rPr>
+              <a:t>, язык программирования </a:t>
+            </a:r>
+            <a:r>
+              <a:rPr lang="en-US" sz="2400" dirty="0">
+                <a:latin typeface="Times New Roman" panose="02020603050405020304" pitchFamily="18" charset="0"/>
+                <a:cs typeface="Times New Roman" panose="02020603050405020304" pitchFamily="18" charset="0"/>
+              </a:rPr>
+              <a:t>TypeScript</a:t>
+            </a:r>
+            <a:r>
+              <a:rPr lang="ru-RU" sz="2400" dirty="0">
+                <a:latin typeface="Times New Roman" panose="02020603050405020304" pitchFamily="18" charset="0"/>
+                <a:cs typeface="Times New Roman" panose="02020603050405020304" pitchFamily="18" charset="0"/>
+              </a:rPr>
+              <a:t> (клиентская часть)</a:t>
+            </a:r>
+            <a:r>
+              <a:rPr lang="en-US" sz="2400" dirty="0">
+                <a:latin typeface="Times New Roman" panose="02020603050405020304" pitchFamily="18" charset="0"/>
+                <a:cs typeface="Times New Roman" panose="02020603050405020304" pitchFamily="18" charset="0"/>
+              </a:rPr>
+              <a:t>;</a:t>
             </a:r>
           </a:p>
           <a:p>
@@ -5099,12 +5882,51 @@
               </a:lnSpc>
             </a:pPr>
             <a:r>
-              <a:rPr lang="ru-RU" dirty="0">
+              <a:rPr lang="ru-RU" sz="2400" dirty="0">
                 <a:latin typeface="Times New Roman" panose="02020603050405020304" pitchFamily="18" charset="0"/>
                 <a:cs typeface="Times New Roman" panose="02020603050405020304" pitchFamily="18" charset="0"/>
               </a:rPr>
-              <a:t>просмотр документа;</a:t>
-            </a:r>
+              <a:t>Веб-фреймворк </a:t>
+            </a:r>
+            <a:r>
+              <a:rPr lang="en-US" sz="2400" dirty="0">
+                <a:latin typeface="Times New Roman" panose="02020603050405020304" pitchFamily="18" charset="0"/>
+                <a:cs typeface="Times New Roman" panose="02020603050405020304" pitchFamily="18" charset="0"/>
+              </a:rPr>
+              <a:t>ASP.NET Core, </a:t>
+            </a:r>
+            <a:r>
+              <a:rPr lang="ru-RU" sz="2400" dirty="0">
+                <a:latin typeface="Times New Roman" panose="02020603050405020304" pitchFamily="18" charset="0"/>
+                <a:cs typeface="Times New Roman" panose="02020603050405020304" pitchFamily="18" charset="0"/>
+              </a:rPr>
+              <a:t>язык программирования </a:t>
+            </a:r>
+            <a:r>
+              <a:rPr lang="en-US" sz="2400" dirty="0">
+                <a:latin typeface="Times New Roman" panose="02020603050405020304" pitchFamily="18" charset="0"/>
+                <a:cs typeface="Times New Roman" panose="02020603050405020304" pitchFamily="18" charset="0"/>
+              </a:rPr>
+              <a:t>C# (</a:t>
+            </a:r>
+            <a:r>
+              <a:rPr lang="ru-RU" sz="2400" dirty="0">
+                <a:latin typeface="Times New Roman" panose="02020603050405020304" pitchFamily="18" charset="0"/>
+                <a:cs typeface="Times New Roman" panose="02020603050405020304" pitchFamily="18" charset="0"/>
+              </a:rPr>
+              <a:t>серверная часть)</a:t>
+            </a:r>
+            <a:r>
+              <a:rPr lang="en-US" sz="2400" dirty="0">
+                <a:latin typeface="Times New Roman" panose="02020603050405020304" pitchFamily="18" charset="0"/>
+                <a:cs typeface="Times New Roman" panose="02020603050405020304" pitchFamily="18" charset="0"/>
+              </a:rPr>
+              <a:t>;</a:t>
+            </a:r>
+            <a:endParaRPr lang="ru-RU" sz="2400" dirty="0">
+              <a:latin typeface="Times New Roman" panose="02020603050405020304" pitchFamily="18" charset="0"/>
+              <a:cs typeface="Times New Roman" panose="02020603050405020304" pitchFamily="18" charset="0"/>
+            </a:endParaRPr>
           </a:p>
           <a:p>
             <a:pPr>
@@ -5113,790 +5935,30 @@
               </a:lnSpc>
             </a:pPr>
             <a:r>
-              <a:rPr lang="ru-RU" dirty="0">
-                <a:latin typeface="Times New Roman" panose="02020603050405020304" pitchFamily="18" charset="0"/>
-                <a:cs typeface="Times New Roman" panose="02020603050405020304" pitchFamily="18" charset="0"/>
-              </a:rPr>
-              <a:t>перевод текста документа;</a:t>
-            </a:r>
-          </a:p>
-          <a:p>
-            <a:pPr>
-              <a:lnSpc>
-                <a:spcPct val="150000"/>
-              </a:lnSpc>
-            </a:pPr>
-            <a:r>
-              <a:rPr lang="ru-RU" dirty="0">
-                <a:latin typeface="Times New Roman" panose="02020603050405020304" pitchFamily="18" charset="0"/>
-                <a:cs typeface="Times New Roman" panose="02020603050405020304" pitchFamily="18" charset="0"/>
-              </a:rPr>
-              <a:t>нахождение определения выбранного слова;</a:t>
-            </a:r>
-          </a:p>
-          <a:p>
-            <a:pPr>
-              <a:lnSpc>
-                <a:spcPct val="150000"/>
-              </a:lnSpc>
-            </a:pPr>
-            <a:r>
-              <a:rPr lang="ru-RU" dirty="0">
-                <a:latin typeface="Times New Roman" panose="02020603050405020304" pitchFamily="18" charset="0"/>
-                <a:cs typeface="Times New Roman" panose="02020603050405020304" pitchFamily="18" charset="0"/>
-              </a:rPr>
-              <a:t>обобщение текста</a:t>
-            </a:r>
-            <a:r>
-              <a:rPr lang="en-US" dirty="0">
-                <a:latin typeface="Times New Roman" panose="02020603050405020304" pitchFamily="18" charset="0"/>
-                <a:cs typeface="Times New Roman" panose="02020603050405020304" pitchFamily="18" charset="0"/>
-              </a:rPr>
-              <a:t>;</a:t>
-            </a:r>
-          </a:p>
-          <a:p>
-            <a:pPr>
-              <a:lnSpc>
-                <a:spcPct val="150000"/>
-              </a:lnSpc>
-            </a:pPr>
-            <a:r>
-              <a:rPr lang="ru-RU" dirty="0">
-                <a:latin typeface="Times New Roman" panose="02020603050405020304" pitchFamily="18" charset="0"/>
-                <a:cs typeface="Times New Roman" panose="02020603050405020304" pitchFamily="18" charset="0"/>
-              </a:rPr>
-              <a:t>трекинг проведенного времени за документом.</a:t>
-            </a:r>
-          </a:p>
-        </p:txBody>
-      </p:sp>
-    </p:spTree>
-    <p:extLst>
-      <p:ext uri="{BB962C8B-B14F-4D97-AF65-F5344CB8AC3E}">
-        <p14:creationId xmlns:p14="http://schemas.microsoft.com/office/powerpoint/2010/main" val="1747370249"/>
-      </p:ext>
-    </p:extLst>
-  </p:cSld>
-  <p:clrMapOvr>
-    <a:masterClrMapping/>
-  </p:clrMapOvr>
-</p:sld>
-</file>
-
-<file path=ppt/slides/slide6.xml><?xml version="1.0" encoding="utf-8"?>
-<p:sld xmlns:a="http://schemas.openxmlformats.org/drawingml/2006/main" xmlns:r="http://schemas.openxmlformats.org/officeDocument/2006/relationships" xmlns:p="http://schemas.openxmlformats.org/presentationml/2006/main">
-  <p:cSld>
-    <p:spTree>
-      <p:nvGrpSpPr>
-        <p:cNvPr id="1" name=""/>
-        <p:cNvGrpSpPr/>
-        <p:nvPr/>
-      </p:nvGrpSpPr>
-      <p:grpSpPr>
-        <a:xfrm>
-          <a:off x="0" y="0"/>
-          <a:ext cx="0" cy="0"/>
-          <a:chOff x="0" y="0"/>
-          <a:chExt cx="0" cy="0"/>
-        </a:xfrm>
-      </p:grpSpPr>
-      <p:sp>
-        <p:nvSpPr>
-          <p:cNvPr id="2" name="Заголовок 1">
-            <a:extLst>
-              <a:ext uri="{FF2B5EF4-FFF2-40B4-BE49-F238E27FC236}">
-                <a16:creationId xmlns:a16="http://schemas.microsoft.com/office/drawing/2014/main" id="{E7C38715-284A-B785-A40B-1911157A0CAB}"/>
-              </a:ext>
-            </a:extLst>
-          </p:cNvPr>
-          <p:cNvSpPr>
-            <a:spLocks noGrp="1"/>
-          </p:cNvSpPr>
-          <p:nvPr>
-            <p:ph type="title"/>
-          </p:nvPr>
-        </p:nvSpPr>
-        <p:spPr/>
-        <p:txBody>
-          <a:bodyPr/>
-          <a:lstStyle/>
-          <a:p>
-            <a:r>
-              <a:rPr lang="ru-RU" b="1" u="sng" dirty="0"/>
-              <a:t>Какие возможности ИИ можно внедрить</a:t>
-            </a:r>
-            <a:r>
-              <a:rPr lang="en-US" b="1" u="sng" dirty="0"/>
-              <a:t>?</a:t>
-            </a:r>
-            <a:endParaRPr lang="ru-RU" b="1" u="sng" dirty="0"/>
-          </a:p>
-        </p:txBody>
-      </p:sp>
-      <p:sp>
-        <p:nvSpPr>
-          <p:cNvPr id="3" name="Объект 2">
-            <a:extLst>
-              <a:ext uri="{FF2B5EF4-FFF2-40B4-BE49-F238E27FC236}">
-                <a16:creationId xmlns:a16="http://schemas.microsoft.com/office/drawing/2014/main" id="{5E0B0880-CB21-0D27-FADB-5059FFBD122E}"/>
-              </a:ext>
-            </a:extLst>
-          </p:cNvPr>
-          <p:cNvSpPr>
-            <a:spLocks noGrp="1"/>
-          </p:cNvSpPr>
-          <p:nvPr>
-            <p:ph idx="1"/>
-          </p:nvPr>
-        </p:nvSpPr>
-        <p:spPr/>
-        <p:txBody>
-          <a:bodyPr/>
-          <a:lstStyle/>
-          <a:p>
-            <a:pPr marL="0" indent="0">
-              <a:lnSpc>
-                <a:spcPct val="150000"/>
-              </a:lnSpc>
-              <a:buNone/>
-            </a:pPr>
-            <a:r>
-              <a:rPr lang="ru-RU" dirty="0">
-                <a:latin typeface="Times New Roman" panose="02020603050405020304" pitchFamily="18" charset="0"/>
-                <a:cs typeface="Times New Roman" panose="02020603050405020304" pitchFamily="18" charset="0"/>
-              </a:rPr>
-              <a:t>Электронная библиотека по сути сводится к работе с текстовой информацией из книг. Текст можно перевести на другой естественный язык, сформировать обобщение</a:t>
-            </a:r>
-            <a:r>
-              <a:rPr lang="en-US" dirty="0">
-                <a:latin typeface="Times New Roman" panose="02020603050405020304" pitchFamily="18" charset="0"/>
-                <a:cs typeface="Times New Roman" panose="02020603050405020304" pitchFamily="18" charset="0"/>
-              </a:rPr>
-              <a:t> (</a:t>
-            </a:r>
-            <a:r>
-              <a:rPr lang="ru-RU" dirty="0">
-                <a:latin typeface="Times New Roman" panose="02020603050405020304" pitchFamily="18" charset="0"/>
-                <a:cs typeface="Times New Roman" panose="02020603050405020304" pitchFamily="18" charset="0"/>
-              </a:rPr>
-              <a:t>краткий пересказ текста), перефразировать или преобразовать в другой вид информации (озвучить текст).</a:t>
-            </a:r>
-          </a:p>
-        </p:txBody>
-      </p:sp>
-    </p:spTree>
-    <p:extLst>
-      <p:ext uri="{BB962C8B-B14F-4D97-AF65-F5344CB8AC3E}">
-        <p14:creationId xmlns:p14="http://schemas.microsoft.com/office/powerpoint/2010/main" val="2276328803"/>
-      </p:ext>
-    </p:extLst>
-  </p:cSld>
-  <p:clrMapOvr>
-    <a:masterClrMapping/>
-  </p:clrMapOvr>
-</p:sld>
-</file>
-
-<file path=ppt/slides/slide7.xml><?xml version="1.0" encoding="utf-8"?>
-<p:sld xmlns:a="http://schemas.openxmlformats.org/drawingml/2006/main" xmlns:r="http://schemas.openxmlformats.org/officeDocument/2006/relationships" xmlns:p="http://schemas.openxmlformats.org/presentationml/2006/main">
-  <p:cSld>
-    <p:spTree>
-      <p:nvGrpSpPr>
-        <p:cNvPr id="1" name=""/>
-        <p:cNvGrpSpPr/>
-        <p:nvPr/>
-      </p:nvGrpSpPr>
-      <p:grpSpPr>
-        <a:xfrm>
-          <a:off x="0" y="0"/>
-          <a:ext cx="0" cy="0"/>
-          <a:chOff x="0" y="0"/>
-          <a:chExt cx="0" cy="0"/>
-        </a:xfrm>
-      </p:grpSpPr>
-      <p:sp>
-        <p:nvSpPr>
-          <p:cNvPr id="2" name="Заголовок 1">
-            <a:extLst>
-              <a:ext uri="{FF2B5EF4-FFF2-40B4-BE49-F238E27FC236}">
-                <a16:creationId xmlns:a16="http://schemas.microsoft.com/office/drawing/2014/main" id="{C6D0C95A-01A5-F315-ABE2-6B700D39077D}"/>
-              </a:ext>
-            </a:extLst>
-          </p:cNvPr>
-          <p:cNvSpPr>
-            <a:spLocks noGrp="1"/>
-          </p:cNvSpPr>
-          <p:nvPr>
-            <p:ph type="title"/>
-          </p:nvPr>
-        </p:nvSpPr>
-        <p:spPr/>
-        <p:txBody>
-          <a:bodyPr/>
-          <a:lstStyle/>
-          <a:p>
-            <a:r>
-              <a:rPr lang="ru-RU" b="1" u="sng" dirty="0"/>
-              <a:t>Выбор технологии и языков программирования</a:t>
-            </a:r>
-          </a:p>
-        </p:txBody>
-      </p:sp>
-      <p:sp>
-        <p:nvSpPr>
-          <p:cNvPr id="3" name="Объект 2">
-            <a:extLst>
-              <a:ext uri="{FF2B5EF4-FFF2-40B4-BE49-F238E27FC236}">
-                <a16:creationId xmlns:a16="http://schemas.microsoft.com/office/drawing/2014/main" id="{D3DE15A1-8C22-8815-6978-60BD5B26E1D3}"/>
-              </a:ext>
-            </a:extLst>
-          </p:cNvPr>
-          <p:cNvSpPr>
-            <a:spLocks noGrp="1"/>
-          </p:cNvSpPr>
-          <p:nvPr>
-            <p:ph idx="1"/>
-          </p:nvPr>
-        </p:nvSpPr>
-        <p:spPr/>
-        <p:txBody>
-          <a:bodyPr>
-            <a:noAutofit/>
-          </a:bodyPr>
-          <a:lstStyle/>
-          <a:p>
-            <a:pPr marL="0" indent="0">
-              <a:lnSpc>
-                <a:spcPct val="100000"/>
-              </a:lnSpc>
-              <a:buNone/>
-            </a:pPr>
-            <a:r>
               <a:rPr lang="ru-RU" sz="2400" dirty="0">
                 <a:latin typeface="Times New Roman" panose="02020603050405020304" pitchFamily="18" charset="0"/>
                 <a:cs typeface="Times New Roman" panose="02020603050405020304" pitchFamily="18" charset="0"/>
               </a:rPr>
-              <a:t>Основный факторы влияющие на выбор технологии для разработки</a:t>
+              <a:t>Облачные сервисы для работы с моделями НС от Яндекса</a:t>
             </a:r>
             <a:r>
               <a:rPr lang="en-US" sz="2400" dirty="0">
                 <a:latin typeface="Times New Roman" panose="02020603050405020304" pitchFamily="18" charset="0"/>
                 <a:cs typeface="Times New Roman" panose="02020603050405020304" pitchFamily="18" charset="0"/>
               </a:rPr>
-              <a:t> </a:t>
-            </a:r>
-            <a:r>
-              <a:rPr lang="ru-RU" sz="2400" dirty="0">
-                <a:latin typeface="Times New Roman" panose="02020603050405020304" pitchFamily="18" charset="0"/>
-                <a:cs typeface="Times New Roman" panose="02020603050405020304" pitchFamily="18" charset="0"/>
-              </a:rPr>
-              <a:t>программного обеспечения</a:t>
-            </a:r>
-            <a:r>
-              <a:rPr lang="en-US" sz="2400" dirty="0">
-                <a:latin typeface="Times New Roman" panose="02020603050405020304" pitchFamily="18" charset="0"/>
-                <a:cs typeface="Times New Roman" panose="02020603050405020304" pitchFamily="18" charset="0"/>
-              </a:rPr>
-              <a:t>:</a:t>
-            </a:r>
-          </a:p>
-          <a:p>
-            <a:pPr>
-              <a:lnSpc>
-                <a:spcPct val="100000"/>
-              </a:lnSpc>
-            </a:pPr>
-            <a:r>
-              <a:rPr lang="ru-RU" sz="2400" dirty="0">
-                <a:latin typeface="Times New Roman" panose="02020603050405020304" pitchFamily="18" charset="0"/>
-                <a:cs typeface="Times New Roman" panose="02020603050405020304" pitchFamily="18" charset="0"/>
-              </a:rPr>
-              <a:t>популярность</a:t>
-            </a:r>
-            <a:r>
-              <a:rPr lang="en-US" sz="2400" dirty="0">
-                <a:latin typeface="Times New Roman" panose="02020603050405020304" pitchFamily="18" charset="0"/>
-                <a:cs typeface="Times New Roman" panose="02020603050405020304" pitchFamily="18" charset="0"/>
-              </a:rPr>
-              <a:t>;</a:t>
+              <a:t>.</a:t>
             </a:r>
             <a:endParaRPr lang="ru-RU" sz="2400" dirty="0">
               <a:latin typeface="Times New Roman" panose="02020603050405020304" pitchFamily="18" charset="0"/>
               <a:cs typeface="Times New Roman" panose="02020603050405020304" pitchFamily="18" charset="0"/>
             </a:endParaRPr>
           </a:p>
-          <a:p>
-            <a:pPr>
-              <a:lnSpc>
-                <a:spcPct val="100000"/>
-              </a:lnSpc>
-            </a:pPr>
-            <a:r>
-              <a:rPr lang="ru-RU" sz="2400" dirty="0">
-                <a:latin typeface="Times New Roman" panose="02020603050405020304" pitchFamily="18" charset="0"/>
-                <a:cs typeface="Times New Roman" panose="02020603050405020304" pitchFamily="18" charset="0"/>
-              </a:rPr>
-              <a:t>зрелость</a:t>
-            </a:r>
-            <a:r>
-              <a:rPr lang="en-US" sz="2400" dirty="0">
-                <a:latin typeface="Times New Roman" panose="02020603050405020304" pitchFamily="18" charset="0"/>
-                <a:cs typeface="Times New Roman" panose="02020603050405020304" pitchFamily="18" charset="0"/>
-              </a:rPr>
-              <a:t>;</a:t>
-            </a:r>
-            <a:endParaRPr lang="ru-RU" sz="2400" dirty="0">
-              <a:latin typeface="Times New Roman" panose="02020603050405020304" pitchFamily="18" charset="0"/>
-              <a:cs typeface="Times New Roman" panose="02020603050405020304" pitchFamily="18" charset="0"/>
-            </a:endParaRPr>
-          </a:p>
-          <a:p>
-            <a:pPr>
-              <a:lnSpc>
-                <a:spcPct val="100000"/>
-              </a:lnSpc>
-            </a:pPr>
-            <a:r>
-              <a:rPr lang="ru-RU" sz="2400" dirty="0">
-                <a:latin typeface="Times New Roman" panose="02020603050405020304" pitchFamily="18" charset="0"/>
-                <a:cs typeface="Times New Roman" panose="02020603050405020304" pitchFamily="18" charset="0"/>
-              </a:rPr>
-              <a:t>поддержка сообществом</a:t>
-            </a:r>
-            <a:r>
-              <a:rPr lang="en-US" sz="2400" dirty="0">
-                <a:latin typeface="Times New Roman" panose="02020603050405020304" pitchFamily="18" charset="0"/>
-                <a:cs typeface="Times New Roman" panose="02020603050405020304" pitchFamily="18" charset="0"/>
-              </a:rPr>
-              <a:t>;</a:t>
-            </a:r>
-            <a:endParaRPr lang="ru-RU" sz="2400" dirty="0">
-              <a:latin typeface="Times New Roman" panose="02020603050405020304" pitchFamily="18" charset="0"/>
-              <a:cs typeface="Times New Roman" panose="02020603050405020304" pitchFamily="18" charset="0"/>
-            </a:endParaRPr>
-          </a:p>
-          <a:p>
-            <a:pPr>
-              <a:lnSpc>
-                <a:spcPct val="100000"/>
-              </a:lnSpc>
-            </a:pPr>
-            <a:r>
-              <a:rPr lang="ru-RU" sz="2400" dirty="0">
-                <a:latin typeface="Times New Roman" panose="02020603050405020304" pitchFamily="18" charset="0"/>
-                <a:cs typeface="Times New Roman" panose="02020603050405020304" pitchFamily="18" charset="0"/>
-              </a:rPr>
-              <a:t>документация</a:t>
-            </a:r>
-            <a:r>
-              <a:rPr lang="en-US" sz="2400" dirty="0">
-                <a:latin typeface="Times New Roman" panose="02020603050405020304" pitchFamily="18" charset="0"/>
-                <a:cs typeface="Times New Roman" panose="02020603050405020304" pitchFamily="18" charset="0"/>
-              </a:rPr>
-              <a:t>;</a:t>
-            </a:r>
-            <a:endParaRPr lang="ru-RU" sz="2400" dirty="0">
-              <a:latin typeface="Times New Roman" panose="02020603050405020304" pitchFamily="18" charset="0"/>
-              <a:cs typeface="Times New Roman" panose="02020603050405020304" pitchFamily="18" charset="0"/>
-            </a:endParaRPr>
-          </a:p>
-          <a:p>
-            <a:pPr>
-              <a:lnSpc>
-                <a:spcPct val="100000"/>
-              </a:lnSpc>
-            </a:pPr>
-            <a:r>
-              <a:rPr lang="ru-RU" sz="2400" dirty="0">
-                <a:latin typeface="Times New Roman" panose="02020603050405020304" pitchFamily="18" charset="0"/>
-                <a:cs typeface="Times New Roman" panose="02020603050405020304" pitchFamily="18" charset="0"/>
-              </a:rPr>
-              <a:t>сложность изучения</a:t>
-            </a:r>
-            <a:r>
-              <a:rPr lang="en-US" sz="2400" dirty="0">
-                <a:latin typeface="Times New Roman" panose="02020603050405020304" pitchFamily="18" charset="0"/>
-                <a:cs typeface="Times New Roman" panose="02020603050405020304" pitchFamily="18" charset="0"/>
-              </a:rPr>
-              <a:t>;</a:t>
-            </a:r>
-          </a:p>
-          <a:p>
-            <a:pPr>
-              <a:lnSpc>
-                <a:spcPct val="100000"/>
-              </a:lnSpc>
-            </a:pPr>
-            <a:r>
-              <a:rPr lang="ru-RU" sz="2400" dirty="0">
-                <a:latin typeface="Times New Roman" panose="02020603050405020304" pitchFamily="18" charset="0"/>
-                <a:cs typeface="Times New Roman" panose="02020603050405020304" pitchFamily="18" charset="0"/>
-              </a:rPr>
-              <a:t>сложность разработки</a:t>
-            </a:r>
-            <a:r>
-              <a:rPr lang="en-US" sz="2400" dirty="0">
-                <a:latin typeface="Times New Roman" panose="02020603050405020304" pitchFamily="18" charset="0"/>
-                <a:cs typeface="Times New Roman" panose="02020603050405020304" pitchFamily="18" charset="0"/>
-              </a:rPr>
-              <a:t>;</a:t>
-            </a:r>
-            <a:endParaRPr lang="ru-RU" sz="2400" dirty="0">
-              <a:latin typeface="Times New Roman" panose="02020603050405020304" pitchFamily="18" charset="0"/>
-              <a:cs typeface="Times New Roman" panose="02020603050405020304" pitchFamily="18" charset="0"/>
-            </a:endParaRPr>
-          </a:p>
-          <a:p>
-            <a:pPr>
-              <a:lnSpc>
-                <a:spcPct val="100000"/>
-              </a:lnSpc>
-            </a:pPr>
-            <a:r>
-              <a:rPr lang="ru-RU" sz="2400" dirty="0">
-                <a:latin typeface="Times New Roman" panose="02020603050405020304" pitchFamily="18" charset="0"/>
-                <a:cs typeface="Times New Roman" panose="02020603050405020304" pitchFamily="18" charset="0"/>
-              </a:rPr>
-              <a:t>производительность.</a:t>
-            </a:r>
-          </a:p>
-        </p:txBody>
-      </p:sp>
-    </p:spTree>
-    <p:extLst>
-      <p:ext uri="{BB962C8B-B14F-4D97-AF65-F5344CB8AC3E}">
-        <p14:creationId xmlns:p14="http://schemas.microsoft.com/office/powerpoint/2010/main" val="3322251354"/>
-      </p:ext>
-    </p:extLst>
-  </p:cSld>
-  <p:clrMapOvr>
-    <a:masterClrMapping/>
-  </p:clrMapOvr>
-</p:sld>
-</file>
-
-<file path=ppt/slides/slide8.xml><?xml version="1.0" encoding="utf-8"?>
-<p:sld xmlns:a="http://schemas.openxmlformats.org/drawingml/2006/main" xmlns:r="http://schemas.openxmlformats.org/officeDocument/2006/relationships" xmlns:p="http://schemas.openxmlformats.org/presentationml/2006/main">
-  <p:cSld>
-    <p:spTree>
-      <p:nvGrpSpPr>
-        <p:cNvPr id="1" name=""/>
-        <p:cNvGrpSpPr/>
-        <p:nvPr/>
-      </p:nvGrpSpPr>
-      <p:grpSpPr>
-        <a:xfrm>
-          <a:off x="0" y="0"/>
-          <a:ext cx="0" cy="0"/>
-          <a:chOff x="0" y="0"/>
-          <a:chExt cx="0" cy="0"/>
-        </a:xfrm>
-      </p:grpSpPr>
-      <p:sp>
-        <p:nvSpPr>
-          <p:cNvPr id="2" name="Заголовок 1">
-            <a:extLst>
-              <a:ext uri="{FF2B5EF4-FFF2-40B4-BE49-F238E27FC236}">
-                <a16:creationId xmlns:a16="http://schemas.microsoft.com/office/drawing/2014/main" id="{336ED51E-9495-08B0-A76E-B6BF8D85BAB1}"/>
-              </a:ext>
-            </a:extLst>
-          </p:cNvPr>
-          <p:cNvSpPr>
-            <a:spLocks noGrp="1"/>
-          </p:cNvSpPr>
-          <p:nvPr>
-            <p:ph type="title"/>
-          </p:nvPr>
-        </p:nvSpPr>
-        <p:spPr/>
-        <p:txBody>
-          <a:bodyPr/>
-          <a:lstStyle/>
-          <a:p>
-            <a:r>
-              <a:rPr lang="ru-RU" b="1" u="sng" dirty="0"/>
-              <a:t>Выбранные технологии</a:t>
-            </a:r>
-          </a:p>
-        </p:txBody>
-      </p:sp>
-      <p:sp>
-        <p:nvSpPr>
-          <p:cNvPr id="3" name="Объект 2">
-            <a:extLst>
-              <a:ext uri="{FF2B5EF4-FFF2-40B4-BE49-F238E27FC236}">
-                <a16:creationId xmlns:a16="http://schemas.microsoft.com/office/drawing/2014/main" id="{F791F861-6AA5-1100-C112-011872973822}"/>
-              </a:ext>
-            </a:extLst>
-          </p:cNvPr>
-          <p:cNvSpPr>
-            <a:spLocks noGrp="1"/>
-          </p:cNvSpPr>
-          <p:nvPr>
-            <p:ph idx="1"/>
-          </p:nvPr>
-        </p:nvSpPr>
-        <p:spPr/>
-        <p:txBody>
-          <a:bodyPr>
-            <a:normAutofit/>
-          </a:bodyPr>
-          <a:lstStyle/>
-          <a:p>
-            <a:pPr>
-              <a:lnSpc>
-                <a:spcPct val="150000"/>
-              </a:lnSpc>
-            </a:pPr>
-            <a:r>
-              <a:rPr lang="ru-RU" sz="3200" dirty="0">
-                <a:latin typeface="Times New Roman" panose="02020603050405020304" pitchFamily="18" charset="0"/>
-                <a:cs typeface="Times New Roman" panose="02020603050405020304" pitchFamily="18" charset="0"/>
-              </a:rPr>
-              <a:t>Веб-фреймворк </a:t>
-            </a:r>
-            <a:r>
-              <a:rPr lang="en-US" sz="3200" dirty="0">
-                <a:latin typeface="Times New Roman" panose="02020603050405020304" pitchFamily="18" charset="0"/>
-                <a:cs typeface="Times New Roman" panose="02020603050405020304" pitchFamily="18" charset="0"/>
-              </a:rPr>
-              <a:t>Angular</a:t>
-            </a:r>
-            <a:r>
-              <a:rPr lang="ru-RU" sz="3200" dirty="0">
-                <a:latin typeface="Times New Roman" panose="02020603050405020304" pitchFamily="18" charset="0"/>
-                <a:cs typeface="Times New Roman" panose="02020603050405020304" pitchFamily="18" charset="0"/>
-              </a:rPr>
-              <a:t>, язык программирования </a:t>
-            </a:r>
-            <a:r>
-              <a:rPr lang="en-US" sz="3200" dirty="0">
-                <a:latin typeface="Times New Roman" panose="02020603050405020304" pitchFamily="18" charset="0"/>
-                <a:cs typeface="Times New Roman" panose="02020603050405020304" pitchFamily="18" charset="0"/>
-              </a:rPr>
-              <a:t>TypeScript</a:t>
-            </a:r>
-            <a:r>
-              <a:rPr lang="ru-RU" sz="3200" dirty="0">
-                <a:latin typeface="Times New Roman" panose="02020603050405020304" pitchFamily="18" charset="0"/>
-                <a:cs typeface="Times New Roman" panose="02020603050405020304" pitchFamily="18" charset="0"/>
-              </a:rPr>
-              <a:t> (клиентская часть)</a:t>
-            </a:r>
-            <a:r>
-              <a:rPr lang="en-US" sz="3200" dirty="0">
-                <a:latin typeface="Times New Roman" panose="02020603050405020304" pitchFamily="18" charset="0"/>
-                <a:cs typeface="Times New Roman" panose="02020603050405020304" pitchFamily="18" charset="0"/>
-              </a:rPr>
-              <a:t>;</a:t>
-            </a:r>
-          </a:p>
-          <a:p>
-            <a:pPr>
-              <a:lnSpc>
-                <a:spcPct val="150000"/>
-              </a:lnSpc>
-            </a:pPr>
-            <a:r>
-              <a:rPr lang="ru-RU" sz="3200" dirty="0">
-                <a:latin typeface="Times New Roman" panose="02020603050405020304" pitchFamily="18" charset="0"/>
-                <a:cs typeface="Times New Roman" panose="02020603050405020304" pitchFamily="18" charset="0"/>
-              </a:rPr>
-              <a:t>Веб-фреймворк </a:t>
-            </a:r>
-            <a:r>
-              <a:rPr lang="en-US" sz="3200" dirty="0">
-                <a:latin typeface="Times New Roman" panose="02020603050405020304" pitchFamily="18" charset="0"/>
-                <a:cs typeface="Times New Roman" panose="02020603050405020304" pitchFamily="18" charset="0"/>
-              </a:rPr>
-              <a:t>ASP.NET Core, </a:t>
-            </a:r>
-            <a:r>
-              <a:rPr lang="ru-RU" sz="3200" dirty="0">
-                <a:latin typeface="Times New Roman" panose="02020603050405020304" pitchFamily="18" charset="0"/>
-                <a:cs typeface="Times New Roman" panose="02020603050405020304" pitchFamily="18" charset="0"/>
-              </a:rPr>
-              <a:t>язык программирования </a:t>
-            </a:r>
-            <a:r>
-              <a:rPr lang="en-US" sz="3200" dirty="0">
-                <a:latin typeface="Times New Roman" panose="02020603050405020304" pitchFamily="18" charset="0"/>
-                <a:cs typeface="Times New Roman" panose="02020603050405020304" pitchFamily="18" charset="0"/>
-              </a:rPr>
-              <a:t>C# (</a:t>
-            </a:r>
-            <a:r>
-              <a:rPr lang="ru-RU" sz="3200" dirty="0">
-                <a:latin typeface="Times New Roman" panose="02020603050405020304" pitchFamily="18" charset="0"/>
-                <a:cs typeface="Times New Roman" panose="02020603050405020304" pitchFamily="18" charset="0"/>
-              </a:rPr>
-              <a:t>серверная часть)</a:t>
-            </a:r>
-            <a:r>
-              <a:rPr lang="en-US" sz="3200" dirty="0">
-                <a:latin typeface="Times New Roman" panose="02020603050405020304" pitchFamily="18" charset="0"/>
-                <a:cs typeface="Times New Roman" panose="02020603050405020304" pitchFamily="18" charset="0"/>
-              </a:rPr>
-              <a:t>.</a:t>
-            </a:r>
-            <a:endParaRPr lang="ru-RU" sz="3200" dirty="0">
-              <a:latin typeface="Times New Roman" panose="02020603050405020304" pitchFamily="18" charset="0"/>
-              <a:cs typeface="Times New Roman" panose="02020603050405020304" pitchFamily="18" charset="0"/>
-            </a:endParaRPr>
-          </a:p>
         </p:txBody>
       </p:sp>
     </p:spTree>
     <p:extLst>
       <p:ext uri="{BB962C8B-B14F-4D97-AF65-F5344CB8AC3E}">
         <p14:creationId xmlns:p14="http://schemas.microsoft.com/office/powerpoint/2010/main" val="2665051556"/>
-      </p:ext>
-    </p:extLst>
-  </p:cSld>
-  <p:clrMapOvr>
-    <a:masterClrMapping/>
-  </p:clrMapOvr>
-</p:sld>
-</file>
-
-<file path=ppt/slides/slide9.xml><?xml version="1.0" encoding="utf-8"?>
-<p:sld xmlns:a="http://schemas.openxmlformats.org/drawingml/2006/main" xmlns:r="http://schemas.openxmlformats.org/officeDocument/2006/relationships" xmlns:p="http://schemas.openxmlformats.org/presentationml/2006/main">
-  <p:cSld>
-    <p:spTree>
-      <p:nvGrpSpPr>
-        <p:cNvPr id="1" name=""/>
-        <p:cNvGrpSpPr/>
-        <p:nvPr/>
-      </p:nvGrpSpPr>
-      <p:grpSpPr>
-        <a:xfrm>
-          <a:off x="0" y="0"/>
-          <a:ext cx="0" cy="0"/>
-          <a:chOff x="0" y="0"/>
-          <a:chExt cx="0" cy="0"/>
-        </a:xfrm>
-      </p:grpSpPr>
-      <p:sp>
-        <p:nvSpPr>
-          <p:cNvPr id="2" name="Заголовок 1">
-            <a:extLst>
-              <a:ext uri="{FF2B5EF4-FFF2-40B4-BE49-F238E27FC236}">
-                <a16:creationId xmlns:a16="http://schemas.microsoft.com/office/drawing/2014/main" id="{8D1D8FA4-FFF2-5791-22D4-5DCA5FCA34AB}"/>
-              </a:ext>
-            </a:extLst>
-          </p:cNvPr>
-          <p:cNvSpPr>
-            <a:spLocks noGrp="1"/>
-          </p:cNvSpPr>
-          <p:nvPr>
-            <p:ph type="title"/>
-          </p:nvPr>
-        </p:nvSpPr>
-        <p:spPr/>
-        <p:txBody>
-          <a:bodyPr/>
-          <a:lstStyle/>
-          <a:p>
-            <a:r>
-              <a:rPr lang="ru-RU" b="1" u="sng" dirty="0"/>
-              <a:t>Провайдер моделей НС</a:t>
-            </a:r>
-          </a:p>
-        </p:txBody>
-      </p:sp>
-      <p:sp>
-        <p:nvSpPr>
-          <p:cNvPr id="3" name="Объект 2">
-            <a:extLst>
-              <a:ext uri="{FF2B5EF4-FFF2-40B4-BE49-F238E27FC236}">
-                <a16:creationId xmlns:a16="http://schemas.microsoft.com/office/drawing/2014/main" id="{8BB98C2D-1CC4-0BBF-AE83-E0935E18F0F1}"/>
-              </a:ext>
-            </a:extLst>
-          </p:cNvPr>
-          <p:cNvSpPr>
-            <a:spLocks noGrp="1"/>
-          </p:cNvSpPr>
-          <p:nvPr>
-            <p:ph idx="1"/>
-          </p:nvPr>
-        </p:nvSpPr>
-        <p:spPr/>
-        <p:txBody>
-          <a:bodyPr>
-            <a:normAutofit/>
-          </a:bodyPr>
-          <a:lstStyle/>
-          <a:p>
-            <a:pPr>
-              <a:lnSpc>
-                <a:spcPct val="150000"/>
-              </a:lnSpc>
-            </a:pPr>
-            <a:r>
-              <a:rPr lang="ru-RU" dirty="0">
-                <a:latin typeface="Times New Roman" panose="02020603050405020304" pitchFamily="18" charset="0"/>
-                <a:cs typeface="Times New Roman" panose="02020603050405020304" pitchFamily="18" charset="0"/>
-              </a:rPr>
-              <a:t>самостоятельно развернуть модель НС работающий как сервер</a:t>
-            </a:r>
-            <a:r>
-              <a:rPr lang="en-US" dirty="0">
-                <a:latin typeface="Times New Roman" panose="02020603050405020304" pitchFamily="18" charset="0"/>
-                <a:cs typeface="Times New Roman" panose="02020603050405020304" pitchFamily="18" charset="0"/>
-              </a:rPr>
-              <a:t>;</a:t>
-            </a:r>
-            <a:endParaRPr lang="ru-RU" dirty="0">
-              <a:latin typeface="Times New Roman" panose="02020603050405020304" pitchFamily="18" charset="0"/>
-              <a:cs typeface="Times New Roman" panose="02020603050405020304" pitchFamily="18" charset="0"/>
-            </a:endParaRPr>
-          </a:p>
-          <a:p>
-            <a:pPr>
-              <a:lnSpc>
-                <a:spcPct val="150000"/>
-              </a:lnSpc>
-            </a:pPr>
-            <a:r>
-              <a:rPr lang="ru-RU" dirty="0">
-                <a:latin typeface="Times New Roman" panose="02020603050405020304" pitchFamily="18" charset="0"/>
-                <a:cs typeface="Times New Roman" panose="02020603050405020304" pitchFamily="18" charset="0"/>
-              </a:rPr>
-              <a:t>использовать сервисы для работы с моделями НС от третьих лиц (</a:t>
-            </a:r>
-            <a:r>
-              <a:rPr lang="en-US" dirty="0">
-                <a:latin typeface="Times New Roman" panose="02020603050405020304" pitchFamily="18" charset="0"/>
-                <a:cs typeface="Times New Roman" panose="02020603050405020304" pitchFamily="18" charset="0"/>
-              </a:rPr>
-              <a:t>Google, Yandex, Microsoft </a:t>
-            </a:r>
-            <a:r>
-              <a:rPr lang="ru-RU" dirty="0">
-                <a:latin typeface="Times New Roman" panose="02020603050405020304" pitchFamily="18" charset="0"/>
-                <a:cs typeface="Times New Roman" panose="02020603050405020304" pitchFamily="18" charset="0"/>
-              </a:rPr>
-              <a:t>и др.)</a:t>
-            </a:r>
-            <a:r>
-              <a:rPr lang="en-US" dirty="0">
-                <a:latin typeface="Times New Roman" panose="02020603050405020304" pitchFamily="18" charset="0"/>
-                <a:cs typeface="Times New Roman" panose="02020603050405020304" pitchFamily="18" charset="0"/>
-              </a:rPr>
-              <a:t>.</a:t>
-            </a:r>
-            <a:endParaRPr lang="ru-RU" dirty="0">
-              <a:latin typeface="Times New Roman" panose="02020603050405020304" pitchFamily="18" charset="0"/>
-              <a:cs typeface="Times New Roman" panose="02020603050405020304" pitchFamily="18" charset="0"/>
-            </a:endParaRPr>
-          </a:p>
-        </p:txBody>
-      </p:sp>
-    </p:spTree>
-    <p:extLst>
-      <p:ext uri="{BB962C8B-B14F-4D97-AF65-F5344CB8AC3E}">
-        <p14:creationId xmlns:p14="http://schemas.microsoft.com/office/powerpoint/2010/main" val="1501374021"/>
       </p:ext>
     </p:extLst>
   </p:cSld>
@@ -6199,4 +6261,299 @@
     </a:ext>
   </a:extLst>
 </a:theme>
+</file>
+
+<file path=ppt/theme/theme2.xml><?xml version="1.0" encoding="utf-8"?>
+<a:theme xmlns:a="http://schemas.openxmlformats.org/drawingml/2006/main" name="Тема Office">
+  <a:themeElements>
+    <a:clrScheme name="Стандартная">
+      <a:dk1>
+        <a:sysClr val="windowText" lastClr="000000"/>
+      </a:dk1>
+      <a:lt1>
+        <a:sysClr val="window" lastClr="FFFFFF"/>
+      </a:lt1>
+      <a:dk2>
+        <a:srgbClr val="44546A"/>
+      </a:dk2>
+      <a:lt2>
+        <a:srgbClr val="E7E6E6"/>
+      </a:lt2>
+      <a:accent1>
+        <a:srgbClr val="4472C4"/>
+      </a:accent1>
+      <a:accent2>
+        <a:srgbClr val="ED7D31"/>
+      </a:accent2>
+      <a:accent3>
+        <a:srgbClr val="A5A5A5"/>
+      </a:accent3>
+      <a:accent4>
+        <a:srgbClr val="FFC000"/>
+      </a:accent4>
+      <a:accent5>
+        <a:srgbClr val="5B9BD5"/>
+      </a:accent5>
+      <a:accent6>
+        <a:srgbClr val="70AD47"/>
+      </a:accent6>
+      <a:hlink>
+        <a:srgbClr val="0563C1"/>
+      </a:hlink>
+      <a:folHlink>
+        <a:srgbClr val="954F72"/>
+      </a:folHlink>
+    </a:clrScheme>
+    <a:fontScheme name="Стандартная">
+      <a:majorFont>
+        <a:latin typeface="Calibri Light" panose="020F0302020204030204"/>
+        <a:ea typeface=""/>
+        <a:cs typeface=""/>
+        <a:font script="Jpan" typeface="游ゴシック Light"/>
+        <a:font script="Hang" typeface="맑은 고딕"/>
+        <a:font script="Hans" typeface="等线 Light"/>
+        <a:font script="Hant" typeface="新細明體"/>
+        <a:font script="Arab" typeface="Times New Roman"/>
+        <a:font script="Hebr" typeface="Times New Roman"/>
+        <a:font script="Thai" typeface="Angsana New"/>
+        <a:font script="Ethi" typeface="Nyala"/>
+        <a:font script="Beng" typeface="Vrinda"/>
+        <a:font script="Gujr" typeface="Shruti"/>
+        <a:font script="Khmr" typeface="MoolBoran"/>
+        <a:font script="Knda" typeface="Tunga"/>
+        <a:font script="Guru" typeface="Raavi"/>
+        <a:font script="Cans" typeface="Euphemia"/>
+        <a:font script="Cher" typeface="Plantagenet Cherokee"/>
+        <a:font script="Yiii" typeface="Microsoft Yi Baiti"/>
+        <a:font script="Tibt" typeface="Microsoft Himalaya"/>
+        <a:font script="Thaa" typeface="MV Boli"/>
+        <a:font script="Deva" typeface="Mangal"/>
+        <a:font script="Telu" typeface="Gautami"/>
+        <a:font script="Taml" typeface="Latha"/>
+        <a:font script="Syrc" typeface="Estrangelo Edessa"/>
+        <a:font script="Orya" typeface="Kalinga"/>
+        <a:font script="Mlym" typeface="Kartika"/>
+        <a:font script="Laoo" typeface="DokChampa"/>
+        <a:font script="Sinh" typeface="Iskoola Pota"/>
+        <a:font script="Mong" typeface="Mongolian Baiti"/>
+        <a:font script="Viet" typeface="Times New Roman"/>
+        <a:font script="Uigh" typeface="Microsoft Uighur"/>
+        <a:font script="Geor" typeface="Sylfaen"/>
+        <a:font script="Armn" typeface="Arial"/>
+        <a:font script="Bugi" typeface="Leelawadee UI"/>
+        <a:font script="Bopo" typeface="Microsoft JhengHei"/>
+        <a:font script="Java" typeface="Javanese Text"/>
+        <a:font script="Lisu" typeface="Segoe UI"/>
+        <a:font script="Mymr" typeface="Myanmar Text"/>
+        <a:font script="Nkoo" typeface="Ebrima"/>
+        <a:font script="Olck" typeface="Nirmala UI"/>
+        <a:font script="Osma" typeface="Ebrima"/>
+        <a:font script="Phag" typeface="Phagspa"/>
+        <a:font script="Syrn" typeface="Estrangelo Edessa"/>
+        <a:font script="Syrj" typeface="Estrangelo Edessa"/>
+        <a:font script="Syre" typeface="Estrangelo Edessa"/>
+        <a:font script="Sora" typeface="Nirmala UI"/>
+        <a:font script="Tale" typeface="Microsoft Tai Le"/>
+        <a:font script="Talu" typeface="Microsoft New Tai Lue"/>
+        <a:font script="Tfng" typeface="Ebrima"/>
+      </a:majorFont>
+      <a:minorFont>
+        <a:latin typeface="Calibri" panose="020F0502020204030204"/>
+        <a:ea typeface=""/>
+        <a:cs typeface=""/>
+        <a:font script="Jpan" typeface="游ゴシック"/>
+        <a:font script="Hang" typeface="맑은 고딕"/>
+        <a:font script="Hans" typeface="等线"/>
+        <a:font script="Hant" typeface="新細明體"/>
+        <a:font script="Arab" typeface="Arial"/>
+        <a:font script="Hebr" typeface="Arial"/>
+        <a:font script="Thai" typeface="Cordia New"/>
+        <a:font script="Ethi" typeface="Nyala"/>
+        <a:font script="Beng" typeface="Vrinda"/>
+        <a:font script="Gujr" typeface="Shruti"/>
+        <a:font script="Khmr" typeface="DaunPenh"/>
+        <a:font script="Knda" typeface="Tunga"/>
+        <a:font script="Guru" typeface="Raavi"/>
+        <a:font script="Cans" typeface="Euphemia"/>
+        <a:font script="Cher" typeface="Plantagenet Cherokee"/>
+        <a:font script="Yiii" typeface="Microsoft Yi Baiti"/>
+        <a:font script="Tibt" typeface="Microsoft Himalaya"/>
+        <a:font script="Thaa" typeface="MV Boli"/>
+        <a:font script="Deva" typeface="Mangal"/>
+        <a:font script="Telu" typeface="Gautami"/>
+        <a:font script="Taml" typeface="Latha"/>
+        <a:font script="Syrc" typeface="Estrangelo Edessa"/>
+        <a:font script="Orya" typeface="Kalinga"/>
+        <a:font script="Mlym" typeface="Kartika"/>
+        <a:font script="Laoo" typeface="DokChampa"/>
+        <a:font script="Sinh" typeface="Iskoola Pota"/>
+        <a:font script="Mong" typeface="Mongolian Baiti"/>
+        <a:font script="Viet" typeface="Arial"/>
+        <a:font script="Uigh" typeface="Microsoft Uighur"/>
+        <a:font script="Geor" typeface="Sylfaen"/>
+        <a:font script="Armn" typeface="Arial"/>
+        <a:font script="Bugi" typeface="Leelawadee UI"/>
+        <a:font script="Bopo" typeface="Microsoft JhengHei"/>
+        <a:font script="Java" typeface="Javanese Text"/>
+        <a:font script="Lisu" typeface="Segoe UI"/>
+        <a:font script="Mymr" typeface="Myanmar Text"/>
+        <a:font script="Nkoo" typeface="Ebrima"/>
+        <a:font script="Olck" typeface="Nirmala UI"/>
+        <a:font script="Osma" typeface="Ebrima"/>
+        <a:font script="Phag" typeface="Phagspa"/>
+        <a:font script="Syrn" typeface="Estrangelo Edessa"/>
+        <a:font script="Syrj" typeface="Estrangelo Edessa"/>
+        <a:font script="Syre" typeface="Estrangelo Edessa"/>
+        <a:font script="Sora" typeface="Nirmala UI"/>
+        <a:font script="Tale" typeface="Microsoft Tai Le"/>
+        <a:font script="Talu" typeface="Microsoft New Tai Lue"/>
+        <a:font script="Tfng" typeface="Ebrima"/>
+      </a:minorFont>
+    </a:fontScheme>
+    <a:fmtScheme name="Стандартная">
+      <a:fillStyleLst>
+        <a:solidFill>
+          <a:schemeClr val="phClr"/>
+        </a:solidFill>
+        <a:gradFill rotWithShape="1">
+          <a:gsLst>
+            <a:gs pos="0">
+              <a:schemeClr val="phClr">
+                <a:lumMod val="110000"/>
+                <a:satMod val="105000"/>
+                <a:tint val="67000"/>
+              </a:schemeClr>
+            </a:gs>
+            <a:gs pos="50000">
+              <a:schemeClr val="phClr">
+                <a:lumMod val="105000"/>
+                <a:satMod val="103000"/>
+                <a:tint val="73000"/>
+              </a:schemeClr>
+            </a:gs>
+            <a:gs pos="100000">
+              <a:schemeClr val="phClr">
+                <a:lumMod val="105000"/>
+                <a:satMod val="109000"/>
+                <a:tint val="81000"/>
+              </a:schemeClr>
+            </a:gs>
+          </a:gsLst>
+          <a:lin ang="5400000" scaled="0"/>
+        </a:gradFill>
+        <a:gradFill rotWithShape="1">
+          <a:gsLst>
+            <a:gs pos="0">
+              <a:schemeClr val="phClr">
+                <a:satMod val="103000"/>
+                <a:lumMod val="102000"/>
+                <a:tint val="94000"/>
+              </a:schemeClr>
+            </a:gs>
+            <a:gs pos="50000">
+              <a:schemeClr val="phClr">
+                <a:satMod val="110000"/>
+                <a:lumMod val="100000"/>
+                <a:shade val="100000"/>
+              </a:schemeClr>
+            </a:gs>
+            <a:gs pos="100000">
+              <a:schemeClr val="phClr">
+                <a:lumMod val="99000"/>
+                <a:satMod val="120000"/>
+                <a:shade val="78000"/>
+              </a:schemeClr>
+            </a:gs>
+          </a:gsLst>
+          <a:lin ang="5400000" scaled="0"/>
+        </a:gradFill>
+      </a:fillStyleLst>
+      <a:lnStyleLst>
+        <a:ln w="6350" cap="flat" cmpd="sng" algn="ctr">
+          <a:solidFill>
+            <a:schemeClr val="phClr"/>
+          </a:solidFill>
+          <a:prstDash val="solid"/>
+          <a:miter lim="800000"/>
+        </a:ln>
+        <a:ln w="12700" cap="flat" cmpd="sng" algn="ctr">
+          <a:solidFill>
+            <a:schemeClr val="phClr"/>
+          </a:solidFill>
+          <a:prstDash val="solid"/>
+          <a:miter lim="800000"/>
+        </a:ln>
+        <a:ln w="19050" cap="flat" cmpd="sng" algn="ctr">
+          <a:solidFill>
+            <a:schemeClr val="phClr"/>
+          </a:solidFill>
+          <a:prstDash val="solid"/>
+          <a:miter lim="800000"/>
+        </a:ln>
+      </a:lnStyleLst>
+      <a:effectStyleLst>
+        <a:effectStyle>
+          <a:effectLst/>
+        </a:effectStyle>
+        <a:effectStyle>
+          <a:effectLst/>
+        </a:effectStyle>
+        <a:effectStyle>
+          <a:effectLst>
+            <a:outerShdw blurRad="57150" dist="19050" dir="5400000" algn="ctr" rotWithShape="0">
+              <a:srgbClr val="000000">
+                <a:alpha val="63000"/>
+              </a:srgbClr>
+            </a:outerShdw>
+          </a:effectLst>
+        </a:effectStyle>
+      </a:effectStyleLst>
+      <a:bgFillStyleLst>
+        <a:solidFill>
+          <a:schemeClr val="phClr"/>
+        </a:solidFill>
+        <a:solidFill>
+          <a:schemeClr val="phClr">
+            <a:tint val="95000"/>
+            <a:satMod val="170000"/>
+          </a:schemeClr>
+        </a:solidFill>
+        <a:gradFill rotWithShape="1">
+          <a:gsLst>
+            <a:gs pos="0">
+              <a:schemeClr val="phClr">
+                <a:tint val="93000"/>
+                <a:satMod val="150000"/>
+                <a:shade val="98000"/>
+                <a:lumMod val="102000"/>
+              </a:schemeClr>
+            </a:gs>
+            <a:gs pos="50000">
+              <a:schemeClr val="phClr">
+                <a:tint val="98000"/>
+                <a:satMod val="130000"/>
+                <a:shade val="90000"/>
+                <a:lumMod val="103000"/>
+              </a:schemeClr>
+            </a:gs>
+            <a:gs pos="100000">
+              <a:schemeClr val="phClr">
+                <a:shade val="63000"/>
+                <a:satMod val="120000"/>
+              </a:schemeClr>
+            </a:gs>
+          </a:gsLst>
+          <a:lin ang="5400000" scaled="0"/>
+        </a:gradFill>
+      </a:bgFillStyleLst>
+    </a:fmtScheme>
+  </a:themeElements>
+  <a:objectDefaults/>
+  <a:extraClrSchemeLst/>
+  <a:extLst>
+    <a:ext uri="{05A4C25C-085E-4340-85A3-A5531E510DB2}">
+      <thm15:themeFamily xmlns:thm15="http://schemas.microsoft.com/office/thememl/2012/main" name="Office Theme" id="{62F939B6-93AF-4DB8-9C6B-D6C7DFDC589F}" vid="{4A3C46E8-61CC-4603-A589-7422A47A8E4A}"/>
+    </a:ext>
+  </a:extLst>
+</a:theme>
 </file>
--- a/docs/Презентация.pptx
+++ b/docs/Презентация.pptx
@@ -5,7 +5,7 @@
     <p:sldMasterId id="2147483648" r:id="rId1"/>
   </p:sldMasterIdLst>
   <p:notesMasterIdLst>
-    <p:notesMasterId r:id="rId7"/>
+    <p:notesMasterId r:id="rId9"/>
   </p:notesMasterIdLst>
   <p:sldIdLst>
     <p:sldId id="256" r:id="rId2"/>
@@ -13,6 +13,8 @@
     <p:sldId id="260" r:id="rId4"/>
     <p:sldId id="262" r:id="rId5"/>
     <p:sldId id="264" r:id="rId6"/>
+    <p:sldId id="265" r:id="rId7"/>
+    <p:sldId id="266" r:id="rId8"/>
   </p:sldIdLst>
   <p:sldSz cx="12192000" cy="6858000"/>
   <p:notesSz cx="6858000" cy="9144000"/>
@@ -201,7 +203,7 @@
           <a:p>
             <a:fld id="{DB406D86-2B39-4EB5-BC1A-528B84856720}" type="datetimeFigureOut">
               <a:rPr lang="ru-RU" smtClean="0"/>
-              <a:t>06.06.2024</a:t>
+              <a:t>12.06.2024</a:t>
             </a:fld>
             <a:endParaRPr lang="ru-RU"/>
           </a:p>
@@ -706,7 +708,7 @@
           <a:p>
             <a:fld id="{B93E592B-316F-437C-9AE0-9B59089EEBBB}" type="datetimeFigureOut">
               <a:rPr lang="ru-RU" smtClean="0"/>
-              <a:t>06.06.2024</a:t>
+              <a:t>12.06.2024</a:t>
             </a:fld>
             <a:endParaRPr lang="ru-RU"/>
           </a:p>
@@ -904,7 +906,7 @@
           <a:p>
             <a:fld id="{B93E592B-316F-437C-9AE0-9B59089EEBBB}" type="datetimeFigureOut">
               <a:rPr lang="ru-RU" smtClean="0"/>
-              <a:t>06.06.2024</a:t>
+              <a:t>12.06.2024</a:t>
             </a:fld>
             <a:endParaRPr lang="ru-RU"/>
           </a:p>
@@ -1112,7 +1114,7 @@
           <a:p>
             <a:fld id="{B93E592B-316F-437C-9AE0-9B59089EEBBB}" type="datetimeFigureOut">
               <a:rPr lang="ru-RU" smtClean="0"/>
-              <a:t>06.06.2024</a:t>
+              <a:t>12.06.2024</a:t>
             </a:fld>
             <a:endParaRPr lang="ru-RU"/>
           </a:p>
@@ -1310,7 +1312,7 @@
           <a:p>
             <a:fld id="{B93E592B-316F-437C-9AE0-9B59089EEBBB}" type="datetimeFigureOut">
               <a:rPr lang="ru-RU" smtClean="0"/>
-              <a:t>06.06.2024</a:t>
+              <a:t>12.06.2024</a:t>
             </a:fld>
             <a:endParaRPr lang="ru-RU"/>
           </a:p>
@@ -1585,7 +1587,7 @@
           <a:p>
             <a:fld id="{B93E592B-316F-437C-9AE0-9B59089EEBBB}" type="datetimeFigureOut">
               <a:rPr lang="ru-RU" smtClean="0"/>
-              <a:t>06.06.2024</a:t>
+              <a:t>12.06.2024</a:t>
             </a:fld>
             <a:endParaRPr lang="ru-RU"/>
           </a:p>
@@ -1850,7 +1852,7 @@
           <a:p>
             <a:fld id="{B93E592B-316F-437C-9AE0-9B59089EEBBB}" type="datetimeFigureOut">
               <a:rPr lang="ru-RU" smtClean="0"/>
-              <a:t>06.06.2024</a:t>
+              <a:t>12.06.2024</a:t>
             </a:fld>
             <a:endParaRPr lang="ru-RU"/>
           </a:p>
@@ -2262,7 +2264,7 @@
           <a:p>
             <a:fld id="{B93E592B-316F-437C-9AE0-9B59089EEBBB}" type="datetimeFigureOut">
               <a:rPr lang="ru-RU" smtClean="0"/>
-              <a:t>06.06.2024</a:t>
+              <a:t>12.06.2024</a:t>
             </a:fld>
             <a:endParaRPr lang="ru-RU"/>
           </a:p>
@@ -2403,7 +2405,7 @@
           <a:p>
             <a:fld id="{B93E592B-316F-437C-9AE0-9B59089EEBBB}" type="datetimeFigureOut">
               <a:rPr lang="ru-RU" smtClean="0"/>
-              <a:t>06.06.2024</a:t>
+              <a:t>12.06.2024</a:t>
             </a:fld>
             <a:endParaRPr lang="ru-RU"/>
           </a:p>
@@ -2516,7 +2518,7 @@
           <a:p>
             <a:fld id="{B93E592B-316F-437C-9AE0-9B59089EEBBB}" type="datetimeFigureOut">
               <a:rPr lang="ru-RU" smtClean="0"/>
-              <a:t>06.06.2024</a:t>
+              <a:t>12.06.2024</a:t>
             </a:fld>
             <a:endParaRPr lang="ru-RU"/>
           </a:p>
@@ -2827,7 +2829,7 @@
           <a:p>
             <a:fld id="{B93E592B-316F-437C-9AE0-9B59089EEBBB}" type="datetimeFigureOut">
               <a:rPr lang="ru-RU" smtClean="0"/>
-              <a:t>06.06.2024</a:t>
+              <a:t>12.06.2024</a:t>
             </a:fld>
             <a:endParaRPr lang="ru-RU"/>
           </a:p>
@@ -3115,7 +3117,7 @@
           <a:p>
             <a:fld id="{B93E592B-316F-437C-9AE0-9B59089EEBBB}" type="datetimeFigureOut">
               <a:rPr lang="ru-RU" smtClean="0"/>
-              <a:t>06.06.2024</a:t>
+              <a:t>12.06.2024</a:t>
             </a:fld>
             <a:endParaRPr lang="ru-RU"/>
           </a:p>
@@ -3356,7 +3358,7 @@
           <a:p>
             <a:fld id="{B93E592B-316F-437C-9AE0-9B59089EEBBB}" type="datetimeFigureOut">
               <a:rPr lang="ru-RU" smtClean="0"/>
-              <a:t>06.06.2024</a:t>
+              <a:t>12.06.2024</a:t>
             </a:fld>
             <a:endParaRPr lang="ru-RU"/>
           </a:p>
@@ -5939,7 +5941,21 @@
                 <a:latin typeface="Times New Roman" panose="02020603050405020304" pitchFamily="18" charset="0"/>
                 <a:cs typeface="Times New Roman" panose="02020603050405020304" pitchFamily="18" charset="0"/>
               </a:rPr>
-              <a:t>Облачные сервисы для работы с моделями НС от Яндекса</a:t>
+              <a:t>Облачные сервисы для работы с</a:t>
+            </a:r>
+            <a:r>
+              <a:rPr lang="en-US" sz="2400" dirty="0">
+                <a:latin typeface="Times New Roman" panose="02020603050405020304" pitchFamily="18" charset="0"/>
+                <a:cs typeface="Times New Roman" panose="02020603050405020304" pitchFamily="18" charset="0"/>
+              </a:rPr>
+              <a:t> </a:t>
+            </a:r>
+            <a:r>
+              <a:rPr lang="ru-RU" sz="2400" dirty="0">
+                <a:latin typeface="Times New Roman" panose="02020603050405020304" pitchFamily="18" charset="0"/>
+                <a:cs typeface="Times New Roman" panose="02020603050405020304" pitchFamily="18" charset="0"/>
+              </a:rPr>
+              <a:t>заранее обученными моделями НС от Яндекса</a:t>
             </a:r>
             <a:r>
               <a:rPr lang="en-US" sz="2400" dirty="0">
@@ -5959,6 +5975,471 @@
     <p:extLst>
       <p:ext uri="{BB962C8B-B14F-4D97-AF65-F5344CB8AC3E}">
         <p14:creationId xmlns:p14="http://schemas.microsoft.com/office/powerpoint/2010/main" val="2665051556"/>
+      </p:ext>
+    </p:extLst>
+  </p:cSld>
+  <p:clrMapOvr>
+    <a:masterClrMapping/>
+  </p:clrMapOvr>
+</p:sld>
+</file>
+
+<file path=ppt/slides/slide6.xml><?xml version="1.0" encoding="utf-8"?>
+<p:sld xmlns:a="http://schemas.openxmlformats.org/drawingml/2006/main" xmlns:r="http://schemas.openxmlformats.org/officeDocument/2006/relationships" xmlns:p="http://schemas.openxmlformats.org/presentationml/2006/main">
+  <p:cSld>
+    <p:spTree>
+      <p:nvGrpSpPr>
+        <p:cNvPr id="1" name=""/>
+        <p:cNvGrpSpPr/>
+        <p:nvPr/>
+      </p:nvGrpSpPr>
+      <p:grpSpPr>
+        <a:xfrm>
+          <a:off x="0" y="0"/>
+          <a:ext cx="0" cy="0"/>
+          <a:chOff x="0" y="0"/>
+          <a:chExt cx="0" cy="0"/>
+        </a:xfrm>
+      </p:grpSpPr>
+      <p:sp>
+        <p:nvSpPr>
+          <p:cNvPr id="4" name="Объект 3">
+            <a:extLst>
+              <a:ext uri="{FF2B5EF4-FFF2-40B4-BE49-F238E27FC236}">
+                <a16:creationId xmlns:a16="http://schemas.microsoft.com/office/drawing/2014/main" id="{6FE20B52-975D-25F3-3BC2-29E51C3A9E13}"/>
+              </a:ext>
+            </a:extLst>
+          </p:cNvPr>
+          <p:cNvSpPr>
+            <a:spLocks noGrp="1"/>
+          </p:cNvSpPr>
+          <p:nvPr>
+            <p:ph sz="half" idx="1"/>
+          </p:nvPr>
+        </p:nvSpPr>
+        <p:spPr>
+          <a:xfrm>
+            <a:off x="838200" y="1825625"/>
+            <a:ext cx="6914322" cy="4351338"/>
+          </a:xfrm>
+        </p:spPr>
+        <p:txBody>
+          <a:bodyPr/>
+          <a:lstStyle/>
+          <a:p>
+            <a:pPr marL="0" indent="0">
+              <a:lnSpc>
+                <a:spcPct val="150000"/>
+              </a:lnSpc>
+              <a:buNone/>
+            </a:pPr>
+            <a:r>
+              <a:rPr lang="ru-RU" sz="1800" dirty="0">
+                <a:latin typeface="Times New Roman" panose="02020603050405020304" pitchFamily="18" charset="0"/>
+                <a:cs typeface="Times New Roman" panose="02020603050405020304" pitchFamily="18" charset="0"/>
+              </a:rPr>
+              <a:t>Алгоритм представляет собой следующее</a:t>
+            </a:r>
+            <a:r>
+              <a:rPr lang="en-US" sz="1800" dirty="0">
+                <a:latin typeface="Times New Roman" panose="02020603050405020304" pitchFamily="18" charset="0"/>
+                <a:cs typeface="Times New Roman" panose="02020603050405020304" pitchFamily="18" charset="0"/>
+              </a:rPr>
+              <a:t>:</a:t>
+            </a:r>
+            <a:endParaRPr lang="ru-RU" sz="1800" dirty="0">
+              <a:latin typeface="Times New Roman" panose="02020603050405020304" pitchFamily="18" charset="0"/>
+              <a:cs typeface="Times New Roman" panose="02020603050405020304" pitchFamily="18" charset="0"/>
+            </a:endParaRPr>
+          </a:p>
+          <a:p>
+            <a:pPr marL="514350" indent="-514350">
+              <a:lnSpc>
+                <a:spcPct val="150000"/>
+              </a:lnSpc>
+              <a:buFont typeface="+mj-lt"/>
+              <a:buAutoNum type="arabicPeriod"/>
+            </a:pPr>
+            <a:r>
+              <a:rPr lang="ru-RU" sz="1800" dirty="0">
+                <a:latin typeface="Times New Roman" panose="02020603050405020304" pitchFamily="18" charset="0"/>
+                <a:cs typeface="Times New Roman" panose="02020603050405020304" pitchFamily="18" charset="0"/>
+              </a:rPr>
+              <a:t>Выборка и обработка выделенного пользователем текста</a:t>
+            </a:r>
+            <a:r>
+              <a:rPr lang="en-US" sz="1800" dirty="0">
+                <a:latin typeface="Times New Roman" panose="02020603050405020304" pitchFamily="18" charset="0"/>
+                <a:cs typeface="Times New Roman" panose="02020603050405020304" pitchFamily="18" charset="0"/>
+              </a:rPr>
+              <a:t>;</a:t>
+            </a:r>
+            <a:endParaRPr lang="ru-RU" sz="1800" dirty="0">
+              <a:latin typeface="Times New Roman" panose="02020603050405020304" pitchFamily="18" charset="0"/>
+              <a:cs typeface="Times New Roman" panose="02020603050405020304" pitchFamily="18" charset="0"/>
+            </a:endParaRPr>
+          </a:p>
+          <a:p>
+            <a:pPr marL="514350" indent="-514350">
+              <a:lnSpc>
+                <a:spcPct val="150000"/>
+              </a:lnSpc>
+              <a:buFont typeface="+mj-lt"/>
+              <a:buAutoNum type="arabicPeriod"/>
+            </a:pPr>
+            <a:r>
+              <a:rPr lang="ru-RU" sz="1800" dirty="0">
+                <a:latin typeface="Times New Roman" panose="02020603050405020304" pitchFamily="18" charset="0"/>
+                <a:cs typeface="Times New Roman" panose="02020603050405020304" pitchFamily="18" charset="0"/>
+              </a:rPr>
+              <a:t>Передача серверу текста</a:t>
+            </a:r>
+            <a:r>
+              <a:rPr lang="en-US" sz="1800" dirty="0">
+                <a:latin typeface="Times New Roman" panose="02020603050405020304" pitchFamily="18" charset="0"/>
+                <a:cs typeface="Times New Roman" panose="02020603050405020304" pitchFamily="18" charset="0"/>
+              </a:rPr>
+              <a:t>;</a:t>
+            </a:r>
+            <a:endParaRPr lang="ru-RU" sz="1800" dirty="0">
+              <a:latin typeface="Times New Roman" panose="02020603050405020304" pitchFamily="18" charset="0"/>
+              <a:cs typeface="Times New Roman" panose="02020603050405020304" pitchFamily="18" charset="0"/>
+            </a:endParaRPr>
+          </a:p>
+          <a:p>
+            <a:pPr marL="514350" indent="-514350">
+              <a:lnSpc>
+                <a:spcPct val="150000"/>
+              </a:lnSpc>
+              <a:buFont typeface="+mj-lt"/>
+              <a:buAutoNum type="arabicPeriod"/>
+            </a:pPr>
+            <a:r>
+              <a:rPr lang="ru-RU" sz="1800" dirty="0">
+                <a:latin typeface="Times New Roman" panose="02020603050405020304" pitchFamily="18" charset="0"/>
+                <a:cs typeface="Times New Roman" panose="02020603050405020304" pitchFamily="18" charset="0"/>
+              </a:rPr>
+              <a:t>Сервер формирует запрос</a:t>
+            </a:r>
+            <a:r>
+              <a:rPr lang="en-US" sz="1800" dirty="0">
+                <a:latin typeface="Times New Roman" panose="02020603050405020304" pitchFamily="18" charset="0"/>
+                <a:cs typeface="Times New Roman" panose="02020603050405020304" pitchFamily="18" charset="0"/>
+              </a:rPr>
+              <a:t>;</a:t>
+            </a:r>
+            <a:endParaRPr lang="ru-RU" sz="1800" dirty="0">
+              <a:latin typeface="Times New Roman" panose="02020603050405020304" pitchFamily="18" charset="0"/>
+              <a:cs typeface="Times New Roman" panose="02020603050405020304" pitchFamily="18" charset="0"/>
+            </a:endParaRPr>
+          </a:p>
+          <a:p>
+            <a:pPr marL="514350" indent="-514350">
+              <a:lnSpc>
+                <a:spcPct val="150000"/>
+              </a:lnSpc>
+              <a:buFont typeface="+mj-lt"/>
+              <a:buAutoNum type="arabicPeriod"/>
+            </a:pPr>
+            <a:r>
+              <a:rPr lang="ru-RU" sz="1800" dirty="0">
+                <a:latin typeface="Times New Roman" panose="02020603050405020304" pitchFamily="18" charset="0"/>
+                <a:cs typeface="Times New Roman" panose="02020603050405020304" pitchFamily="18" charset="0"/>
+              </a:rPr>
+              <a:t>Отправка </a:t>
+            </a:r>
+            <a:r>
+              <a:rPr lang="en-US" sz="1800" dirty="0">
+                <a:latin typeface="Times New Roman" panose="02020603050405020304" pitchFamily="18" charset="0"/>
+                <a:cs typeface="Times New Roman" panose="02020603050405020304" pitchFamily="18" charset="0"/>
+              </a:rPr>
+              <a:t>API </a:t>
+            </a:r>
+            <a:r>
+              <a:rPr lang="ru-RU" sz="1800" dirty="0">
+                <a:latin typeface="Times New Roman" panose="02020603050405020304" pitchFamily="18" charset="0"/>
+                <a:cs typeface="Times New Roman" panose="02020603050405020304" pitchFamily="18" charset="0"/>
+              </a:rPr>
+              <a:t>ИИ</a:t>
+            </a:r>
+            <a:r>
+              <a:rPr lang="en-US" sz="1800" dirty="0">
+                <a:latin typeface="Times New Roman" panose="02020603050405020304" pitchFamily="18" charset="0"/>
+                <a:cs typeface="Times New Roman" panose="02020603050405020304" pitchFamily="18" charset="0"/>
+              </a:rPr>
+              <a:t>;</a:t>
+            </a:r>
+            <a:endParaRPr lang="ru-RU" sz="1800" dirty="0">
+              <a:latin typeface="Times New Roman" panose="02020603050405020304" pitchFamily="18" charset="0"/>
+              <a:cs typeface="Times New Roman" panose="02020603050405020304" pitchFamily="18" charset="0"/>
+            </a:endParaRPr>
+          </a:p>
+          <a:p>
+            <a:pPr marL="514350" indent="-514350">
+              <a:lnSpc>
+                <a:spcPct val="150000"/>
+              </a:lnSpc>
+              <a:buFont typeface="+mj-lt"/>
+              <a:buAutoNum type="arabicPeriod"/>
+            </a:pPr>
+            <a:r>
+              <a:rPr lang="ru-RU" sz="1800" dirty="0">
+                <a:latin typeface="Times New Roman" panose="02020603050405020304" pitchFamily="18" charset="0"/>
+                <a:cs typeface="Times New Roman" panose="02020603050405020304" pitchFamily="18" charset="0"/>
+              </a:rPr>
+              <a:t>Получение и обработка ответа сервером</a:t>
+            </a:r>
+            <a:r>
+              <a:rPr lang="en-US" sz="1800" dirty="0">
+                <a:latin typeface="Times New Roman" panose="02020603050405020304" pitchFamily="18" charset="0"/>
+                <a:cs typeface="Times New Roman" panose="02020603050405020304" pitchFamily="18" charset="0"/>
+              </a:rPr>
+              <a:t>;</a:t>
+            </a:r>
+            <a:endParaRPr lang="ru-RU" sz="1800" dirty="0">
+              <a:latin typeface="Times New Roman" panose="02020603050405020304" pitchFamily="18" charset="0"/>
+              <a:cs typeface="Times New Roman" panose="02020603050405020304" pitchFamily="18" charset="0"/>
+            </a:endParaRPr>
+          </a:p>
+          <a:p>
+            <a:pPr marL="514350" indent="-514350">
+              <a:lnSpc>
+                <a:spcPct val="150000"/>
+              </a:lnSpc>
+              <a:buFont typeface="+mj-lt"/>
+              <a:buAutoNum type="arabicPeriod"/>
+            </a:pPr>
+            <a:r>
+              <a:rPr lang="ru-RU" sz="1800" dirty="0">
+                <a:latin typeface="Times New Roman" panose="02020603050405020304" pitchFamily="18" charset="0"/>
+                <a:cs typeface="Times New Roman" panose="02020603050405020304" pitchFamily="18" charset="0"/>
+              </a:rPr>
+              <a:t>Передача клиенту</a:t>
+            </a:r>
+            <a:r>
+              <a:rPr lang="en-US" sz="1800">
+                <a:latin typeface="Times New Roman" panose="02020603050405020304" pitchFamily="18" charset="0"/>
+                <a:cs typeface="Times New Roman" panose="02020603050405020304" pitchFamily="18" charset="0"/>
+              </a:rPr>
+              <a:t>.</a:t>
+            </a:r>
+            <a:endParaRPr lang="en-US" sz="1800" dirty="0">
+              <a:latin typeface="Times New Roman" panose="02020603050405020304" pitchFamily="18" charset="0"/>
+              <a:cs typeface="Times New Roman" panose="02020603050405020304" pitchFamily="18" charset="0"/>
+            </a:endParaRPr>
+          </a:p>
+          <a:p>
+            <a:pPr marL="0" indent="0">
+              <a:buNone/>
+            </a:pPr>
+            <a:endParaRPr lang="ru-RU" dirty="0"/>
+          </a:p>
+        </p:txBody>
+      </p:sp>
+      <p:pic>
+        <p:nvPicPr>
+          <p:cNvPr id="3" name="Объект 2">
+            <a:extLst>
+              <a:ext uri="{FF2B5EF4-FFF2-40B4-BE49-F238E27FC236}">
+                <a16:creationId xmlns:a16="http://schemas.microsoft.com/office/drawing/2014/main" id="{75196021-CC2A-B5A2-0DE7-DB2E2EA67EBE}"/>
+              </a:ext>
+            </a:extLst>
+          </p:cNvPr>
+          <p:cNvPicPr>
+            <a:picLocks noGrp="1" noChangeAspect="1"/>
+          </p:cNvPicPr>
+          <p:nvPr>
+            <p:ph sz="half" idx="2"/>
+          </p:nvPr>
+        </p:nvPicPr>
+        <p:blipFill>
+          <a:blip r:embed="rId2">
+            <a:extLst>
+              <a:ext uri="{28A0092B-C50C-407E-A947-70E740481C1C}">
+                <a14:useLocalDpi xmlns:a14="http://schemas.microsoft.com/office/drawing/2010/main" val="0"/>
+              </a:ext>
+            </a:extLst>
+          </a:blip>
+          <a:stretch>
+            <a:fillRect/>
+          </a:stretch>
+        </p:blipFill>
+        <p:spPr>
+          <a:xfrm>
+            <a:off x="8792817" y="497987"/>
+            <a:ext cx="1712390" cy="5678976"/>
+          </a:xfrm>
+        </p:spPr>
+      </p:pic>
+      <p:sp>
+        <p:nvSpPr>
+          <p:cNvPr id="6" name="Заголовок 1">
+            <a:extLst>
+              <a:ext uri="{FF2B5EF4-FFF2-40B4-BE49-F238E27FC236}">
+                <a16:creationId xmlns:a16="http://schemas.microsoft.com/office/drawing/2014/main" id="{76277648-A197-6531-0425-FA34692EAC27}"/>
+              </a:ext>
+            </a:extLst>
+          </p:cNvPr>
+          <p:cNvSpPr>
+            <a:spLocks noGrp="1"/>
+          </p:cNvSpPr>
+          <p:nvPr>
+            <p:ph type="title"/>
+          </p:nvPr>
+        </p:nvSpPr>
+        <p:spPr>
+          <a:xfrm>
+            <a:off x="838200" y="365125"/>
+            <a:ext cx="6980583" cy="1325563"/>
+          </a:xfrm>
+        </p:spPr>
+        <p:txBody>
+          <a:bodyPr>
+            <a:normAutofit/>
+          </a:bodyPr>
+          <a:lstStyle/>
+          <a:p>
+            <a:r>
+              <a:rPr lang="ru-RU" sz="3600" b="1" u="sng" dirty="0"/>
+              <a:t>Обобщение текста</a:t>
+            </a:r>
+          </a:p>
+        </p:txBody>
+      </p:sp>
+    </p:spTree>
+    <p:extLst>
+      <p:ext uri="{BB962C8B-B14F-4D97-AF65-F5344CB8AC3E}">
+        <p14:creationId xmlns:p14="http://schemas.microsoft.com/office/powerpoint/2010/main" val="3592267970"/>
+      </p:ext>
+    </p:extLst>
+  </p:cSld>
+  <p:clrMapOvr>
+    <a:masterClrMapping/>
+  </p:clrMapOvr>
+</p:sld>
+</file>
+
+<file path=ppt/slides/slide7.xml><?xml version="1.0" encoding="utf-8"?>
+<p:sld xmlns:a="http://schemas.openxmlformats.org/drawingml/2006/main" xmlns:r="http://schemas.openxmlformats.org/officeDocument/2006/relationships" xmlns:p="http://schemas.openxmlformats.org/presentationml/2006/main">
+  <p:cSld>
+    <p:spTree>
+      <p:nvGrpSpPr>
+        <p:cNvPr id="1" name=""/>
+        <p:cNvGrpSpPr/>
+        <p:nvPr/>
+      </p:nvGrpSpPr>
+      <p:grpSpPr>
+        <a:xfrm>
+          <a:off x="0" y="0"/>
+          <a:ext cx="0" cy="0"/>
+          <a:chOff x="0" y="0"/>
+          <a:chExt cx="0" cy="0"/>
+        </a:xfrm>
+      </p:grpSpPr>
+      <p:sp>
+        <p:nvSpPr>
+          <p:cNvPr id="2" name="Заголовок 1">
+            <a:extLst>
+              <a:ext uri="{FF2B5EF4-FFF2-40B4-BE49-F238E27FC236}">
+                <a16:creationId xmlns:a16="http://schemas.microsoft.com/office/drawing/2014/main" id="{2C64B6FC-9AA1-371B-6B3C-18F406082223}"/>
+              </a:ext>
+            </a:extLst>
+          </p:cNvPr>
+          <p:cNvSpPr>
+            <a:spLocks noGrp="1"/>
+          </p:cNvSpPr>
+          <p:nvPr>
+            <p:ph type="title"/>
+          </p:nvPr>
+        </p:nvSpPr>
+        <p:spPr>
+          <a:xfrm>
+            <a:off x="838200" y="365125"/>
+            <a:ext cx="6675783" cy="1325563"/>
+          </a:xfrm>
+        </p:spPr>
+        <p:txBody>
+          <a:bodyPr/>
+          <a:lstStyle/>
+          <a:p>
+            <a:r>
+              <a:rPr lang="ru-RU" sz="4400" b="1" u="sng" dirty="0"/>
+              <a:t>Определение слова</a:t>
+            </a:r>
+            <a:endParaRPr lang="ru-RU" dirty="0"/>
+          </a:p>
+        </p:txBody>
+      </p:sp>
+      <p:sp>
+        <p:nvSpPr>
+          <p:cNvPr id="3" name="Объект 2">
+            <a:extLst>
+              <a:ext uri="{FF2B5EF4-FFF2-40B4-BE49-F238E27FC236}">
+                <a16:creationId xmlns:a16="http://schemas.microsoft.com/office/drawing/2014/main" id="{6ADEBD5D-EB10-0504-FCF5-BED349E1AAEF}"/>
+              </a:ext>
+            </a:extLst>
+          </p:cNvPr>
+          <p:cNvSpPr>
+            <a:spLocks noGrp="1"/>
+          </p:cNvSpPr>
+          <p:nvPr>
+            <p:ph sz="half" idx="1"/>
+          </p:nvPr>
+        </p:nvSpPr>
+        <p:spPr>
+          <a:xfrm>
+            <a:off x="838200" y="1825625"/>
+            <a:ext cx="6675782" cy="4351338"/>
+          </a:xfrm>
+        </p:spPr>
+        <p:txBody>
+          <a:bodyPr/>
+          <a:lstStyle/>
+          <a:p>
+            <a:r>
+              <a:rPr lang="ru-RU" dirty="0"/>
+              <a:t>Проверка что выбрано именно слово</a:t>
+            </a:r>
+          </a:p>
+          <a:p>
+            <a:endParaRPr lang="ru-RU" dirty="0"/>
+          </a:p>
+        </p:txBody>
+      </p:sp>
+      <p:sp>
+        <p:nvSpPr>
+          <p:cNvPr id="4" name="Объект 3">
+            <a:extLst>
+              <a:ext uri="{FF2B5EF4-FFF2-40B4-BE49-F238E27FC236}">
+                <a16:creationId xmlns:a16="http://schemas.microsoft.com/office/drawing/2014/main" id="{531F3E3D-168C-C68B-20DA-F86845877763}"/>
+              </a:ext>
+            </a:extLst>
+          </p:cNvPr>
+          <p:cNvSpPr>
+            <a:spLocks noGrp="1"/>
+          </p:cNvSpPr>
+          <p:nvPr>
+            <p:ph sz="half" idx="2"/>
+          </p:nvPr>
+        </p:nvSpPr>
+        <p:spPr>
+          <a:xfrm>
+            <a:off x="7759148" y="1825625"/>
+            <a:ext cx="3594651" cy="4351338"/>
+          </a:xfrm>
+        </p:spPr>
+        <p:txBody>
+          <a:bodyPr/>
+          <a:lstStyle/>
+          <a:p>
+            <a:endParaRPr lang="ru-RU" dirty="0"/>
+          </a:p>
+        </p:txBody>
+      </p:sp>
+    </p:spTree>
+    <p:extLst>
+      <p:ext uri="{BB962C8B-B14F-4D97-AF65-F5344CB8AC3E}">
+        <p14:creationId xmlns:p14="http://schemas.microsoft.com/office/powerpoint/2010/main" val="1752438457"/>
       </p:ext>
     </p:extLst>
   </p:cSld>

--- a/docs/Презентация.pptx
+++ b/docs/Презентация.pptx
@@ -2,10 +2,10 @@
 <file path=ppt/presentation.xml><?xml version="1.0" encoding="utf-8"?>
 <p:presentation xmlns:a="http://schemas.openxmlformats.org/drawingml/2006/main" xmlns:r="http://schemas.openxmlformats.org/officeDocument/2006/relationships" xmlns:p="http://schemas.openxmlformats.org/presentationml/2006/main" saveSubsetFonts="1">
   <p:sldMasterIdLst>
-    <p:sldMasterId id="2147483648" r:id="rId1"/>
+    <p:sldMasterId id="2147483803" r:id="rId1"/>
   </p:sldMasterIdLst>
   <p:notesMasterIdLst>
-    <p:notesMasterId r:id="rId9"/>
+    <p:notesMasterId r:id="rId16"/>
   </p:notesMasterIdLst>
   <p:sldIdLst>
     <p:sldId id="256" r:id="rId2"/>
@@ -13,16 +13,23 @@
     <p:sldId id="260" r:id="rId4"/>
     <p:sldId id="262" r:id="rId5"/>
     <p:sldId id="264" r:id="rId6"/>
-    <p:sldId id="265" r:id="rId7"/>
-    <p:sldId id="266" r:id="rId8"/>
+    <p:sldId id="269" r:id="rId7"/>
+    <p:sldId id="270" r:id="rId8"/>
+    <p:sldId id="271" r:id="rId9"/>
+    <p:sldId id="272" r:id="rId10"/>
+    <p:sldId id="273" r:id="rId11"/>
+    <p:sldId id="267" r:id="rId12"/>
+    <p:sldId id="265" r:id="rId13"/>
+    <p:sldId id="266" r:id="rId14"/>
+    <p:sldId id="268" r:id="rId15"/>
   </p:sldIdLst>
-  <p:sldSz cx="12192000" cy="6858000"/>
+  <p:sldSz cx="9144000" cy="6858000" type="screen4x3"/>
   <p:notesSz cx="6858000" cy="9144000"/>
   <p:defaultTextStyle>
     <a:defPPr>
-      <a:defRPr lang="ru-RU"/>
+      <a:defRPr lang="en-US"/>
     </a:defPPr>
-    <a:lvl1pPr marL="0" algn="l" defTabSz="914400" rtl="0" eaLnBrk="1" latinLnBrk="0" hangingPunct="1">
+    <a:lvl1pPr marL="0" algn="l" defTabSz="457200" rtl="0" eaLnBrk="1" latinLnBrk="0" hangingPunct="1">
       <a:defRPr sz="1800" kern="1200">
         <a:solidFill>
           <a:schemeClr val="tx1"/>
@@ -32,7 +39,7 @@
         <a:cs typeface="+mn-cs"/>
       </a:defRPr>
     </a:lvl1pPr>
-    <a:lvl2pPr marL="457200" algn="l" defTabSz="914400" rtl="0" eaLnBrk="1" latinLnBrk="0" hangingPunct="1">
+    <a:lvl2pPr marL="457200" algn="l" defTabSz="457200" rtl="0" eaLnBrk="1" latinLnBrk="0" hangingPunct="1">
       <a:defRPr sz="1800" kern="1200">
         <a:solidFill>
           <a:schemeClr val="tx1"/>
@@ -42,7 +49,7 @@
         <a:cs typeface="+mn-cs"/>
       </a:defRPr>
     </a:lvl2pPr>
-    <a:lvl3pPr marL="914400" algn="l" defTabSz="914400" rtl="0" eaLnBrk="1" latinLnBrk="0" hangingPunct="1">
+    <a:lvl3pPr marL="914400" algn="l" defTabSz="457200" rtl="0" eaLnBrk="1" latinLnBrk="0" hangingPunct="1">
       <a:defRPr sz="1800" kern="1200">
         <a:solidFill>
           <a:schemeClr val="tx1"/>
@@ -52,7 +59,7 @@
         <a:cs typeface="+mn-cs"/>
       </a:defRPr>
     </a:lvl3pPr>
-    <a:lvl4pPr marL="1371600" algn="l" defTabSz="914400" rtl="0" eaLnBrk="1" latinLnBrk="0" hangingPunct="1">
+    <a:lvl4pPr marL="1371600" algn="l" defTabSz="457200" rtl="0" eaLnBrk="1" latinLnBrk="0" hangingPunct="1">
       <a:defRPr sz="1800" kern="1200">
         <a:solidFill>
           <a:schemeClr val="tx1"/>
@@ -62,7 +69,7 @@
         <a:cs typeface="+mn-cs"/>
       </a:defRPr>
     </a:lvl4pPr>
-    <a:lvl5pPr marL="1828800" algn="l" defTabSz="914400" rtl="0" eaLnBrk="1" latinLnBrk="0" hangingPunct="1">
+    <a:lvl5pPr marL="1828800" algn="l" defTabSz="457200" rtl="0" eaLnBrk="1" latinLnBrk="0" hangingPunct="1">
       <a:defRPr sz="1800" kern="1200">
         <a:solidFill>
           <a:schemeClr val="tx1"/>
@@ -72,7 +79,7 @@
         <a:cs typeface="+mn-cs"/>
       </a:defRPr>
     </a:lvl5pPr>
-    <a:lvl6pPr marL="2286000" algn="l" defTabSz="914400" rtl="0" eaLnBrk="1" latinLnBrk="0" hangingPunct="1">
+    <a:lvl6pPr marL="2286000" algn="l" defTabSz="457200" rtl="0" eaLnBrk="1" latinLnBrk="0" hangingPunct="1">
       <a:defRPr sz="1800" kern="1200">
         <a:solidFill>
           <a:schemeClr val="tx1"/>
@@ -82,7 +89,7 @@
         <a:cs typeface="+mn-cs"/>
       </a:defRPr>
     </a:lvl6pPr>
-    <a:lvl7pPr marL="2743200" algn="l" defTabSz="914400" rtl="0" eaLnBrk="1" latinLnBrk="0" hangingPunct="1">
+    <a:lvl7pPr marL="2743200" algn="l" defTabSz="457200" rtl="0" eaLnBrk="1" latinLnBrk="0" hangingPunct="1">
       <a:defRPr sz="1800" kern="1200">
         <a:solidFill>
           <a:schemeClr val="tx1"/>
@@ -92,7 +99,7 @@
         <a:cs typeface="+mn-cs"/>
       </a:defRPr>
     </a:lvl7pPr>
-    <a:lvl8pPr marL="3200400" algn="l" defTabSz="914400" rtl="0" eaLnBrk="1" latinLnBrk="0" hangingPunct="1">
+    <a:lvl8pPr marL="3200400" algn="l" defTabSz="457200" rtl="0" eaLnBrk="1" latinLnBrk="0" hangingPunct="1">
       <a:defRPr sz="1800" kern="1200">
         <a:solidFill>
           <a:schemeClr val="tx1"/>
@@ -102,7 +109,7 @@
         <a:cs typeface="+mn-cs"/>
       </a:defRPr>
     </a:lvl8pPr>
-    <a:lvl9pPr marL="3657600" algn="l" defTabSz="914400" rtl="0" eaLnBrk="1" latinLnBrk="0" hangingPunct="1">
+    <a:lvl9pPr marL="3657600" algn="l" defTabSz="457200" rtl="0" eaLnBrk="1" latinLnBrk="0" hangingPunct="1">
       <a:defRPr sz="1800" kern="1200">
         <a:solidFill>
           <a:schemeClr val="tx1"/>
@@ -203,7 +210,7 @@
           <a:p>
             <a:fld id="{DB406D86-2B39-4EB5-BC1A-528B84856720}" type="datetimeFigureOut">
               <a:rPr lang="ru-RU" smtClean="0"/>
-              <a:t>12.06.2024</a:t>
+              <a:t>15.06.2024</a:t>
             </a:fld>
             <a:endParaRPr lang="ru-RU"/>
           </a:p>
@@ -221,8 +228,8 @@
         </p:nvSpPr>
         <p:spPr>
           <a:xfrm>
-            <a:off x="685800" y="1143000"/>
-            <a:ext cx="5486400" cy="3086100"/>
+            <a:off x="1371600" y="1143000"/>
+            <a:ext cx="4114800" cy="3086100"/>
           </a:xfrm>
           <a:prstGeom prst="rect">
             <a:avLst/>
@@ -497,7 +504,12 @@
             <p:ph type="sldImg"/>
           </p:nvPr>
         </p:nvSpPr>
-        <p:spPr/>
+        <p:spPr>
+          <a:xfrm>
+            <a:off x="1371600" y="1143000"/>
+            <a:ext cx="4114800" cy="3086100"/>
+          </a:xfrm>
+        </p:spPr>
       </p:sp>
       <p:sp>
         <p:nvSpPr>
@@ -561,9 +573,9 @@
 </p:notes>
 </file>
 
-<file path=ppt/slideLayouts/slideLayout1.xml><?xml version="1.0" encoding="utf-8"?>
-<p:sldLayout xmlns:a="http://schemas.openxmlformats.org/drawingml/2006/main" xmlns:r="http://schemas.openxmlformats.org/officeDocument/2006/relationships" xmlns:p="http://schemas.openxmlformats.org/presentationml/2006/main" type="title" preserve="1">
-  <p:cSld name="Титульный слайд">
+<file path=ppt/notesSlides/notesSlide2.xml><?xml version="1.0" encoding="utf-8"?>
+<p:notes xmlns:a="http://schemas.openxmlformats.org/drawingml/2006/main" xmlns:r="http://schemas.openxmlformats.org/officeDocument/2006/relationships" xmlns:p="http://schemas.openxmlformats.org/presentationml/2006/main">
+  <p:cSld>
     <p:spTree>
       <p:nvGrpSpPr>
         <p:cNvPr id="1" name=""/>
@@ -580,31 +592,311 @@
       </p:grpSpPr>
       <p:sp>
         <p:nvSpPr>
-          <p:cNvPr id="2" name="Заголовок 1">
-            <a:extLst>
-              <a:ext uri="{FF2B5EF4-FFF2-40B4-BE49-F238E27FC236}">
-                <a16:creationId xmlns:a16="http://schemas.microsoft.com/office/drawing/2014/main" id="{C175DD83-5D6B-030C-F6DE-690950AA731C}"/>
-              </a:ext>
-            </a:extLst>
-          </p:cNvPr>
-          <p:cNvSpPr>
-            <a:spLocks noGrp="1"/>
-          </p:cNvSpPr>
-          <p:nvPr>
-            <p:ph type="ctrTitle"/>
+          <p:cNvPr id="2" name="Образ слайда 1"/>
+          <p:cNvSpPr>
+            <a:spLocks noGrp="1" noRot="1" noChangeAspect="1"/>
+          </p:cNvSpPr>
+          <p:nvPr>
+            <p:ph type="sldImg"/>
           </p:nvPr>
         </p:nvSpPr>
         <p:spPr>
           <a:xfrm>
-            <a:off x="1524000" y="1122363"/>
-            <a:ext cx="9144000" cy="2387600"/>
+            <a:off x="1371600" y="1143000"/>
+            <a:ext cx="4114800" cy="3086100"/>
           </a:xfrm>
         </p:spPr>
-        <p:txBody>
-          <a:bodyPr anchor="b"/>
+      </p:sp>
+      <p:sp>
+        <p:nvSpPr>
+          <p:cNvPr id="3" name="Заметки 2"/>
+          <p:cNvSpPr>
+            <a:spLocks noGrp="1"/>
+          </p:cNvSpPr>
+          <p:nvPr>
+            <p:ph type="body" idx="1"/>
+          </p:nvPr>
+        </p:nvSpPr>
+        <p:spPr/>
+        <p:txBody>
+          <a:bodyPr/>
+          <a:lstStyle/>
+          <a:p>
+            <a:endParaRPr lang="ru-RU" dirty="0"/>
+          </a:p>
+        </p:txBody>
+      </p:sp>
+      <p:sp>
+        <p:nvSpPr>
+          <p:cNvPr id="4" name="Номер слайда 3"/>
+          <p:cNvSpPr>
+            <a:spLocks noGrp="1"/>
+          </p:cNvSpPr>
+          <p:nvPr>
+            <p:ph type="sldNum" sz="quarter" idx="5"/>
+          </p:nvPr>
+        </p:nvSpPr>
+        <p:spPr/>
+        <p:txBody>
+          <a:bodyPr/>
+          <a:lstStyle/>
+          <a:p>
+            <a:fld id="{600DD7E4-AEBE-4F2D-81C5-E23D161449AB}" type="slidenum">
+              <a:rPr lang="ru-RU" smtClean="0"/>
+              <a:t>7</a:t>
+            </a:fld>
+            <a:endParaRPr lang="ru-RU"/>
+          </a:p>
+        </p:txBody>
+      </p:sp>
+    </p:spTree>
+    <p:extLst>
+      <p:ext uri="{BB962C8B-B14F-4D97-AF65-F5344CB8AC3E}">
+        <p14:creationId xmlns:p14="http://schemas.microsoft.com/office/powerpoint/2010/main" val="935467296"/>
+      </p:ext>
+    </p:extLst>
+  </p:cSld>
+  <p:clrMapOvr>
+    <a:masterClrMapping/>
+  </p:clrMapOvr>
+</p:notes>
+</file>
+
+<file path=ppt/notesSlides/notesSlide3.xml><?xml version="1.0" encoding="utf-8"?>
+<p:notes xmlns:a="http://schemas.openxmlformats.org/drawingml/2006/main" xmlns:r="http://schemas.openxmlformats.org/officeDocument/2006/relationships" xmlns:p="http://schemas.openxmlformats.org/presentationml/2006/main">
+  <p:cSld>
+    <p:spTree>
+      <p:nvGrpSpPr>
+        <p:cNvPr id="1" name=""/>
+        <p:cNvGrpSpPr/>
+        <p:nvPr/>
+      </p:nvGrpSpPr>
+      <p:grpSpPr>
+        <a:xfrm>
+          <a:off x="0" y="0"/>
+          <a:ext cx="0" cy="0"/>
+          <a:chOff x="0" y="0"/>
+          <a:chExt cx="0" cy="0"/>
+        </a:xfrm>
+      </p:grpSpPr>
+      <p:sp>
+        <p:nvSpPr>
+          <p:cNvPr id="2" name="Образ слайда 1"/>
+          <p:cNvSpPr>
+            <a:spLocks noGrp="1" noRot="1" noChangeAspect="1"/>
+          </p:cNvSpPr>
+          <p:nvPr>
+            <p:ph type="sldImg"/>
+          </p:nvPr>
+        </p:nvSpPr>
+        <p:spPr>
+          <a:xfrm>
+            <a:off x="1371600" y="1143000"/>
+            <a:ext cx="4114800" cy="3086100"/>
+          </a:xfrm>
+        </p:spPr>
+      </p:sp>
+      <p:sp>
+        <p:nvSpPr>
+          <p:cNvPr id="3" name="Заметки 2"/>
+          <p:cNvSpPr>
+            <a:spLocks noGrp="1"/>
+          </p:cNvSpPr>
+          <p:nvPr>
+            <p:ph type="body" idx="1"/>
+          </p:nvPr>
+        </p:nvSpPr>
+        <p:spPr/>
+        <p:txBody>
+          <a:bodyPr/>
+          <a:lstStyle/>
+          <a:p>
+            <a:endParaRPr lang="ru-RU" dirty="0"/>
+          </a:p>
+        </p:txBody>
+      </p:sp>
+      <p:sp>
+        <p:nvSpPr>
+          <p:cNvPr id="4" name="Номер слайда 3"/>
+          <p:cNvSpPr>
+            <a:spLocks noGrp="1"/>
+          </p:cNvSpPr>
+          <p:nvPr>
+            <p:ph type="sldNum" sz="quarter" idx="5"/>
+          </p:nvPr>
+        </p:nvSpPr>
+        <p:spPr/>
+        <p:txBody>
+          <a:bodyPr/>
+          <a:lstStyle/>
+          <a:p>
+            <a:fld id="{600DD7E4-AEBE-4F2D-81C5-E23D161449AB}" type="slidenum">
+              <a:rPr lang="ru-RU" smtClean="0"/>
+              <a:t>8</a:t>
+            </a:fld>
+            <a:endParaRPr lang="ru-RU"/>
+          </a:p>
+        </p:txBody>
+      </p:sp>
+    </p:spTree>
+    <p:extLst>
+      <p:ext uri="{BB962C8B-B14F-4D97-AF65-F5344CB8AC3E}">
+        <p14:creationId xmlns:p14="http://schemas.microsoft.com/office/powerpoint/2010/main" val="1220038699"/>
+      </p:ext>
+    </p:extLst>
+  </p:cSld>
+  <p:clrMapOvr>
+    <a:masterClrMapping/>
+  </p:clrMapOvr>
+</p:notes>
+</file>
+
+<file path=ppt/notesSlides/notesSlide4.xml><?xml version="1.0" encoding="utf-8"?>
+<p:notes xmlns:a="http://schemas.openxmlformats.org/drawingml/2006/main" xmlns:r="http://schemas.openxmlformats.org/officeDocument/2006/relationships" xmlns:p="http://schemas.openxmlformats.org/presentationml/2006/main">
+  <p:cSld>
+    <p:spTree>
+      <p:nvGrpSpPr>
+        <p:cNvPr id="1" name=""/>
+        <p:cNvGrpSpPr/>
+        <p:nvPr/>
+      </p:nvGrpSpPr>
+      <p:grpSpPr>
+        <a:xfrm>
+          <a:off x="0" y="0"/>
+          <a:ext cx="0" cy="0"/>
+          <a:chOff x="0" y="0"/>
+          <a:chExt cx="0" cy="0"/>
+        </a:xfrm>
+      </p:grpSpPr>
+      <p:sp>
+        <p:nvSpPr>
+          <p:cNvPr id="2" name="Образ слайда 1"/>
+          <p:cNvSpPr>
+            <a:spLocks noGrp="1" noRot="1" noChangeAspect="1"/>
+          </p:cNvSpPr>
+          <p:nvPr>
+            <p:ph type="sldImg"/>
+          </p:nvPr>
+        </p:nvSpPr>
+        <p:spPr>
+          <a:xfrm>
+            <a:off x="1371600" y="1143000"/>
+            <a:ext cx="4114800" cy="3086100"/>
+          </a:xfrm>
+        </p:spPr>
+      </p:sp>
+      <p:sp>
+        <p:nvSpPr>
+          <p:cNvPr id="3" name="Заметки 2"/>
+          <p:cNvSpPr>
+            <a:spLocks noGrp="1"/>
+          </p:cNvSpPr>
+          <p:nvPr>
+            <p:ph type="body" idx="1"/>
+          </p:nvPr>
+        </p:nvSpPr>
+        <p:spPr/>
+        <p:txBody>
+          <a:bodyPr/>
+          <a:lstStyle/>
+          <a:p>
+            <a:endParaRPr lang="ru-RU" dirty="0"/>
+          </a:p>
+        </p:txBody>
+      </p:sp>
+      <p:sp>
+        <p:nvSpPr>
+          <p:cNvPr id="4" name="Номер слайда 3"/>
+          <p:cNvSpPr>
+            <a:spLocks noGrp="1"/>
+          </p:cNvSpPr>
+          <p:nvPr>
+            <p:ph type="sldNum" sz="quarter" idx="5"/>
+          </p:nvPr>
+        </p:nvSpPr>
+        <p:spPr/>
+        <p:txBody>
+          <a:bodyPr/>
+          <a:lstStyle/>
+          <a:p>
+            <a:fld id="{600DD7E4-AEBE-4F2D-81C5-E23D161449AB}" type="slidenum">
+              <a:rPr lang="ru-RU" smtClean="0"/>
+              <a:t>10</a:t>
+            </a:fld>
+            <a:endParaRPr lang="ru-RU"/>
+          </a:p>
+        </p:txBody>
+      </p:sp>
+    </p:spTree>
+    <p:extLst>
+      <p:ext uri="{BB962C8B-B14F-4D97-AF65-F5344CB8AC3E}">
+        <p14:creationId xmlns:p14="http://schemas.microsoft.com/office/powerpoint/2010/main" val="2761382642"/>
+      </p:ext>
+    </p:extLst>
+  </p:cSld>
+  <p:clrMapOvr>
+    <a:masterClrMapping/>
+  </p:clrMapOvr>
+</p:notes>
+</file>
+
+<file path=ppt/slideLayouts/slideLayout1.xml><?xml version="1.0" encoding="utf-8"?>
+<p:sldLayout xmlns:a="http://schemas.openxmlformats.org/drawingml/2006/main" xmlns:r="http://schemas.openxmlformats.org/officeDocument/2006/relationships" xmlns:p="http://schemas.openxmlformats.org/presentationml/2006/main" showMasterSp="0" type="title" preserve="1">
+  <p:cSld name="Титульный слайд">
+    <p:bg>
+      <p:bgPr>
+        <a:solidFill>
+          <a:schemeClr val="bg2">
+            <a:lumMod val="75000"/>
+          </a:schemeClr>
+        </a:solidFill>
+        <a:effectLst/>
+      </p:bgPr>
+    </p:bg>
+    <p:spTree>
+      <p:nvGrpSpPr>
+        <p:cNvPr id="1" name=""/>
+        <p:cNvGrpSpPr/>
+        <p:nvPr/>
+      </p:nvGrpSpPr>
+      <p:grpSpPr>
+        <a:xfrm>
+          <a:off x="0" y="0"/>
+          <a:ext cx="0" cy="0"/>
+          <a:chOff x="0" y="0"/>
+          <a:chExt cx="0" cy="0"/>
+        </a:xfrm>
+      </p:grpSpPr>
+      <p:sp>
+        <p:nvSpPr>
+          <p:cNvPr id="2" name="Title 1"/>
+          <p:cNvSpPr>
+            <a:spLocks noGrp="1"/>
+          </p:cNvSpPr>
+          <p:nvPr>
+            <p:ph type="ctrTitle"/>
+          </p:nvPr>
+        </p:nvSpPr>
+        <p:spPr>
+          <a:xfrm>
+            <a:off x="946404" y="758952"/>
+            <a:ext cx="7063740" cy="4041648"/>
+          </a:xfrm>
+        </p:spPr>
+        <p:txBody>
+          <a:bodyPr anchor="b">
+            <a:normAutofit/>
+          </a:bodyPr>
           <a:lstStyle>
-            <a:lvl1pPr algn="ctr">
-              <a:defRPr sz="6000"/>
+            <a:lvl1pPr algn="l">
+              <a:lnSpc>
+                <a:spcPct val="85000"/>
+              </a:lnSpc>
+              <a:defRPr sz="6600" baseline="0">
+                <a:solidFill>
+                  <a:schemeClr val="tx1"/>
+                </a:solidFill>
+              </a:defRPr>
             </a:lvl1pPr>
           </a:lstStyle>
           <a:p>
@@ -612,18 +904,13 @@
               <a:rPr lang="ru-RU"/>
               <a:t>Образец заголовка</a:t>
             </a:r>
-          </a:p>
-        </p:txBody>
-      </p:sp>
-      <p:sp>
-        <p:nvSpPr>
-          <p:cNvPr id="3" name="Подзаголовок 2">
-            <a:extLst>
-              <a:ext uri="{FF2B5EF4-FFF2-40B4-BE49-F238E27FC236}">
-                <a16:creationId xmlns:a16="http://schemas.microsoft.com/office/drawing/2014/main" id="{AB805217-FB1D-A1E6-875A-499D49259128}"/>
-              </a:ext>
-            </a:extLst>
-          </p:cNvPr>
+            <a:endParaRPr lang="en-US" dirty="0"/>
+          </a:p>
+        </p:txBody>
+      </p:sp>
+      <p:sp>
+        <p:nvSpPr>
+          <p:cNvPr id="3" name="Subtitle 2"/>
           <p:cNvSpPr>
             <a:spLocks noGrp="1"/>
           </p:cNvSpPr>
@@ -633,16 +920,24 @@
         </p:nvSpPr>
         <p:spPr>
           <a:xfrm>
-            <a:off x="1524000" y="3602038"/>
-            <a:ext cx="9144000" cy="1655762"/>
+            <a:off x="946404" y="4800600"/>
+            <a:ext cx="7063740" cy="1691640"/>
           </a:xfrm>
         </p:spPr>
         <p:txBody>
-          <a:bodyPr/>
+          <a:bodyPr>
+            <a:normAutofit/>
+          </a:bodyPr>
           <a:lstStyle>
-            <a:lvl1pPr marL="0" indent="0" algn="ctr">
+            <a:lvl1pPr marL="0" indent="0" algn="l">
               <a:buNone/>
-              <a:defRPr sz="2400"/>
+              <a:defRPr sz="2000" baseline="0">
+                <a:solidFill>
+                  <a:schemeClr val="tx1">
+                    <a:lumMod val="85000"/>
+                  </a:schemeClr>
+                </a:solidFill>
+              </a:defRPr>
             </a:lvl1pPr>
             <a:lvl2pPr marL="457200" indent="0" algn="ctr">
               <a:buNone/>
@@ -650,31 +945,31 @@
             </a:lvl2pPr>
             <a:lvl3pPr marL="914400" indent="0" algn="ctr">
               <a:buNone/>
-              <a:defRPr sz="1800"/>
+              <a:defRPr sz="2000"/>
             </a:lvl3pPr>
             <a:lvl4pPr marL="1371600" indent="0" algn="ctr">
               <a:buNone/>
-              <a:defRPr sz="1600"/>
+              <a:defRPr sz="2000"/>
             </a:lvl4pPr>
             <a:lvl5pPr marL="1828800" indent="0" algn="ctr">
               <a:buNone/>
-              <a:defRPr sz="1600"/>
+              <a:defRPr sz="2000"/>
             </a:lvl5pPr>
             <a:lvl6pPr marL="2286000" indent="0" algn="ctr">
               <a:buNone/>
-              <a:defRPr sz="1600"/>
+              <a:defRPr sz="2000"/>
             </a:lvl6pPr>
             <a:lvl7pPr marL="2743200" indent="0" algn="ctr">
               <a:buNone/>
-              <a:defRPr sz="1600"/>
+              <a:defRPr sz="2000"/>
             </a:lvl7pPr>
             <a:lvl8pPr marL="3200400" indent="0" algn="ctr">
               <a:buNone/>
-              <a:defRPr sz="1600"/>
+              <a:defRPr sz="2000"/>
             </a:lvl8pPr>
             <a:lvl9pPr marL="3657600" indent="0" algn="ctr">
               <a:buNone/>
-              <a:defRPr sz="1600"/>
+              <a:defRPr sz="2000"/>
             </a:lvl9pPr>
           </a:lstStyle>
           <a:p>
@@ -682,18 +977,51 @@
               <a:rPr lang="ru-RU"/>
               <a:t>Образец подзаголовка</a:t>
             </a:r>
-          </a:p>
-        </p:txBody>
-      </p:sp>
-      <p:sp>
-        <p:nvSpPr>
-          <p:cNvPr id="4" name="Дата 3">
-            <a:extLst>
-              <a:ext uri="{FF2B5EF4-FFF2-40B4-BE49-F238E27FC236}">
-                <a16:creationId xmlns:a16="http://schemas.microsoft.com/office/drawing/2014/main" id="{F8815537-272D-02CB-0CC0-AC02EC25F9C2}"/>
-              </a:ext>
-            </a:extLst>
-          </p:cNvPr>
+            <a:endParaRPr lang="en-US" dirty="0"/>
+          </a:p>
+        </p:txBody>
+      </p:sp>
+      <p:sp>
+        <p:nvSpPr>
+          <p:cNvPr id="7" name="Rectangle 6"/>
+          <p:cNvSpPr/>
+          <p:nvPr/>
+        </p:nvSpPr>
+        <p:spPr>
+          <a:xfrm>
+            <a:off x="0" y="0"/>
+            <a:ext cx="342900" cy="6858000"/>
+          </a:xfrm>
+          <a:prstGeom prst="rect">
+            <a:avLst/>
+          </a:prstGeom>
+          <a:solidFill>
+            <a:schemeClr val="accent1"/>
+          </a:solidFill>
+          <a:ln>
+            <a:noFill/>
+          </a:ln>
+        </p:spPr>
+        <p:style>
+          <a:lnRef idx="2">
+            <a:schemeClr val="accent1">
+              <a:shade val="50000"/>
+            </a:schemeClr>
+          </a:lnRef>
+          <a:fillRef idx="1">
+            <a:schemeClr val="accent1"/>
+          </a:fillRef>
+          <a:effectRef idx="0">
+            <a:schemeClr val="accent1"/>
+          </a:effectRef>
+          <a:fontRef idx="minor">
+            <a:schemeClr val="lt1"/>
+          </a:fontRef>
+        </p:style>
+      </p:sp>
+      <p:sp>
+        <p:nvSpPr>
+          <p:cNvPr id="8" name="Date Placeholder 7"/>
           <p:cNvSpPr>
             <a:spLocks noGrp="1"/>
           </p:cNvSpPr>
@@ -704,11 +1032,22 @@
         <p:spPr/>
         <p:txBody>
           <a:bodyPr/>
-          <a:lstStyle/>
+          <a:lstStyle>
+            <a:lvl1pPr>
+              <a:defRPr>
+                <a:solidFill>
+                  <a:schemeClr val="bg2">
+                    <a:lumMod val="20000"/>
+                    <a:lumOff val="80000"/>
+                  </a:schemeClr>
+                </a:solidFill>
+              </a:defRPr>
+            </a:lvl1pPr>
+          </a:lstStyle>
           <a:p>
             <a:fld id="{B93E592B-316F-437C-9AE0-9B59089EEBBB}" type="datetimeFigureOut">
               <a:rPr lang="ru-RU" smtClean="0"/>
-              <a:t>12.06.2024</a:t>
+              <a:t>15.06.2024</a:t>
             </a:fld>
             <a:endParaRPr lang="ru-RU"/>
           </a:p>
@@ -716,13 +1055,7 @@
       </p:sp>
       <p:sp>
         <p:nvSpPr>
-          <p:cNvPr id="5" name="Нижний колонтитул 4">
-            <a:extLst>
-              <a:ext uri="{FF2B5EF4-FFF2-40B4-BE49-F238E27FC236}">
-                <a16:creationId xmlns:a16="http://schemas.microsoft.com/office/drawing/2014/main" id="{4A142A83-6B90-B5EF-801C-2E174D70E96C}"/>
-              </a:ext>
-            </a:extLst>
-          </p:cNvPr>
+          <p:cNvPr id="9" name="Footer Placeholder 8"/>
           <p:cNvSpPr>
             <a:spLocks noGrp="1"/>
           </p:cNvSpPr>
@@ -733,7 +1066,18 @@
         <p:spPr/>
         <p:txBody>
           <a:bodyPr/>
-          <a:lstStyle/>
+          <a:lstStyle>
+            <a:lvl1pPr>
+              <a:defRPr>
+                <a:solidFill>
+                  <a:schemeClr val="bg2">
+                    <a:lumMod val="20000"/>
+                    <a:lumOff val="80000"/>
+                  </a:schemeClr>
+                </a:solidFill>
+              </a:defRPr>
+            </a:lvl1pPr>
+          </a:lstStyle>
           <a:p>
             <a:endParaRPr lang="ru-RU"/>
           </a:p>
@@ -741,13 +1085,7 @@
       </p:sp>
       <p:sp>
         <p:nvSpPr>
-          <p:cNvPr id="6" name="Номер слайда 5">
-            <a:extLst>
-              <a:ext uri="{FF2B5EF4-FFF2-40B4-BE49-F238E27FC236}">
-                <a16:creationId xmlns:a16="http://schemas.microsoft.com/office/drawing/2014/main" id="{B1F274AE-6B03-98AC-A0C9-A673674E8EAD}"/>
-              </a:ext>
-            </a:extLst>
-          </p:cNvPr>
+          <p:cNvPr id="10" name="Slide Number Placeholder 9"/>
           <p:cNvSpPr>
             <a:spLocks noGrp="1"/>
           </p:cNvSpPr>
@@ -758,7 +1096,18 @@
         <p:spPr/>
         <p:txBody>
           <a:bodyPr/>
-          <a:lstStyle/>
+          <a:lstStyle>
+            <a:lvl1pPr>
+              <a:defRPr>
+                <a:solidFill>
+                  <a:schemeClr val="bg2">
+                    <a:lumMod val="60000"/>
+                    <a:lumOff val="40000"/>
+                  </a:schemeClr>
+                </a:solidFill>
+              </a:defRPr>
+            </a:lvl1pPr>
+          </a:lstStyle>
           <a:p>
             <a:fld id="{7DED9AFC-6B29-4CF4-8371-B7E5ABA373D4}" type="slidenum">
               <a:rPr lang="ru-RU" smtClean="0"/>
@@ -771,12 +1120,12 @@
     </p:spTree>
     <p:extLst>
       <p:ext uri="{BB962C8B-B14F-4D97-AF65-F5344CB8AC3E}">
-        <p14:creationId xmlns:p14="http://schemas.microsoft.com/office/powerpoint/2010/main" val="2812461968"/>
+        <p14:creationId xmlns:p14="http://schemas.microsoft.com/office/powerpoint/2010/main" val="4112531933"/>
       </p:ext>
     </p:extLst>
   </p:cSld>
   <p:clrMapOvr>
-    <a:masterClrMapping/>
+    <a:overrideClrMapping bg1="dk1" tx1="lt1" bg2="dk2" tx2="lt2" accent1="accent1" accent2="accent2" accent3="accent3" accent4="accent4" accent5="accent5" accent6="accent6" hlink="hlink" folHlink="folHlink"/>
   </p:clrMapOvr>
 </p:sldLayout>
 </file>
@@ -800,13 +1149,7 @@
       </p:grpSpPr>
       <p:sp>
         <p:nvSpPr>
-          <p:cNvPr id="2" name="Заголовок 1">
-            <a:extLst>
-              <a:ext uri="{FF2B5EF4-FFF2-40B4-BE49-F238E27FC236}">
-                <a16:creationId xmlns:a16="http://schemas.microsoft.com/office/drawing/2014/main" id="{A6249DC8-4DAB-E2CA-642E-C05267DA47B5}"/>
-              </a:ext>
-            </a:extLst>
-          </p:cNvPr>
+          <p:cNvPr id="2" name="Title 1"/>
           <p:cNvSpPr>
             <a:spLocks noGrp="1"/>
           </p:cNvSpPr>
@@ -823,18 +1166,13 @@
               <a:rPr lang="ru-RU"/>
               <a:t>Образец заголовка</a:t>
             </a:r>
-          </a:p>
-        </p:txBody>
-      </p:sp>
-      <p:sp>
-        <p:nvSpPr>
-          <p:cNvPr id="3" name="Вертикальный текст 2">
-            <a:extLst>
-              <a:ext uri="{FF2B5EF4-FFF2-40B4-BE49-F238E27FC236}">
-                <a16:creationId xmlns:a16="http://schemas.microsoft.com/office/drawing/2014/main" id="{4C980678-4DA2-3237-51BD-D884A329403B}"/>
-              </a:ext>
-            </a:extLst>
-          </p:cNvPr>
+            <a:endParaRPr lang="en-US" dirty="0"/>
+          </a:p>
+        </p:txBody>
+      </p:sp>
+      <p:sp>
+        <p:nvSpPr>
+          <p:cNvPr id="3" name="Vertical Text Placeholder 2"/>
           <p:cNvSpPr>
             <a:spLocks noGrp="1"/>
           </p:cNvSpPr>
@@ -880,18 +1218,13 @@
               <a:rPr lang="ru-RU"/>
               <a:t>Пятый уровень</a:t>
             </a:r>
-          </a:p>
-        </p:txBody>
-      </p:sp>
-      <p:sp>
-        <p:nvSpPr>
-          <p:cNvPr id="4" name="Дата 3">
-            <a:extLst>
-              <a:ext uri="{FF2B5EF4-FFF2-40B4-BE49-F238E27FC236}">
-                <a16:creationId xmlns:a16="http://schemas.microsoft.com/office/drawing/2014/main" id="{7B21322D-16DA-C72A-29D1-2A8461F5FF65}"/>
-              </a:ext>
-            </a:extLst>
-          </p:cNvPr>
+            <a:endParaRPr lang="en-US" dirty="0"/>
+          </a:p>
+        </p:txBody>
+      </p:sp>
+      <p:sp>
+        <p:nvSpPr>
+          <p:cNvPr id="4" name="Date Placeholder 3"/>
           <p:cNvSpPr>
             <a:spLocks noGrp="1"/>
           </p:cNvSpPr>
@@ -906,7 +1239,7 @@
           <a:p>
             <a:fld id="{B93E592B-316F-437C-9AE0-9B59089EEBBB}" type="datetimeFigureOut">
               <a:rPr lang="ru-RU" smtClean="0"/>
-              <a:t>12.06.2024</a:t>
+              <a:t>15.06.2024</a:t>
             </a:fld>
             <a:endParaRPr lang="ru-RU"/>
           </a:p>
@@ -914,13 +1247,7 @@
       </p:sp>
       <p:sp>
         <p:nvSpPr>
-          <p:cNvPr id="5" name="Нижний колонтитул 4">
-            <a:extLst>
-              <a:ext uri="{FF2B5EF4-FFF2-40B4-BE49-F238E27FC236}">
-                <a16:creationId xmlns:a16="http://schemas.microsoft.com/office/drawing/2014/main" id="{54C04D96-7499-A153-99D6-38D9C47DBFCA}"/>
-              </a:ext>
-            </a:extLst>
-          </p:cNvPr>
+          <p:cNvPr id="5" name="Footer Placeholder 4"/>
           <p:cNvSpPr>
             <a:spLocks noGrp="1"/>
           </p:cNvSpPr>
@@ -939,13 +1266,7 @@
       </p:sp>
       <p:sp>
         <p:nvSpPr>
-          <p:cNvPr id="6" name="Номер слайда 5">
-            <a:extLst>
-              <a:ext uri="{FF2B5EF4-FFF2-40B4-BE49-F238E27FC236}">
-                <a16:creationId xmlns:a16="http://schemas.microsoft.com/office/drawing/2014/main" id="{EF24801E-CC19-CA09-5951-64B8CA819B5A}"/>
-              </a:ext>
-            </a:extLst>
-          </p:cNvPr>
+          <p:cNvPr id="6" name="Slide Number Placeholder 5"/>
           <p:cNvSpPr>
             <a:spLocks noGrp="1"/>
           </p:cNvSpPr>
@@ -969,7 +1290,7 @@
     </p:spTree>
     <p:extLst>
       <p:ext uri="{BB962C8B-B14F-4D97-AF65-F5344CB8AC3E}">
-        <p14:creationId xmlns:p14="http://schemas.microsoft.com/office/powerpoint/2010/main" val="34896163"/>
+        <p14:creationId xmlns:p14="http://schemas.microsoft.com/office/powerpoint/2010/main" val="1605758866"/>
       </p:ext>
     </p:extLst>
   </p:cSld>
@@ -998,13 +1319,7 @@
       </p:grpSpPr>
       <p:sp>
         <p:nvSpPr>
-          <p:cNvPr id="2" name="Вертикальный заголовок 1">
-            <a:extLst>
-              <a:ext uri="{FF2B5EF4-FFF2-40B4-BE49-F238E27FC236}">
-                <a16:creationId xmlns:a16="http://schemas.microsoft.com/office/drawing/2014/main" id="{38F3F510-6353-A1AC-93E4-6FDE8959F318}"/>
-              </a:ext>
-            </a:extLst>
-          </p:cNvPr>
+          <p:cNvPr id="2" name="Vertical Title 1"/>
           <p:cNvSpPr>
             <a:spLocks noGrp="1"/>
           </p:cNvSpPr>
@@ -1014,8 +1329,8 @@
         </p:nvSpPr>
         <p:spPr>
           <a:xfrm>
-            <a:off x="8724900" y="365125"/>
-            <a:ext cx="2628900" cy="5811838"/>
+            <a:off x="6486525" y="381000"/>
+            <a:ext cx="1857375" cy="5897562"/>
           </a:xfrm>
         </p:spPr>
         <p:txBody>
@@ -1026,18 +1341,13 @@
               <a:rPr lang="ru-RU"/>
               <a:t>Образец заголовка</a:t>
             </a:r>
-          </a:p>
-        </p:txBody>
-      </p:sp>
-      <p:sp>
-        <p:nvSpPr>
-          <p:cNvPr id="3" name="Вертикальный текст 2">
-            <a:extLst>
-              <a:ext uri="{FF2B5EF4-FFF2-40B4-BE49-F238E27FC236}">
-                <a16:creationId xmlns:a16="http://schemas.microsoft.com/office/drawing/2014/main" id="{C28920E3-1F98-B3E6-BA67-DB70339065A5}"/>
-              </a:ext>
-            </a:extLst>
-          </p:cNvPr>
+            <a:endParaRPr lang="en-US" dirty="0"/>
+          </a:p>
+        </p:txBody>
+      </p:sp>
+      <p:sp>
+        <p:nvSpPr>
+          <p:cNvPr id="3" name="Vertical Text Placeholder 2"/>
           <p:cNvSpPr>
             <a:spLocks noGrp="1"/>
           </p:cNvSpPr>
@@ -1047,8 +1357,8 @@
         </p:nvSpPr>
         <p:spPr>
           <a:xfrm>
-            <a:off x="838200" y="365125"/>
-            <a:ext cx="7734300" cy="5811838"/>
+            <a:off x="571500" y="381000"/>
+            <a:ext cx="5800725" cy="5897562"/>
           </a:xfrm>
         </p:spPr>
         <p:txBody>
@@ -1088,18 +1398,13 @@
               <a:rPr lang="ru-RU"/>
               <a:t>Пятый уровень</a:t>
             </a:r>
-          </a:p>
-        </p:txBody>
-      </p:sp>
-      <p:sp>
-        <p:nvSpPr>
-          <p:cNvPr id="4" name="Дата 3">
-            <a:extLst>
-              <a:ext uri="{FF2B5EF4-FFF2-40B4-BE49-F238E27FC236}">
-                <a16:creationId xmlns:a16="http://schemas.microsoft.com/office/drawing/2014/main" id="{483257A3-ABA6-4DF7-AA18-11696A807646}"/>
-              </a:ext>
-            </a:extLst>
-          </p:cNvPr>
+            <a:endParaRPr lang="en-US" dirty="0"/>
+          </a:p>
+        </p:txBody>
+      </p:sp>
+      <p:sp>
+        <p:nvSpPr>
+          <p:cNvPr id="4" name="Date Placeholder 3"/>
           <p:cNvSpPr>
             <a:spLocks noGrp="1"/>
           </p:cNvSpPr>
@@ -1114,7 +1419,7 @@
           <a:p>
             <a:fld id="{B93E592B-316F-437C-9AE0-9B59089EEBBB}" type="datetimeFigureOut">
               <a:rPr lang="ru-RU" smtClean="0"/>
-              <a:t>12.06.2024</a:t>
+              <a:t>15.06.2024</a:t>
             </a:fld>
             <a:endParaRPr lang="ru-RU"/>
           </a:p>
@@ -1122,13 +1427,7 @@
       </p:sp>
       <p:sp>
         <p:nvSpPr>
-          <p:cNvPr id="5" name="Нижний колонтитул 4">
-            <a:extLst>
-              <a:ext uri="{FF2B5EF4-FFF2-40B4-BE49-F238E27FC236}">
-                <a16:creationId xmlns:a16="http://schemas.microsoft.com/office/drawing/2014/main" id="{B4AE0DFE-3B7C-9BDE-D49B-A792AFFC0084}"/>
-              </a:ext>
-            </a:extLst>
-          </p:cNvPr>
+          <p:cNvPr id="5" name="Footer Placeholder 4"/>
           <p:cNvSpPr>
             <a:spLocks noGrp="1"/>
           </p:cNvSpPr>
@@ -1147,13 +1446,7 @@
       </p:sp>
       <p:sp>
         <p:nvSpPr>
-          <p:cNvPr id="6" name="Номер слайда 5">
-            <a:extLst>
-              <a:ext uri="{FF2B5EF4-FFF2-40B4-BE49-F238E27FC236}">
-                <a16:creationId xmlns:a16="http://schemas.microsoft.com/office/drawing/2014/main" id="{9FC23A51-0A50-9C35-15A2-3F85A4028F8F}"/>
-              </a:ext>
-            </a:extLst>
-          </p:cNvPr>
+          <p:cNvPr id="6" name="Slide Number Placeholder 5"/>
           <p:cNvSpPr>
             <a:spLocks noGrp="1"/>
           </p:cNvSpPr>
@@ -1177,7 +1470,7 @@
     </p:spTree>
     <p:extLst>
       <p:ext uri="{BB962C8B-B14F-4D97-AF65-F5344CB8AC3E}">
-        <p14:creationId xmlns:p14="http://schemas.microsoft.com/office/powerpoint/2010/main" val="1690623912"/>
+        <p14:creationId xmlns:p14="http://schemas.microsoft.com/office/powerpoint/2010/main" val="2259598484"/>
       </p:ext>
     </p:extLst>
   </p:cSld>
@@ -1206,13 +1499,7 @@
       </p:grpSpPr>
       <p:sp>
         <p:nvSpPr>
-          <p:cNvPr id="2" name="Заголовок 1">
-            <a:extLst>
-              <a:ext uri="{FF2B5EF4-FFF2-40B4-BE49-F238E27FC236}">
-                <a16:creationId xmlns:a16="http://schemas.microsoft.com/office/drawing/2014/main" id="{4135A4B0-BD51-A3AE-4F9E-150874445048}"/>
-              </a:ext>
-            </a:extLst>
-          </p:cNvPr>
+          <p:cNvPr id="2" name="Title 1"/>
           <p:cNvSpPr>
             <a:spLocks noGrp="1"/>
           </p:cNvSpPr>
@@ -1229,18 +1516,13 @@
               <a:rPr lang="ru-RU"/>
               <a:t>Образец заголовка</a:t>
             </a:r>
-          </a:p>
-        </p:txBody>
-      </p:sp>
-      <p:sp>
-        <p:nvSpPr>
-          <p:cNvPr id="3" name="Объект 2">
-            <a:extLst>
-              <a:ext uri="{FF2B5EF4-FFF2-40B4-BE49-F238E27FC236}">
-                <a16:creationId xmlns:a16="http://schemas.microsoft.com/office/drawing/2014/main" id="{82BF0E15-26ED-4944-0D06-5917DD9AC16B}"/>
-              </a:ext>
-            </a:extLst>
-          </p:cNvPr>
+            <a:endParaRPr lang="en-US" dirty="0"/>
+          </a:p>
+        </p:txBody>
+      </p:sp>
+      <p:sp>
+        <p:nvSpPr>
+          <p:cNvPr id="3" name="Content Placeholder 2"/>
           <p:cNvSpPr>
             <a:spLocks noGrp="1"/>
           </p:cNvSpPr>
@@ -1286,18 +1568,13 @@
               <a:rPr lang="ru-RU"/>
               <a:t>Пятый уровень</a:t>
             </a:r>
-          </a:p>
-        </p:txBody>
-      </p:sp>
-      <p:sp>
-        <p:nvSpPr>
-          <p:cNvPr id="4" name="Дата 3">
-            <a:extLst>
-              <a:ext uri="{FF2B5EF4-FFF2-40B4-BE49-F238E27FC236}">
-                <a16:creationId xmlns:a16="http://schemas.microsoft.com/office/drawing/2014/main" id="{BE1E6981-21A4-983F-580B-1C2377FA89DF}"/>
-              </a:ext>
-            </a:extLst>
-          </p:cNvPr>
+            <a:endParaRPr lang="en-US" dirty="0"/>
+          </a:p>
+        </p:txBody>
+      </p:sp>
+      <p:sp>
+        <p:nvSpPr>
+          <p:cNvPr id="4" name="Date Placeholder 3"/>
           <p:cNvSpPr>
             <a:spLocks noGrp="1"/>
           </p:cNvSpPr>
@@ -1312,7 +1589,7 @@
           <a:p>
             <a:fld id="{B93E592B-316F-437C-9AE0-9B59089EEBBB}" type="datetimeFigureOut">
               <a:rPr lang="ru-RU" smtClean="0"/>
-              <a:t>12.06.2024</a:t>
+              <a:t>15.06.2024</a:t>
             </a:fld>
             <a:endParaRPr lang="ru-RU"/>
           </a:p>
@@ -1320,13 +1597,7 @@
       </p:sp>
       <p:sp>
         <p:nvSpPr>
-          <p:cNvPr id="5" name="Нижний колонтитул 4">
-            <a:extLst>
-              <a:ext uri="{FF2B5EF4-FFF2-40B4-BE49-F238E27FC236}">
-                <a16:creationId xmlns:a16="http://schemas.microsoft.com/office/drawing/2014/main" id="{43253540-CB3E-C201-F319-95BCFE5D272A}"/>
-              </a:ext>
-            </a:extLst>
-          </p:cNvPr>
+          <p:cNvPr id="5" name="Footer Placeholder 4"/>
           <p:cNvSpPr>
             <a:spLocks noGrp="1"/>
           </p:cNvSpPr>
@@ -1345,13 +1616,7 @@
       </p:sp>
       <p:sp>
         <p:nvSpPr>
-          <p:cNvPr id="6" name="Номер слайда 5">
-            <a:extLst>
-              <a:ext uri="{FF2B5EF4-FFF2-40B4-BE49-F238E27FC236}">
-                <a16:creationId xmlns:a16="http://schemas.microsoft.com/office/drawing/2014/main" id="{13CCE486-8895-F2EA-DE3D-3131C6A14E64}"/>
-              </a:ext>
-            </a:extLst>
-          </p:cNvPr>
+          <p:cNvPr id="6" name="Slide Number Placeholder 5"/>
           <p:cNvSpPr>
             <a:spLocks noGrp="1"/>
           </p:cNvSpPr>
@@ -1375,7 +1640,7 @@
     </p:spTree>
     <p:extLst>
       <p:ext uri="{BB962C8B-B14F-4D97-AF65-F5344CB8AC3E}">
-        <p14:creationId xmlns:p14="http://schemas.microsoft.com/office/powerpoint/2010/main" val="663119978"/>
+        <p14:creationId xmlns:p14="http://schemas.microsoft.com/office/powerpoint/2010/main" val="2449064447"/>
       </p:ext>
     </p:extLst>
   </p:cSld>
@@ -1404,13 +1669,7 @@
       </p:grpSpPr>
       <p:sp>
         <p:nvSpPr>
-          <p:cNvPr id="2" name="Заголовок 1">
-            <a:extLst>
-              <a:ext uri="{FF2B5EF4-FFF2-40B4-BE49-F238E27FC236}">
-                <a16:creationId xmlns:a16="http://schemas.microsoft.com/office/drawing/2014/main" id="{344A1CC0-841A-01BC-07FA-EFCA7CE470D5}"/>
-              </a:ext>
-            </a:extLst>
-          </p:cNvPr>
+          <p:cNvPr id="2" name="Title 1"/>
           <p:cNvSpPr>
             <a:spLocks noGrp="1"/>
           </p:cNvSpPr>
@@ -1420,15 +1679,20 @@
         </p:nvSpPr>
         <p:spPr>
           <a:xfrm>
-            <a:off x="831850" y="1709738"/>
-            <a:ext cx="10515600" cy="2852737"/>
+            <a:off x="946404" y="758952"/>
+            <a:ext cx="7063740" cy="4041648"/>
           </a:xfrm>
         </p:spPr>
         <p:txBody>
-          <a:bodyPr anchor="b"/>
+          <a:bodyPr anchor="b">
+            <a:normAutofit/>
+          </a:bodyPr>
           <a:lstStyle>
             <a:lvl1pPr>
-              <a:defRPr sz="6000"/>
+              <a:lnSpc>
+                <a:spcPct val="85000"/>
+              </a:lnSpc>
+              <a:defRPr sz="6600" b="0"/>
             </a:lvl1pPr>
           </a:lstStyle>
           <a:p>
@@ -1436,18 +1700,13 @@
               <a:rPr lang="ru-RU"/>
               <a:t>Образец заголовка</a:t>
             </a:r>
-          </a:p>
-        </p:txBody>
-      </p:sp>
-      <p:sp>
-        <p:nvSpPr>
-          <p:cNvPr id="3" name="Текст 2">
-            <a:extLst>
-              <a:ext uri="{FF2B5EF4-FFF2-40B4-BE49-F238E27FC236}">
-                <a16:creationId xmlns:a16="http://schemas.microsoft.com/office/drawing/2014/main" id="{DD683371-C3CB-9AB7-F91A-C7B8DBBD571C}"/>
-              </a:ext>
-            </a:extLst>
-          </p:cNvPr>
+            <a:endParaRPr lang="en-US" dirty="0"/>
+          </a:p>
+        </p:txBody>
+      </p:sp>
+      <p:sp>
+        <p:nvSpPr>
+          <p:cNvPr id="3" name="Text Placeholder 2"/>
           <p:cNvSpPr>
             <a:spLocks noGrp="1"/>
           </p:cNvSpPr>
@@ -1457,26 +1716,29 @@
         </p:nvSpPr>
         <p:spPr>
           <a:xfrm>
-            <a:off x="831850" y="4589463"/>
-            <a:ext cx="10515600" cy="1500187"/>
+            <a:off x="946404" y="4800600"/>
+            <a:ext cx="7063740" cy="1691640"/>
           </a:xfrm>
         </p:spPr>
         <p:txBody>
-          <a:bodyPr/>
+          <a:bodyPr anchor="t">
+            <a:normAutofit/>
+          </a:bodyPr>
           <a:lstStyle>
             <a:lvl1pPr marL="0" indent="0">
               <a:buNone/>
-              <a:defRPr sz="2400">
+              <a:defRPr sz="2000">
                 <a:solidFill>
                   <a:schemeClr val="tx1">
-                    <a:tint val="75000"/>
+                    <a:lumMod val="75000"/>
+                    <a:lumOff val="25000"/>
                   </a:schemeClr>
                 </a:solidFill>
               </a:defRPr>
             </a:lvl1pPr>
             <a:lvl2pPr marL="457200" indent="0">
               <a:buNone/>
-              <a:defRPr sz="2000">
+              <a:defRPr sz="1800">
                 <a:solidFill>
                   <a:schemeClr val="tx1">
                     <a:tint val="75000"/>
@@ -1486,7 +1748,7 @@
             </a:lvl2pPr>
             <a:lvl3pPr marL="914400" indent="0">
               <a:buNone/>
-              <a:defRPr sz="1800">
+              <a:defRPr sz="1600">
                 <a:solidFill>
                   <a:schemeClr val="tx1">
                     <a:tint val="75000"/>
@@ -1496,7 +1758,7 @@
             </a:lvl3pPr>
             <a:lvl4pPr marL="1371600" indent="0">
               <a:buNone/>
-              <a:defRPr sz="1600">
+              <a:defRPr sz="1400">
                 <a:solidFill>
                   <a:schemeClr val="tx1">
                     <a:tint val="75000"/>
@@ -1506,7 +1768,7 @@
             </a:lvl4pPr>
             <a:lvl5pPr marL="1828800" indent="0">
               <a:buNone/>
-              <a:defRPr sz="1600">
+              <a:defRPr sz="1400">
                 <a:solidFill>
                   <a:schemeClr val="tx1">
                     <a:tint val="75000"/>
@@ -1516,7 +1778,7 @@
             </a:lvl5pPr>
             <a:lvl6pPr marL="2286000" indent="0">
               <a:buNone/>
-              <a:defRPr sz="1600">
+              <a:defRPr sz="1400">
                 <a:solidFill>
                   <a:schemeClr val="tx1">
                     <a:tint val="75000"/>
@@ -1526,7 +1788,7 @@
             </a:lvl6pPr>
             <a:lvl7pPr marL="2743200" indent="0">
               <a:buNone/>
-              <a:defRPr sz="1600">
+              <a:defRPr sz="1400">
                 <a:solidFill>
                   <a:schemeClr val="tx1">
                     <a:tint val="75000"/>
@@ -1536,7 +1798,7 @@
             </a:lvl7pPr>
             <a:lvl8pPr marL="3200400" indent="0">
               <a:buNone/>
-              <a:defRPr sz="1600">
+              <a:defRPr sz="1400">
                 <a:solidFill>
                   <a:schemeClr val="tx1">
                     <a:tint val="75000"/>
@@ -1546,7 +1808,7 @@
             </a:lvl8pPr>
             <a:lvl9pPr marL="3657600" indent="0">
               <a:buNone/>
-              <a:defRPr sz="1600">
+              <a:defRPr sz="1400">
                 <a:solidFill>
                   <a:schemeClr val="tx1">
                     <a:tint val="75000"/>
@@ -1566,13 +1828,7 @@
       </p:sp>
       <p:sp>
         <p:nvSpPr>
-          <p:cNvPr id="4" name="Дата 3">
-            <a:extLst>
-              <a:ext uri="{FF2B5EF4-FFF2-40B4-BE49-F238E27FC236}">
-                <a16:creationId xmlns:a16="http://schemas.microsoft.com/office/drawing/2014/main" id="{88E23892-BB9E-5FA1-3C16-4DDD5F277FB4}"/>
-              </a:ext>
-            </a:extLst>
-          </p:cNvPr>
+          <p:cNvPr id="4" name="Date Placeholder 3"/>
           <p:cNvSpPr>
             <a:spLocks noGrp="1"/>
           </p:cNvSpPr>
@@ -1587,7 +1843,7 @@
           <a:p>
             <a:fld id="{B93E592B-316F-437C-9AE0-9B59089EEBBB}" type="datetimeFigureOut">
               <a:rPr lang="ru-RU" smtClean="0"/>
-              <a:t>12.06.2024</a:t>
+              <a:t>15.06.2024</a:t>
             </a:fld>
             <a:endParaRPr lang="ru-RU"/>
           </a:p>
@@ -1595,13 +1851,7 @@
       </p:sp>
       <p:sp>
         <p:nvSpPr>
-          <p:cNvPr id="5" name="Нижний колонтитул 4">
-            <a:extLst>
-              <a:ext uri="{FF2B5EF4-FFF2-40B4-BE49-F238E27FC236}">
-                <a16:creationId xmlns:a16="http://schemas.microsoft.com/office/drawing/2014/main" id="{31F186D2-E224-8FC8-3145-C635CCACB272}"/>
-              </a:ext>
-            </a:extLst>
-          </p:cNvPr>
+          <p:cNvPr id="5" name="Footer Placeholder 4"/>
           <p:cNvSpPr>
             <a:spLocks noGrp="1"/>
           </p:cNvSpPr>
@@ -1620,13 +1870,7 @@
       </p:sp>
       <p:sp>
         <p:nvSpPr>
-          <p:cNvPr id="6" name="Номер слайда 5">
-            <a:extLst>
-              <a:ext uri="{FF2B5EF4-FFF2-40B4-BE49-F238E27FC236}">
-                <a16:creationId xmlns:a16="http://schemas.microsoft.com/office/drawing/2014/main" id="{909C5139-B528-0BB1-1B77-BEBCFF13BCB5}"/>
-              </a:ext>
-            </a:extLst>
-          </p:cNvPr>
+          <p:cNvPr id="6" name="Slide Number Placeholder 5"/>
           <p:cNvSpPr>
             <a:spLocks noGrp="1"/>
           </p:cNvSpPr>
@@ -1647,10 +1891,48 @@
           </a:p>
         </p:txBody>
       </p:sp>
+      <p:sp>
+        <p:nvSpPr>
+          <p:cNvPr id="7" name="Rectangle 6"/>
+          <p:cNvSpPr/>
+          <p:nvPr/>
+        </p:nvSpPr>
+        <p:spPr>
+          <a:xfrm>
+            <a:off x="0" y="0"/>
+            <a:ext cx="342900" cy="6858000"/>
+          </a:xfrm>
+          <a:prstGeom prst="rect">
+            <a:avLst/>
+          </a:prstGeom>
+          <a:solidFill>
+            <a:schemeClr val="accent1"/>
+          </a:solidFill>
+          <a:ln>
+            <a:noFill/>
+          </a:ln>
+        </p:spPr>
+        <p:style>
+          <a:lnRef idx="2">
+            <a:schemeClr val="accent1">
+              <a:shade val="50000"/>
+            </a:schemeClr>
+          </a:lnRef>
+          <a:fillRef idx="1">
+            <a:schemeClr val="accent1"/>
+          </a:fillRef>
+          <a:effectRef idx="0">
+            <a:schemeClr val="accent1"/>
+          </a:effectRef>
+          <a:fontRef idx="minor">
+            <a:schemeClr val="lt1"/>
+          </a:fontRef>
+        </p:style>
+      </p:sp>
     </p:spTree>
     <p:extLst>
       <p:ext uri="{BB962C8B-B14F-4D97-AF65-F5344CB8AC3E}">
-        <p14:creationId xmlns:p14="http://schemas.microsoft.com/office/powerpoint/2010/main" val="3550530361"/>
+        <p14:creationId xmlns:p14="http://schemas.microsoft.com/office/powerpoint/2010/main" val="3007381634"/>
       </p:ext>
     </p:extLst>
   </p:cSld>
@@ -1679,13 +1961,7 @@
       </p:grpSpPr>
       <p:sp>
         <p:nvSpPr>
-          <p:cNvPr id="2" name="Заголовок 1">
-            <a:extLst>
-              <a:ext uri="{FF2B5EF4-FFF2-40B4-BE49-F238E27FC236}">
-                <a16:creationId xmlns:a16="http://schemas.microsoft.com/office/drawing/2014/main" id="{217BB571-A2F7-B241-3FF9-C9693877B1FD}"/>
-              </a:ext>
-            </a:extLst>
-          </p:cNvPr>
+          <p:cNvPr id="2" name="Title 1"/>
           <p:cNvSpPr>
             <a:spLocks noGrp="1"/>
           </p:cNvSpPr>
@@ -1702,18 +1978,13 @@
               <a:rPr lang="ru-RU"/>
               <a:t>Образец заголовка</a:t>
             </a:r>
-          </a:p>
-        </p:txBody>
-      </p:sp>
-      <p:sp>
-        <p:nvSpPr>
-          <p:cNvPr id="3" name="Объект 2">
-            <a:extLst>
-              <a:ext uri="{FF2B5EF4-FFF2-40B4-BE49-F238E27FC236}">
-                <a16:creationId xmlns:a16="http://schemas.microsoft.com/office/drawing/2014/main" id="{F03CBF19-D729-5036-14FC-A100A7C9F765}"/>
-              </a:ext>
-            </a:extLst>
-          </p:cNvPr>
+            <a:endParaRPr lang="en-US" dirty="0"/>
+          </a:p>
+        </p:txBody>
+      </p:sp>
+      <p:sp>
+        <p:nvSpPr>
+          <p:cNvPr id="3" name="Content Placeholder 2"/>
           <p:cNvSpPr>
             <a:spLocks noGrp="1"/>
           </p:cNvSpPr>
@@ -1723,13 +1994,41 @@
         </p:nvSpPr>
         <p:spPr>
           <a:xfrm>
-            <a:off x="838200" y="1825625"/>
-            <a:ext cx="5181600" cy="4351338"/>
+            <a:off x="946404" y="1828801"/>
+            <a:ext cx="3360420" cy="4351337"/>
           </a:xfrm>
         </p:spPr>
         <p:txBody>
           <a:bodyPr/>
-          <a:lstStyle/>
+          <a:lstStyle>
+            <a:lvl1pPr>
+              <a:defRPr sz="1800"/>
+            </a:lvl1pPr>
+            <a:lvl2pPr>
+              <a:defRPr sz="1600"/>
+            </a:lvl2pPr>
+            <a:lvl3pPr>
+              <a:defRPr sz="1400"/>
+            </a:lvl3pPr>
+            <a:lvl4pPr>
+              <a:defRPr sz="1400"/>
+            </a:lvl4pPr>
+            <a:lvl5pPr>
+              <a:defRPr sz="1400"/>
+            </a:lvl5pPr>
+            <a:lvl6pPr>
+              <a:defRPr sz="1400"/>
+            </a:lvl6pPr>
+            <a:lvl7pPr>
+              <a:defRPr sz="1400"/>
+            </a:lvl7pPr>
+            <a:lvl8pPr>
+              <a:defRPr sz="1400"/>
+            </a:lvl8pPr>
+            <a:lvl9pPr>
+              <a:defRPr sz="1400"/>
+            </a:lvl9pPr>
+          </a:lstStyle>
           <a:p>
             <a:pPr lvl="0"/>
             <a:r>
@@ -1764,18 +2063,13 @@
               <a:rPr lang="ru-RU"/>
               <a:t>Пятый уровень</a:t>
             </a:r>
-          </a:p>
-        </p:txBody>
-      </p:sp>
-      <p:sp>
-        <p:nvSpPr>
-          <p:cNvPr id="4" name="Объект 3">
-            <a:extLst>
-              <a:ext uri="{FF2B5EF4-FFF2-40B4-BE49-F238E27FC236}">
-                <a16:creationId xmlns:a16="http://schemas.microsoft.com/office/drawing/2014/main" id="{DE049D61-3717-8A60-F531-881E86FEDD79}"/>
-              </a:ext>
-            </a:extLst>
-          </p:cNvPr>
+            <a:endParaRPr lang="en-US" dirty="0"/>
+          </a:p>
+        </p:txBody>
+      </p:sp>
+      <p:sp>
+        <p:nvSpPr>
+          <p:cNvPr id="4" name="Content Placeholder 3"/>
           <p:cNvSpPr>
             <a:spLocks noGrp="1"/>
           </p:cNvSpPr>
@@ -1785,13 +2079,41 @@
         </p:nvSpPr>
         <p:spPr>
           <a:xfrm>
-            <a:off x="6172200" y="1825625"/>
-            <a:ext cx="5181600" cy="4351338"/>
+            <a:off x="4594860" y="1828801"/>
+            <a:ext cx="3360420" cy="4351337"/>
           </a:xfrm>
         </p:spPr>
         <p:txBody>
           <a:bodyPr/>
-          <a:lstStyle/>
+          <a:lstStyle>
+            <a:lvl1pPr>
+              <a:defRPr sz="1800"/>
+            </a:lvl1pPr>
+            <a:lvl2pPr>
+              <a:defRPr sz="1600"/>
+            </a:lvl2pPr>
+            <a:lvl3pPr>
+              <a:defRPr sz="1400"/>
+            </a:lvl3pPr>
+            <a:lvl4pPr>
+              <a:defRPr sz="1400"/>
+            </a:lvl4pPr>
+            <a:lvl5pPr>
+              <a:defRPr sz="1400"/>
+            </a:lvl5pPr>
+            <a:lvl6pPr>
+              <a:defRPr sz="1400"/>
+            </a:lvl6pPr>
+            <a:lvl7pPr>
+              <a:defRPr sz="1400"/>
+            </a:lvl7pPr>
+            <a:lvl8pPr>
+              <a:defRPr sz="1400"/>
+            </a:lvl8pPr>
+            <a:lvl9pPr>
+              <a:defRPr sz="1400"/>
+            </a:lvl9pPr>
+          </a:lstStyle>
           <a:p>
             <a:pPr lvl="0"/>
             <a:r>
@@ -1826,18 +2148,13 @@
               <a:rPr lang="ru-RU"/>
               <a:t>Пятый уровень</a:t>
             </a:r>
-          </a:p>
-        </p:txBody>
-      </p:sp>
-      <p:sp>
-        <p:nvSpPr>
-          <p:cNvPr id="5" name="Дата 4">
-            <a:extLst>
-              <a:ext uri="{FF2B5EF4-FFF2-40B4-BE49-F238E27FC236}">
-                <a16:creationId xmlns:a16="http://schemas.microsoft.com/office/drawing/2014/main" id="{073757FA-23D2-60D0-8904-F98935B6978F}"/>
-              </a:ext>
-            </a:extLst>
-          </p:cNvPr>
+            <a:endParaRPr lang="en-US" dirty="0"/>
+          </a:p>
+        </p:txBody>
+      </p:sp>
+      <p:sp>
+        <p:nvSpPr>
+          <p:cNvPr id="5" name="Date Placeholder 4"/>
           <p:cNvSpPr>
             <a:spLocks noGrp="1"/>
           </p:cNvSpPr>
@@ -1852,7 +2169,7 @@
           <a:p>
             <a:fld id="{B93E592B-316F-437C-9AE0-9B59089EEBBB}" type="datetimeFigureOut">
               <a:rPr lang="ru-RU" smtClean="0"/>
-              <a:t>12.06.2024</a:t>
+              <a:t>15.06.2024</a:t>
             </a:fld>
             <a:endParaRPr lang="ru-RU"/>
           </a:p>
@@ -1860,13 +2177,7 @@
       </p:sp>
       <p:sp>
         <p:nvSpPr>
-          <p:cNvPr id="6" name="Нижний колонтитул 5">
-            <a:extLst>
-              <a:ext uri="{FF2B5EF4-FFF2-40B4-BE49-F238E27FC236}">
-                <a16:creationId xmlns:a16="http://schemas.microsoft.com/office/drawing/2014/main" id="{C77741B8-3223-78A1-0E83-6423F15F734F}"/>
-              </a:ext>
-            </a:extLst>
-          </p:cNvPr>
+          <p:cNvPr id="6" name="Footer Placeholder 5"/>
           <p:cNvSpPr>
             <a:spLocks noGrp="1"/>
           </p:cNvSpPr>
@@ -1885,13 +2196,7 @@
       </p:sp>
       <p:sp>
         <p:nvSpPr>
-          <p:cNvPr id="7" name="Номер слайда 6">
-            <a:extLst>
-              <a:ext uri="{FF2B5EF4-FFF2-40B4-BE49-F238E27FC236}">
-                <a16:creationId xmlns:a16="http://schemas.microsoft.com/office/drawing/2014/main" id="{739C13AA-69A8-5775-47FC-9087BFE26DCF}"/>
-              </a:ext>
-            </a:extLst>
-          </p:cNvPr>
+          <p:cNvPr id="7" name="Slide Number Placeholder 6"/>
           <p:cNvSpPr>
             <a:spLocks noGrp="1"/>
           </p:cNvSpPr>
@@ -1915,7 +2220,7 @@
     </p:spTree>
     <p:extLst>
       <p:ext uri="{BB962C8B-B14F-4D97-AF65-F5344CB8AC3E}">
-        <p14:creationId xmlns:p14="http://schemas.microsoft.com/office/powerpoint/2010/main" val="3526730392"/>
+        <p14:creationId xmlns:p14="http://schemas.microsoft.com/office/powerpoint/2010/main" val="892818673"/>
       </p:ext>
     </p:extLst>
   </p:cSld>
@@ -1944,69 +2249,62 @@
       </p:grpSpPr>
       <p:sp>
         <p:nvSpPr>
-          <p:cNvPr id="2" name="Заголовок 1">
-            <a:extLst>
-              <a:ext uri="{FF2B5EF4-FFF2-40B4-BE49-F238E27FC236}">
-                <a16:creationId xmlns:a16="http://schemas.microsoft.com/office/drawing/2014/main" id="{4F016B01-C8B8-D98B-DF1C-C059A745C042}"/>
-              </a:ext>
-            </a:extLst>
-          </p:cNvPr>
+          <p:cNvPr id="10" name="Title 9"/>
           <p:cNvSpPr>
             <a:spLocks noGrp="1"/>
           </p:cNvSpPr>
           <p:nvPr>
             <p:ph type="title"/>
+          </p:nvPr>
+        </p:nvSpPr>
+        <p:spPr/>
+        <p:txBody>
+          <a:bodyPr/>
+          <a:lstStyle/>
+          <a:p>
+            <a:r>
+              <a:rPr lang="ru-RU"/>
+              <a:t>Образец заголовка</a:t>
+            </a:r>
+            <a:endParaRPr lang="en-US" dirty="0"/>
+          </a:p>
+        </p:txBody>
+      </p:sp>
+      <p:sp>
+        <p:nvSpPr>
+          <p:cNvPr id="3" name="Text Placeholder 2"/>
+          <p:cNvSpPr>
+            <a:spLocks noGrp="1"/>
+          </p:cNvSpPr>
+          <p:nvPr>
+            <p:ph type="body" idx="1"/>
           </p:nvPr>
         </p:nvSpPr>
         <p:spPr>
           <a:xfrm>
-            <a:off x="839788" y="365125"/>
-            <a:ext cx="10515600" cy="1325563"/>
+            <a:off x="946404" y="1717185"/>
+            <a:ext cx="3360420" cy="731520"/>
           </a:xfrm>
         </p:spPr>
         <p:txBody>
-          <a:bodyPr/>
-          <a:lstStyle/>
-          <a:p>
-            <a:r>
-              <a:rPr lang="ru-RU"/>
-              <a:t>Образец заголовка</a:t>
-            </a:r>
-          </a:p>
-        </p:txBody>
-      </p:sp>
-      <p:sp>
-        <p:nvSpPr>
-          <p:cNvPr id="3" name="Текст 2">
-            <a:extLst>
-              <a:ext uri="{FF2B5EF4-FFF2-40B4-BE49-F238E27FC236}">
-                <a16:creationId xmlns:a16="http://schemas.microsoft.com/office/drawing/2014/main" id="{273F4193-A9A9-96EB-D877-ACCDB1BED28C}"/>
-              </a:ext>
-            </a:extLst>
-          </p:cNvPr>
-          <p:cNvSpPr>
-            <a:spLocks noGrp="1"/>
-          </p:cNvSpPr>
-          <p:nvPr>
-            <p:ph type="body" idx="1"/>
-          </p:nvPr>
-        </p:nvSpPr>
-        <p:spPr>
-          <a:xfrm>
-            <a:off x="839788" y="1681163"/>
-            <a:ext cx="5157787" cy="823912"/>
-          </a:xfrm>
-        </p:spPr>
-        <p:txBody>
-          <a:bodyPr anchor="b"/>
+          <a:bodyPr anchor="b">
+            <a:normAutofit/>
+          </a:bodyPr>
           <a:lstStyle>
             <a:lvl1pPr marL="0" indent="0">
+              <a:spcBef>
+                <a:spcPts val="0"/>
+              </a:spcBef>
               <a:buNone/>
-              <a:defRPr sz="2400" b="1"/>
+              <a:defRPr sz="1800" b="0">
+                <a:solidFill>
+                  <a:schemeClr val="tx2"/>
+                </a:solidFill>
+              </a:defRPr>
             </a:lvl1pPr>
             <a:lvl2pPr marL="457200" indent="0">
               <a:buNone/>
-              <a:defRPr sz="2000" b="1"/>
+              <a:defRPr sz="1800" b="1"/>
             </a:lvl2pPr>
             <a:lvl3pPr marL="914400" indent="0">
               <a:buNone/>
@@ -2048,13 +2346,7 @@
       </p:sp>
       <p:sp>
         <p:nvSpPr>
-          <p:cNvPr id="4" name="Объект 3">
-            <a:extLst>
-              <a:ext uri="{FF2B5EF4-FFF2-40B4-BE49-F238E27FC236}">
-                <a16:creationId xmlns:a16="http://schemas.microsoft.com/office/drawing/2014/main" id="{69F7A430-A01B-4851-E3A3-54F2A690F79B}"/>
-              </a:ext>
-            </a:extLst>
-          </p:cNvPr>
+          <p:cNvPr id="4" name="Content Placeholder 3"/>
           <p:cNvSpPr>
             <a:spLocks noGrp="1"/>
           </p:cNvSpPr>
@@ -2064,13 +2356,41 @@
         </p:nvSpPr>
         <p:spPr>
           <a:xfrm>
-            <a:off x="839788" y="2505075"/>
-            <a:ext cx="5157787" cy="3684588"/>
+            <a:off x="946404" y="2507550"/>
+            <a:ext cx="3360420" cy="3664650"/>
           </a:xfrm>
         </p:spPr>
         <p:txBody>
           <a:bodyPr/>
-          <a:lstStyle/>
+          <a:lstStyle>
+            <a:lvl1pPr>
+              <a:defRPr sz="1800"/>
+            </a:lvl1pPr>
+            <a:lvl2pPr>
+              <a:defRPr sz="1600"/>
+            </a:lvl2pPr>
+            <a:lvl3pPr>
+              <a:defRPr sz="1400"/>
+            </a:lvl3pPr>
+            <a:lvl4pPr>
+              <a:defRPr sz="1400"/>
+            </a:lvl4pPr>
+            <a:lvl5pPr>
+              <a:defRPr sz="1400"/>
+            </a:lvl5pPr>
+            <a:lvl6pPr>
+              <a:defRPr sz="1400"/>
+            </a:lvl6pPr>
+            <a:lvl7pPr>
+              <a:defRPr sz="1400"/>
+            </a:lvl7pPr>
+            <a:lvl8pPr>
+              <a:defRPr sz="1400"/>
+            </a:lvl8pPr>
+            <a:lvl9pPr>
+              <a:defRPr sz="1400"/>
+            </a:lvl9pPr>
+          </a:lstStyle>
           <a:p>
             <a:pPr lvl="0"/>
             <a:r>
@@ -2105,69 +2425,113 @@
               <a:rPr lang="ru-RU"/>
               <a:t>Пятый уровень</a:t>
             </a:r>
-          </a:p>
-        </p:txBody>
-      </p:sp>
-      <p:sp>
-        <p:nvSpPr>
-          <p:cNvPr id="5" name="Текст 4">
-            <a:extLst>
-              <a:ext uri="{FF2B5EF4-FFF2-40B4-BE49-F238E27FC236}">
-                <a16:creationId xmlns:a16="http://schemas.microsoft.com/office/drawing/2014/main" id="{7E859394-BAA6-B5AF-B70F-299A404066A6}"/>
-              </a:ext>
-            </a:extLst>
-          </p:cNvPr>
-          <p:cNvSpPr>
-            <a:spLocks noGrp="1"/>
-          </p:cNvSpPr>
-          <p:nvPr>
-            <p:ph type="body" sz="quarter" idx="3"/>
+            <a:endParaRPr lang="en-US" dirty="0"/>
+          </a:p>
+        </p:txBody>
+      </p:sp>
+      <p:sp>
+        <p:nvSpPr>
+          <p:cNvPr id="11" name="Text Placeholder 10"/>
+          <p:cNvSpPr>
+            <a:spLocks noGrp="1"/>
+          </p:cNvSpPr>
+          <p:nvPr>
+            <p:ph type="body" sz="quarter" idx="13"/>
           </p:nvPr>
         </p:nvSpPr>
         <p:spPr>
           <a:xfrm>
-            <a:off x="6172200" y="1681163"/>
-            <a:ext cx="5183188" cy="823912"/>
+            <a:off x="4599432" y="1717185"/>
+            <a:ext cx="3364992" cy="731520"/>
           </a:xfrm>
         </p:spPr>
         <p:txBody>
-          <a:bodyPr anchor="b"/>
+          <a:bodyPr anchor="b">
+            <a:normAutofit/>
+          </a:bodyPr>
           <a:lstStyle>
             <a:lvl1pPr marL="0" indent="0">
+              <a:buFontTx/>
               <a:buNone/>
-              <a:defRPr sz="2400" b="1"/>
+              <a:defRPr lang="en-US" sz="1800" b="0" kern="1200" spc="10" baseline="0" dirty="0">
+                <a:solidFill>
+                  <a:schemeClr val="tx2"/>
+                </a:solidFill>
+                <a:latin typeface="+mn-lt"/>
+                <a:ea typeface="+mn-ea"/>
+                <a:cs typeface="+mn-cs"/>
+              </a:defRPr>
             </a:lvl1pPr>
-            <a:lvl2pPr marL="457200" indent="0">
+          </a:lstStyle>
+          <a:p>
+            <a:pPr marL="0" lvl="0" indent="0" algn="l" defTabSz="914400" rtl="0" eaLnBrk="1" latinLnBrk="0" hangingPunct="1">
+              <a:lnSpc>
+                <a:spcPct val="95000"/>
+              </a:lnSpc>
+              <a:spcBef>
+                <a:spcPts val="0"/>
+              </a:spcBef>
+              <a:spcAft>
+                <a:spcPts val="200"/>
+              </a:spcAft>
+              <a:buClr>
+                <a:schemeClr val="accent1"/>
+              </a:buClr>
+              <a:buSzPct val="80000"/>
               <a:buNone/>
-              <a:defRPr sz="2000" b="1"/>
+            </a:pPr>
+            <a:r>
+              <a:rPr lang="ru-RU"/>
+              <a:t>Образец текста</a:t>
+            </a:r>
+          </a:p>
+        </p:txBody>
+      </p:sp>
+      <p:sp>
+        <p:nvSpPr>
+          <p:cNvPr id="6" name="Content Placeholder 5"/>
+          <p:cNvSpPr>
+            <a:spLocks noGrp="1"/>
+          </p:cNvSpPr>
+          <p:nvPr>
+            <p:ph sz="quarter" idx="4"/>
+          </p:nvPr>
+        </p:nvSpPr>
+        <p:spPr>
+          <a:xfrm>
+            <a:off x="4594860" y="2507550"/>
+            <a:ext cx="3360420" cy="3664650"/>
+          </a:xfrm>
+        </p:spPr>
+        <p:txBody>
+          <a:bodyPr/>
+          <a:lstStyle>
+            <a:lvl1pPr>
+              <a:defRPr sz="1800"/>
+            </a:lvl1pPr>
+            <a:lvl2pPr>
+              <a:defRPr sz="1600"/>
             </a:lvl2pPr>
-            <a:lvl3pPr marL="914400" indent="0">
-              <a:buNone/>
-              <a:defRPr sz="1800" b="1"/>
+            <a:lvl3pPr>
+              <a:defRPr sz="1400"/>
             </a:lvl3pPr>
-            <a:lvl4pPr marL="1371600" indent="0">
-              <a:buNone/>
-              <a:defRPr sz="1600" b="1"/>
+            <a:lvl4pPr>
+              <a:defRPr sz="1400"/>
             </a:lvl4pPr>
-            <a:lvl5pPr marL="1828800" indent="0">
-              <a:buNone/>
-              <a:defRPr sz="1600" b="1"/>
+            <a:lvl5pPr>
+              <a:defRPr sz="1400"/>
             </a:lvl5pPr>
-            <a:lvl6pPr marL="2286000" indent="0">
-              <a:buNone/>
-              <a:defRPr sz="1600" b="1"/>
+            <a:lvl6pPr>
+              <a:defRPr sz="1400"/>
             </a:lvl6pPr>
-            <a:lvl7pPr marL="2743200" indent="0">
-              <a:buNone/>
-              <a:defRPr sz="1600" b="1"/>
+            <a:lvl7pPr>
+              <a:defRPr sz="1400"/>
             </a:lvl7pPr>
-            <a:lvl8pPr marL="3200400" indent="0">
-              <a:buNone/>
-              <a:defRPr sz="1600" b="1"/>
+            <a:lvl8pPr>
+              <a:defRPr sz="1400"/>
             </a:lvl8pPr>
-            <a:lvl9pPr marL="3657600" indent="0">
-              <a:buNone/>
-              <a:defRPr sz="1600" b="1"/>
+            <a:lvl9pPr>
+              <a:defRPr sz="1400"/>
             </a:lvl9pPr>
           </a:lstStyle>
           <a:p>
@@ -2177,84 +2541,68 @@
               <a:t>Образец текста</a:t>
             </a:r>
           </a:p>
-        </p:txBody>
-      </p:sp>
-      <p:sp>
-        <p:nvSpPr>
-          <p:cNvPr id="6" name="Объект 5">
-            <a:extLst>
-              <a:ext uri="{FF2B5EF4-FFF2-40B4-BE49-F238E27FC236}">
-                <a16:creationId xmlns:a16="http://schemas.microsoft.com/office/drawing/2014/main" id="{4DC39AC7-8B9A-2540-13D8-9FC74243B9DF}"/>
-              </a:ext>
-            </a:extLst>
-          </p:cNvPr>
-          <p:cNvSpPr>
-            <a:spLocks noGrp="1"/>
-          </p:cNvSpPr>
-          <p:nvPr>
-            <p:ph sz="quarter" idx="4"/>
-          </p:nvPr>
-        </p:nvSpPr>
-        <p:spPr>
-          <a:xfrm>
-            <a:off x="6172200" y="2505075"/>
-            <a:ext cx="5183188" cy="3684588"/>
-          </a:xfrm>
-        </p:spPr>
+          <a:p>
+            <a:pPr lvl="1"/>
+            <a:r>
+              <a:rPr lang="ru-RU"/>
+              <a:t>Второй уровень</a:t>
+            </a:r>
+          </a:p>
+          <a:p>
+            <a:pPr lvl="2"/>
+            <a:r>
+              <a:rPr lang="ru-RU"/>
+              <a:t>Третий уровень</a:t>
+            </a:r>
+          </a:p>
+          <a:p>
+            <a:pPr lvl="3"/>
+            <a:r>
+              <a:rPr lang="ru-RU"/>
+              <a:t>Четвертый уровень</a:t>
+            </a:r>
+          </a:p>
+          <a:p>
+            <a:pPr lvl="4"/>
+            <a:r>
+              <a:rPr lang="ru-RU"/>
+              <a:t>Пятый уровень</a:t>
+            </a:r>
+            <a:endParaRPr lang="en-US" dirty="0"/>
+          </a:p>
+        </p:txBody>
+      </p:sp>
+      <p:sp>
+        <p:nvSpPr>
+          <p:cNvPr id="7" name="Date Placeholder 6"/>
+          <p:cNvSpPr>
+            <a:spLocks noGrp="1"/>
+          </p:cNvSpPr>
+          <p:nvPr>
+            <p:ph type="dt" sz="half" idx="10"/>
+          </p:nvPr>
+        </p:nvSpPr>
+        <p:spPr/>
         <p:txBody>
           <a:bodyPr/>
           <a:lstStyle/>
           <a:p>
-            <a:pPr lvl="0"/>
-            <a:r>
-              <a:rPr lang="ru-RU"/>
-              <a:t>Образец текста</a:t>
-            </a:r>
-          </a:p>
-          <a:p>
-            <a:pPr lvl="1"/>
-            <a:r>
-              <a:rPr lang="ru-RU"/>
-              <a:t>Второй уровень</a:t>
-            </a:r>
-          </a:p>
-          <a:p>
-            <a:pPr lvl="2"/>
-            <a:r>
-              <a:rPr lang="ru-RU"/>
-              <a:t>Третий уровень</a:t>
-            </a:r>
-          </a:p>
-          <a:p>
-            <a:pPr lvl="3"/>
-            <a:r>
-              <a:rPr lang="ru-RU"/>
-              <a:t>Четвертый уровень</a:t>
-            </a:r>
-          </a:p>
-          <a:p>
-            <a:pPr lvl="4"/>
-            <a:r>
-              <a:rPr lang="ru-RU"/>
-              <a:t>Пятый уровень</a:t>
-            </a:r>
-          </a:p>
-        </p:txBody>
-      </p:sp>
-      <p:sp>
-        <p:nvSpPr>
-          <p:cNvPr id="7" name="Дата 6">
-            <a:extLst>
-              <a:ext uri="{FF2B5EF4-FFF2-40B4-BE49-F238E27FC236}">
-                <a16:creationId xmlns:a16="http://schemas.microsoft.com/office/drawing/2014/main" id="{80CCF5F0-E68B-17D4-C6B8-70DA10B50851}"/>
-              </a:ext>
-            </a:extLst>
-          </p:cNvPr>
-          <p:cNvSpPr>
-            <a:spLocks noGrp="1"/>
-          </p:cNvSpPr>
-          <p:nvPr>
-            <p:ph type="dt" sz="half" idx="10"/>
+            <a:fld id="{B93E592B-316F-437C-9AE0-9B59089EEBBB}" type="datetimeFigureOut">
+              <a:rPr lang="ru-RU" smtClean="0"/>
+              <a:t>15.06.2024</a:t>
+            </a:fld>
+            <a:endParaRPr lang="ru-RU"/>
+          </a:p>
+        </p:txBody>
+      </p:sp>
+      <p:sp>
+        <p:nvSpPr>
+          <p:cNvPr id="8" name="Footer Placeholder 7"/>
+          <p:cNvSpPr>
+            <a:spLocks noGrp="1"/>
+          </p:cNvSpPr>
+          <p:nvPr>
+            <p:ph type="ftr" sz="quarter" idx="11"/>
           </p:nvPr>
         </p:nvSpPr>
         <p:spPr/>
@@ -2262,48 +2610,13 @@
           <a:bodyPr/>
           <a:lstStyle/>
           <a:p>
-            <a:fld id="{B93E592B-316F-437C-9AE0-9B59089EEBBB}" type="datetimeFigureOut">
-              <a:rPr lang="ru-RU" smtClean="0"/>
-              <a:t>12.06.2024</a:t>
-            </a:fld>
             <a:endParaRPr lang="ru-RU"/>
           </a:p>
         </p:txBody>
       </p:sp>
       <p:sp>
         <p:nvSpPr>
-          <p:cNvPr id="8" name="Нижний колонтитул 7">
-            <a:extLst>
-              <a:ext uri="{FF2B5EF4-FFF2-40B4-BE49-F238E27FC236}">
-                <a16:creationId xmlns:a16="http://schemas.microsoft.com/office/drawing/2014/main" id="{E82072B7-05BB-0356-B04D-2E016AD19E1D}"/>
-              </a:ext>
-            </a:extLst>
-          </p:cNvPr>
-          <p:cNvSpPr>
-            <a:spLocks noGrp="1"/>
-          </p:cNvSpPr>
-          <p:nvPr>
-            <p:ph type="ftr" sz="quarter" idx="11"/>
-          </p:nvPr>
-        </p:nvSpPr>
-        <p:spPr/>
-        <p:txBody>
-          <a:bodyPr/>
-          <a:lstStyle/>
-          <a:p>
-            <a:endParaRPr lang="ru-RU"/>
-          </a:p>
-        </p:txBody>
-      </p:sp>
-      <p:sp>
-        <p:nvSpPr>
-          <p:cNvPr id="9" name="Номер слайда 8">
-            <a:extLst>
-              <a:ext uri="{FF2B5EF4-FFF2-40B4-BE49-F238E27FC236}">
-                <a16:creationId xmlns:a16="http://schemas.microsoft.com/office/drawing/2014/main" id="{C93F2401-A159-CC08-2CC2-064034D21CC4}"/>
-              </a:ext>
-            </a:extLst>
-          </p:cNvPr>
+          <p:cNvPr id="9" name="Slide Number Placeholder 8"/>
           <p:cNvSpPr>
             <a:spLocks noGrp="1"/>
           </p:cNvSpPr>
@@ -2327,7 +2640,7 @@
     </p:spTree>
     <p:extLst>
       <p:ext uri="{BB962C8B-B14F-4D97-AF65-F5344CB8AC3E}">
-        <p14:creationId xmlns:p14="http://schemas.microsoft.com/office/powerpoint/2010/main" val="1417590654"/>
+        <p14:creationId xmlns:p14="http://schemas.microsoft.com/office/powerpoint/2010/main" val="1442046657"/>
       </p:ext>
     </p:extLst>
   </p:cSld>
@@ -2356,13 +2669,7 @@
       </p:grpSpPr>
       <p:sp>
         <p:nvSpPr>
-          <p:cNvPr id="2" name="Заголовок 1">
-            <a:extLst>
-              <a:ext uri="{FF2B5EF4-FFF2-40B4-BE49-F238E27FC236}">
-                <a16:creationId xmlns:a16="http://schemas.microsoft.com/office/drawing/2014/main" id="{F3693062-B011-6B0B-3DAE-477D4E6D79CC}"/>
-              </a:ext>
-            </a:extLst>
-          </p:cNvPr>
+          <p:cNvPr id="6" name="Title 5"/>
           <p:cNvSpPr>
             <a:spLocks noGrp="1"/>
           </p:cNvSpPr>
@@ -2379,18 +2686,13 @@
               <a:rPr lang="ru-RU"/>
               <a:t>Образец заголовка</a:t>
             </a:r>
-          </a:p>
-        </p:txBody>
-      </p:sp>
-      <p:sp>
-        <p:nvSpPr>
-          <p:cNvPr id="3" name="Дата 2">
-            <a:extLst>
-              <a:ext uri="{FF2B5EF4-FFF2-40B4-BE49-F238E27FC236}">
-                <a16:creationId xmlns:a16="http://schemas.microsoft.com/office/drawing/2014/main" id="{660B6102-2831-C3A1-73CD-5E1CB566B78F}"/>
-              </a:ext>
-            </a:extLst>
-          </p:cNvPr>
+            <a:endParaRPr lang="en-US" dirty="0"/>
+          </a:p>
+        </p:txBody>
+      </p:sp>
+      <p:sp>
+        <p:nvSpPr>
+          <p:cNvPr id="3" name="Date Placeholder 2"/>
           <p:cNvSpPr>
             <a:spLocks noGrp="1"/>
           </p:cNvSpPr>
@@ -2405,7 +2707,7 @@
           <a:p>
             <a:fld id="{B93E592B-316F-437C-9AE0-9B59089EEBBB}" type="datetimeFigureOut">
               <a:rPr lang="ru-RU" smtClean="0"/>
-              <a:t>12.06.2024</a:t>
+              <a:t>15.06.2024</a:t>
             </a:fld>
             <a:endParaRPr lang="ru-RU"/>
           </a:p>
@@ -2413,13 +2715,7 @@
       </p:sp>
       <p:sp>
         <p:nvSpPr>
-          <p:cNvPr id="4" name="Нижний колонтитул 3">
-            <a:extLst>
-              <a:ext uri="{FF2B5EF4-FFF2-40B4-BE49-F238E27FC236}">
-                <a16:creationId xmlns:a16="http://schemas.microsoft.com/office/drawing/2014/main" id="{E067CEBC-5ECF-0D62-93EC-F46450F4E828}"/>
-              </a:ext>
-            </a:extLst>
-          </p:cNvPr>
+          <p:cNvPr id="4" name="Footer Placeholder 3"/>
           <p:cNvSpPr>
             <a:spLocks noGrp="1"/>
           </p:cNvSpPr>
@@ -2438,13 +2734,7 @@
       </p:sp>
       <p:sp>
         <p:nvSpPr>
-          <p:cNvPr id="5" name="Номер слайда 4">
-            <a:extLst>
-              <a:ext uri="{FF2B5EF4-FFF2-40B4-BE49-F238E27FC236}">
-                <a16:creationId xmlns:a16="http://schemas.microsoft.com/office/drawing/2014/main" id="{D48467A2-70CA-93CB-243C-3295DD265957}"/>
-              </a:ext>
-            </a:extLst>
-          </p:cNvPr>
+          <p:cNvPr id="5" name="Slide Number Placeholder 4"/>
           <p:cNvSpPr>
             <a:spLocks noGrp="1"/>
           </p:cNvSpPr>
@@ -2468,7 +2758,7 @@
     </p:spTree>
     <p:extLst>
       <p:ext uri="{BB962C8B-B14F-4D97-AF65-F5344CB8AC3E}">
-        <p14:creationId xmlns:p14="http://schemas.microsoft.com/office/powerpoint/2010/main" val="2995955219"/>
+        <p14:creationId xmlns:p14="http://schemas.microsoft.com/office/powerpoint/2010/main" val="967135819"/>
       </p:ext>
     </p:extLst>
   </p:cSld>
@@ -2497,13 +2787,7 @@
       </p:grpSpPr>
       <p:sp>
         <p:nvSpPr>
-          <p:cNvPr id="2" name="Дата 1">
-            <a:extLst>
-              <a:ext uri="{FF2B5EF4-FFF2-40B4-BE49-F238E27FC236}">
-                <a16:creationId xmlns:a16="http://schemas.microsoft.com/office/drawing/2014/main" id="{0C7F6423-9F7A-4DCA-DB72-81E165FD4BF4}"/>
-              </a:ext>
-            </a:extLst>
-          </p:cNvPr>
+          <p:cNvPr id="2" name="Date Placeholder 1"/>
           <p:cNvSpPr>
             <a:spLocks noGrp="1"/>
           </p:cNvSpPr>
@@ -2518,7 +2802,7 @@
           <a:p>
             <a:fld id="{B93E592B-316F-437C-9AE0-9B59089EEBBB}" type="datetimeFigureOut">
               <a:rPr lang="ru-RU" smtClean="0"/>
-              <a:t>12.06.2024</a:t>
+              <a:t>15.06.2024</a:t>
             </a:fld>
             <a:endParaRPr lang="ru-RU"/>
           </a:p>
@@ -2526,13 +2810,7 @@
       </p:sp>
       <p:sp>
         <p:nvSpPr>
-          <p:cNvPr id="3" name="Нижний колонтитул 2">
-            <a:extLst>
-              <a:ext uri="{FF2B5EF4-FFF2-40B4-BE49-F238E27FC236}">
-                <a16:creationId xmlns:a16="http://schemas.microsoft.com/office/drawing/2014/main" id="{5C893538-6F0C-2997-9567-1D8BC52D6E14}"/>
-              </a:ext>
-            </a:extLst>
-          </p:cNvPr>
+          <p:cNvPr id="3" name="Footer Placeholder 2"/>
           <p:cNvSpPr>
             <a:spLocks noGrp="1"/>
           </p:cNvSpPr>
@@ -2551,13 +2829,7 @@
       </p:sp>
       <p:sp>
         <p:nvSpPr>
-          <p:cNvPr id="4" name="Номер слайда 3">
-            <a:extLst>
-              <a:ext uri="{FF2B5EF4-FFF2-40B4-BE49-F238E27FC236}">
-                <a16:creationId xmlns:a16="http://schemas.microsoft.com/office/drawing/2014/main" id="{4DBFD5A3-A31A-DFF5-295F-FED400B7FB5E}"/>
-              </a:ext>
-            </a:extLst>
-          </p:cNvPr>
+          <p:cNvPr id="4" name="Slide Number Placeholder 3"/>
           <p:cNvSpPr>
             <a:spLocks noGrp="1"/>
           </p:cNvSpPr>
@@ -2581,7 +2853,7 @@
     </p:spTree>
     <p:extLst>
       <p:ext uri="{BB962C8B-B14F-4D97-AF65-F5344CB8AC3E}">
-        <p14:creationId xmlns:p14="http://schemas.microsoft.com/office/powerpoint/2010/main" val="2828003092"/>
+        <p14:creationId xmlns:p14="http://schemas.microsoft.com/office/powerpoint/2010/main" val="564912392"/>
       </p:ext>
     </p:extLst>
   </p:cSld>
@@ -2610,13 +2882,7 @@
       </p:grpSpPr>
       <p:sp>
         <p:nvSpPr>
-          <p:cNvPr id="2" name="Заголовок 1">
-            <a:extLst>
-              <a:ext uri="{FF2B5EF4-FFF2-40B4-BE49-F238E27FC236}">
-                <a16:creationId xmlns:a16="http://schemas.microsoft.com/office/drawing/2014/main" id="{18FF70EC-553D-49F7-B8E2-729F4A6C1156}"/>
-              </a:ext>
-            </a:extLst>
-          </p:cNvPr>
+          <p:cNvPr id="2" name="Title 1"/>
           <p:cNvSpPr>
             <a:spLocks noGrp="1"/>
           </p:cNvSpPr>
@@ -2626,15 +2892,17 @@
         </p:nvSpPr>
         <p:spPr>
           <a:xfrm>
-            <a:off x="839788" y="457200"/>
-            <a:ext cx="3932237" cy="1600200"/>
+            <a:off x="630936" y="457201"/>
+            <a:ext cx="2400300" cy="1600197"/>
           </a:xfrm>
         </p:spPr>
         <p:txBody>
-          <a:bodyPr anchor="b"/>
+          <a:bodyPr anchor="b">
+            <a:normAutofit/>
+          </a:bodyPr>
           <a:lstStyle>
             <a:lvl1pPr>
-              <a:defRPr sz="3200"/>
+              <a:defRPr sz="2800" b="0" baseline="0"/>
             </a:lvl1pPr>
           </a:lstStyle>
           <a:p>
@@ -2642,18 +2910,13 @@
               <a:rPr lang="ru-RU"/>
               <a:t>Образец заголовка</a:t>
             </a:r>
-          </a:p>
-        </p:txBody>
-      </p:sp>
-      <p:sp>
-        <p:nvSpPr>
-          <p:cNvPr id="3" name="Объект 2">
-            <a:extLst>
-              <a:ext uri="{FF2B5EF4-FFF2-40B4-BE49-F238E27FC236}">
-                <a16:creationId xmlns:a16="http://schemas.microsoft.com/office/drawing/2014/main" id="{2C054B10-2D90-17CD-1E25-7C7C982A049D}"/>
-              </a:ext>
-            </a:extLst>
-          </p:cNvPr>
+            <a:endParaRPr lang="en-US" dirty="0"/>
+          </a:p>
+        </p:txBody>
+      </p:sp>
+      <p:sp>
+        <p:nvSpPr>
+          <p:cNvPr id="3" name="Content Placeholder 2"/>
           <p:cNvSpPr>
             <a:spLocks noGrp="1"/>
           </p:cNvSpPr>
@@ -2663,39 +2926,39 @@
         </p:nvSpPr>
         <p:spPr>
           <a:xfrm>
-            <a:off x="5183188" y="987425"/>
-            <a:ext cx="6172200" cy="4873625"/>
+            <a:off x="3378200" y="685800"/>
+            <a:ext cx="4559300" cy="5486400"/>
           </a:xfrm>
         </p:spPr>
         <p:txBody>
           <a:bodyPr/>
           <a:lstStyle>
             <a:lvl1pPr>
-              <a:defRPr sz="3200"/>
+              <a:defRPr sz="1800"/>
             </a:lvl1pPr>
             <a:lvl2pPr>
-              <a:defRPr sz="2800"/>
+              <a:defRPr sz="1600"/>
             </a:lvl2pPr>
             <a:lvl3pPr>
-              <a:defRPr sz="2400"/>
+              <a:defRPr sz="1400"/>
             </a:lvl3pPr>
             <a:lvl4pPr>
-              <a:defRPr sz="2000"/>
+              <a:defRPr sz="1400"/>
             </a:lvl4pPr>
             <a:lvl5pPr>
-              <a:defRPr sz="2000"/>
+              <a:defRPr sz="1400"/>
             </a:lvl5pPr>
             <a:lvl6pPr>
-              <a:defRPr sz="2000"/>
+              <a:defRPr sz="1400"/>
             </a:lvl6pPr>
             <a:lvl7pPr>
-              <a:defRPr sz="2000"/>
+              <a:defRPr sz="1400"/>
             </a:lvl7pPr>
             <a:lvl8pPr>
-              <a:defRPr sz="2000"/>
+              <a:defRPr sz="1400"/>
             </a:lvl8pPr>
             <a:lvl9pPr>
-              <a:defRPr sz="2000"/>
+              <a:defRPr sz="1400"/>
             </a:lvl9pPr>
           </a:lstStyle>
           <a:p>
@@ -2732,18 +2995,13 @@
               <a:rPr lang="ru-RU"/>
               <a:t>Пятый уровень</a:t>
             </a:r>
-          </a:p>
-        </p:txBody>
-      </p:sp>
-      <p:sp>
-        <p:nvSpPr>
-          <p:cNvPr id="4" name="Текст 3">
-            <a:extLst>
-              <a:ext uri="{FF2B5EF4-FFF2-40B4-BE49-F238E27FC236}">
-                <a16:creationId xmlns:a16="http://schemas.microsoft.com/office/drawing/2014/main" id="{9BD27BC8-C8DF-CD3E-B6F7-F6513331C4BD}"/>
-              </a:ext>
-            </a:extLst>
-          </p:cNvPr>
+            <a:endParaRPr lang="en-US" dirty="0"/>
+          </a:p>
+        </p:txBody>
+      </p:sp>
+      <p:sp>
+        <p:nvSpPr>
+          <p:cNvPr id="4" name="Text Placeholder 3"/>
           <p:cNvSpPr>
             <a:spLocks noGrp="1"/>
           </p:cNvSpPr>
@@ -2753,48 +3011,56 @@
         </p:nvSpPr>
         <p:spPr>
           <a:xfrm>
-            <a:off x="839788" y="2057400"/>
-            <a:ext cx="3932237" cy="3811588"/>
+            <a:off x="630936" y="2099735"/>
+            <a:ext cx="2400300" cy="3810001"/>
           </a:xfrm>
         </p:spPr>
         <p:txBody>
-          <a:bodyPr/>
+          <a:bodyPr>
+            <a:normAutofit/>
+          </a:bodyPr>
           <a:lstStyle>
             <a:lvl1pPr marL="0" indent="0">
+              <a:lnSpc>
+                <a:spcPct val="114000"/>
+              </a:lnSpc>
+              <a:spcBef>
+                <a:spcPts val="800"/>
+              </a:spcBef>
               <a:buNone/>
-              <a:defRPr sz="1600"/>
+              <a:defRPr sz="1300"/>
             </a:lvl1pPr>
             <a:lvl2pPr marL="457200" indent="0">
               <a:buNone/>
-              <a:defRPr sz="1400"/>
+              <a:defRPr sz="1200"/>
             </a:lvl2pPr>
             <a:lvl3pPr marL="914400" indent="0">
               <a:buNone/>
-              <a:defRPr sz="1200"/>
+              <a:defRPr sz="1000"/>
             </a:lvl3pPr>
             <a:lvl4pPr marL="1371600" indent="0">
               <a:buNone/>
-              <a:defRPr sz="1000"/>
+              <a:defRPr sz="900"/>
             </a:lvl4pPr>
             <a:lvl5pPr marL="1828800" indent="0">
               <a:buNone/>
-              <a:defRPr sz="1000"/>
+              <a:defRPr sz="900"/>
             </a:lvl5pPr>
             <a:lvl6pPr marL="2286000" indent="0">
               <a:buNone/>
-              <a:defRPr sz="1000"/>
+              <a:defRPr sz="900"/>
             </a:lvl6pPr>
             <a:lvl7pPr marL="2743200" indent="0">
               <a:buNone/>
-              <a:defRPr sz="1000"/>
+              <a:defRPr sz="900"/>
             </a:lvl7pPr>
             <a:lvl8pPr marL="3200400" indent="0">
               <a:buNone/>
-              <a:defRPr sz="1000"/>
+              <a:defRPr sz="900"/>
             </a:lvl8pPr>
             <a:lvl9pPr marL="3657600" indent="0">
               <a:buNone/>
-              <a:defRPr sz="1000"/>
+              <a:defRPr sz="900"/>
             </a:lvl9pPr>
           </a:lstStyle>
           <a:p>
@@ -2808,13 +3074,7 @@
       </p:sp>
       <p:sp>
         <p:nvSpPr>
-          <p:cNvPr id="5" name="Дата 4">
-            <a:extLst>
-              <a:ext uri="{FF2B5EF4-FFF2-40B4-BE49-F238E27FC236}">
-                <a16:creationId xmlns:a16="http://schemas.microsoft.com/office/drawing/2014/main" id="{D76F5CC6-6155-5A9D-805D-577AF286FC58}"/>
-              </a:ext>
-            </a:extLst>
-          </p:cNvPr>
+          <p:cNvPr id="5" name="Date Placeholder 4"/>
           <p:cNvSpPr>
             <a:spLocks noGrp="1"/>
           </p:cNvSpPr>
@@ -2829,7 +3089,7 @@
           <a:p>
             <a:fld id="{B93E592B-316F-437C-9AE0-9B59089EEBBB}" type="datetimeFigureOut">
               <a:rPr lang="ru-RU" smtClean="0"/>
-              <a:t>12.06.2024</a:t>
+              <a:t>15.06.2024</a:t>
             </a:fld>
             <a:endParaRPr lang="ru-RU"/>
           </a:p>
@@ -2837,13 +3097,7 @@
       </p:sp>
       <p:sp>
         <p:nvSpPr>
-          <p:cNvPr id="6" name="Нижний колонтитул 5">
-            <a:extLst>
-              <a:ext uri="{FF2B5EF4-FFF2-40B4-BE49-F238E27FC236}">
-                <a16:creationId xmlns:a16="http://schemas.microsoft.com/office/drawing/2014/main" id="{8A89AB4B-40BF-8976-CC0D-B684E79172AB}"/>
-              </a:ext>
-            </a:extLst>
-          </p:cNvPr>
+          <p:cNvPr id="6" name="Footer Placeholder 5"/>
           <p:cNvSpPr>
             <a:spLocks noGrp="1"/>
           </p:cNvSpPr>
@@ -2862,13 +3116,7 @@
       </p:sp>
       <p:sp>
         <p:nvSpPr>
-          <p:cNvPr id="7" name="Номер слайда 6">
-            <a:extLst>
-              <a:ext uri="{FF2B5EF4-FFF2-40B4-BE49-F238E27FC236}">
-                <a16:creationId xmlns:a16="http://schemas.microsoft.com/office/drawing/2014/main" id="{AF02BD32-9551-ED8C-998B-A2C8F4FC9475}"/>
-              </a:ext>
-            </a:extLst>
-          </p:cNvPr>
+          <p:cNvPr id="7" name="Slide Number Placeholder 6"/>
           <p:cNvSpPr>
             <a:spLocks noGrp="1"/>
           </p:cNvSpPr>
@@ -2892,7 +3140,7 @@
     </p:spTree>
     <p:extLst>
       <p:ext uri="{BB962C8B-B14F-4D97-AF65-F5344CB8AC3E}">
-        <p14:creationId xmlns:p14="http://schemas.microsoft.com/office/powerpoint/2010/main" val="629108058"/>
+        <p14:creationId xmlns:p14="http://schemas.microsoft.com/office/powerpoint/2010/main" val="2790505725"/>
       </p:ext>
     </p:extLst>
   </p:cSld>
@@ -2921,31 +3169,69 @@
       </p:grpSpPr>
       <p:sp>
         <p:nvSpPr>
-          <p:cNvPr id="2" name="Заголовок 1">
-            <a:extLst>
-              <a:ext uri="{FF2B5EF4-FFF2-40B4-BE49-F238E27FC236}">
-                <a16:creationId xmlns:a16="http://schemas.microsoft.com/office/drawing/2014/main" id="{331DC49E-9687-6129-4890-BCD958B49ED4}"/>
-              </a:ext>
-            </a:extLst>
-          </p:cNvPr>
-          <p:cNvSpPr>
-            <a:spLocks noGrp="1"/>
-          </p:cNvSpPr>
-          <p:nvPr>
-            <p:ph type="title"/>
-          </p:nvPr>
+          <p:cNvPr id="8" name="Rectangle 7"/>
+          <p:cNvSpPr/>
+          <p:nvPr/>
         </p:nvSpPr>
         <p:spPr>
           <a:xfrm>
-            <a:off x="839788" y="457200"/>
-            <a:ext cx="3932237" cy="1600200"/>
+            <a:off x="0" y="5105400"/>
+            <a:ext cx="8469630" cy="1752600"/>
+          </a:xfrm>
+          <a:prstGeom prst="rect">
+            <a:avLst/>
+          </a:prstGeom>
+          <a:solidFill>
+            <a:srgbClr val="000000"/>
+          </a:solidFill>
+          <a:ln>
+            <a:noFill/>
+          </a:ln>
+        </p:spPr>
+        <p:style>
+          <a:lnRef idx="2">
+            <a:schemeClr val="accent1">
+              <a:shade val="50000"/>
+            </a:schemeClr>
+          </a:lnRef>
+          <a:fillRef idx="1">
+            <a:schemeClr val="accent1"/>
+          </a:fillRef>
+          <a:effectRef idx="0">
+            <a:schemeClr val="accent1"/>
+          </a:effectRef>
+          <a:fontRef idx="minor">
+            <a:schemeClr val="lt1"/>
+          </a:fontRef>
+        </p:style>
+      </p:sp>
+      <p:sp>
+        <p:nvSpPr>
+          <p:cNvPr id="2" name="Title 1"/>
+          <p:cNvSpPr>
+            <a:spLocks noGrp="1"/>
+          </p:cNvSpPr>
+          <p:nvPr>
+            <p:ph type="title"/>
+          </p:nvPr>
+        </p:nvSpPr>
+        <p:spPr>
+          <a:xfrm>
+            <a:off x="685800" y="5257800"/>
+            <a:ext cx="7486650" cy="914400"/>
           </a:xfrm>
         </p:spPr>
         <p:txBody>
-          <a:bodyPr anchor="b"/>
+          <a:bodyPr anchor="b">
+            <a:normAutofit/>
+          </a:bodyPr>
           <a:lstStyle>
             <a:lvl1pPr>
-              <a:defRPr sz="3200"/>
+              <a:defRPr sz="2800" b="0">
+                <a:solidFill>
+                  <a:schemeClr val="bg1"/>
+                </a:solidFill>
+              </a:defRPr>
             </a:lvl1pPr>
           </a:lstStyle>
           <a:p>
@@ -2953,20 +3239,15 @@
               <a:rPr lang="ru-RU"/>
               <a:t>Образец заголовка</a:t>
             </a:r>
-          </a:p>
-        </p:txBody>
-      </p:sp>
-      <p:sp>
-        <p:nvSpPr>
-          <p:cNvPr id="3" name="Рисунок 2">
-            <a:extLst>
-              <a:ext uri="{FF2B5EF4-FFF2-40B4-BE49-F238E27FC236}">
-                <a16:creationId xmlns:a16="http://schemas.microsoft.com/office/drawing/2014/main" id="{14D5C54E-61B8-35E2-7D57-3AC60EB56C9B}"/>
-              </a:ext>
-            </a:extLst>
-          </p:cNvPr>
-          <p:cNvSpPr>
-            <a:spLocks noGrp="1"/>
+            <a:endParaRPr lang="en-US" dirty="0"/>
+          </a:p>
+        </p:txBody>
+      </p:sp>
+      <p:sp>
+        <p:nvSpPr>
+          <p:cNvPr id="3" name="Picture Placeholder 2"/>
+          <p:cNvSpPr>
+            <a:spLocks noGrp="1" noChangeAspect="1"/>
           </p:cNvSpPr>
           <p:nvPr>
             <p:ph type="pic" idx="1"/>
@@ -2974,16 +3255,23 @@
         </p:nvSpPr>
         <p:spPr>
           <a:xfrm>
-            <a:off x="5183188" y="987425"/>
-            <a:ext cx="6172200" cy="4873625"/>
+            <a:off x="0" y="1"/>
+            <a:ext cx="8469630" cy="5128923"/>
           </a:xfrm>
+          <a:solidFill>
+            <a:schemeClr val="accent1"/>
+          </a:solidFill>
         </p:spPr>
         <p:txBody>
-          <a:bodyPr/>
+          <a:bodyPr anchor="t"/>
           <a:lstStyle>
             <a:lvl1pPr marL="0" indent="0">
               <a:buNone/>
-              <a:defRPr sz="3200"/>
+              <a:defRPr sz="3200">
+                <a:solidFill>
+                  <a:schemeClr val="bg1"/>
+                </a:solidFill>
+              </a:defRPr>
             </a:lvl1pPr>
             <a:lvl2pPr marL="457200" indent="0">
               <a:buNone/>
@@ -3019,19 +3307,17 @@
             </a:lvl9pPr>
           </a:lstStyle>
           <a:p>
-            <a:endParaRPr lang="ru-RU"/>
-          </a:p>
-        </p:txBody>
-      </p:sp>
-      <p:sp>
-        <p:nvSpPr>
-          <p:cNvPr id="4" name="Текст 3">
-            <a:extLst>
-              <a:ext uri="{FF2B5EF4-FFF2-40B4-BE49-F238E27FC236}">
-                <a16:creationId xmlns:a16="http://schemas.microsoft.com/office/drawing/2014/main" id="{696B9C6E-03D1-C689-612F-67FBBDEBD660}"/>
-              </a:ext>
-            </a:extLst>
-          </p:cNvPr>
+            <a:r>
+              <a:rPr lang="ru-RU"/>
+              <a:t>Вставка рисунка</a:t>
+            </a:r>
+            <a:endParaRPr lang="en-US" dirty="0"/>
+          </a:p>
+        </p:txBody>
+      </p:sp>
+      <p:sp>
+        <p:nvSpPr>
+          <p:cNvPr id="4" name="Text Placeholder 3"/>
           <p:cNvSpPr>
             <a:spLocks noGrp="1"/>
           </p:cNvSpPr>
@@ -3041,48 +3327,62 @@
         </p:nvSpPr>
         <p:spPr>
           <a:xfrm>
-            <a:off x="839788" y="2057400"/>
-            <a:ext cx="3932237" cy="3811588"/>
+            <a:off x="685800" y="6108590"/>
+            <a:ext cx="7486650" cy="597011"/>
           </a:xfrm>
         </p:spPr>
         <p:txBody>
-          <a:bodyPr/>
+          <a:bodyPr>
+            <a:normAutofit/>
+          </a:bodyPr>
           <a:lstStyle>
             <a:lvl1pPr marL="0" indent="0">
+              <a:lnSpc>
+                <a:spcPct val="100000"/>
+              </a:lnSpc>
+              <a:spcBef>
+                <a:spcPts val="800"/>
+              </a:spcBef>
               <a:buNone/>
-              <a:defRPr sz="1600"/>
+              <a:defRPr sz="1300">
+                <a:solidFill>
+                  <a:schemeClr val="bg1">
+                    <a:lumMod val="85000"/>
+                  </a:schemeClr>
+                </a:solidFill>
+              </a:defRPr>
             </a:lvl1pPr>
             <a:lvl2pPr marL="457200" indent="0">
               <a:buNone/>
-              <a:defRPr sz="1400"/>
+              <a:defRPr sz="1200"/>
             </a:lvl2pPr>
             <a:lvl3pPr marL="914400" indent="0">
               <a:buNone/>
-              <a:defRPr sz="1200"/>
+              <a:defRPr sz="1000"/>
             </a:lvl3pPr>
             <a:lvl4pPr marL="1371600" indent="0">
               <a:buNone/>
-              <a:defRPr sz="1000"/>
+              <a:defRPr sz="900"/>
             </a:lvl4pPr>
             <a:lvl5pPr marL="1828800" indent="0">
               <a:buNone/>
-              <a:defRPr sz="1000"/>
+              <a:defRPr sz="900"/>
             </a:lvl5pPr>
             <a:lvl6pPr marL="2286000" indent="0">
               <a:buNone/>
-              <a:defRPr sz="1000"/>
+              <a:defRPr sz="900"/>
             </a:lvl6pPr>
             <a:lvl7pPr marL="2743200" indent="0">
               <a:buNone/>
-              <a:defRPr sz="1000"/>
+              <a:defRPr sz="900"/>
             </a:lvl7pPr>
             <a:lvl8pPr marL="3200400" indent="0">
               <a:buNone/>
-              <a:defRPr sz="1000"/>
+              <a:defRPr sz="900"/>
             </a:lvl8pPr>
             <a:lvl9pPr marL="3657600" indent="0">
               <a:buNone/>
-              <a:defRPr sz="1000"/>
+              <a:defRPr sz="900"/>
             </a:lvl9pPr>
           </a:lstStyle>
           <a:p>
@@ -3096,13 +3396,7 @@
       </p:sp>
       <p:sp>
         <p:nvSpPr>
-          <p:cNvPr id="5" name="Дата 4">
-            <a:extLst>
-              <a:ext uri="{FF2B5EF4-FFF2-40B4-BE49-F238E27FC236}">
-                <a16:creationId xmlns:a16="http://schemas.microsoft.com/office/drawing/2014/main" id="{A280CEAD-E80F-F153-DF24-9E5127451229}"/>
-              </a:ext>
-            </a:extLst>
-          </p:cNvPr>
+          <p:cNvPr id="5" name="Date Placeholder 4"/>
           <p:cNvSpPr>
             <a:spLocks noGrp="1"/>
           </p:cNvSpPr>
@@ -3117,7 +3411,7 @@
           <a:p>
             <a:fld id="{B93E592B-316F-437C-9AE0-9B59089EEBBB}" type="datetimeFigureOut">
               <a:rPr lang="ru-RU" smtClean="0"/>
-              <a:t>12.06.2024</a:t>
+              <a:t>15.06.2024</a:t>
             </a:fld>
             <a:endParaRPr lang="ru-RU"/>
           </a:p>
@@ -3125,13 +3419,7 @@
       </p:sp>
       <p:sp>
         <p:nvSpPr>
-          <p:cNvPr id="6" name="Нижний колонтитул 5">
-            <a:extLst>
-              <a:ext uri="{FF2B5EF4-FFF2-40B4-BE49-F238E27FC236}">
-                <a16:creationId xmlns:a16="http://schemas.microsoft.com/office/drawing/2014/main" id="{0AD3C427-0204-1F54-B796-46BC6E8A684E}"/>
-              </a:ext>
-            </a:extLst>
-          </p:cNvPr>
+          <p:cNvPr id="6" name="Footer Placeholder 5"/>
           <p:cNvSpPr>
             <a:spLocks noGrp="1"/>
           </p:cNvSpPr>
@@ -3150,13 +3438,7 @@
       </p:sp>
       <p:sp>
         <p:nvSpPr>
-          <p:cNvPr id="7" name="Номер слайда 6">
-            <a:extLst>
-              <a:ext uri="{FF2B5EF4-FFF2-40B4-BE49-F238E27FC236}">
-                <a16:creationId xmlns:a16="http://schemas.microsoft.com/office/drawing/2014/main" id="{42404A32-4227-0C7E-D064-9F7ECA081E8E}"/>
-              </a:ext>
-            </a:extLst>
-          </p:cNvPr>
+          <p:cNvPr id="7" name="Slide Number Placeholder 6"/>
           <p:cNvSpPr>
             <a:spLocks noGrp="1"/>
           </p:cNvSpPr>
@@ -3180,7 +3462,7 @@
     </p:spTree>
     <p:extLst>
       <p:ext uri="{BB962C8B-B14F-4D97-AF65-F5344CB8AC3E}">
-        <p14:creationId xmlns:p14="http://schemas.microsoft.com/office/powerpoint/2010/main" val="3037027298"/>
+        <p14:creationId xmlns:p14="http://schemas.microsoft.com/office/powerpoint/2010/main" val="2702528914"/>
       </p:ext>
     </p:extLst>
   </p:cSld>
@@ -3214,31 +3496,65 @@
       </p:grpSpPr>
       <p:sp>
         <p:nvSpPr>
-          <p:cNvPr id="2" name="Заголовок 1">
-            <a:extLst>
-              <a:ext uri="{FF2B5EF4-FFF2-40B4-BE49-F238E27FC236}">
-                <a16:creationId xmlns:a16="http://schemas.microsoft.com/office/drawing/2014/main" id="{B035CEB5-563A-7663-3BC4-96A5694BBC71}"/>
-              </a:ext>
-            </a:extLst>
-          </p:cNvPr>
-          <p:cNvSpPr>
-            <a:spLocks noGrp="1"/>
-          </p:cNvSpPr>
-          <p:nvPr>
-            <p:ph type="title"/>
-          </p:nvPr>
+          <p:cNvPr id="7" name="Rectangle 6"/>
+          <p:cNvSpPr/>
+          <p:nvPr/>
         </p:nvSpPr>
         <p:spPr>
           <a:xfrm>
-            <a:off x="838200" y="365125"/>
-            <a:ext cx="10515600" cy="1325563"/>
+            <a:off x="8418195" y="0"/>
+            <a:ext cx="731520" cy="6858000"/>
+          </a:xfrm>
+          <a:prstGeom prst="rect">
+            <a:avLst/>
+          </a:prstGeom>
+          <a:solidFill>
+            <a:schemeClr val="tx2">
+              <a:lumMod val="75000"/>
+            </a:schemeClr>
+          </a:solidFill>
+          <a:ln>
+            <a:noFill/>
+          </a:ln>
+        </p:spPr>
+        <p:style>
+          <a:lnRef idx="2">
+            <a:schemeClr val="accent1">
+              <a:shade val="50000"/>
+            </a:schemeClr>
+          </a:lnRef>
+          <a:fillRef idx="1">
+            <a:schemeClr val="accent1"/>
+          </a:fillRef>
+          <a:effectRef idx="0">
+            <a:schemeClr val="accent1"/>
+          </a:effectRef>
+          <a:fontRef idx="minor">
+            <a:schemeClr val="lt1"/>
+          </a:fontRef>
+        </p:style>
+      </p:sp>
+      <p:sp>
+        <p:nvSpPr>
+          <p:cNvPr id="2" name="Title Placeholder 1"/>
+          <p:cNvSpPr>
+            <a:spLocks noGrp="1"/>
+          </p:cNvSpPr>
+          <p:nvPr>
+            <p:ph type="title"/>
+          </p:nvPr>
+        </p:nvSpPr>
+        <p:spPr>
+          <a:xfrm>
+            <a:off x="946404" y="365760"/>
+            <a:ext cx="7269480" cy="1325562"/>
           </a:xfrm>
           <a:prstGeom prst="rect">
             <a:avLst/>
           </a:prstGeom>
         </p:spPr>
         <p:txBody>
-          <a:bodyPr vert="horz" lIns="91440" tIns="45720" rIns="91440" bIns="45720" rtlCol="0" anchor="ctr">
+          <a:bodyPr vert="horz" lIns="91440" tIns="45720" rIns="91440" bIns="45720" rtlCol="0" anchor="b">
             <a:normAutofit/>
           </a:bodyPr>
           <a:lstStyle/>
@@ -3247,18 +3563,13 @@
               <a:rPr lang="ru-RU"/>
               <a:t>Образец заголовка</a:t>
             </a:r>
-          </a:p>
-        </p:txBody>
-      </p:sp>
-      <p:sp>
-        <p:nvSpPr>
-          <p:cNvPr id="3" name="Текст 2">
-            <a:extLst>
-              <a:ext uri="{FF2B5EF4-FFF2-40B4-BE49-F238E27FC236}">
-                <a16:creationId xmlns:a16="http://schemas.microsoft.com/office/drawing/2014/main" id="{76A93ED9-F6BF-CC61-D466-5A3331688D03}"/>
-              </a:ext>
-            </a:extLst>
-          </p:cNvPr>
+            <a:endParaRPr lang="en-US" dirty="0"/>
+          </a:p>
+        </p:txBody>
+      </p:sp>
+      <p:sp>
+        <p:nvSpPr>
+          <p:cNvPr id="3" name="Text Placeholder 2"/>
           <p:cNvSpPr>
             <a:spLocks noGrp="1"/>
           </p:cNvSpPr>
@@ -3268,8 +3579,8 @@
         </p:nvSpPr>
         <p:spPr>
           <a:xfrm>
-            <a:off x="838200" y="1825625"/>
-            <a:ext cx="10515600" cy="4351338"/>
+            <a:off x="946404" y="1828801"/>
+            <a:ext cx="6446520" cy="4351337"/>
           </a:xfrm>
           <a:prstGeom prst="rect">
             <a:avLst/>
@@ -3314,18 +3625,13 @@
               <a:rPr lang="ru-RU"/>
               <a:t>Пятый уровень</a:t>
             </a:r>
-          </a:p>
-        </p:txBody>
-      </p:sp>
-      <p:sp>
-        <p:nvSpPr>
-          <p:cNvPr id="4" name="Дата 3">
-            <a:extLst>
-              <a:ext uri="{FF2B5EF4-FFF2-40B4-BE49-F238E27FC236}">
-                <a16:creationId xmlns:a16="http://schemas.microsoft.com/office/drawing/2014/main" id="{34EB6876-7364-62F9-E28C-FB6963AC4056}"/>
-              </a:ext>
-            </a:extLst>
-          </p:cNvPr>
+            <a:endParaRPr lang="en-US" dirty="0"/>
+          </a:p>
+        </p:txBody>
+      </p:sp>
+      <p:sp>
+        <p:nvSpPr>
+          <p:cNvPr id="4" name="Date Placeholder 3"/>
           <p:cNvSpPr>
             <a:spLocks noGrp="1"/>
           </p:cNvSpPr>
@@ -3334,9 +3640,9 @@
           </p:nvPr>
         </p:nvSpPr>
         <p:spPr>
-          <a:xfrm>
-            <a:off x="838200" y="6356350"/>
-            <a:ext cx="2743200" cy="365125"/>
+          <a:xfrm rot="16200000">
+            <a:off x="7831456" y="1044178"/>
+            <a:ext cx="1904999" cy="273844"/>
           </a:xfrm>
           <a:prstGeom prst="rect">
             <a:avLst/>
@@ -3345,11 +3651,12 @@
         <p:txBody>
           <a:bodyPr vert="horz" lIns="91440" tIns="45720" rIns="91440" bIns="45720" rtlCol="0" anchor="ctr"/>
           <a:lstStyle>
-            <a:lvl1pPr algn="l">
-              <a:defRPr sz="1200">
+            <a:lvl1pPr algn="r">
+              <a:defRPr sz="1050" b="0">
                 <a:solidFill>
-                  <a:schemeClr val="tx1">
-                    <a:tint val="75000"/>
+                  <a:schemeClr val="tx2">
+                    <a:lumMod val="20000"/>
+                    <a:lumOff val="80000"/>
                   </a:schemeClr>
                 </a:solidFill>
               </a:defRPr>
@@ -3358,7 +3665,7 @@
           <a:p>
             <a:fld id="{B93E592B-316F-437C-9AE0-9B59089EEBBB}" type="datetimeFigureOut">
               <a:rPr lang="ru-RU" smtClean="0"/>
-              <a:t>12.06.2024</a:t>
+              <a:t>15.06.2024</a:t>
             </a:fld>
             <a:endParaRPr lang="ru-RU"/>
           </a:p>
@@ -3366,13 +3673,7 @@
       </p:sp>
       <p:sp>
         <p:nvSpPr>
-          <p:cNvPr id="5" name="Нижний колонтитул 4">
-            <a:extLst>
-              <a:ext uri="{FF2B5EF4-FFF2-40B4-BE49-F238E27FC236}">
-                <a16:creationId xmlns:a16="http://schemas.microsoft.com/office/drawing/2014/main" id="{F07E2C3E-DC25-EAB0-C44C-03761A04BB1B}"/>
-              </a:ext>
-            </a:extLst>
-          </p:cNvPr>
+          <p:cNvPr id="5" name="Footer Placeholder 4"/>
           <p:cNvSpPr>
             <a:spLocks noGrp="1"/>
           </p:cNvSpPr>
@@ -3381,9 +3682,9 @@
           </p:nvPr>
         </p:nvSpPr>
         <p:spPr>
-          <a:xfrm>
-            <a:off x="4038600" y="6356350"/>
-            <a:ext cx="4114800" cy="365125"/>
+          <a:xfrm rot="16200000">
+            <a:off x="6993255" y="4092178"/>
+            <a:ext cx="3581400" cy="273844"/>
           </a:xfrm>
           <a:prstGeom prst="rect">
             <a:avLst/>
@@ -3392,11 +3693,12 @@
         <p:txBody>
           <a:bodyPr vert="horz" lIns="91440" tIns="45720" rIns="91440" bIns="45720" rtlCol="0" anchor="ctr"/>
           <a:lstStyle>
-            <a:lvl1pPr algn="ctr">
-              <a:defRPr sz="1200">
+            <a:lvl1pPr algn="l">
+              <a:defRPr sz="1050">
                 <a:solidFill>
-                  <a:schemeClr val="tx1">
-                    <a:tint val="75000"/>
+                  <a:schemeClr val="tx2">
+                    <a:lumMod val="20000"/>
+                    <a:lumOff val="80000"/>
                   </a:schemeClr>
                 </a:solidFill>
               </a:defRPr>
@@ -3409,13 +3711,7 @@
       </p:sp>
       <p:sp>
         <p:nvSpPr>
-          <p:cNvPr id="6" name="Номер слайда 5">
-            <a:extLst>
-              <a:ext uri="{FF2B5EF4-FFF2-40B4-BE49-F238E27FC236}">
-                <a16:creationId xmlns:a16="http://schemas.microsoft.com/office/drawing/2014/main" id="{B63C6220-C858-3B1A-ECE1-D9E243A212AF}"/>
-              </a:ext>
-            </a:extLst>
-          </p:cNvPr>
+          <p:cNvPr id="6" name="Slide Number Placeholder 5"/>
           <p:cNvSpPr>
             <a:spLocks noGrp="1"/>
           </p:cNvSpPr>
@@ -3425,21 +3721,24 @@
         </p:nvSpPr>
         <p:spPr>
           <a:xfrm>
-            <a:off x="8610600" y="6356350"/>
-            <a:ext cx="2743200" cy="365125"/>
+            <a:off x="8441055" y="6172201"/>
+            <a:ext cx="685800" cy="593725"/>
           </a:xfrm>
           <a:prstGeom prst="rect">
             <a:avLst/>
           </a:prstGeom>
         </p:spPr>
         <p:txBody>
-          <a:bodyPr vert="horz" lIns="91440" tIns="45720" rIns="91440" bIns="45720" rtlCol="0" anchor="ctr"/>
+          <a:bodyPr vert="horz" lIns="27432" tIns="45720" rIns="27432" bIns="45720" rtlCol="0" anchor="ctr">
+            <a:normAutofit/>
+          </a:bodyPr>
           <a:lstStyle>
-            <a:lvl1pPr algn="r">
-              <a:defRPr sz="1200">
+            <a:lvl1pPr algn="ctr">
+              <a:defRPr sz="3200">
                 <a:solidFill>
-                  <a:schemeClr val="tx1">
-                    <a:tint val="75000"/>
+                  <a:schemeClr val="tx2">
+                    <a:lumMod val="60000"/>
+                    <a:lumOff val="40000"/>
                   </a:schemeClr>
                 </a:solidFill>
               </a:defRPr>
@@ -3457,23 +3756,23 @@
     </p:spTree>
     <p:extLst>
       <p:ext uri="{BB962C8B-B14F-4D97-AF65-F5344CB8AC3E}">
-        <p14:creationId xmlns:p14="http://schemas.microsoft.com/office/powerpoint/2010/main" val="3976151403"/>
+        <p14:creationId xmlns:p14="http://schemas.microsoft.com/office/powerpoint/2010/main" val="323963194"/>
       </p:ext>
     </p:extLst>
   </p:cSld>
   <p:clrMap bg1="lt1" tx1="dk1" bg2="lt2" tx2="dk2" accent1="accent1" accent2="accent2" accent3="accent3" accent4="accent4" accent5="accent5" accent6="accent6" hlink="hlink" folHlink="folHlink"/>
   <p:sldLayoutIdLst>
-    <p:sldLayoutId id="2147483649" r:id="rId1"/>
-    <p:sldLayoutId id="2147483650" r:id="rId2"/>
-    <p:sldLayoutId id="2147483651" r:id="rId3"/>
-    <p:sldLayoutId id="2147483652" r:id="rId4"/>
-    <p:sldLayoutId id="2147483653" r:id="rId5"/>
-    <p:sldLayoutId id="2147483654" r:id="rId6"/>
-    <p:sldLayoutId id="2147483655" r:id="rId7"/>
-    <p:sldLayoutId id="2147483656" r:id="rId8"/>
-    <p:sldLayoutId id="2147483657" r:id="rId9"/>
-    <p:sldLayoutId id="2147483658" r:id="rId10"/>
-    <p:sldLayoutId id="2147483659" r:id="rId11"/>
+    <p:sldLayoutId id="2147483804" r:id="rId1"/>
+    <p:sldLayoutId id="2147483805" r:id="rId2"/>
+    <p:sldLayoutId id="2147483806" r:id="rId3"/>
+    <p:sldLayoutId id="2147483807" r:id="rId4"/>
+    <p:sldLayoutId id="2147483808" r:id="rId5"/>
+    <p:sldLayoutId id="2147483809" r:id="rId6"/>
+    <p:sldLayoutId id="2147483810" r:id="rId7"/>
+    <p:sldLayoutId id="2147483811" r:id="rId8"/>
+    <p:sldLayoutId id="2147483812" r:id="rId9"/>
+    <p:sldLayoutId id="2147483813" r:id="rId10"/>
+    <p:sldLayoutId id="2147483814" r:id="rId11"/>
   </p:sldLayoutIdLst>
   <p:txStyles>
     <p:titleStyle>
@@ -3485,7 +3784,7 @@
           <a:spcPct val="0"/>
         </a:spcBef>
         <a:buNone/>
-        <a:defRPr sz="4400" kern="1200">
+        <a:defRPr sz="4000" kern="1200" spc="-50" baseline="0">
           <a:solidFill>
             <a:schemeClr val="tx1"/>
           </a:solidFill>
@@ -3496,16 +3795,23 @@
       </a:lvl1pPr>
     </p:titleStyle>
     <p:bodyStyle>
-      <a:lvl1pPr marL="228600" indent="-228600" algn="l" defTabSz="914400" rtl="0" eaLnBrk="1" latinLnBrk="0" hangingPunct="1">
+      <a:lvl1pPr marL="182880" indent="-182880" algn="l" defTabSz="914400" rtl="0" eaLnBrk="1" latinLnBrk="0" hangingPunct="1">
         <a:lnSpc>
-          <a:spcPct val="90000"/>
+          <a:spcPct val="95000"/>
         </a:lnSpc>
         <a:spcBef>
-          <a:spcPts val="1000"/>
+          <a:spcPts val="1400"/>
         </a:spcBef>
-        <a:buFont typeface="Arial" panose="020B0604020202020204" pitchFamily="34" charset="0"/>
+        <a:spcAft>
+          <a:spcPts val="200"/>
+        </a:spcAft>
+        <a:buClr>
+          <a:schemeClr val="accent1"/>
+        </a:buClr>
+        <a:buSzPct val="80000"/>
+        <a:buFont typeface="Arial" pitchFamily="34" charset="0"/>
         <a:buChar char="•"/>
-        <a:defRPr sz="2800" kern="1200">
+        <a:defRPr sz="1800" kern="1200" spc="10" baseline="0">
           <a:solidFill>
             <a:schemeClr val="tx1"/>
           </a:solidFill>
@@ -3514,144 +3820,216 @@
           <a:cs typeface="+mn-cs"/>
         </a:defRPr>
       </a:lvl1pPr>
-      <a:lvl2pPr marL="685800" indent="-228600" algn="l" defTabSz="914400" rtl="0" eaLnBrk="1" latinLnBrk="0" hangingPunct="1">
+      <a:lvl2pPr marL="457200" indent="-182880" algn="l" defTabSz="914400" rtl="0" eaLnBrk="1" latinLnBrk="0" hangingPunct="1">
         <a:lnSpc>
           <a:spcPct val="90000"/>
         </a:lnSpc>
         <a:spcBef>
-          <a:spcPts val="500"/>
+          <a:spcPts val="300"/>
         </a:spcBef>
-        <a:buFont typeface="Arial" panose="020B0604020202020204" pitchFamily="34" charset="0"/>
-        <a:buChar char="•"/>
-        <a:defRPr sz="2400" kern="1200">
+        <a:spcAft>
+          <a:spcPts val="300"/>
+        </a:spcAft>
+        <a:buClr>
+          <a:schemeClr val="accent1"/>
+        </a:buClr>
+        <a:buFont typeface="Wingdings 2" pitchFamily="18" charset="2"/>
+        <a:buChar char=""/>
+        <a:defRPr sz="1600" kern="1200">
           <a:solidFill>
-            <a:schemeClr val="tx1"/>
+            <a:schemeClr val="tx1">
+              <a:lumMod val="85000"/>
+              <a:lumOff val="15000"/>
+            </a:schemeClr>
           </a:solidFill>
           <a:latin typeface="+mn-lt"/>
           <a:ea typeface="+mn-ea"/>
           <a:cs typeface="+mn-cs"/>
         </a:defRPr>
       </a:lvl2pPr>
-      <a:lvl3pPr marL="1143000" indent="-228600" algn="l" defTabSz="914400" rtl="0" eaLnBrk="1" latinLnBrk="0" hangingPunct="1">
+      <a:lvl3pPr marL="731520" indent="-182880" algn="l" defTabSz="914400" rtl="0" eaLnBrk="1" latinLnBrk="0" hangingPunct="1">
         <a:lnSpc>
           <a:spcPct val="90000"/>
         </a:lnSpc>
         <a:spcBef>
-          <a:spcPts val="500"/>
+          <a:spcPts val="300"/>
         </a:spcBef>
-        <a:buFont typeface="Arial" panose="020B0604020202020204" pitchFamily="34" charset="0"/>
-        <a:buChar char="•"/>
-        <a:defRPr sz="2000" kern="1200">
+        <a:spcAft>
+          <a:spcPts val="300"/>
+        </a:spcAft>
+        <a:buClr>
+          <a:schemeClr val="accent1"/>
+        </a:buClr>
+        <a:buFont typeface="Wingdings 2" pitchFamily="18" charset="2"/>
+        <a:buChar char=""/>
+        <a:defRPr sz="1400" kern="1200">
           <a:solidFill>
-            <a:schemeClr val="tx1"/>
+            <a:schemeClr val="tx1">
+              <a:lumMod val="85000"/>
+              <a:lumOff val="15000"/>
+            </a:schemeClr>
           </a:solidFill>
           <a:latin typeface="+mn-lt"/>
           <a:ea typeface="+mn-ea"/>
           <a:cs typeface="+mn-cs"/>
         </a:defRPr>
       </a:lvl3pPr>
-      <a:lvl4pPr marL="1600200" indent="-228600" algn="l" defTabSz="914400" rtl="0" eaLnBrk="1" latinLnBrk="0" hangingPunct="1">
+      <a:lvl4pPr marL="1005840" indent="-182880" algn="l" defTabSz="914400" rtl="0" eaLnBrk="1" latinLnBrk="0" hangingPunct="1">
         <a:lnSpc>
           <a:spcPct val="90000"/>
         </a:lnSpc>
         <a:spcBef>
-          <a:spcPts val="500"/>
+          <a:spcPts val="300"/>
         </a:spcBef>
-        <a:buFont typeface="Arial" panose="020B0604020202020204" pitchFamily="34" charset="0"/>
-        <a:buChar char="•"/>
-        <a:defRPr sz="1800" kern="1200">
+        <a:spcAft>
+          <a:spcPts val="300"/>
+        </a:spcAft>
+        <a:buClr>
+          <a:schemeClr val="accent1"/>
+        </a:buClr>
+        <a:buFont typeface="Wingdings 2" pitchFamily="18" charset="2"/>
+        <a:buChar char=""/>
+        <a:defRPr sz="1400" kern="1200">
           <a:solidFill>
-            <a:schemeClr val="tx1"/>
+            <a:schemeClr val="tx1">
+              <a:lumMod val="85000"/>
+              <a:lumOff val="15000"/>
+            </a:schemeClr>
           </a:solidFill>
           <a:latin typeface="+mn-lt"/>
           <a:ea typeface="+mn-ea"/>
           <a:cs typeface="+mn-cs"/>
         </a:defRPr>
       </a:lvl4pPr>
-      <a:lvl5pPr marL="2057400" indent="-228600" algn="l" defTabSz="914400" rtl="0" eaLnBrk="1" latinLnBrk="0" hangingPunct="1">
+      <a:lvl5pPr marL="1280160" indent="-182880" algn="l" defTabSz="914400" rtl="0" eaLnBrk="1" latinLnBrk="0" hangingPunct="1">
         <a:lnSpc>
           <a:spcPct val="90000"/>
         </a:lnSpc>
         <a:spcBef>
-          <a:spcPts val="500"/>
+          <a:spcPts val="300"/>
         </a:spcBef>
-        <a:buFont typeface="Arial" panose="020B0604020202020204" pitchFamily="34" charset="0"/>
-        <a:buChar char="•"/>
-        <a:defRPr sz="1800" kern="1200">
+        <a:spcAft>
+          <a:spcPts val="300"/>
+        </a:spcAft>
+        <a:buClr>
+          <a:schemeClr val="accent1"/>
+        </a:buClr>
+        <a:buFont typeface="Wingdings 2" pitchFamily="18" charset="2"/>
+        <a:buChar char=""/>
+        <a:defRPr sz="1400" kern="1200">
           <a:solidFill>
-            <a:schemeClr val="tx1"/>
+            <a:schemeClr val="tx1">
+              <a:lumMod val="85000"/>
+              <a:lumOff val="15000"/>
+            </a:schemeClr>
           </a:solidFill>
           <a:latin typeface="+mn-lt"/>
           <a:ea typeface="+mn-ea"/>
           <a:cs typeface="+mn-cs"/>
         </a:defRPr>
       </a:lvl5pPr>
-      <a:lvl6pPr marL="2514600" indent="-228600" algn="l" defTabSz="914400" rtl="0" eaLnBrk="1" latinLnBrk="0" hangingPunct="1">
+      <a:lvl6pPr marL="1600000" indent="-228600" algn="l" defTabSz="914400" rtl="0" eaLnBrk="1" latinLnBrk="0" hangingPunct="1">
         <a:lnSpc>
           <a:spcPct val="90000"/>
         </a:lnSpc>
         <a:spcBef>
-          <a:spcPts val="500"/>
+          <a:spcPts val="300"/>
         </a:spcBef>
-        <a:buFont typeface="Arial" panose="020B0604020202020204" pitchFamily="34" charset="0"/>
-        <a:buChar char="•"/>
-        <a:defRPr sz="1800" kern="1200">
+        <a:spcAft>
+          <a:spcPts val="300"/>
+        </a:spcAft>
+        <a:buClr>
+          <a:schemeClr val="accent1"/>
+        </a:buClr>
+        <a:buFont typeface="Wingdings 2" pitchFamily="18" charset="2"/>
+        <a:buChar char=""/>
+        <a:defRPr sz="1400" kern="1200">
           <a:solidFill>
-            <a:schemeClr val="tx1"/>
+            <a:schemeClr val="tx1">
+              <a:lumMod val="85000"/>
+              <a:lumOff val="15000"/>
+            </a:schemeClr>
           </a:solidFill>
           <a:latin typeface="+mn-lt"/>
           <a:ea typeface="+mn-ea"/>
           <a:cs typeface="+mn-cs"/>
         </a:defRPr>
       </a:lvl6pPr>
-      <a:lvl7pPr marL="2971800" indent="-228600" algn="l" defTabSz="914400" rtl="0" eaLnBrk="1" latinLnBrk="0" hangingPunct="1">
+      <a:lvl7pPr marL="1900000" indent="-228600" algn="l" defTabSz="914400" rtl="0" eaLnBrk="1" latinLnBrk="0" hangingPunct="1">
         <a:lnSpc>
           <a:spcPct val="90000"/>
         </a:lnSpc>
         <a:spcBef>
-          <a:spcPts val="500"/>
+          <a:spcPts val="300"/>
         </a:spcBef>
-        <a:buFont typeface="Arial" panose="020B0604020202020204" pitchFamily="34" charset="0"/>
-        <a:buChar char="•"/>
-        <a:defRPr sz="1800" kern="1200">
+        <a:spcAft>
+          <a:spcPts val="300"/>
+        </a:spcAft>
+        <a:buClr>
+          <a:schemeClr val="accent1"/>
+        </a:buClr>
+        <a:buFont typeface="Wingdings 2" pitchFamily="18" charset="2"/>
+        <a:buChar char=""/>
+        <a:defRPr sz="1400" kern="1200">
           <a:solidFill>
-            <a:schemeClr val="tx1"/>
+            <a:schemeClr val="tx1">
+              <a:lumMod val="85000"/>
+              <a:lumOff val="15000"/>
+            </a:schemeClr>
           </a:solidFill>
           <a:latin typeface="+mn-lt"/>
           <a:ea typeface="+mn-ea"/>
           <a:cs typeface="+mn-cs"/>
         </a:defRPr>
       </a:lvl7pPr>
-      <a:lvl8pPr marL="3429000" indent="-228600" algn="l" defTabSz="914400" rtl="0" eaLnBrk="1" latinLnBrk="0" hangingPunct="1">
+      <a:lvl8pPr marL="2200000" indent="-228600" algn="l" defTabSz="914400" rtl="0" eaLnBrk="1" latinLnBrk="0" hangingPunct="1">
         <a:lnSpc>
           <a:spcPct val="90000"/>
         </a:lnSpc>
         <a:spcBef>
-          <a:spcPts val="500"/>
+          <a:spcPts val="300"/>
         </a:spcBef>
-        <a:buFont typeface="Arial" panose="020B0604020202020204" pitchFamily="34" charset="0"/>
-        <a:buChar char="•"/>
-        <a:defRPr sz="1800" kern="1200">
+        <a:spcAft>
+          <a:spcPts val="300"/>
+        </a:spcAft>
+        <a:buClr>
+          <a:schemeClr val="accent1"/>
+        </a:buClr>
+        <a:buFont typeface="Wingdings 2" pitchFamily="18" charset="2"/>
+        <a:buChar char=""/>
+        <a:defRPr sz="1400" kern="1200">
           <a:solidFill>
-            <a:schemeClr val="tx1"/>
+            <a:schemeClr val="tx1">
+              <a:lumMod val="85000"/>
+              <a:lumOff val="15000"/>
+            </a:schemeClr>
           </a:solidFill>
           <a:latin typeface="+mn-lt"/>
           <a:ea typeface="+mn-ea"/>
           <a:cs typeface="+mn-cs"/>
         </a:defRPr>
       </a:lvl8pPr>
-      <a:lvl9pPr marL="3886200" indent="-228600" algn="l" defTabSz="914400" rtl="0" eaLnBrk="1" latinLnBrk="0" hangingPunct="1">
+      <a:lvl9pPr marL="2500000" indent="-228600" algn="l" defTabSz="914400" rtl="0" eaLnBrk="1" latinLnBrk="0" hangingPunct="1">
         <a:lnSpc>
           <a:spcPct val="90000"/>
         </a:lnSpc>
         <a:spcBef>
-          <a:spcPts val="500"/>
+          <a:spcPts val="300"/>
         </a:spcBef>
-        <a:buFont typeface="Arial" panose="020B0604020202020204" pitchFamily="34" charset="0"/>
-        <a:buChar char="•"/>
-        <a:defRPr sz="1800" kern="1200">
+        <a:spcAft>
+          <a:spcPts val="300"/>
+        </a:spcAft>
+        <a:buClr>
+          <a:schemeClr val="accent1"/>
+        </a:buClr>
+        <a:buFont typeface="Wingdings 2" pitchFamily="18" charset="2"/>
+        <a:buChar char=""/>
+        <a:defRPr sz="1400" kern="1200">
           <a:solidFill>
-            <a:schemeClr val="tx1"/>
+            <a:schemeClr val="tx1">
+              <a:lumMod val="85000"/>
+              <a:lumOff val="15000"/>
+            </a:schemeClr>
           </a:solidFill>
           <a:latin typeface="+mn-lt"/>
           <a:ea typeface="+mn-ea"/>
@@ -3661,7 +4039,7 @@
     </p:bodyStyle>
     <p:otherStyle>
       <a:defPPr>
-        <a:defRPr lang="ru-RU"/>
+        <a:defRPr lang="en-US"/>
       </a:defPPr>
       <a:lvl1pPr marL="0" algn="l" defTabSz="914400" rtl="0" eaLnBrk="1" latinLnBrk="0" hangingPunct="1">
         <a:defRPr sz="1800" kern="1200">
@@ -3793,13 +4171,13 @@
         </p:nvSpPr>
         <p:spPr>
           <a:xfrm>
-            <a:off x="536713" y="380240"/>
-            <a:ext cx="11151704" cy="2502108"/>
+            <a:off x="402535" y="1142430"/>
+            <a:ext cx="8363778" cy="1876581"/>
           </a:xfrm>
         </p:spPr>
         <p:txBody>
           <a:bodyPr>
-            <a:normAutofit/>
+            <a:normAutofit fontScale="90000"/>
           </a:bodyPr>
           <a:lstStyle/>
           <a:p>
@@ -3811,11 +4189,11 @@
               <a:rPr lang="ru-RU" dirty="0"/>
             </a:br>
             <a:r>
-              <a:rPr lang="ru-RU" sz="4400" dirty="0"/>
+              <a:rPr lang="ru-RU" sz="3300" dirty="0"/>
               <a:t>по теме </a:t>
             </a:r>
             <a:r>
-              <a:rPr lang="ru-RU" sz="4400" i="1" u="sng" dirty="0"/>
+              <a:rPr lang="ru-RU" sz="3300" i="1" u="sng" dirty="0"/>
               <a:t>«Интеллектуальный помощник для работы с электронной библиотекой»</a:t>
             </a:r>
             <a:endParaRPr lang="ru-RU" i="1" u="sng" dirty="0"/>
@@ -3836,8 +4214,8 @@
         </p:nvSpPr>
         <p:spPr>
           <a:xfrm>
-            <a:off x="6414052" y="3607905"/>
-            <a:ext cx="5327374" cy="1200329"/>
+            <a:off x="4810539" y="3563180"/>
+            <a:ext cx="3995531" cy="923330"/>
           </a:xfrm>
           <a:prstGeom prst="rect">
             <a:avLst/>
@@ -3852,20 +4230,20 @@
           <a:p>
             <a:pPr algn="r"/>
             <a:r>
-              <a:rPr lang="ru-RU" sz="2400" dirty="0">
+              <a:rPr lang="ru-RU" dirty="0">
                 <a:latin typeface="Times New Roman" panose="02020603050405020304" pitchFamily="18" charset="0"/>
                 <a:cs typeface="Times New Roman" panose="02020603050405020304" pitchFamily="18" charset="0"/>
               </a:rPr>
               <a:t>Выполнил</a:t>
             </a:r>
             <a:r>
-              <a:rPr lang="en-US" sz="2400" dirty="0">
+              <a:rPr lang="en-US" dirty="0">
                 <a:latin typeface="Times New Roman" panose="02020603050405020304" pitchFamily="18" charset="0"/>
                 <a:cs typeface="Times New Roman" panose="02020603050405020304" pitchFamily="18" charset="0"/>
               </a:rPr>
               <a:t>:</a:t>
             </a:r>
-            <a:endParaRPr lang="ru-RU" sz="2400" dirty="0">
+            <a:endParaRPr lang="ru-RU" dirty="0">
               <a:latin typeface="Times New Roman" panose="02020603050405020304" pitchFamily="18" charset="0"/>
               <a:cs typeface="Times New Roman" panose="02020603050405020304" pitchFamily="18" charset="0"/>
             </a:endParaRPr>
@@ -3873,14 +4251,14 @@
           <a:p>
             <a:pPr algn="r"/>
             <a:r>
-              <a:rPr lang="ru-RU" sz="2400" dirty="0">
+              <a:rPr lang="ru-RU" dirty="0">
                 <a:latin typeface="Times New Roman" panose="02020603050405020304" pitchFamily="18" charset="0"/>
                 <a:cs typeface="Times New Roman" panose="02020603050405020304" pitchFamily="18" charset="0"/>
               </a:rPr>
               <a:t>студент группы </a:t>
             </a:r>
             <a:r>
-              <a:rPr lang="ru-RU" sz="2400" u="sng" dirty="0">
+              <a:rPr lang="ru-RU" u="sng" dirty="0">
                 <a:latin typeface="Times New Roman" panose="02020603050405020304" pitchFamily="18" charset="0"/>
                 <a:cs typeface="Times New Roman" panose="02020603050405020304" pitchFamily="18" charset="0"/>
               </a:rPr>
@@ -3890,13 +4268,13 @@
           <a:p>
             <a:pPr algn="r"/>
             <a:r>
-              <a:rPr lang="ru-RU" sz="2400" i="1" u="sng" dirty="0">
+              <a:rPr lang="ru-RU" i="1" u="sng" dirty="0">
                 <a:latin typeface="Times New Roman" panose="02020603050405020304" pitchFamily="18" charset="0"/>
                 <a:cs typeface="Times New Roman" panose="02020603050405020304" pitchFamily="18" charset="0"/>
               </a:rPr>
               <a:t>Нгуен Хыу Ан</a:t>
             </a:r>
-            <a:endParaRPr lang="en-US" sz="2400" i="1" u="sng" dirty="0">
+            <a:endParaRPr lang="en-US" i="1" u="sng" dirty="0">
               <a:latin typeface="Times New Roman" panose="02020603050405020304" pitchFamily="18" charset="0"/>
               <a:cs typeface="Times New Roman" panose="02020603050405020304" pitchFamily="18" charset="0"/>
             </a:endParaRPr>
@@ -3917,8 +4295,8 @@
         </p:nvSpPr>
         <p:spPr>
           <a:xfrm>
-            <a:off x="6361043" y="4933626"/>
-            <a:ext cx="5327374" cy="830997"/>
+            <a:off x="4770782" y="4557472"/>
+            <a:ext cx="3995531" cy="646331"/>
           </a:xfrm>
           <a:prstGeom prst="rect">
             <a:avLst/>
@@ -3933,20 +4311,20 @@
           <a:p>
             <a:pPr algn="r"/>
             <a:r>
-              <a:rPr lang="ru-RU" sz="2400" dirty="0">
+              <a:rPr lang="ru-RU" dirty="0">
                 <a:latin typeface="Times New Roman" panose="02020603050405020304" pitchFamily="18" charset="0"/>
                 <a:cs typeface="Times New Roman" panose="02020603050405020304" pitchFamily="18" charset="0"/>
               </a:rPr>
               <a:t>Руководитель ВКР</a:t>
             </a:r>
             <a:r>
-              <a:rPr lang="en-US" sz="2400" dirty="0">
+              <a:rPr lang="en-US" dirty="0">
                 <a:latin typeface="Times New Roman" panose="02020603050405020304" pitchFamily="18" charset="0"/>
                 <a:cs typeface="Times New Roman" panose="02020603050405020304" pitchFamily="18" charset="0"/>
               </a:rPr>
               <a:t>:</a:t>
             </a:r>
-            <a:endParaRPr lang="ru-RU" sz="2400" dirty="0">
+            <a:endParaRPr lang="ru-RU" dirty="0">
               <a:latin typeface="Times New Roman" panose="02020603050405020304" pitchFamily="18" charset="0"/>
               <a:cs typeface="Times New Roman" panose="02020603050405020304" pitchFamily="18" charset="0"/>
             </a:endParaRPr>
@@ -3954,13 +4332,13 @@
           <a:p>
             <a:pPr algn="r"/>
             <a:r>
-              <a:rPr lang="ru-RU" sz="2400" i="1" u="sng" dirty="0">
+              <a:rPr lang="ru-RU" i="1" u="sng" dirty="0">
                 <a:latin typeface="Times New Roman" panose="02020603050405020304" pitchFamily="18" charset="0"/>
                 <a:cs typeface="Times New Roman" panose="02020603050405020304" pitchFamily="18" charset="0"/>
               </a:rPr>
               <a:t>Кандаулов В. М.</a:t>
             </a:r>
-            <a:endParaRPr lang="en-US" sz="2400" i="1" u="sng" dirty="0">
+            <a:endParaRPr lang="en-US" i="1" u="sng" dirty="0">
               <a:latin typeface="Times New Roman" panose="02020603050405020304" pitchFamily="18" charset="0"/>
               <a:cs typeface="Times New Roman" panose="02020603050405020304" pitchFamily="18" charset="0"/>
             </a:endParaRPr>
@@ -3971,6 +4349,1079 @@
     <p:extLst>
       <p:ext uri="{BB962C8B-B14F-4D97-AF65-F5344CB8AC3E}">
         <p14:creationId xmlns:p14="http://schemas.microsoft.com/office/powerpoint/2010/main" val="187459058"/>
+      </p:ext>
+    </p:extLst>
+  </p:cSld>
+  <p:clrMapOvr>
+    <a:masterClrMapping/>
+  </p:clrMapOvr>
+</p:sld>
+</file>
+
+<file path=ppt/slides/slide10.xml><?xml version="1.0" encoding="utf-8"?>
+<p:sld xmlns:a="http://schemas.openxmlformats.org/drawingml/2006/main" xmlns:r="http://schemas.openxmlformats.org/officeDocument/2006/relationships" xmlns:p="http://schemas.openxmlformats.org/presentationml/2006/main">
+  <p:cSld>
+    <p:spTree>
+      <p:nvGrpSpPr>
+        <p:cNvPr id="1" name=""/>
+        <p:cNvGrpSpPr/>
+        <p:nvPr/>
+      </p:nvGrpSpPr>
+      <p:grpSpPr>
+        <a:xfrm>
+          <a:off x="0" y="0"/>
+          <a:ext cx="0" cy="0"/>
+          <a:chOff x="0" y="0"/>
+          <a:chExt cx="0" cy="0"/>
+        </a:xfrm>
+      </p:grpSpPr>
+      <p:sp>
+        <p:nvSpPr>
+          <p:cNvPr id="2" name="Заголовок 1">
+            <a:extLst>
+              <a:ext uri="{FF2B5EF4-FFF2-40B4-BE49-F238E27FC236}">
+                <a16:creationId xmlns:a16="http://schemas.microsoft.com/office/drawing/2014/main" id="{2E82A089-67C8-6737-768B-5D7EBF7B9E0E}"/>
+              </a:ext>
+            </a:extLst>
+          </p:cNvPr>
+          <p:cNvSpPr>
+            <a:spLocks noGrp="1"/>
+          </p:cNvSpPr>
+          <p:nvPr>
+            <p:ph type="title"/>
+          </p:nvPr>
+        </p:nvSpPr>
+        <p:spPr>
+          <a:xfrm>
+            <a:off x="383722" y="1190353"/>
+            <a:ext cx="7269480" cy="994172"/>
+          </a:xfrm>
+        </p:spPr>
+        <p:txBody>
+          <a:bodyPr>
+            <a:normAutofit fontScale="90000"/>
+          </a:bodyPr>
+          <a:lstStyle/>
+          <a:p>
+            <a:r>
+              <a:rPr lang="ru-RU" b="1" u="sng" dirty="0"/>
+              <a:t>Страница просмотра документа</a:t>
+            </a:r>
+            <a:endParaRPr lang="ru-RU" dirty="0"/>
+          </a:p>
+        </p:txBody>
+      </p:sp>
+      <p:pic>
+        <p:nvPicPr>
+          <p:cNvPr id="6" name="Рисунок 5">
+            <a:extLst>
+              <a:ext uri="{FF2B5EF4-FFF2-40B4-BE49-F238E27FC236}">
+                <a16:creationId xmlns:a16="http://schemas.microsoft.com/office/drawing/2014/main" id="{7F332726-7FC6-DA2C-D2E5-16F2521C9E54}"/>
+              </a:ext>
+            </a:extLst>
+          </p:cNvPr>
+          <p:cNvPicPr>
+            <a:picLocks noChangeAspect="1"/>
+          </p:cNvPicPr>
+          <p:nvPr/>
+        </p:nvPicPr>
+        <p:blipFill>
+          <a:blip r:embed="rId3">
+            <a:extLst>
+              <a:ext uri="{28A0092B-C50C-407E-A947-70E740481C1C}">
+                <a14:useLocalDpi xmlns:a14="http://schemas.microsoft.com/office/drawing/2010/main" val="0"/>
+              </a:ext>
+            </a:extLst>
+          </a:blip>
+          <a:stretch>
+            <a:fillRect/>
+          </a:stretch>
+        </p:blipFill>
+        <p:spPr>
+          <a:xfrm>
+            <a:off x="383722" y="2291859"/>
+            <a:ext cx="6065522" cy="2543032"/>
+          </a:xfrm>
+          <a:prstGeom prst="rect">
+            <a:avLst/>
+          </a:prstGeom>
+          <a:effectLst>
+            <a:outerShdw blurRad="50800" dist="38100" dir="2700000" algn="tl" rotWithShape="0">
+              <a:prstClr val="black">
+                <a:alpha val="40000"/>
+              </a:prstClr>
+            </a:outerShdw>
+          </a:effectLst>
+        </p:spPr>
+      </p:pic>
+      <p:pic>
+        <p:nvPicPr>
+          <p:cNvPr id="10" name="Рисунок 9">
+            <a:extLst>
+              <a:ext uri="{FF2B5EF4-FFF2-40B4-BE49-F238E27FC236}">
+                <a16:creationId xmlns:a16="http://schemas.microsoft.com/office/drawing/2014/main" id="{645735AF-25F2-088B-85AE-8DD117302323}"/>
+              </a:ext>
+            </a:extLst>
+          </p:cNvPr>
+          <p:cNvPicPr>
+            <a:picLocks noChangeAspect="1"/>
+          </p:cNvPicPr>
+          <p:nvPr/>
+        </p:nvPicPr>
+        <p:blipFill>
+          <a:blip r:embed="rId4">
+            <a:extLst>
+              <a:ext uri="{28A0092B-C50C-407E-A947-70E740481C1C}">
+                <a14:useLocalDpi xmlns:a14="http://schemas.microsoft.com/office/drawing/2010/main" val="0"/>
+              </a:ext>
+            </a:extLst>
+          </a:blip>
+          <a:stretch>
+            <a:fillRect/>
+          </a:stretch>
+        </p:blipFill>
+        <p:spPr>
+          <a:xfrm>
+            <a:off x="4300404" y="4274773"/>
+            <a:ext cx="3446444" cy="1120237"/>
+          </a:xfrm>
+          <a:prstGeom prst="rect">
+            <a:avLst/>
+          </a:prstGeom>
+          <a:effectLst>
+            <a:outerShdw blurRad="50800" dist="38100" dir="2700000" algn="tl" rotWithShape="0">
+              <a:prstClr val="black">
+                <a:alpha val="40000"/>
+              </a:prstClr>
+            </a:outerShdw>
+          </a:effectLst>
+        </p:spPr>
+      </p:pic>
+    </p:spTree>
+    <p:extLst>
+      <p:ext uri="{BB962C8B-B14F-4D97-AF65-F5344CB8AC3E}">
+        <p14:creationId xmlns:p14="http://schemas.microsoft.com/office/powerpoint/2010/main" val="3951106101"/>
+      </p:ext>
+    </p:extLst>
+  </p:cSld>
+  <p:clrMapOvr>
+    <a:masterClrMapping/>
+  </p:clrMapOvr>
+</p:sld>
+</file>
+
+<file path=ppt/slides/slide11.xml><?xml version="1.0" encoding="utf-8"?>
+<p:sld xmlns:a="http://schemas.openxmlformats.org/drawingml/2006/main" xmlns:r="http://schemas.openxmlformats.org/officeDocument/2006/relationships" xmlns:p="http://schemas.openxmlformats.org/presentationml/2006/main">
+  <p:cSld>
+    <p:spTree>
+      <p:nvGrpSpPr>
+        <p:cNvPr id="1" name=""/>
+        <p:cNvGrpSpPr/>
+        <p:nvPr/>
+      </p:nvGrpSpPr>
+      <p:grpSpPr>
+        <a:xfrm>
+          <a:off x="0" y="0"/>
+          <a:ext cx="0" cy="0"/>
+          <a:chOff x="0" y="0"/>
+          <a:chExt cx="0" cy="0"/>
+        </a:xfrm>
+      </p:grpSpPr>
+      <p:sp>
+        <p:nvSpPr>
+          <p:cNvPr id="6" name="Заголовок 1">
+            <a:extLst>
+              <a:ext uri="{FF2B5EF4-FFF2-40B4-BE49-F238E27FC236}">
+                <a16:creationId xmlns:a16="http://schemas.microsoft.com/office/drawing/2014/main" id="{76277648-A197-6531-0425-FA34692EAC27}"/>
+              </a:ext>
+            </a:extLst>
+          </p:cNvPr>
+          <p:cNvSpPr>
+            <a:spLocks noGrp="1"/>
+          </p:cNvSpPr>
+          <p:nvPr>
+            <p:ph type="title"/>
+          </p:nvPr>
+        </p:nvSpPr>
+        <p:spPr>
+          <a:xfrm>
+            <a:off x="334735" y="1180079"/>
+            <a:ext cx="7804703" cy="994172"/>
+          </a:xfrm>
+        </p:spPr>
+        <p:txBody>
+          <a:bodyPr>
+            <a:normAutofit/>
+          </a:bodyPr>
+          <a:lstStyle/>
+          <a:p>
+            <a:r>
+              <a:rPr lang="ru-RU" sz="2700" b="1" u="sng" dirty="0"/>
+              <a:t>Обобщение текста</a:t>
+            </a:r>
+          </a:p>
+        </p:txBody>
+      </p:sp>
+      <p:pic>
+        <p:nvPicPr>
+          <p:cNvPr id="8" name="Объект 7">
+            <a:extLst>
+              <a:ext uri="{FF2B5EF4-FFF2-40B4-BE49-F238E27FC236}">
+                <a16:creationId xmlns:a16="http://schemas.microsoft.com/office/drawing/2014/main" id="{060442F5-D4C6-20AC-D7F6-57897710893C}"/>
+              </a:ext>
+            </a:extLst>
+          </p:cNvPr>
+          <p:cNvPicPr>
+            <a:picLocks noGrp="1" noChangeAspect="1"/>
+          </p:cNvPicPr>
+          <p:nvPr>
+            <p:ph sz="half" idx="1"/>
+          </p:nvPr>
+        </p:nvPicPr>
+        <p:blipFill>
+          <a:blip r:embed="rId2">
+            <a:extLst>
+              <a:ext uri="{28A0092B-C50C-407E-A947-70E740481C1C}">
+                <a14:useLocalDpi xmlns:a14="http://schemas.microsoft.com/office/drawing/2010/main" val="0"/>
+              </a:ext>
+            </a:extLst>
+          </a:blip>
+          <a:stretch>
+            <a:fillRect/>
+          </a:stretch>
+        </p:blipFill>
+        <p:spPr>
+          <a:xfrm>
+            <a:off x="334735" y="2255879"/>
+            <a:ext cx="2482298" cy="2000125"/>
+          </a:xfrm>
+          <a:prstGeom prst="rect">
+            <a:avLst/>
+          </a:prstGeom>
+          <a:effectLst>
+            <a:outerShdw blurRad="50800" dist="38100" dir="2700000" algn="tl" rotWithShape="0">
+              <a:prstClr val="black">
+                <a:alpha val="40000"/>
+              </a:prstClr>
+            </a:outerShdw>
+          </a:effectLst>
+        </p:spPr>
+      </p:pic>
+      <p:pic>
+        <p:nvPicPr>
+          <p:cNvPr id="10" name="Рисунок 9">
+            <a:extLst>
+              <a:ext uri="{FF2B5EF4-FFF2-40B4-BE49-F238E27FC236}">
+                <a16:creationId xmlns:a16="http://schemas.microsoft.com/office/drawing/2014/main" id="{39737559-F0E6-9995-AA97-21BC0D895615}"/>
+              </a:ext>
+            </a:extLst>
+          </p:cNvPr>
+          <p:cNvPicPr>
+            <a:picLocks noChangeAspect="1"/>
+          </p:cNvPicPr>
+          <p:nvPr/>
+        </p:nvPicPr>
+        <p:blipFill>
+          <a:blip r:embed="rId3"/>
+          <a:stretch>
+            <a:fillRect/>
+          </a:stretch>
+        </p:blipFill>
+        <p:spPr>
+          <a:xfrm>
+            <a:off x="2696993" y="2710036"/>
+            <a:ext cx="4880600" cy="2967885"/>
+          </a:xfrm>
+          <a:prstGeom prst="rect">
+            <a:avLst/>
+          </a:prstGeom>
+          <a:effectLst>
+            <a:outerShdw blurRad="50800" dist="38100" dir="2700000" algn="tl" rotWithShape="0">
+              <a:prstClr val="black">
+                <a:alpha val="40000"/>
+              </a:prstClr>
+            </a:outerShdw>
+          </a:effectLst>
+        </p:spPr>
+      </p:pic>
+    </p:spTree>
+    <p:extLst>
+      <p:ext uri="{BB962C8B-B14F-4D97-AF65-F5344CB8AC3E}">
+        <p14:creationId xmlns:p14="http://schemas.microsoft.com/office/powerpoint/2010/main" val="564058936"/>
+      </p:ext>
+    </p:extLst>
+  </p:cSld>
+  <p:clrMapOvr>
+    <a:masterClrMapping/>
+  </p:clrMapOvr>
+</p:sld>
+</file>
+
+<file path=ppt/slides/slide12.xml><?xml version="1.0" encoding="utf-8"?>
+<p:sld xmlns:a="http://schemas.openxmlformats.org/drawingml/2006/main" xmlns:r="http://schemas.openxmlformats.org/officeDocument/2006/relationships" xmlns:p="http://schemas.openxmlformats.org/presentationml/2006/main">
+  <p:cSld>
+    <p:spTree>
+      <p:nvGrpSpPr>
+        <p:cNvPr id="1" name=""/>
+        <p:cNvGrpSpPr/>
+        <p:nvPr/>
+      </p:nvGrpSpPr>
+      <p:grpSpPr>
+        <a:xfrm>
+          <a:off x="0" y="0"/>
+          <a:ext cx="0" cy="0"/>
+          <a:chOff x="0" y="0"/>
+          <a:chExt cx="0" cy="0"/>
+        </a:xfrm>
+      </p:grpSpPr>
+      <p:sp>
+        <p:nvSpPr>
+          <p:cNvPr id="6" name="Заголовок 1">
+            <a:extLst>
+              <a:ext uri="{FF2B5EF4-FFF2-40B4-BE49-F238E27FC236}">
+                <a16:creationId xmlns:a16="http://schemas.microsoft.com/office/drawing/2014/main" id="{76277648-A197-6531-0425-FA34692EAC27}"/>
+              </a:ext>
+            </a:extLst>
+          </p:cNvPr>
+          <p:cNvSpPr>
+            <a:spLocks noGrp="1"/>
+          </p:cNvSpPr>
+          <p:nvPr>
+            <p:ph type="title"/>
+          </p:nvPr>
+        </p:nvSpPr>
+        <p:spPr>
+          <a:xfrm>
+            <a:off x="349433" y="348955"/>
+            <a:ext cx="4314008" cy="994172"/>
+          </a:xfrm>
+        </p:spPr>
+        <p:txBody>
+          <a:bodyPr>
+            <a:normAutofit/>
+          </a:bodyPr>
+          <a:lstStyle/>
+          <a:p>
+            <a:r>
+              <a:rPr lang="ru-RU" sz="2700" b="1" u="sng" dirty="0"/>
+              <a:t>Обобщение текста</a:t>
+            </a:r>
+          </a:p>
+        </p:txBody>
+      </p:sp>
+      <p:sp>
+        <p:nvSpPr>
+          <p:cNvPr id="4" name="Объект 3">
+            <a:extLst>
+              <a:ext uri="{FF2B5EF4-FFF2-40B4-BE49-F238E27FC236}">
+                <a16:creationId xmlns:a16="http://schemas.microsoft.com/office/drawing/2014/main" id="{6FE20B52-975D-25F3-3BC2-29E51C3A9E13}"/>
+              </a:ext>
+            </a:extLst>
+          </p:cNvPr>
+          <p:cNvSpPr>
+            <a:spLocks noGrp="1"/>
+          </p:cNvSpPr>
+          <p:nvPr>
+            <p:ph sz="half" idx="1"/>
+          </p:nvPr>
+        </p:nvSpPr>
+        <p:spPr>
+          <a:xfrm>
+            <a:off x="349431" y="1456509"/>
+            <a:ext cx="4359729" cy="4008970"/>
+          </a:xfrm>
+        </p:spPr>
+        <p:txBody>
+          <a:bodyPr>
+            <a:normAutofit fontScale="85000" lnSpcReduction="10000"/>
+          </a:bodyPr>
+          <a:lstStyle/>
+          <a:p>
+            <a:pPr marL="0" indent="0">
+              <a:lnSpc>
+                <a:spcPct val="150000"/>
+              </a:lnSpc>
+              <a:buNone/>
+            </a:pPr>
+            <a:r>
+              <a:rPr lang="ru-RU" dirty="0">
+                <a:latin typeface="Times New Roman" panose="02020603050405020304" pitchFamily="18" charset="0"/>
+                <a:cs typeface="Times New Roman" panose="02020603050405020304" pitchFamily="18" charset="0"/>
+              </a:rPr>
+              <a:t>Алгоритм представляет собой следующее</a:t>
+            </a:r>
+            <a:r>
+              <a:rPr lang="en-US" dirty="0">
+                <a:latin typeface="Times New Roman" panose="02020603050405020304" pitchFamily="18" charset="0"/>
+                <a:cs typeface="Times New Roman" panose="02020603050405020304" pitchFamily="18" charset="0"/>
+              </a:rPr>
+              <a:t>:</a:t>
+            </a:r>
+            <a:endParaRPr lang="ru-RU" dirty="0">
+              <a:latin typeface="Times New Roman" panose="02020603050405020304" pitchFamily="18" charset="0"/>
+              <a:cs typeface="Times New Roman" panose="02020603050405020304" pitchFamily="18" charset="0"/>
+            </a:endParaRPr>
+          </a:p>
+          <a:p>
+            <a:pPr marL="385763" indent="-385763">
+              <a:lnSpc>
+                <a:spcPct val="150000"/>
+              </a:lnSpc>
+              <a:buFont typeface="+mj-lt"/>
+              <a:buAutoNum type="arabicPeriod"/>
+            </a:pPr>
+            <a:r>
+              <a:rPr lang="ru-RU" dirty="0">
+                <a:latin typeface="Times New Roman" panose="02020603050405020304" pitchFamily="18" charset="0"/>
+                <a:cs typeface="Times New Roman" panose="02020603050405020304" pitchFamily="18" charset="0"/>
+              </a:rPr>
+              <a:t>Выборка и обработка выделенного пользователем текста.</a:t>
+            </a:r>
+          </a:p>
+          <a:p>
+            <a:pPr marL="385763" indent="-385763">
+              <a:lnSpc>
+                <a:spcPct val="150000"/>
+              </a:lnSpc>
+              <a:buFont typeface="+mj-lt"/>
+              <a:buAutoNum type="arabicPeriod"/>
+            </a:pPr>
+            <a:r>
+              <a:rPr lang="ru-RU" dirty="0">
+                <a:latin typeface="Times New Roman" panose="02020603050405020304" pitchFamily="18" charset="0"/>
+                <a:cs typeface="Times New Roman" panose="02020603050405020304" pitchFamily="18" charset="0"/>
+              </a:rPr>
+              <a:t>Передача серверу текста.</a:t>
+            </a:r>
+          </a:p>
+          <a:p>
+            <a:pPr marL="385763" indent="-385763">
+              <a:lnSpc>
+                <a:spcPct val="150000"/>
+              </a:lnSpc>
+              <a:buFont typeface="+mj-lt"/>
+              <a:buAutoNum type="arabicPeriod"/>
+            </a:pPr>
+            <a:r>
+              <a:rPr lang="ru-RU" dirty="0">
+                <a:latin typeface="Times New Roman" panose="02020603050405020304" pitchFamily="18" charset="0"/>
+                <a:cs typeface="Times New Roman" panose="02020603050405020304" pitchFamily="18" charset="0"/>
+              </a:rPr>
+              <a:t>Сервер формирует запрос.</a:t>
+            </a:r>
+          </a:p>
+          <a:p>
+            <a:pPr marL="385763" indent="-385763">
+              <a:lnSpc>
+                <a:spcPct val="150000"/>
+              </a:lnSpc>
+              <a:buFont typeface="+mj-lt"/>
+              <a:buAutoNum type="arabicPeriod"/>
+            </a:pPr>
+            <a:r>
+              <a:rPr lang="ru-RU" dirty="0">
+                <a:latin typeface="Times New Roman" panose="02020603050405020304" pitchFamily="18" charset="0"/>
+                <a:cs typeface="Times New Roman" panose="02020603050405020304" pitchFamily="18" charset="0"/>
+              </a:rPr>
+              <a:t>Отправка</a:t>
+            </a:r>
+            <a:r>
+              <a:rPr lang="en-US" dirty="0">
+                <a:latin typeface="Times New Roman" panose="02020603050405020304" pitchFamily="18" charset="0"/>
+                <a:cs typeface="Times New Roman" panose="02020603050405020304" pitchFamily="18" charset="0"/>
+              </a:rPr>
+              <a:t> </a:t>
+            </a:r>
+            <a:r>
+              <a:rPr lang="ru-RU" dirty="0">
+                <a:latin typeface="Times New Roman" panose="02020603050405020304" pitchFamily="18" charset="0"/>
+                <a:cs typeface="Times New Roman" panose="02020603050405020304" pitchFamily="18" charset="0"/>
+              </a:rPr>
+              <a:t>запроса к </a:t>
+            </a:r>
+            <a:r>
+              <a:rPr lang="en-US" dirty="0">
+                <a:latin typeface="Times New Roman" panose="02020603050405020304" pitchFamily="18" charset="0"/>
+                <a:cs typeface="Times New Roman" panose="02020603050405020304" pitchFamily="18" charset="0"/>
+              </a:rPr>
+              <a:t>API </a:t>
+            </a:r>
+            <a:r>
+              <a:rPr lang="ru-RU" dirty="0">
+                <a:latin typeface="Times New Roman" panose="02020603050405020304" pitchFamily="18" charset="0"/>
+                <a:cs typeface="Times New Roman" panose="02020603050405020304" pitchFamily="18" charset="0"/>
+              </a:rPr>
+              <a:t>ИИ</a:t>
+            </a:r>
+            <a:r>
+              <a:rPr lang="en-US" dirty="0">
+                <a:latin typeface="Times New Roman" panose="02020603050405020304" pitchFamily="18" charset="0"/>
+                <a:cs typeface="Times New Roman" panose="02020603050405020304" pitchFamily="18" charset="0"/>
+              </a:rPr>
+              <a:t>.</a:t>
+            </a:r>
+            <a:endParaRPr lang="ru-RU" dirty="0">
+              <a:latin typeface="Times New Roman" panose="02020603050405020304" pitchFamily="18" charset="0"/>
+              <a:cs typeface="Times New Roman" panose="02020603050405020304" pitchFamily="18" charset="0"/>
+            </a:endParaRPr>
+          </a:p>
+          <a:p>
+            <a:pPr marL="385763" indent="-385763">
+              <a:lnSpc>
+                <a:spcPct val="150000"/>
+              </a:lnSpc>
+              <a:buFont typeface="+mj-lt"/>
+              <a:buAutoNum type="arabicPeriod"/>
+            </a:pPr>
+            <a:r>
+              <a:rPr lang="ru-RU" dirty="0">
+                <a:latin typeface="Times New Roman" panose="02020603050405020304" pitchFamily="18" charset="0"/>
+                <a:cs typeface="Times New Roman" panose="02020603050405020304" pitchFamily="18" charset="0"/>
+              </a:rPr>
+              <a:t>Получение и обработка ответа сервером.</a:t>
+            </a:r>
+          </a:p>
+          <a:p>
+            <a:pPr marL="385763" indent="-385763">
+              <a:lnSpc>
+                <a:spcPct val="150000"/>
+              </a:lnSpc>
+              <a:buFont typeface="+mj-lt"/>
+              <a:buAutoNum type="arabicPeriod"/>
+            </a:pPr>
+            <a:r>
+              <a:rPr lang="ru-RU" dirty="0">
+                <a:latin typeface="Times New Roman" panose="02020603050405020304" pitchFamily="18" charset="0"/>
+                <a:cs typeface="Times New Roman" panose="02020603050405020304" pitchFamily="18" charset="0"/>
+              </a:rPr>
+              <a:t>Передача клиенту</a:t>
+            </a:r>
+            <a:r>
+              <a:rPr lang="en-US" dirty="0">
+                <a:latin typeface="Times New Roman" panose="02020603050405020304" pitchFamily="18" charset="0"/>
+                <a:cs typeface="Times New Roman" panose="02020603050405020304" pitchFamily="18" charset="0"/>
+              </a:rPr>
+              <a:t>.</a:t>
+            </a:r>
+          </a:p>
+          <a:p>
+            <a:pPr marL="0" indent="0">
+              <a:buNone/>
+            </a:pPr>
+            <a:endParaRPr lang="ru-RU" dirty="0"/>
+          </a:p>
+        </p:txBody>
+      </p:sp>
+      <p:pic>
+        <p:nvPicPr>
+          <p:cNvPr id="3" name="Объект 2">
+            <a:extLst>
+              <a:ext uri="{FF2B5EF4-FFF2-40B4-BE49-F238E27FC236}">
+                <a16:creationId xmlns:a16="http://schemas.microsoft.com/office/drawing/2014/main" id="{75196021-CC2A-B5A2-0DE7-DB2E2EA67EBE}"/>
+              </a:ext>
+            </a:extLst>
+          </p:cNvPr>
+          <p:cNvPicPr>
+            <a:picLocks noGrp="1" noChangeAspect="1"/>
+          </p:cNvPicPr>
+          <p:nvPr>
+            <p:ph sz="half" idx="2"/>
+          </p:nvPr>
+        </p:nvPicPr>
+        <p:blipFill>
+          <a:blip r:embed="rId2">
+            <a:extLst>
+              <a:ext uri="{28A0092B-C50C-407E-A947-70E740481C1C}">
+                <a14:useLocalDpi xmlns:a14="http://schemas.microsoft.com/office/drawing/2010/main" val="0"/>
+              </a:ext>
+            </a:extLst>
+          </a:blip>
+          <a:stretch>
+            <a:fillRect/>
+          </a:stretch>
+        </p:blipFill>
+        <p:spPr>
+          <a:xfrm>
+            <a:off x="4912131" y="348955"/>
+            <a:ext cx="1658486" cy="5497204"/>
+          </a:xfrm>
+        </p:spPr>
+      </p:pic>
+    </p:spTree>
+    <p:extLst>
+      <p:ext uri="{BB962C8B-B14F-4D97-AF65-F5344CB8AC3E}">
+        <p14:creationId xmlns:p14="http://schemas.microsoft.com/office/powerpoint/2010/main" val="3592267970"/>
+      </p:ext>
+    </p:extLst>
+  </p:cSld>
+  <p:clrMapOvr>
+    <a:masterClrMapping/>
+  </p:clrMapOvr>
+</p:sld>
+</file>
+
+<file path=ppt/slides/slide13.xml><?xml version="1.0" encoding="utf-8"?>
+<p:sld xmlns:a="http://schemas.openxmlformats.org/drawingml/2006/main" xmlns:r="http://schemas.openxmlformats.org/officeDocument/2006/relationships" xmlns:p="http://schemas.openxmlformats.org/presentationml/2006/main">
+  <p:cSld>
+    <p:spTree>
+      <p:nvGrpSpPr>
+        <p:cNvPr id="1" name=""/>
+        <p:cNvGrpSpPr/>
+        <p:nvPr/>
+      </p:nvGrpSpPr>
+      <p:grpSpPr>
+        <a:xfrm>
+          <a:off x="0" y="0"/>
+          <a:ext cx="0" cy="0"/>
+          <a:chOff x="0" y="0"/>
+          <a:chExt cx="0" cy="0"/>
+        </a:xfrm>
+      </p:grpSpPr>
+      <p:sp>
+        <p:nvSpPr>
+          <p:cNvPr id="2" name="Заголовок 1">
+            <a:extLst>
+              <a:ext uri="{FF2B5EF4-FFF2-40B4-BE49-F238E27FC236}">
+                <a16:creationId xmlns:a16="http://schemas.microsoft.com/office/drawing/2014/main" id="{2C64B6FC-9AA1-371B-6B3C-18F406082223}"/>
+              </a:ext>
+            </a:extLst>
+          </p:cNvPr>
+          <p:cNvSpPr>
+            <a:spLocks noGrp="1"/>
+          </p:cNvSpPr>
+          <p:nvPr>
+            <p:ph type="title"/>
+          </p:nvPr>
+        </p:nvSpPr>
+        <p:spPr>
+          <a:xfrm>
+            <a:off x="344534" y="1184979"/>
+            <a:ext cx="4715691" cy="994172"/>
+          </a:xfrm>
+        </p:spPr>
+        <p:txBody>
+          <a:bodyPr>
+            <a:normAutofit fontScale="90000"/>
+          </a:bodyPr>
+          <a:lstStyle/>
+          <a:p>
+            <a:r>
+              <a:rPr lang="ru-RU" b="1" u="sng" dirty="0"/>
+              <a:t>Определение слова</a:t>
+            </a:r>
+            <a:endParaRPr lang="ru-RU" dirty="0"/>
+          </a:p>
+        </p:txBody>
+      </p:sp>
+      <p:sp>
+        <p:nvSpPr>
+          <p:cNvPr id="3" name="Объект 2">
+            <a:extLst>
+              <a:ext uri="{FF2B5EF4-FFF2-40B4-BE49-F238E27FC236}">
+                <a16:creationId xmlns:a16="http://schemas.microsoft.com/office/drawing/2014/main" id="{6ADEBD5D-EB10-0504-FCF5-BED349E1AAEF}"/>
+              </a:ext>
+            </a:extLst>
+          </p:cNvPr>
+          <p:cNvSpPr>
+            <a:spLocks noGrp="1"/>
+          </p:cNvSpPr>
+          <p:nvPr>
+            <p:ph sz="half" idx="1"/>
+          </p:nvPr>
+        </p:nvSpPr>
+        <p:spPr>
+          <a:xfrm>
+            <a:off x="344534" y="2280353"/>
+            <a:ext cx="4715691" cy="3263504"/>
+          </a:xfrm>
+        </p:spPr>
+        <p:txBody>
+          <a:bodyPr>
+            <a:normAutofit fontScale="92500" lnSpcReduction="10000"/>
+          </a:bodyPr>
+          <a:lstStyle/>
+          <a:p>
+            <a:pPr>
+              <a:lnSpc>
+                <a:spcPct val="150000"/>
+              </a:lnSpc>
+            </a:pPr>
+            <a:r>
+              <a:rPr lang="ru-RU" sz="1500" dirty="0"/>
+              <a:t>Проверка</a:t>
+            </a:r>
+            <a:r>
+              <a:rPr lang="en-US" sz="1500" dirty="0"/>
+              <a:t> </a:t>
+            </a:r>
+            <a:r>
+              <a:rPr lang="ru-RU" sz="1500" dirty="0"/>
+              <a:t>выделенного текста</a:t>
+            </a:r>
+            <a:r>
+              <a:rPr lang="en-US" sz="1500" dirty="0"/>
+              <a:t>,</a:t>
+            </a:r>
+            <a:r>
+              <a:rPr lang="ru-RU" sz="1500" dirty="0"/>
+              <a:t> что выбрано именно слово</a:t>
+            </a:r>
+            <a:r>
+              <a:rPr lang="en-US" sz="1500" dirty="0"/>
+              <a:t>.</a:t>
+            </a:r>
+          </a:p>
+          <a:p>
+            <a:pPr>
+              <a:lnSpc>
+                <a:spcPct val="150000"/>
+              </a:lnSpc>
+            </a:pPr>
+            <a:r>
+              <a:rPr lang="ru-RU" sz="1500" dirty="0"/>
+              <a:t>Отправка запроса на сервер</a:t>
+            </a:r>
+            <a:r>
+              <a:rPr lang="en-US" sz="1500" dirty="0"/>
+              <a:t>.</a:t>
+            </a:r>
+            <a:endParaRPr lang="ru-RU" sz="1500" dirty="0"/>
+          </a:p>
+          <a:p>
+            <a:pPr>
+              <a:lnSpc>
+                <a:spcPct val="150000"/>
+              </a:lnSpc>
+            </a:pPr>
+            <a:r>
+              <a:rPr lang="ru-RU" sz="1500" dirty="0"/>
+              <a:t>Сервер создаёт </a:t>
+            </a:r>
+            <a:r>
+              <a:rPr lang="ru-RU" sz="1500" dirty="0" err="1"/>
+              <a:t>промпт</a:t>
+            </a:r>
+            <a:r>
+              <a:rPr lang="ru-RU" sz="1500" dirty="0"/>
+              <a:t>-строку</a:t>
+            </a:r>
+            <a:r>
+              <a:rPr lang="en-US" sz="1500" dirty="0"/>
+              <a:t>.</a:t>
+            </a:r>
+            <a:endParaRPr lang="ru-RU" sz="1500" dirty="0"/>
+          </a:p>
+          <a:p>
+            <a:pPr>
+              <a:lnSpc>
+                <a:spcPct val="150000"/>
+              </a:lnSpc>
+            </a:pPr>
+            <a:r>
+              <a:rPr lang="ru-RU" sz="1500" dirty="0"/>
+              <a:t>Сервер передаёт её </a:t>
+            </a:r>
+            <a:r>
+              <a:rPr lang="en-US" sz="1500" dirty="0"/>
+              <a:t>API</a:t>
+            </a:r>
+            <a:r>
+              <a:rPr lang="ru-RU" sz="1500" dirty="0"/>
+              <a:t> и</a:t>
+            </a:r>
+            <a:r>
+              <a:rPr lang="en-US" sz="1500" dirty="0"/>
+              <a:t> </a:t>
+            </a:r>
+            <a:r>
+              <a:rPr lang="ru-RU" sz="1500" dirty="0"/>
+              <a:t>получает сообщение</a:t>
+            </a:r>
+            <a:r>
+              <a:rPr lang="en-US" sz="1500" dirty="0"/>
+              <a:t>.</a:t>
+            </a:r>
+            <a:endParaRPr lang="ru-RU" sz="1500" dirty="0"/>
+          </a:p>
+          <a:p>
+            <a:pPr>
+              <a:lnSpc>
+                <a:spcPct val="150000"/>
+              </a:lnSpc>
+            </a:pPr>
+            <a:r>
+              <a:rPr lang="ru-RU" sz="1500" dirty="0"/>
+              <a:t>Сервер обрабатывает в сообщений </a:t>
+            </a:r>
+            <a:r>
+              <a:rPr lang="en-US" sz="1500" dirty="0"/>
+              <a:t>JSON</a:t>
+            </a:r>
+            <a:r>
+              <a:rPr lang="ru-RU" sz="1500" dirty="0"/>
+              <a:t> текст</a:t>
+            </a:r>
+            <a:r>
+              <a:rPr lang="en-US" sz="1500" dirty="0"/>
+              <a:t>.</a:t>
+            </a:r>
+          </a:p>
+          <a:p>
+            <a:pPr>
+              <a:lnSpc>
+                <a:spcPct val="150000"/>
+              </a:lnSpc>
+            </a:pPr>
+            <a:r>
+              <a:rPr lang="ru-RU" sz="1500" dirty="0"/>
+              <a:t>Формирует ответ и передаёт её клиенту</a:t>
+            </a:r>
+            <a:r>
+              <a:rPr lang="en-US" sz="1500" dirty="0"/>
+              <a:t>.</a:t>
+            </a:r>
+            <a:endParaRPr lang="en-US" dirty="0"/>
+          </a:p>
+          <a:p>
+            <a:endParaRPr lang="ru-RU" dirty="0"/>
+          </a:p>
+          <a:p>
+            <a:endParaRPr lang="ru-RU" dirty="0"/>
+          </a:p>
+        </p:txBody>
+      </p:sp>
+      <p:pic>
+        <p:nvPicPr>
+          <p:cNvPr id="6" name="Объект 5">
+            <a:extLst>
+              <a:ext uri="{FF2B5EF4-FFF2-40B4-BE49-F238E27FC236}">
+                <a16:creationId xmlns:a16="http://schemas.microsoft.com/office/drawing/2014/main" id="{2A3B21CB-CB3E-A934-9A57-2A99D064F37C}"/>
+              </a:ext>
+            </a:extLst>
+          </p:cNvPr>
+          <p:cNvPicPr>
+            <a:picLocks noGrp="1" noChangeAspect="1"/>
+          </p:cNvPicPr>
+          <p:nvPr>
+            <p:ph sz="half" idx="2"/>
+          </p:nvPr>
+        </p:nvPicPr>
+        <p:blipFill>
+          <a:blip r:embed="rId2">
+            <a:extLst>
+              <a:ext uri="{28A0092B-C50C-407E-A947-70E740481C1C}">
+                <a14:useLocalDpi xmlns:a14="http://schemas.microsoft.com/office/drawing/2010/main" val="0"/>
+              </a:ext>
+            </a:extLst>
+          </a:blip>
+          <a:stretch>
+            <a:fillRect/>
+          </a:stretch>
+        </p:blipFill>
+        <p:spPr>
+          <a:xfrm>
+            <a:off x="5243523" y="2280355"/>
+            <a:ext cx="2543396" cy="3052075"/>
+          </a:xfrm>
+          <a:effectLst>
+            <a:outerShdw blurRad="50800" dist="38100" dir="2700000" algn="tl" rotWithShape="0">
+              <a:prstClr val="black">
+                <a:alpha val="40000"/>
+              </a:prstClr>
+            </a:outerShdw>
+          </a:effectLst>
+        </p:spPr>
+      </p:pic>
+    </p:spTree>
+    <p:extLst>
+      <p:ext uri="{BB962C8B-B14F-4D97-AF65-F5344CB8AC3E}">
+        <p14:creationId xmlns:p14="http://schemas.microsoft.com/office/powerpoint/2010/main" val="1752438457"/>
+      </p:ext>
+    </p:extLst>
+  </p:cSld>
+  <p:clrMapOvr>
+    <a:masterClrMapping/>
+  </p:clrMapOvr>
+</p:sld>
+</file>
+
+<file path=ppt/slides/slide14.xml><?xml version="1.0" encoding="utf-8"?>
+<p:sld xmlns:a="http://schemas.openxmlformats.org/drawingml/2006/main" xmlns:r="http://schemas.openxmlformats.org/officeDocument/2006/relationships" xmlns:p="http://schemas.openxmlformats.org/presentationml/2006/main">
+  <p:cSld>
+    <p:spTree>
+      <p:nvGrpSpPr>
+        <p:cNvPr id="1" name=""/>
+        <p:cNvGrpSpPr/>
+        <p:nvPr/>
+      </p:nvGrpSpPr>
+      <p:grpSpPr>
+        <a:xfrm>
+          <a:off x="0" y="0"/>
+          <a:ext cx="0" cy="0"/>
+          <a:chOff x="0" y="0"/>
+          <a:chExt cx="0" cy="0"/>
+        </a:xfrm>
+      </p:grpSpPr>
+      <p:sp>
+        <p:nvSpPr>
+          <p:cNvPr id="2" name="Заголовок 1">
+            <a:extLst>
+              <a:ext uri="{FF2B5EF4-FFF2-40B4-BE49-F238E27FC236}">
+                <a16:creationId xmlns:a16="http://schemas.microsoft.com/office/drawing/2014/main" id="{360E9AD1-617D-A268-E87D-92ECC47AA077}"/>
+              </a:ext>
+            </a:extLst>
+          </p:cNvPr>
+          <p:cNvSpPr>
+            <a:spLocks noGrp="1"/>
+          </p:cNvSpPr>
+          <p:nvPr>
+            <p:ph type="title"/>
+          </p:nvPr>
+        </p:nvSpPr>
+        <p:spPr>
+          <a:xfrm>
+            <a:off x="476794" y="1126671"/>
+            <a:ext cx="4118719" cy="994172"/>
+          </a:xfrm>
+        </p:spPr>
+        <p:txBody>
+          <a:bodyPr>
+            <a:normAutofit fontScale="90000"/>
+          </a:bodyPr>
+          <a:lstStyle/>
+          <a:p>
+            <a:r>
+              <a:rPr lang="ru-RU" b="1" u="sng" dirty="0"/>
+              <a:t>Трекинг</a:t>
+            </a:r>
+            <a:r>
+              <a:rPr lang="ru-RU" b="1" i="1" u="sng" dirty="0"/>
+              <a:t> </a:t>
+            </a:r>
+            <a:r>
+              <a:rPr lang="ru-RU" b="1" u="sng" dirty="0"/>
+              <a:t>времени</a:t>
+            </a:r>
+          </a:p>
+        </p:txBody>
+      </p:sp>
+      <p:sp>
+        <p:nvSpPr>
+          <p:cNvPr id="3" name="Объект 2">
+            <a:extLst>
+              <a:ext uri="{FF2B5EF4-FFF2-40B4-BE49-F238E27FC236}">
+                <a16:creationId xmlns:a16="http://schemas.microsoft.com/office/drawing/2014/main" id="{AFE40D4C-2D1B-CF94-83FC-2F885B58E136}"/>
+              </a:ext>
+            </a:extLst>
+          </p:cNvPr>
+          <p:cNvSpPr>
+            <a:spLocks noGrp="1"/>
+          </p:cNvSpPr>
+          <p:nvPr>
+            <p:ph sz="half" idx="1"/>
+          </p:nvPr>
+        </p:nvSpPr>
+        <p:spPr>
+          <a:xfrm>
+            <a:off x="476794" y="2226469"/>
+            <a:ext cx="4494973" cy="3263504"/>
+          </a:xfrm>
+        </p:spPr>
+        <p:txBody>
+          <a:bodyPr>
+            <a:normAutofit/>
+          </a:bodyPr>
+          <a:lstStyle/>
+          <a:p>
+            <a:pPr>
+              <a:lnSpc>
+                <a:spcPct val="150000"/>
+              </a:lnSpc>
+            </a:pPr>
+            <a:r>
+              <a:rPr lang="ru-RU" sz="1800" dirty="0">
+                <a:latin typeface="Times New Roman" panose="02020603050405020304" pitchFamily="18" charset="0"/>
+                <a:cs typeface="Times New Roman" panose="02020603050405020304" pitchFamily="18" charset="0"/>
+              </a:rPr>
+              <a:t>Подсчёт времени происходит на стороне клиента.</a:t>
+            </a:r>
+          </a:p>
+          <a:p>
+            <a:pPr>
+              <a:lnSpc>
+                <a:spcPct val="150000"/>
+              </a:lnSpc>
+            </a:pPr>
+            <a:r>
+              <a:rPr lang="ru-RU" sz="1800" dirty="0">
+                <a:latin typeface="Times New Roman" panose="02020603050405020304" pitchFamily="18" charset="0"/>
+                <a:cs typeface="Times New Roman" panose="02020603050405020304" pitchFamily="18" charset="0"/>
+              </a:rPr>
+              <a:t>Итоговое время проведенное за книгой отправляется на сервер.</a:t>
+            </a:r>
+          </a:p>
+          <a:p>
+            <a:pPr>
+              <a:lnSpc>
+                <a:spcPct val="150000"/>
+              </a:lnSpc>
+            </a:pPr>
+            <a:r>
+              <a:rPr lang="ru-RU" sz="1800" dirty="0">
+                <a:latin typeface="Times New Roman" panose="02020603050405020304" pitchFamily="18" charset="0"/>
+                <a:cs typeface="Times New Roman" panose="02020603050405020304" pitchFamily="18" charset="0"/>
+              </a:rPr>
+              <a:t>Проведенное время выводится на странице списка книг.</a:t>
+            </a:r>
+          </a:p>
+        </p:txBody>
+      </p:sp>
+      <p:pic>
+        <p:nvPicPr>
+          <p:cNvPr id="8" name="Рисунок 7">
+            <a:extLst>
+              <a:ext uri="{FF2B5EF4-FFF2-40B4-BE49-F238E27FC236}">
+                <a16:creationId xmlns:a16="http://schemas.microsoft.com/office/drawing/2014/main" id="{AC37D927-5EBB-77F0-A902-F21E0044F313}"/>
+              </a:ext>
+            </a:extLst>
+          </p:cNvPr>
+          <p:cNvPicPr>
+            <a:picLocks noChangeAspect="1"/>
+          </p:cNvPicPr>
+          <p:nvPr/>
+        </p:nvPicPr>
+        <p:blipFill rotWithShape="1">
+          <a:blip r:embed="rId2">
+            <a:extLst>
+              <a:ext uri="{28A0092B-C50C-407E-A947-70E740481C1C}">
+                <a14:useLocalDpi xmlns:a14="http://schemas.microsoft.com/office/drawing/2010/main" val="0"/>
+              </a:ext>
+            </a:extLst>
+          </a:blip>
+          <a:srcRect l="44504"/>
+          <a:stretch/>
+        </p:blipFill>
+        <p:spPr>
+          <a:xfrm>
+            <a:off x="5354139" y="1852206"/>
+            <a:ext cx="2121081" cy="3153588"/>
+          </a:xfrm>
+          <a:prstGeom prst="rect">
+            <a:avLst/>
+          </a:prstGeom>
+          <a:effectLst>
+            <a:outerShdw blurRad="50800" dist="38100" dir="2700000" algn="tl" rotWithShape="0">
+              <a:prstClr val="black">
+                <a:alpha val="40000"/>
+              </a:prstClr>
+            </a:outerShdw>
+          </a:effectLst>
+        </p:spPr>
+      </p:pic>
+    </p:spTree>
+    <p:extLst>
+      <p:ext uri="{BB962C8B-B14F-4D97-AF65-F5344CB8AC3E}">
+        <p14:creationId xmlns:p14="http://schemas.microsoft.com/office/powerpoint/2010/main" val="2715316151"/>
       </p:ext>
     </p:extLst>
   </p:cSld>
@@ -4015,8 +5466,8 @@
         </p:nvSpPr>
         <p:spPr>
           <a:xfrm>
-            <a:off x="838200" y="365126"/>
-            <a:ext cx="10515600" cy="953466"/>
+            <a:off x="334736" y="1170283"/>
+            <a:ext cx="7886700" cy="715100"/>
           </a:xfrm>
         </p:spPr>
         <p:txBody>
@@ -4058,8 +5509,8 @@
         </p:nvSpPr>
         <p:spPr>
           <a:xfrm>
-            <a:off x="838200" y="1318593"/>
-            <a:ext cx="10515600" cy="1371598"/>
+            <a:off x="334736" y="1948747"/>
+            <a:ext cx="7886700" cy="1028699"/>
           </a:xfrm>
         </p:spPr>
         <p:txBody>
@@ -4075,7 +5526,7 @@
               <a:buNone/>
             </a:pPr>
             <a:r>
-              <a:rPr lang="ru-RU" sz="2400" dirty="0">
+              <a:rPr lang="ru-RU" sz="1800" dirty="0">
                 <a:latin typeface="Times New Roman" panose="02020603050405020304" pitchFamily="18" charset="0"/>
                 <a:cs typeface="Times New Roman" panose="02020603050405020304" pitchFamily="18" charset="0"/>
               </a:rPr>
@@ -4100,15 +5551,15 @@
         </p:nvSpPr>
         <p:spPr>
           <a:xfrm>
-            <a:off x="838200" y="2996648"/>
-            <a:ext cx="10515600" cy="864704"/>
+            <a:off x="334736" y="2890476"/>
+            <a:ext cx="7886700" cy="648528"/>
           </a:xfrm>
           <a:prstGeom prst="rect">
             <a:avLst/>
           </a:prstGeom>
         </p:spPr>
         <p:txBody>
-          <a:bodyPr vert="horz" lIns="91440" tIns="45720" rIns="91440" bIns="45720" rtlCol="0" anchor="ctr">
+          <a:bodyPr vert="horz" lIns="68580" tIns="34290" rIns="68580" bIns="34290" rtlCol="0" anchor="ctr">
             <a:normAutofit/>
           </a:bodyPr>
           <a:lstStyle>
@@ -4132,7 +5583,7 @@
           </a:lstStyle>
           <a:p>
             <a:r>
-              <a:rPr lang="ru-RU" b="1" u="sng" dirty="0"/>
+              <a:rPr lang="ru-RU" sz="3300" b="1" u="sng" dirty="0"/>
               <a:t>Задачи</a:t>
             </a:r>
           </a:p>
@@ -4154,16 +5605,16 @@
         </p:nvSpPr>
         <p:spPr>
           <a:xfrm>
-            <a:off x="838200" y="3861353"/>
-            <a:ext cx="10515600" cy="2315610"/>
+            <a:off x="334736" y="3539005"/>
+            <a:ext cx="7886700" cy="2060972"/>
           </a:xfrm>
           <a:prstGeom prst="rect">
             <a:avLst/>
           </a:prstGeom>
         </p:spPr>
         <p:txBody>
-          <a:bodyPr vert="horz" lIns="91440" tIns="45720" rIns="91440" bIns="45720" rtlCol="0">
-            <a:normAutofit/>
+          <a:bodyPr vert="horz" lIns="68580" tIns="34290" rIns="68580" bIns="34290" rtlCol="0">
+            <a:normAutofit lnSpcReduction="10000"/>
           </a:bodyPr>
           <a:lstStyle>
             <a:lvl1pPr marL="228600" indent="-228600" algn="l" defTabSz="914400" rtl="0" eaLnBrk="1" latinLnBrk="0" hangingPunct="1">
@@ -4336,25 +5787,25 @@
               </a:lnSpc>
             </a:pPr>
             <a:r>
-              <a:rPr lang="ru-RU" sz="2400" dirty="0">
+              <a:rPr lang="ru-RU" sz="1350" dirty="0">
                 <a:latin typeface="Times New Roman" panose="02020603050405020304" pitchFamily="18" charset="0"/>
                 <a:cs typeface="Times New Roman" panose="02020603050405020304" pitchFamily="18" charset="0"/>
               </a:rPr>
               <a:t>Разработка программного обеспечения</a:t>
             </a:r>
             <a:r>
-              <a:rPr lang="en-US" sz="2400" dirty="0">
+              <a:rPr lang="en-US" sz="1350" dirty="0">
                 <a:latin typeface="Times New Roman" panose="02020603050405020304" pitchFamily="18" charset="0"/>
                 <a:cs typeface="Times New Roman" panose="02020603050405020304" pitchFamily="18" charset="0"/>
               </a:rPr>
               <a:t> </a:t>
             </a:r>
             <a:r>
-              <a:rPr lang="ru-RU" sz="2400" dirty="0">
+              <a:rPr lang="ru-RU" sz="1350" dirty="0">
                 <a:latin typeface="Times New Roman" panose="02020603050405020304" pitchFamily="18" charset="0"/>
                 <a:cs typeface="Times New Roman" panose="02020603050405020304" pitchFamily="18" charset="0"/>
               </a:rPr>
-              <a:t>электронной библиотеки</a:t>
+              <a:t>электронной библиотеки.</a:t>
             </a:r>
           </a:p>
           <a:p>
@@ -4364,11 +5815,11 @@
               </a:lnSpc>
             </a:pPr>
             <a:r>
-              <a:rPr lang="ru-RU" sz="2400" dirty="0">
+              <a:rPr lang="ru-RU" sz="1350" dirty="0">
                 <a:latin typeface="Times New Roman" panose="02020603050405020304" pitchFamily="18" charset="0"/>
                 <a:cs typeface="Times New Roman" panose="02020603050405020304" pitchFamily="18" charset="0"/>
               </a:rPr>
-              <a:t>Реализация функции краткого пересказа текста</a:t>
+              <a:t>Реализация функции краткого пересказа текста.</a:t>
             </a:r>
           </a:p>
           <a:p>
@@ -4378,11 +5829,39 @@
               </a:lnSpc>
             </a:pPr>
             <a:r>
-              <a:rPr lang="ru-RU" sz="2400" dirty="0">
+              <a:rPr lang="ru-RU" sz="1350" dirty="0">
                 <a:latin typeface="Times New Roman" panose="02020603050405020304" pitchFamily="18" charset="0"/>
                 <a:cs typeface="Times New Roman" panose="02020603050405020304" pitchFamily="18" charset="0"/>
               </a:rPr>
-              <a:t>Реализация функции словаря</a:t>
+              <a:t>Реализация функции словаря.</a:t>
+            </a:r>
+          </a:p>
+          <a:p>
+            <a:pPr>
+              <a:lnSpc>
+                <a:spcPct val="150000"/>
+              </a:lnSpc>
+            </a:pPr>
+            <a:r>
+              <a:rPr lang="ru-RU" sz="1350" dirty="0">
+                <a:latin typeface="Times New Roman" panose="02020603050405020304" pitchFamily="18" charset="0"/>
+                <a:cs typeface="Times New Roman" panose="02020603050405020304" pitchFamily="18" charset="0"/>
+              </a:rPr>
+              <a:t>Реализация трекинга времени.</a:t>
+            </a:r>
+          </a:p>
+          <a:p>
+            <a:pPr>
+              <a:lnSpc>
+                <a:spcPct val="150000"/>
+              </a:lnSpc>
+            </a:pPr>
+            <a:r>
+              <a:rPr lang="ru-RU" sz="1350" dirty="0">
+                <a:latin typeface="Times New Roman" panose="02020603050405020304" pitchFamily="18" charset="0"/>
+                <a:cs typeface="Times New Roman" panose="02020603050405020304" pitchFamily="18" charset="0"/>
+              </a:rPr>
+              <a:t>Реализация перевода текста.</a:t>
             </a:r>
           </a:p>
         </p:txBody>
@@ -4433,7 +5912,12 @@
             <p:ph type="title"/>
           </p:nvPr>
         </p:nvSpPr>
-        <p:spPr/>
+        <p:spPr>
+          <a:xfrm>
+            <a:off x="338981" y="1180555"/>
+            <a:ext cx="7269480" cy="994172"/>
+          </a:xfrm>
+        </p:spPr>
         <p:txBody>
           <a:bodyPr/>
           <a:lstStyle/>
@@ -4461,10 +5945,15 @@
             <p:ph idx="1"/>
           </p:nvPr>
         </p:nvSpPr>
-        <p:spPr/>
+        <p:spPr>
+          <a:xfrm>
+            <a:off x="338981" y="2277836"/>
+            <a:ext cx="6446520" cy="3263503"/>
+          </a:xfrm>
+        </p:spPr>
         <p:txBody>
           <a:bodyPr>
-            <a:normAutofit/>
+            <a:normAutofit fontScale="92500" lnSpcReduction="10000"/>
           </a:bodyPr>
           <a:lstStyle/>
           <a:p>
@@ -4474,7 +5963,7 @@
               </a:lnSpc>
             </a:pPr>
             <a:r>
-              <a:rPr lang="ru-RU" sz="2400" dirty="0">
+              <a:rPr lang="ru-RU" sz="1800" dirty="0">
                 <a:latin typeface="Times New Roman" panose="02020603050405020304" pitchFamily="18" charset="0"/>
                 <a:cs typeface="Times New Roman" panose="02020603050405020304" pitchFamily="18" charset="0"/>
               </a:rPr>
@@ -4488,7 +5977,7 @@
               </a:lnSpc>
             </a:pPr>
             <a:r>
-              <a:rPr lang="ru-RU" sz="2400" dirty="0">
+              <a:rPr lang="ru-RU" sz="1800" dirty="0">
                 <a:latin typeface="Times New Roman" panose="02020603050405020304" pitchFamily="18" charset="0"/>
                 <a:cs typeface="Times New Roman" panose="02020603050405020304" pitchFamily="18" charset="0"/>
               </a:rPr>
@@ -4502,7 +5991,7 @@
               </a:lnSpc>
             </a:pPr>
             <a:r>
-              <a:rPr lang="ru-RU" sz="2400" dirty="0">
+              <a:rPr lang="ru-RU" sz="1800" dirty="0">
                 <a:latin typeface="Times New Roman" panose="02020603050405020304" pitchFamily="18" charset="0"/>
                 <a:cs typeface="Times New Roman" panose="02020603050405020304" pitchFamily="18" charset="0"/>
               </a:rPr>
@@ -4516,11 +6005,11 @@
               </a:lnSpc>
             </a:pPr>
             <a:r>
-              <a:rPr lang="ru-RU" sz="2400" dirty="0">
+              <a:rPr lang="ru-RU" sz="1800" dirty="0">
                 <a:latin typeface="Times New Roman" panose="02020603050405020304" pitchFamily="18" charset="0"/>
                 <a:cs typeface="Times New Roman" panose="02020603050405020304" pitchFamily="18" charset="0"/>
               </a:rPr>
-              <a:t>нахождение определения выбранного слова;</a:t>
+              <a:t>словарь;</a:t>
             </a:r>
           </a:p>
           <a:p>
@@ -4530,14 +6019,14 @@
               </a:lnSpc>
             </a:pPr>
             <a:r>
-              <a:rPr lang="ru-RU" sz="2400" dirty="0">
+              <a:rPr lang="ru-RU" sz="1800" dirty="0">
                 <a:latin typeface="Times New Roman" panose="02020603050405020304" pitchFamily="18" charset="0"/>
                 <a:cs typeface="Times New Roman" panose="02020603050405020304" pitchFamily="18" charset="0"/>
               </a:rPr>
               <a:t>обобщение текста</a:t>
             </a:r>
             <a:r>
-              <a:rPr lang="en-US" sz="2400" dirty="0">
+              <a:rPr lang="en-US" sz="1800" dirty="0">
                 <a:latin typeface="Times New Roman" panose="02020603050405020304" pitchFamily="18" charset="0"/>
                 <a:cs typeface="Times New Roman" panose="02020603050405020304" pitchFamily="18" charset="0"/>
               </a:rPr>
@@ -4551,7 +6040,7 @@
               </a:lnSpc>
             </a:pPr>
             <a:r>
-              <a:rPr lang="ru-RU" sz="2400" dirty="0">
+              <a:rPr lang="ru-RU" sz="1800" dirty="0">
                 <a:latin typeface="Times New Roman" panose="02020603050405020304" pitchFamily="18" charset="0"/>
                 <a:cs typeface="Times New Roman" panose="02020603050405020304" pitchFamily="18" charset="0"/>
               </a:rPr>
@@ -4606,7 +6095,12 @@
             <p:ph type="title"/>
           </p:nvPr>
         </p:nvSpPr>
-        <p:spPr/>
+        <p:spPr>
+          <a:xfrm>
+            <a:off x="329184" y="1126829"/>
+            <a:ext cx="7269480" cy="994172"/>
+          </a:xfrm>
+        </p:spPr>
         <p:txBody>
           <a:bodyPr>
             <a:normAutofit/>
@@ -4614,7 +6108,7 @@
           <a:lstStyle/>
           <a:p>
             <a:r>
-              <a:rPr lang="ru-RU" sz="2800" b="1" u="sng" dirty="0"/>
+              <a:rPr lang="ru-RU" sz="2100" b="1" u="sng" dirty="0"/>
               <a:t>Таблица результатов сравнительного анализа аналогов и системы</a:t>
             </a:r>
           </a:p>
@@ -4636,14 +6130,14 @@
             <p:ph idx="1"/>
             <p:extLst>
               <p:ext uri="{D42A27DB-BD31-4B8C-83A1-F6EECF244321}">
-                <p14:modId xmlns:p14="http://schemas.microsoft.com/office/powerpoint/2010/main" val="2008490473"/>
+                <p14:modId xmlns:p14="http://schemas.microsoft.com/office/powerpoint/2010/main" val="3753408370"/>
               </p:ext>
             </p:extLst>
           </p:nvPr>
         </p:nvGraphicFramePr>
         <p:xfrm>
-          <a:off x="838200" y="1690687"/>
-          <a:ext cx="10459278" cy="4487857"/>
+          <a:off x="383721" y="2125265"/>
+          <a:ext cx="7649935" cy="3961284"/>
         </p:xfrm>
         <a:graphic>
           <a:graphicData uri="http://schemas.openxmlformats.org/drawingml/2006/table">
@@ -4652,35 +6146,35 @@
                 <a:tableStyleId>{5940675A-B579-460E-94D1-54222C63F5DA}</a:tableStyleId>
               </a:tblPr>
               <a:tblGrid>
-                <a:gridCol w="3068945">
+                <a:gridCol w="2244632">
                   <a:extLst>
                     <a:ext uri="{9D8B030D-6E8A-4147-A177-3AD203B41FA5}">
                       <a16:colId xmlns:a16="http://schemas.microsoft.com/office/drawing/2014/main" val="3099076855"/>
                     </a:ext>
                   </a:extLst>
                 </a:gridCol>
-                <a:gridCol w="1821107">
+                <a:gridCol w="1331961">
                   <a:extLst>
                     <a:ext uri="{9D8B030D-6E8A-4147-A177-3AD203B41FA5}">
                       <a16:colId xmlns:a16="http://schemas.microsoft.com/office/drawing/2014/main" val="3257189038"/>
                     </a:ext>
                   </a:extLst>
                 </a:gridCol>
-                <a:gridCol w="1560949">
+                <a:gridCol w="1141681">
                   <a:extLst>
                     <a:ext uri="{9D8B030D-6E8A-4147-A177-3AD203B41FA5}">
                       <a16:colId xmlns:a16="http://schemas.microsoft.com/office/drawing/2014/main" val="1922142929"/>
                     </a:ext>
                   </a:extLst>
                 </a:gridCol>
-                <a:gridCol w="1560949">
+                <a:gridCol w="1141681">
                   <a:extLst>
                     <a:ext uri="{9D8B030D-6E8A-4147-A177-3AD203B41FA5}">
                       <a16:colId xmlns:a16="http://schemas.microsoft.com/office/drawing/2014/main" val="4253517692"/>
                     </a:ext>
                   </a:extLst>
                 </a:gridCol>
-                <a:gridCol w="2447328">
+                <a:gridCol w="1789980">
                   <a:extLst>
                     <a:ext uri="{9D8B030D-6E8A-4147-A177-3AD203B41FA5}">
                       <a16:colId xmlns:a16="http://schemas.microsoft.com/office/drawing/2014/main" val="3084115942"/>
@@ -4688,7 +6182,7 @@
                   </a:extLst>
                 </a:gridCol>
               </a:tblGrid>
-              <a:tr h="637590">
+              <a:tr h="690325">
                 <a:tc>
                   <a:txBody>
                     <a:bodyPr/>
@@ -4700,19 +6194,19 @@
                         </a:lnSpc>
                       </a:pPr>
                       <a:r>
-                        <a:rPr lang="ru-RU" sz="1800" b="1" kern="150" dirty="0">
+                        <a:rPr lang="ru-RU" sz="1400" b="1" kern="150" dirty="0">
                           <a:effectLst/>
                         </a:rPr>
                         <a:t>Название программного продукта</a:t>
                       </a:r>
-                      <a:endParaRPr lang="ru-RU" sz="1800" b="1" kern="150" dirty="0">
+                      <a:endParaRPr lang="ru-RU" sz="1400" b="1" kern="150" dirty="0">
                         <a:effectLst/>
                         <a:latin typeface="Times New Roman" panose="02020603050405020304" pitchFamily="18" charset="0"/>
                         <a:ea typeface="+mn-ea"/>
                       </a:endParaRPr>
                     </a:p>
                   </a:txBody>
-                  <a:tcPr marL="68580" marR="68580" marT="0" marB="0"/>
+                  <a:tcPr marL="51435" marR="51435" marT="0" marB="0"/>
                 </a:tc>
                 <a:tc>
                   <a:txBody>
@@ -4725,19 +6219,19 @@
                         </a:lnSpc>
                       </a:pPr>
                       <a:r>
-                        <a:rPr lang="ru-RU" sz="1800" b="1" kern="150" dirty="0">
+                        <a:rPr lang="ru-RU" sz="1400" b="1" kern="150" dirty="0">
                           <a:effectLst/>
                         </a:rPr>
                         <a:t>Calibre</a:t>
                       </a:r>
-                      <a:endParaRPr lang="ru-RU" sz="1800" b="1" kern="150" dirty="0">
+                      <a:endParaRPr lang="ru-RU" sz="1400" b="1" kern="150" dirty="0">
                         <a:effectLst/>
                         <a:latin typeface="Times New Roman" panose="02020603050405020304" pitchFamily="18" charset="0"/>
                         <a:ea typeface="+mn-ea"/>
                       </a:endParaRPr>
                     </a:p>
                   </a:txBody>
-                  <a:tcPr marL="68580" marR="68580" marT="0" marB="0"/>
+                  <a:tcPr marL="51435" marR="51435" marT="0" marB="0"/>
                 </a:tc>
                 <a:tc>
                   <a:txBody>
@@ -4750,19 +6244,19 @@
                         </a:lnSpc>
                       </a:pPr>
                       <a:r>
-                        <a:rPr lang="en-US" sz="1800" b="1" kern="150" dirty="0">
+                        <a:rPr lang="en-US" sz="1400" b="1" kern="150" dirty="0">
                           <a:effectLst/>
                         </a:rPr>
                         <a:t>Kavita</a:t>
                       </a:r>
-                      <a:endParaRPr lang="ru-RU" sz="1800" b="1" kern="150" dirty="0">
+                      <a:endParaRPr lang="ru-RU" sz="1400" b="1" kern="150" dirty="0">
                         <a:effectLst/>
                         <a:latin typeface="Times New Roman" panose="02020603050405020304" pitchFamily="18" charset="0"/>
                         <a:ea typeface="+mn-ea"/>
                       </a:endParaRPr>
                     </a:p>
                   </a:txBody>
-                  <a:tcPr marL="68580" marR="68580" marT="0" marB="0"/>
+                  <a:tcPr marL="51435" marR="51435" marT="0" marB="0"/>
                 </a:tc>
                 <a:tc>
                   <a:txBody>
@@ -4775,19 +6269,19 @@
                         </a:lnSpc>
                       </a:pPr>
                       <a:r>
-                        <a:rPr lang="en-US" sz="1800" b="1" kern="150" dirty="0">
+                        <a:rPr lang="en-US" sz="1400" b="1" kern="150" dirty="0">
                           <a:effectLst/>
                         </a:rPr>
                         <a:t>Koodo</a:t>
                       </a:r>
-                      <a:endParaRPr lang="ru-RU" sz="1800" b="1" kern="150" dirty="0">
+                      <a:endParaRPr lang="ru-RU" sz="1400" b="1" kern="150" dirty="0">
                         <a:effectLst/>
                         <a:latin typeface="Times New Roman" panose="02020603050405020304" pitchFamily="18" charset="0"/>
                         <a:ea typeface="+mn-ea"/>
                       </a:endParaRPr>
                     </a:p>
                   </a:txBody>
-                  <a:tcPr marL="68580" marR="68580" marT="0" marB="0"/>
+                  <a:tcPr marL="51435" marR="51435" marT="0" marB="0"/>
                 </a:tc>
                 <a:tc>
                   <a:txBody>
@@ -4800,19 +6294,19 @@
                         </a:lnSpc>
                       </a:pPr>
                       <a:r>
-                        <a:rPr lang="ru-RU" sz="1800" b="1" kern="150" dirty="0">
+                        <a:rPr lang="ru-RU" sz="1400" b="1" kern="150" dirty="0">
                           <a:effectLst/>
                         </a:rPr>
                         <a:t>Разработанный программный продукт</a:t>
                       </a:r>
-                      <a:endParaRPr lang="ru-RU" sz="1800" b="1" kern="150" dirty="0">
+                      <a:endParaRPr lang="ru-RU" sz="1400" b="1" kern="150" dirty="0">
                         <a:effectLst/>
                         <a:latin typeface="Times New Roman" panose="02020603050405020304" pitchFamily="18" charset="0"/>
                         <a:ea typeface="+mn-ea"/>
                       </a:endParaRPr>
                     </a:p>
                   </a:txBody>
-                  <a:tcPr marL="68580" marR="68580" marT="0" marB="0"/>
+                  <a:tcPr marL="51435" marR="51435" marT="0" marB="0"/>
                 </a:tc>
                 <a:extLst>
                   <a:ext uri="{0D108BD9-81ED-4DB2-BD59-A6C34878D82A}">
@@ -4820,7 +6314,7 @@
                   </a:ext>
                 </a:extLst>
               </a:tr>
-              <a:tr h="543915">
+              <a:tr h="453724">
                 <a:tc>
                   <a:txBody>
                     <a:bodyPr/>
@@ -4832,19 +6326,19 @@
                         </a:lnSpc>
                       </a:pPr>
                       <a:r>
-                        <a:rPr lang="ru-RU" sz="1800" b="1" kern="150" dirty="0">
+                        <a:rPr lang="ru-RU" sz="1400" b="1" kern="150" dirty="0">
                           <a:effectLst/>
                         </a:rPr>
                         <a:t>Многопользовательская система</a:t>
                       </a:r>
-                      <a:endParaRPr lang="ru-RU" sz="1800" b="1" kern="150" dirty="0">
+                      <a:endParaRPr lang="ru-RU" sz="1400" b="1" kern="150" dirty="0">
                         <a:effectLst/>
                         <a:latin typeface="Times New Roman" panose="02020603050405020304" pitchFamily="18" charset="0"/>
                         <a:ea typeface="+mn-ea"/>
                       </a:endParaRPr>
                     </a:p>
                   </a:txBody>
-                  <a:tcPr marL="68580" marR="68580" marT="0" marB="0"/>
+                  <a:tcPr marL="51435" marR="51435" marT="0" marB="0"/>
                 </a:tc>
                 <a:tc>
                   <a:txBody>
@@ -4857,19 +6351,19 @@
                         </a:lnSpc>
                       </a:pPr>
                       <a:r>
-                        <a:rPr lang="ru-RU" sz="1800" kern="150" dirty="0">
+                        <a:rPr lang="ru-RU" sz="1400" kern="150" dirty="0">
                           <a:effectLst/>
                         </a:rPr>
                         <a:t>-</a:t>
                       </a:r>
-                      <a:endParaRPr lang="ru-RU" sz="1800" kern="150" dirty="0">
+                      <a:endParaRPr lang="ru-RU" sz="1400" kern="150" dirty="0">
                         <a:effectLst/>
                         <a:latin typeface="Times New Roman" panose="02020603050405020304" pitchFamily="18" charset="0"/>
                         <a:ea typeface="+mn-ea"/>
                       </a:endParaRPr>
                     </a:p>
                   </a:txBody>
-                  <a:tcPr marL="68580" marR="68580" marT="0" marB="0"/>
+                  <a:tcPr marL="51435" marR="51435" marT="0" marB="0"/>
                 </a:tc>
                 <a:tc>
                   <a:txBody>
@@ -4882,19 +6376,19 @@
                         </a:lnSpc>
                       </a:pPr>
                       <a:r>
-                        <a:rPr lang="ru-RU" sz="1800" kern="150">
+                        <a:rPr lang="ru-RU" sz="1400" kern="150">
                           <a:effectLst/>
                         </a:rPr>
                         <a:t>+</a:t>
                       </a:r>
-                      <a:endParaRPr lang="ru-RU" sz="1800" kern="150">
+                      <a:endParaRPr lang="ru-RU" sz="1400" kern="150">
                         <a:effectLst/>
                         <a:latin typeface="Times New Roman" panose="02020603050405020304" pitchFamily="18" charset="0"/>
                         <a:ea typeface="+mn-ea"/>
                       </a:endParaRPr>
                     </a:p>
                   </a:txBody>
-                  <a:tcPr marL="68580" marR="68580" marT="0" marB="0"/>
+                  <a:tcPr marL="51435" marR="51435" marT="0" marB="0"/>
                 </a:tc>
                 <a:tc>
                   <a:txBody>
@@ -4907,19 +6401,19 @@
                         </a:lnSpc>
                       </a:pPr>
                       <a:r>
-                        <a:rPr lang="en-US" sz="1800" kern="150">
+                        <a:rPr lang="en-US" sz="1400" kern="150">
                           <a:effectLst/>
                         </a:rPr>
                         <a:t>-</a:t>
                       </a:r>
-                      <a:endParaRPr lang="ru-RU" sz="1800" kern="150">
+                      <a:endParaRPr lang="ru-RU" sz="1400" kern="150">
                         <a:effectLst/>
                         <a:latin typeface="Times New Roman" panose="02020603050405020304" pitchFamily="18" charset="0"/>
                         <a:ea typeface="+mn-ea"/>
                       </a:endParaRPr>
                     </a:p>
                   </a:txBody>
-                  <a:tcPr marL="68580" marR="68580" marT="0" marB="0"/>
+                  <a:tcPr marL="51435" marR="51435" marT="0" marB="0"/>
                 </a:tc>
                 <a:tc>
                   <a:txBody>
@@ -4932,19 +6426,19 @@
                         </a:lnSpc>
                       </a:pPr>
                       <a:r>
-                        <a:rPr lang="ru-RU" sz="1800" kern="150">
+                        <a:rPr lang="ru-RU" sz="1400" kern="150">
                           <a:effectLst/>
                         </a:rPr>
                         <a:t>+</a:t>
                       </a:r>
-                      <a:endParaRPr lang="ru-RU" sz="1800" kern="150">
+                      <a:endParaRPr lang="ru-RU" sz="1400" kern="150">
                         <a:effectLst/>
                         <a:latin typeface="Times New Roman" panose="02020603050405020304" pitchFamily="18" charset="0"/>
                         <a:ea typeface="+mn-ea"/>
                       </a:endParaRPr>
                     </a:p>
                   </a:txBody>
-                  <a:tcPr marL="68580" marR="68580" marT="0" marB="0"/>
+                  <a:tcPr marL="51435" marR="51435" marT="0" marB="0"/>
                 </a:tc>
                 <a:extLst>
                   <a:ext uri="{0D108BD9-81ED-4DB2-BD59-A6C34878D82A}">
@@ -4952,7 +6446,7 @@
                   </a:ext>
                 </a:extLst>
               </a:tr>
-              <a:tr h="431308">
+              <a:tr h="323481">
                 <a:tc>
                   <a:txBody>
                     <a:bodyPr/>
@@ -4964,19 +6458,19 @@
                         </a:lnSpc>
                       </a:pPr>
                       <a:r>
-                        <a:rPr lang="ru-RU" sz="1800" b="1" kern="150" dirty="0">
+                        <a:rPr lang="ru-RU" sz="1400" b="1" kern="150" dirty="0">
                           <a:effectLst/>
                         </a:rPr>
                         <a:t>Веб-интерфейс</a:t>
                       </a:r>
-                      <a:endParaRPr lang="ru-RU" sz="1800" b="1" kern="150" dirty="0">
+                      <a:endParaRPr lang="ru-RU" sz="1400" b="1" kern="150" dirty="0">
                         <a:effectLst/>
                         <a:latin typeface="Times New Roman" panose="02020603050405020304" pitchFamily="18" charset="0"/>
                         <a:ea typeface="+mn-ea"/>
                       </a:endParaRPr>
                     </a:p>
                   </a:txBody>
-                  <a:tcPr marL="68580" marR="68580" marT="0" marB="0"/>
+                  <a:tcPr marL="51435" marR="51435" marT="0" marB="0"/>
                 </a:tc>
                 <a:tc>
                   <a:txBody>
@@ -4989,19 +6483,19 @@
                         </a:lnSpc>
                       </a:pPr>
                       <a:r>
-                        <a:rPr lang="ru-RU" sz="1800" kern="150">
+                        <a:rPr lang="ru-RU" sz="1400" kern="150">
                           <a:effectLst/>
                         </a:rPr>
                         <a:t>-</a:t>
                       </a:r>
-                      <a:endParaRPr lang="ru-RU" sz="1800" kern="150">
+                      <a:endParaRPr lang="ru-RU" sz="1400" kern="150">
                         <a:effectLst/>
                         <a:latin typeface="Times New Roman" panose="02020603050405020304" pitchFamily="18" charset="0"/>
                         <a:ea typeface="+mn-ea"/>
                       </a:endParaRPr>
                     </a:p>
                   </a:txBody>
-                  <a:tcPr marL="68580" marR="68580" marT="0" marB="0"/>
+                  <a:tcPr marL="51435" marR="51435" marT="0" marB="0"/>
                 </a:tc>
                 <a:tc>
                   <a:txBody>
@@ -5014,19 +6508,19 @@
                         </a:lnSpc>
                       </a:pPr>
                       <a:r>
-                        <a:rPr lang="ru-RU" sz="1800" kern="150">
+                        <a:rPr lang="ru-RU" sz="1400" kern="150">
                           <a:effectLst/>
                         </a:rPr>
                         <a:t>+</a:t>
                       </a:r>
-                      <a:endParaRPr lang="ru-RU" sz="1800" kern="150">
+                      <a:endParaRPr lang="ru-RU" sz="1400" kern="150">
                         <a:effectLst/>
                         <a:latin typeface="Times New Roman" panose="02020603050405020304" pitchFamily="18" charset="0"/>
                         <a:ea typeface="+mn-ea"/>
                       </a:endParaRPr>
                     </a:p>
                   </a:txBody>
-                  <a:tcPr marL="68580" marR="68580" marT="0" marB="0"/>
+                  <a:tcPr marL="51435" marR="51435" marT="0" marB="0"/>
                 </a:tc>
                 <a:tc>
                   <a:txBody>
@@ -5039,19 +6533,19 @@
                         </a:lnSpc>
                       </a:pPr>
                       <a:r>
-                        <a:rPr lang="en-US" sz="1800" kern="150">
+                        <a:rPr lang="en-US" sz="1400" kern="150">
                           <a:effectLst/>
                         </a:rPr>
                         <a:t>+</a:t>
                       </a:r>
-                      <a:endParaRPr lang="ru-RU" sz="1800" kern="150">
+                      <a:endParaRPr lang="ru-RU" sz="1400" kern="150">
                         <a:effectLst/>
                         <a:latin typeface="Times New Roman" panose="02020603050405020304" pitchFamily="18" charset="0"/>
                         <a:ea typeface="+mn-ea"/>
                       </a:endParaRPr>
                     </a:p>
                   </a:txBody>
-                  <a:tcPr marL="68580" marR="68580" marT="0" marB="0"/>
+                  <a:tcPr marL="51435" marR="51435" marT="0" marB="0"/>
                 </a:tc>
                 <a:tc>
                   <a:txBody>
@@ -5064,19 +6558,19 @@
                         </a:lnSpc>
                       </a:pPr>
                       <a:r>
-                        <a:rPr lang="ru-RU" sz="1800" kern="150">
+                        <a:rPr lang="ru-RU" sz="1400" kern="150">
                           <a:effectLst/>
                         </a:rPr>
                         <a:t>+</a:t>
                       </a:r>
-                      <a:endParaRPr lang="ru-RU" sz="1800" kern="150">
+                      <a:endParaRPr lang="ru-RU" sz="1400" kern="150">
                         <a:effectLst/>
                         <a:latin typeface="Times New Roman" panose="02020603050405020304" pitchFamily="18" charset="0"/>
                         <a:ea typeface="+mn-ea"/>
                       </a:endParaRPr>
                     </a:p>
                   </a:txBody>
-                  <a:tcPr marL="68580" marR="68580" marT="0" marB="0"/>
+                  <a:tcPr marL="51435" marR="51435" marT="0" marB="0"/>
                 </a:tc>
                 <a:extLst>
                   <a:ext uri="{0D108BD9-81ED-4DB2-BD59-A6C34878D82A}">
@@ -5084,7 +6578,7 @@
                   </a:ext>
                 </a:extLst>
               </a:tr>
-              <a:tr h="543915">
+              <a:tr h="453724">
                 <a:tc>
                   <a:txBody>
                     <a:bodyPr/>
@@ -5096,19 +6590,19 @@
                         </a:lnSpc>
                       </a:pPr>
                       <a:r>
-                        <a:rPr lang="ru-RU" sz="1800" b="1" kern="150" dirty="0">
+                        <a:rPr lang="ru-RU" sz="1400" b="1" kern="150" dirty="0">
                           <a:effectLst/>
                         </a:rPr>
                         <a:t>Настольное приложение</a:t>
                       </a:r>
-                      <a:endParaRPr lang="ru-RU" sz="1800" b="1" kern="150" dirty="0">
+                      <a:endParaRPr lang="ru-RU" sz="1400" b="1" kern="150" dirty="0">
                         <a:effectLst/>
                         <a:latin typeface="Times New Roman" panose="02020603050405020304" pitchFamily="18" charset="0"/>
                         <a:ea typeface="+mn-ea"/>
                       </a:endParaRPr>
                     </a:p>
                   </a:txBody>
-                  <a:tcPr marL="68580" marR="68580" marT="0" marB="0"/>
+                  <a:tcPr marL="51435" marR="51435" marT="0" marB="0"/>
                 </a:tc>
                 <a:tc>
                   <a:txBody>
@@ -5121,19 +6615,19 @@
                         </a:lnSpc>
                       </a:pPr>
                       <a:r>
-                        <a:rPr lang="ru-RU" sz="1800" kern="150" dirty="0">
+                        <a:rPr lang="ru-RU" sz="1400" kern="150" dirty="0">
                           <a:effectLst/>
                         </a:rPr>
                         <a:t>+</a:t>
                       </a:r>
-                      <a:endParaRPr lang="ru-RU" sz="1800" kern="150" dirty="0">
+                      <a:endParaRPr lang="ru-RU" sz="1400" kern="150" dirty="0">
                         <a:effectLst/>
                         <a:latin typeface="Times New Roman" panose="02020603050405020304" pitchFamily="18" charset="0"/>
                         <a:ea typeface="+mn-ea"/>
                       </a:endParaRPr>
                     </a:p>
                   </a:txBody>
-                  <a:tcPr marL="68580" marR="68580" marT="0" marB="0"/>
+                  <a:tcPr marL="51435" marR="51435" marT="0" marB="0"/>
                 </a:tc>
                 <a:tc>
                   <a:txBody>
@@ -5146,19 +6640,19 @@
                         </a:lnSpc>
                       </a:pPr>
                       <a:r>
-                        <a:rPr lang="ru-RU" sz="1800" kern="150">
+                        <a:rPr lang="ru-RU" sz="1400" kern="150">
                           <a:effectLst/>
                         </a:rPr>
                         <a:t>-</a:t>
                       </a:r>
-                      <a:endParaRPr lang="ru-RU" sz="1800" kern="150">
+                      <a:endParaRPr lang="ru-RU" sz="1400" kern="150">
                         <a:effectLst/>
                         <a:latin typeface="Times New Roman" panose="02020603050405020304" pitchFamily="18" charset="0"/>
                         <a:ea typeface="+mn-ea"/>
                       </a:endParaRPr>
                     </a:p>
                   </a:txBody>
-                  <a:tcPr marL="68580" marR="68580" marT="0" marB="0"/>
+                  <a:tcPr marL="51435" marR="51435" marT="0" marB="0"/>
                 </a:tc>
                 <a:tc>
                   <a:txBody>
@@ -5171,19 +6665,19 @@
                         </a:lnSpc>
                       </a:pPr>
                       <a:r>
-                        <a:rPr lang="en-US" sz="1800" kern="150">
+                        <a:rPr lang="en-US" sz="1400" kern="150">
                           <a:effectLst/>
                         </a:rPr>
                         <a:t>+</a:t>
                       </a:r>
-                      <a:endParaRPr lang="ru-RU" sz="1800" kern="150">
+                      <a:endParaRPr lang="ru-RU" sz="1400" kern="150">
                         <a:effectLst/>
                         <a:latin typeface="Times New Roman" panose="02020603050405020304" pitchFamily="18" charset="0"/>
                         <a:ea typeface="+mn-ea"/>
                       </a:endParaRPr>
                     </a:p>
                   </a:txBody>
-                  <a:tcPr marL="68580" marR="68580" marT="0" marB="0"/>
+                  <a:tcPr marL="51435" marR="51435" marT="0" marB="0"/>
                 </a:tc>
                 <a:tc>
                   <a:txBody>
@@ -5196,19 +6690,19 @@
                         </a:lnSpc>
                       </a:pPr>
                       <a:r>
-                        <a:rPr lang="ru-RU" sz="1800" kern="150" dirty="0">
+                        <a:rPr lang="ru-RU" sz="1400" kern="150" dirty="0">
                           <a:effectLst/>
                         </a:rPr>
                         <a:t>+</a:t>
                       </a:r>
-                      <a:endParaRPr lang="ru-RU" sz="1800" kern="150" dirty="0">
+                      <a:endParaRPr lang="ru-RU" sz="1400" kern="150" dirty="0">
                         <a:effectLst/>
                         <a:latin typeface="Times New Roman" panose="02020603050405020304" pitchFamily="18" charset="0"/>
                         <a:ea typeface="+mn-ea"/>
                       </a:endParaRPr>
                     </a:p>
                   </a:txBody>
-                  <a:tcPr marL="68580" marR="68580" marT="0" marB="0"/>
+                  <a:tcPr marL="51435" marR="51435" marT="0" marB="0"/>
                 </a:tc>
                 <a:extLst>
                   <a:ext uri="{0D108BD9-81ED-4DB2-BD59-A6C34878D82A}">
@@ -5216,7 +6710,7 @@
                   </a:ext>
                 </a:extLst>
               </a:tr>
-              <a:tr h="543915">
+              <a:tr h="453724">
                 <a:tc>
                   <a:txBody>
                     <a:bodyPr/>
@@ -5228,19 +6722,19 @@
                         </a:lnSpc>
                       </a:pPr>
                       <a:r>
-                        <a:rPr lang="ru-RU" sz="1800" b="1" kern="150" dirty="0">
+                        <a:rPr lang="ru-RU" sz="1400" b="1" kern="150" dirty="0">
                           <a:effectLst/>
                         </a:rPr>
                         <a:t>Трекинг проведенного времени</a:t>
                       </a:r>
-                      <a:endParaRPr lang="ru-RU" sz="1800" b="1" kern="150" dirty="0">
+                      <a:endParaRPr lang="ru-RU" sz="1400" b="1" kern="150" dirty="0">
                         <a:effectLst/>
                         <a:latin typeface="Times New Roman" panose="02020603050405020304" pitchFamily="18" charset="0"/>
                         <a:ea typeface="+mn-ea"/>
                       </a:endParaRPr>
                     </a:p>
                   </a:txBody>
-                  <a:tcPr marL="68580" marR="68580" marT="0" marB="0"/>
+                  <a:tcPr marL="51435" marR="51435" marT="0" marB="0"/>
                 </a:tc>
                 <a:tc>
                   <a:txBody>
@@ -5253,19 +6747,19 @@
                         </a:lnSpc>
                       </a:pPr>
                       <a:r>
-                        <a:rPr lang="ru-RU" sz="1800" kern="150" dirty="0">
+                        <a:rPr lang="ru-RU" sz="1400" kern="150" dirty="0">
                           <a:effectLst/>
                         </a:rPr>
                         <a:t>-</a:t>
                       </a:r>
-                      <a:endParaRPr lang="ru-RU" sz="1800" kern="150" dirty="0">
+                      <a:endParaRPr lang="ru-RU" sz="1400" kern="150" dirty="0">
                         <a:effectLst/>
                         <a:latin typeface="Times New Roman" panose="02020603050405020304" pitchFamily="18" charset="0"/>
                         <a:ea typeface="+mn-ea"/>
                       </a:endParaRPr>
                     </a:p>
                   </a:txBody>
-                  <a:tcPr marL="68580" marR="68580" marT="0" marB="0"/>
+                  <a:tcPr marL="51435" marR="51435" marT="0" marB="0"/>
                 </a:tc>
                 <a:tc>
                   <a:txBody>
@@ -5278,19 +6772,19 @@
                         </a:lnSpc>
                       </a:pPr>
                       <a:r>
-                        <a:rPr lang="ru-RU" sz="1800" kern="150" dirty="0">
+                        <a:rPr lang="ru-RU" sz="1400" kern="150" dirty="0">
                           <a:effectLst/>
                         </a:rPr>
                         <a:t>-</a:t>
                       </a:r>
-                      <a:endParaRPr lang="ru-RU" sz="1800" kern="150" dirty="0">
+                      <a:endParaRPr lang="ru-RU" sz="1400" kern="150" dirty="0">
                         <a:effectLst/>
                         <a:latin typeface="Times New Roman" panose="02020603050405020304" pitchFamily="18" charset="0"/>
                         <a:ea typeface="+mn-ea"/>
                       </a:endParaRPr>
                     </a:p>
                   </a:txBody>
-                  <a:tcPr marL="68580" marR="68580" marT="0" marB="0"/>
+                  <a:tcPr marL="51435" marR="51435" marT="0" marB="0"/>
                 </a:tc>
                 <a:tc>
                   <a:txBody>
@@ -5303,19 +6797,19 @@
                         </a:lnSpc>
                       </a:pPr>
                       <a:r>
-                        <a:rPr lang="en-US" sz="1800" kern="150">
+                        <a:rPr lang="en-US" sz="1400" kern="150">
                           <a:effectLst/>
                         </a:rPr>
                         <a:t>-</a:t>
                       </a:r>
-                      <a:endParaRPr lang="ru-RU" sz="1800" kern="150">
+                      <a:endParaRPr lang="ru-RU" sz="1400" kern="150">
                         <a:effectLst/>
                         <a:latin typeface="Times New Roman" panose="02020603050405020304" pitchFamily="18" charset="0"/>
                         <a:ea typeface="+mn-ea"/>
                       </a:endParaRPr>
                     </a:p>
                   </a:txBody>
-                  <a:tcPr marL="68580" marR="68580" marT="0" marB="0"/>
+                  <a:tcPr marL="51435" marR="51435" marT="0" marB="0"/>
                 </a:tc>
                 <a:tc>
                   <a:txBody>
@@ -5328,19 +6822,19 @@
                         </a:lnSpc>
                       </a:pPr>
                       <a:r>
-                        <a:rPr lang="ru-RU" sz="1800" kern="150">
+                        <a:rPr lang="ru-RU" sz="1400" kern="150">
                           <a:effectLst/>
                         </a:rPr>
                         <a:t>+</a:t>
                       </a:r>
-                      <a:endParaRPr lang="ru-RU" sz="1800" kern="150">
+                      <a:endParaRPr lang="ru-RU" sz="1400" kern="150">
                         <a:effectLst/>
                         <a:latin typeface="Times New Roman" panose="02020603050405020304" pitchFamily="18" charset="0"/>
                         <a:ea typeface="+mn-ea"/>
                       </a:endParaRPr>
                     </a:p>
                   </a:txBody>
-                  <a:tcPr marL="68580" marR="68580" marT="0" marB="0"/>
+                  <a:tcPr marL="51435" marR="51435" marT="0" marB="0"/>
                 </a:tc>
                 <a:extLst>
                   <a:ext uri="{0D108BD9-81ED-4DB2-BD59-A6C34878D82A}">
@@ -5348,7 +6842,7 @@
                   </a:ext>
                 </a:extLst>
               </a:tr>
-              <a:tr h="543915">
+              <a:tr h="453724">
                 <a:tc>
                   <a:txBody>
                     <a:bodyPr/>
@@ -5360,19 +6854,19 @@
                         </a:lnSpc>
                       </a:pPr>
                       <a:r>
-                        <a:rPr lang="ru-RU" sz="1800" b="1" kern="150" dirty="0">
+                        <a:rPr lang="ru-RU" sz="1400" b="1" kern="150" dirty="0">
                           <a:effectLst/>
                         </a:rPr>
                         <a:t>Краткий пересказ выделенного текста</a:t>
                       </a:r>
-                      <a:endParaRPr lang="ru-RU" sz="1800" b="1" kern="150" dirty="0">
+                      <a:endParaRPr lang="ru-RU" sz="1400" b="1" kern="150" dirty="0">
                         <a:effectLst/>
                         <a:latin typeface="Times New Roman" panose="02020603050405020304" pitchFamily="18" charset="0"/>
                         <a:ea typeface="+mn-ea"/>
                       </a:endParaRPr>
                     </a:p>
                   </a:txBody>
-                  <a:tcPr marL="68580" marR="68580" marT="0" marB="0"/>
+                  <a:tcPr marL="51435" marR="51435" marT="0" marB="0"/>
                 </a:tc>
                 <a:tc>
                   <a:txBody>
@@ -5385,19 +6879,19 @@
                         </a:lnSpc>
                       </a:pPr>
                       <a:r>
-                        <a:rPr lang="ru-RU" sz="1800" kern="150">
+                        <a:rPr lang="ru-RU" sz="1400" kern="150">
                           <a:effectLst/>
                         </a:rPr>
                         <a:t>-</a:t>
                       </a:r>
-                      <a:endParaRPr lang="ru-RU" sz="1800" kern="150">
+                      <a:endParaRPr lang="ru-RU" sz="1400" kern="150">
                         <a:effectLst/>
                         <a:latin typeface="Times New Roman" panose="02020603050405020304" pitchFamily="18" charset="0"/>
                         <a:ea typeface="+mn-ea"/>
                       </a:endParaRPr>
                     </a:p>
                   </a:txBody>
-                  <a:tcPr marL="68580" marR="68580" marT="0" marB="0"/>
+                  <a:tcPr marL="51435" marR="51435" marT="0" marB="0"/>
                 </a:tc>
                 <a:tc>
                   <a:txBody>
@@ -5410,19 +6904,19 @@
                         </a:lnSpc>
                       </a:pPr>
                       <a:r>
-                        <a:rPr lang="ru-RU" sz="1800" kern="150" dirty="0">
+                        <a:rPr lang="ru-RU" sz="1400" kern="150" dirty="0">
                           <a:effectLst/>
                         </a:rPr>
                         <a:t>-</a:t>
                       </a:r>
-                      <a:endParaRPr lang="ru-RU" sz="1800" kern="150" dirty="0">
+                      <a:endParaRPr lang="ru-RU" sz="1400" kern="150" dirty="0">
                         <a:effectLst/>
                         <a:latin typeface="Times New Roman" panose="02020603050405020304" pitchFamily="18" charset="0"/>
                         <a:ea typeface="+mn-ea"/>
                       </a:endParaRPr>
                     </a:p>
                   </a:txBody>
-                  <a:tcPr marL="68580" marR="68580" marT="0" marB="0"/>
+                  <a:tcPr marL="51435" marR="51435" marT="0" marB="0"/>
                 </a:tc>
                 <a:tc>
                   <a:txBody>
@@ -5435,19 +6929,19 @@
                         </a:lnSpc>
                       </a:pPr>
                       <a:r>
-                        <a:rPr lang="ru-RU" sz="1800" kern="150" dirty="0">
+                        <a:rPr lang="ru-RU" sz="1400" kern="150" dirty="0">
                           <a:effectLst/>
                         </a:rPr>
                         <a:t>-</a:t>
                       </a:r>
-                      <a:endParaRPr lang="ru-RU" sz="1800" kern="150" dirty="0">
+                      <a:endParaRPr lang="ru-RU" sz="1400" kern="150" dirty="0">
                         <a:effectLst/>
                         <a:latin typeface="Times New Roman" panose="02020603050405020304" pitchFamily="18" charset="0"/>
                         <a:ea typeface="+mn-ea"/>
                       </a:endParaRPr>
                     </a:p>
                   </a:txBody>
-                  <a:tcPr marL="68580" marR="68580" marT="0" marB="0"/>
+                  <a:tcPr marL="51435" marR="51435" marT="0" marB="0"/>
                 </a:tc>
                 <a:tc>
                   <a:txBody>
@@ -5460,19 +6954,19 @@
                         </a:lnSpc>
                       </a:pPr>
                       <a:r>
-                        <a:rPr lang="ru-RU" sz="1800" kern="150">
+                        <a:rPr lang="ru-RU" sz="1400" kern="150">
                           <a:effectLst/>
                         </a:rPr>
                         <a:t>+</a:t>
                       </a:r>
-                      <a:endParaRPr lang="ru-RU" sz="1800" kern="150">
+                      <a:endParaRPr lang="ru-RU" sz="1400" kern="150">
                         <a:effectLst/>
                         <a:latin typeface="Times New Roman" panose="02020603050405020304" pitchFamily="18" charset="0"/>
                         <a:ea typeface="+mn-ea"/>
                       </a:endParaRPr>
                     </a:p>
                   </a:txBody>
-                  <a:tcPr marL="68580" marR="68580" marT="0" marB="0"/>
+                  <a:tcPr marL="51435" marR="51435" marT="0" marB="0"/>
                 </a:tc>
                 <a:extLst>
                   <a:ext uri="{0D108BD9-81ED-4DB2-BD59-A6C34878D82A}">
@@ -5480,7 +6974,7 @@
                   </a:ext>
                 </a:extLst>
               </a:tr>
-              <a:tr h="431308">
+              <a:tr h="323481">
                 <a:tc>
                   <a:txBody>
                     <a:bodyPr/>
@@ -5492,19 +6986,19 @@
                         </a:lnSpc>
                       </a:pPr>
                       <a:r>
-                        <a:rPr lang="ru-RU" sz="1800" b="1" kern="150" dirty="0">
+                        <a:rPr lang="ru-RU" sz="1400" b="1" kern="150" dirty="0">
                           <a:effectLst/>
                         </a:rPr>
                         <a:t>Встроенный словарь</a:t>
                       </a:r>
-                      <a:endParaRPr lang="ru-RU" sz="1800" b="1" kern="150" dirty="0">
+                      <a:endParaRPr lang="ru-RU" sz="1400" b="1" kern="150" dirty="0">
                         <a:effectLst/>
                         <a:latin typeface="Times New Roman" panose="02020603050405020304" pitchFamily="18" charset="0"/>
                         <a:ea typeface="+mn-ea"/>
                       </a:endParaRPr>
                     </a:p>
                   </a:txBody>
-                  <a:tcPr marL="68580" marR="68580" marT="0" marB="0"/>
+                  <a:tcPr marL="51435" marR="51435" marT="0" marB="0"/>
                 </a:tc>
                 <a:tc>
                   <a:txBody>
@@ -5517,19 +7011,19 @@
                         </a:lnSpc>
                       </a:pPr>
                       <a:r>
-                        <a:rPr lang="ru-RU" sz="1800" kern="150">
+                        <a:rPr lang="ru-RU" sz="1400" kern="150">
                           <a:effectLst/>
                         </a:rPr>
                         <a:t>+</a:t>
                       </a:r>
-                      <a:endParaRPr lang="ru-RU" sz="1800" kern="150">
+                      <a:endParaRPr lang="ru-RU" sz="1400" kern="150">
                         <a:effectLst/>
                         <a:latin typeface="Times New Roman" panose="02020603050405020304" pitchFamily="18" charset="0"/>
                         <a:ea typeface="+mn-ea"/>
                       </a:endParaRPr>
                     </a:p>
                   </a:txBody>
-                  <a:tcPr marL="68580" marR="68580" marT="0" marB="0"/>
+                  <a:tcPr marL="51435" marR="51435" marT="0" marB="0"/>
                 </a:tc>
                 <a:tc>
                   <a:txBody>
@@ -5542,19 +7036,19 @@
                         </a:lnSpc>
                       </a:pPr>
                       <a:r>
-                        <a:rPr lang="ru-RU" sz="1800" kern="150">
+                        <a:rPr lang="ru-RU" sz="1400" kern="150">
                           <a:effectLst/>
                         </a:rPr>
                         <a:t>-</a:t>
                       </a:r>
-                      <a:endParaRPr lang="ru-RU" sz="1800" kern="150">
+                      <a:endParaRPr lang="ru-RU" sz="1400" kern="150">
                         <a:effectLst/>
                         <a:latin typeface="Times New Roman" panose="02020603050405020304" pitchFamily="18" charset="0"/>
                         <a:ea typeface="+mn-ea"/>
                       </a:endParaRPr>
                     </a:p>
                   </a:txBody>
-                  <a:tcPr marL="68580" marR="68580" marT="0" marB="0"/>
+                  <a:tcPr marL="51435" marR="51435" marT="0" marB="0"/>
                 </a:tc>
                 <a:tc>
                   <a:txBody>
@@ -5567,19 +7061,19 @@
                         </a:lnSpc>
                       </a:pPr>
                       <a:r>
-                        <a:rPr lang="ru-RU" sz="1800" kern="150" dirty="0">
+                        <a:rPr lang="ru-RU" sz="1400" kern="150" dirty="0">
                           <a:effectLst/>
                         </a:rPr>
                         <a:t>-</a:t>
                       </a:r>
-                      <a:endParaRPr lang="ru-RU" sz="1800" kern="150" dirty="0">
+                      <a:endParaRPr lang="ru-RU" sz="1400" kern="150" dirty="0">
                         <a:effectLst/>
                         <a:latin typeface="Times New Roman" panose="02020603050405020304" pitchFamily="18" charset="0"/>
                         <a:ea typeface="+mn-ea"/>
                       </a:endParaRPr>
                     </a:p>
                   </a:txBody>
-                  <a:tcPr marL="68580" marR="68580" marT="0" marB="0"/>
+                  <a:tcPr marL="51435" marR="51435" marT="0" marB="0"/>
                 </a:tc>
                 <a:tc>
                   <a:txBody>
@@ -5592,19 +7086,19 @@
                         </a:lnSpc>
                       </a:pPr>
                       <a:r>
-                        <a:rPr lang="ru-RU" sz="1800" kern="150" dirty="0">
+                        <a:rPr lang="ru-RU" sz="1400" kern="150" dirty="0">
                           <a:effectLst/>
                         </a:rPr>
                         <a:t>+</a:t>
                       </a:r>
-                      <a:endParaRPr lang="ru-RU" sz="1800" kern="150" dirty="0">
+                      <a:endParaRPr lang="ru-RU" sz="1400" kern="150" dirty="0">
                         <a:effectLst/>
                         <a:latin typeface="Times New Roman" panose="02020603050405020304" pitchFamily="18" charset="0"/>
                         <a:ea typeface="+mn-ea"/>
                       </a:endParaRPr>
                     </a:p>
                   </a:txBody>
-                  <a:tcPr marL="68580" marR="68580" marT="0" marB="0"/>
+                  <a:tcPr marL="51435" marR="51435" marT="0" marB="0"/>
                 </a:tc>
                 <a:extLst>
                   <a:ext uri="{0D108BD9-81ED-4DB2-BD59-A6C34878D82A}">
@@ -5612,7 +7106,7 @@
                   </a:ext>
                 </a:extLst>
               </a:tr>
-              <a:tr h="543915">
+              <a:tr h="453724">
                 <a:tc>
                   <a:txBody>
                     <a:bodyPr/>
@@ -5624,19 +7118,19 @@
                         </a:lnSpc>
                       </a:pPr>
                       <a:r>
-                        <a:rPr lang="ru-RU" sz="1800" b="1" kern="150" dirty="0">
+                        <a:rPr lang="ru-RU" sz="1400" b="1" kern="150" dirty="0">
                           <a:effectLst/>
                         </a:rPr>
                         <a:t>Лицензия исходного кода программы</a:t>
                       </a:r>
-                      <a:endParaRPr lang="ru-RU" sz="1800" b="1" kern="150" dirty="0">
+                      <a:endParaRPr lang="ru-RU" sz="1400" b="1" kern="150" dirty="0">
                         <a:effectLst/>
                         <a:latin typeface="Times New Roman" panose="02020603050405020304" pitchFamily="18" charset="0"/>
                         <a:ea typeface="+mn-ea"/>
                       </a:endParaRPr>
                     </a:p>
                   </a:txBody>
-                  <a:tcPr marL="68580" marR="68580" marT="0" marB="0"/>
+                  <a:tcPr marL="51435" marR="51435" marT="0" marB="0"/>
                 </a:tc>
                 <a:tc>
                   <a:txBody>
@@ -5649,19 +7143,19 @@
                         </a:lnSpc>
                       </a:pPr>
                       <a:r>
-                        <a:rPr lang="en-US" sz="1800" kern="150">
+                        <a:rPr lang="en-US" sz="1400" kern="150">
                           <a:effectLst/>
                         </a:rPr>
                         <a:t>GPL 3.0</a:t>
                       </a:r>
-                      <a:endParaRPr lang="ru-RU" sz="1800" kern="150">
+                      <a:endParaRPr lang="ru-RU" sz="1400" kern="150">
                         <a:effectLst/>
                         <a:latin typeface="Times New Roman" panose="02020603050405020304" pitchFamily="18" charset="0"/>
                         <a:ea typeface="+mn-ea"/>
                       </a:endParaRPr>
                     </a:p>
                   </a:txBody>
-                  <a:tcPr marL="68580" marR="68580" marT="0" marB="0"/>
+                  <a:tcPr marL="51435" marR="51435" marT="0" marB="0"/>
                 </a:tc>
                 <a:tc>
                   <a:txBody>
@@ -5674,19 +7168,19 @@
                         </a:lnSpc>
                       </a:pPr>
                       <a:r>
-                        <a:rPr lang="en-US" sz="1800" kern="150">
+                        <a:rPr lang="en-US" sz="1400" kern="150">
                           <a:effectLst/>
                         </a:rPr>
                         <a:t>GPL 3.0</a:t>
                       </a:r>
-                      <a:endParaRPr lang="ru-RU" sz="1800" kern="150">
+                      <a:endParaRPr lang="ru-RU" sz="1400" kern="150">
                         <a:effectLst/>
                         <a:latin typeface="Times New Roman" panose="02020603050405020304" pitchFamily="18" charset="0"/>
                         <a:ea typeface="+mn-ea"/>
                       </a:endParaRPr>
                     </a:p>
                   </a:txBody>
-                  <a:tcPr marL="68580" marR="68580" marT="0" marB="0"/>
+                  <a:tcPr marL="51435" marR="51435" marT="0" marB="0"/>
                 </a:tc>
                 <a:tc>
                   <a:txBody>
@@ -5699,19 +7193,19 @@
                         </a:lnSpc>
                       </a:pPr>
                       <a:r>
-                        <a:rPr lang="en-US" sz="1800" kern="150">
+                        <a:rPr lang="en-US" sz="1400" kern="150">
                           <a:effectLst/>
                         </a:rPr>
                         <a:t>AGPL 3.0</a:t>
                       </a:r>
-                      <a:endParaRPr lang="ru-RU" sz="1800" kern="150">
+                      <a:endParaRPr lang="ru-RU" sz="1400" kern="150">
                         <a:effectLst/>
                         <a:latin typeface="Times New Roman" panose="02020603050405020304" pitchFamily="18" charset="0"/>
                         <a:ea typeface="+mn-ea"/>
                       </a:endParaRPr>
                     </a:p>
                   </a:txBody>
-                  <a:tcPr marL="68580" marR="68580" marT="0" marB="0"/>
+                  <a:tcPr marL="51435" marR="51435" marT="0" marB="0"/>
                 </a:tc>
                 <a:tc>
                   <a:txBody>
@@ -5724,19 +7218,19 @@
                         </a:lnSpc>
                       </a:pPr>
                       <a:r>
-                        <a:rPr lang="en-US" sz="1800" kern="150" dirty="0">
+                        <a:rPr lang="en-US" sz="1400" kern="150" dirty="0">
                           <a:effectLst/>
                         </a:rPr>
                         <a:t>MIT</a:t>
                       </a:r>
-                      <a:endParaRPr lang="ru-RU" sz="1800" kern="150" dirty="0">
+                      <a:endParaRPr lang="ru-RU" sz="1400" kern="150" dirty="0">
                         <a:effectLst/>
                         <a:latin typeface="Times New Roman" panose="02020603050405020304" pitchFamily="18" charset="0"/>
                         <a:ea typeface="+mn-ea"/>
                       </a:endParaRPr>
                     </a:p>
                   </a:txBody>
-                  <a:tcPr marL="68580" marR="68580" marT="0" marB="0"/>
+                  <a:tcPr marL="51435" marR="51435" marT="0" marB="0"/>
                 </a:tc>
                 <a:extLst>
                   <a:ext uri="{0D108BD9-81ED-4DB2-BD59-A6C34878D82A}">
@@ -5794,7 +7288,12 @@
             <p:ph type="title"/>
           </p:nvPr>
         </p:nvSpPr>
-        <p:spPr/>
+        <p:spPr>
+          <a:xfrm>
+            <a:off x="294894" y="1136469"/>
+            <a:ext cx="7269480" cy="994172"/>
+          </a:xfrm>
+        </p:spPr>
         <p:txBody>
           <a:bodyPr/>
           <a:lstStyle/>
@@ -5822,7 +7321,12 @@
             <p:ph idx="1"/>
           </p:nvPr>
         </p:nvSpPr>
-        <p:spPr/>
+        <p:spPr>
+          <a:xfrm>
+            <a:off x="373271" y="2248444"/>
+            <a:ext cx="6446520" cy="3263503"/>
+          </a:xfrm>
+        </p:spPr>
         <p:txBody>
           <a:bodyPr>
             <a:normAutofit/>
@@ -5835,42 +7339,42 @@
               </a:lnSpc>
             </a:pPr>
             <a:r>
-              <a:rPr lang="ru-RU" sz="2400" dirty="0">
+              <a:rPr lang="ru-RU" sz="1800" dirty="0">
                 <a:latin typeface="Times New Roman" panose="02020603050405020304" pitchFamily="18" charset="0"/>
                 <a:cs typeface="Times New Roman" panose="02020603050405020304" pitchFamily="18" charset="0"/>
               </a:rPr>
               <a:t>Веб-фреймворк </a:t>
             </a:r>
             <a:r>
-              <a:rPr lang="en-US" sz="2400" dirty="0">
+              <a:rPr lang="en-US" sz="1800" dirty="0">
                 <a:latin typeface="Times New Roman" panose="02020603050405020304" pitchFamily="18" charset="0"/>
                 <a:cs typeface="Times New Roman" panose="02020603050405020304" pitchFamily="18" charset="0"/>
               </a:rPr>
               <a:t>Angular</a:t>
             </a:r>
             <a:r>
-              <a:rPr lang="ru-RU" sz="2400" dirty="0">
+              <a:rPr lang="ru-RU" sz="1800" dirty="0">
                 <a:latin typeface="Times New Roman" panose="02020603050405020304" pitchFamily="18" charset="0"/>
                 <a:cs typeface="Times New Roman" panose="02020603050405020304" pitchFamily="18" charset="0"/>
               </a:rPr>
               <a:t>, язык программирования </a:t>
             </a:r>
             <a:r>
-              <a:rPr lang="en-US" sz="2400" dirty="0">
+              <a:rPr lang="en-US" sz="1800" dirty="0">
                 <a:latin typeface="Times New Roman" panose="02020603050405020304" pitchFamily="18" charset="0"/>
                 <a:cs typeface="Times New Roman" panose="02020603050405020304" pitchFamily="18" charset="0"/>
               </a:rPr>
               <a:t>TypeScript</a:t>
             </a:r>
             <a:r>
-              <a:rPr lang="ru-RU" sz="2400" dirty="0">
+              <a:rPr lang="ru-RU" sz="1800" dirty="0">
                 <a:latin typeface="Times New Roman" panose="02020603050405020304" pitchFamily="18" charset="0"/>
                 <a:cs typeface="Times New Roman" panose="02020603050405020304" pitchFamily="18" charset="0"/>
               </a:rPr>
               <a:t> (клиентская часть)</a:t>
             </a:r>
             <a:r>
-              <a:rPr lang="en-US" sz="2400" dirty="0">
+              <a:rPr lang="en-US" sz="1800" dirty="0">
                 <a:latin typeface="Times New Roman" panose="02020603050405020304" pitchFamily="18" charset="0"/>
                 <a:cs typeface="Times New Roman" panose="02020603050405020304" pitchFamily="18" charset="0"/>
               </a:rPr>
@@ -5884,48 +7388,48 @@
               </a:lnSpc>
             </a:pPr>
             <a:r>
-              <a:rPr lang="ru-RU" sz="2400" dirty="0">
+              <a:rPr lang="ru-RU" sz="1800" dirty="0">
                 <a:latin typeface="Times New Roman" panose="02020603050405020304" pitchFamily="18" charset="0"/>
                 <a:cs typeface="Times New Roman" panose="02020603050405020304" pitchFamily="18" charset="0"/>
               </a:rPr>
               <a:t>Веб-фреймворк </a:t>
             </a:r>
             <a:r>
-              <a:rPr lang="en-US" sz="2400" dirty="0">
+              <a:rPr lang="en-US" sz="1800" dirty="0">
                 <a:latin typeface="Times New Roman" panose="02020603050405020304" pitchFamily="18" charset="0"/>
                 <a:cs typeface="Times New Roman" panose="02020603050405020304" pitchFamily="18" charset="0"/>
               </a:rPr>
               <a:t>ASP.NET Core, </a:t>
             </a:r>
             <a:r>
-              <a:rPr lang="ru-RU" sz="2400" dirty="0">
+              <a:rPr lang="ru-RU" sz="1800" dirty="0">
                 <a:latin typeface="Times New Roman" panose="02020603050405020304" pitchFamily="18" charset="0"/>
                 <a:cs typeface="Times New Roman" panose="02020603050405020304" pitchFamily="18" charset="0"/>
               </a:rPr>
               <a:t>язык программирования </a:t>
             </a:r>
             <a:r>
-              <a:rPr lang="en-US" sz="2400" dirty="0">
+              <a:rPr lang="en-US" sz="1800" dirty="0">
                 <a:latin typeface="Times New Roman" panose="02020603050405020304" pitchFamily="18" charset="0"/>
                 <a:cs typeface="Times New Roman" panose="02020603050405020304" pitchFamily="18" charset="0"/>
               </a:rPr>
               <a:t>C# (</a:t>
             </a:r>
             <a:r>
-              <a:rPr lang="ru-RU" sz="2400" dirty="0">
+              <a:rPr lang="ru-RU" sz="1800" dirty="0">
                 <a:latin typeface="Times New Roman" panose="02020603050405020304" pitchFamily="18" charset="0"/>
                 <a:cs typeface="Times New Roman" panose="02020603050405020304" pitchFamily="18" charset="0"/>
               </a:rPr>
               <a:t>серверная часть)</a:t>
             </a:r>
             <a:r>
-              <a:rPr lang="en-US" sz="2400" dirty="0">
+              <a:rPr lang="en-US" sz="1800" dirty="0">
                 <a:latin typeface="Times New Roman" panose="02020603050405020304" pitchFamily="18" charset="0"/>
                 <a:cs typeface="Times New Roman" panose="02020603050405020304" pitchFamily="18" charset="0"/>
               </a:rPr>
               <a:t>;</a:t>
             </a:r>
-            <a:endParaRPr lang="ru-RU" sz="2400" dirty="0">
+            <a:endParaRPr lang="ru-RU" sz="1800" dirty="0">
               <a:latin typeface="Times New Roman" panose="02020603050405020304" pitchFamily="18" charset="0"/>
               <a:cs typeface="Times New Roman" panose="02020603050405020304" pitchFamily="18" charset="0"/>
             </a:endParaRPr>
@@ -5937,34 +7441,34 @@
               </a:lnSpc>
             </a:pPr>
             <a:r>
-              <a:rPr lang="ru-RU" sz="2400" dirty="0">
+              <a:rPr lang="ru-RU" sz="1800" dirty="0">
                 <a:latin typeface="Times New Roman" panose="02020603050405020304" pitchFamily="18" charset="0"/>
                 <a:cs typeface="Times New Roman" panose="02020603050405020304" pitchFamily="18" charset="0"/>
               </a:rPr>
               <a:t>Облачные сервисы для работы с</a:t>
             </a:r>
             <a:r>
-              <a:rPr lang="en-US" sz="2400" dirty="0">
+              <a:rPr lang="en-US" sz="1800" dirty="0">
                 <a:latin typeface="Times New Roman" panose="02020603050405020304" pitchFamily="18" charset="0"/>
                 <a:cs typeface="Times New Roman" panose="02020603050405020304" pitchFamily="18" charset="0"/>
               </a:rPr>
               <a:t> </a:t>
             </a:r>
             <a:r>
-              <a:rPr lang="ru-RU" sz="2400" dirty="0">
+              <a:rPr lang="ru-RU" sz="1800" dirty="0">
                 <a:latin typeface="Times New Roman" panose="02020603050405020304" pitchFamily="18" charset="0"/>
                 <a:cs typeface="Times New Roman" panose="02020603050405020304" pitchFamily="18" charset="0"/>
               </a:rPr>
               <a:t>заранее обученными моделями НС от Яндекса</a:t>
             </a:r>
             <a:r>
-              <a:rPr lang="en-US" sz="2400" dirty="0">
+              <a:rPr lang="en-US" sz="1800" dirty="0">
                 <a:latin typeface="Times New Roman" panose="02020603050405020304" pitchFamily="18" charset="0"/>
                 <a:cs typeface="Times New Roman" panose="02020603050405020304" pitchFamily="18" charset="0"/>
               </a:rPr>
               <a:t>.</a:t>
             </a:r>
-            <a:endParaRPr lang="ru-RU" sz="2400" dirty="0">
+            <a:endParaRPr lang="ru-RU" sz="1800" dirty="0">
               <a:latin typeface="Times New Roman" panose="02020603050405020304" pitchFamily="18" charset="0"/>
               <a:cs typeface="Times New Roman" panose="02020603050405020304" pitchFamily="18" charset="0"/>
             </a:endParaRPr>
@@ -6003,10 +7507,10 @@
       </p:grpSpPr>
       <p:sp>
         <p:nvSpPr>
-          <p:cNvPr id="4" name="Объект 3">
+          <p:cNvPr id="2" name="Заголовок 1">
             <a:extLst>
               <a:ext uri="{FF2B5EF4-FFF2-40B4-BE49-F238E27FC236}">
-                <a16:creationId xmlns:a16="http://schemas.microsoft.com/office/drawing/2014/main" id="{6FE20B52-975D-25F3-3BC2-29E51C3A9E13}"/>
+                <a16:creationId xmlns:a16="http://schemas.microsoft.com/office/drawing/2014/main" id="{DDF86622-3E97-C847-B998-85CBEC002159}"/>
               </a:ext>
             </a:extLst>
           </p:cNvPr>
@@ -6014,17 +7518,52 @@
             <a:spLocks noGrp="1"/>
           </p:cNvSpPr>
           <p:nvPr>
-            <p:ph sz="half" idx="1"/>
+            <p:ph type="title"/>
           </p:nvPr>
         </p:nvSpPr>
         <p:spPr>
           <a:xfrm>
-            <a:off x="838200" y="1825625"/>
-            <a:ext cx="6914322" cy="4351338"/>
+            <a:off x="300446" y="1151164"/>
+            <a:ext cx="7269480" cy="994172"/>
           </a:xfrm>
         </p:spPr>
         <p:txBody>
           <a:bodyPr/>
+          <a:lstStyle/>
+          <a:p>
+            <a:r>
+              <a:rPr lang="ru-RU" b="1" u="sng" dirty="0"/>
+              <a:t>Страницы</a:t>
+            </a:r>
+          </a:p>
+        </p:txBody>
+      </p:sp>
+      <p:sp>
+        <p:nvSpPr>
+          <p:cNvPr id="3" name="Объект 2">
+            <a:extLst>
+              <a:ext uri="{FF2B5EF4-FFF2-40B4-BE49-F238E27FC236}">
+                <a16:creationId xmlns:a16="http://schemas.microsoft.com/office/drawing/2014/main" id="{DF587627-B4E9-0DB2-6AC8-325662C7F449}"/>
+              </a:ext>
+            </a:extLst>
+          </p:cNvPr>
+          <p:cNvSpPr>
+            <a:spLocks noGrp="1"/>
+          </p:cNvSpPr>
+          <p:nvPr>
+            <p:ph idx="1"/>
+          </p:nvPr>
+        </p:nvSpPr>
+        <p:spPr>
+          <a:xfrm>
+            <a:off x="300446" y="2231368"/>
+            <a:ext cx="4743450" cy="3263504"/>
+          </a:xfrm>
+        </p:spPr>
+        <p:txBody>
+          <a:bodyPr>
+            <a:normAutofit fontScale="92500" lnSpcReduction="10000"/>
+          </a:bodyPr>
           <a:lstStyle/>
           <a:p>
             <a:pPr marL="0" indent="0">
@@ -6038,7 +7577,7 @@
                 <a:latin typeface="Times New Roman" panose="02020603050405020304" pitchFamily="18" charset="0"/>
                 <a:cs typeface="Times New Roman" panose="02020603050405020304" pitchFamily="18" charset="0"/>
               </a:rPr>
-              <a:t>Алгоритм представляет собой следующее</a:t>
+              <a:t>Состоит из пяти основных страниц</a:t>
             </a:r>
             <a:r>
               <a:rPr lang="en-US" sz="1800" dirty="0">
@@ -6047,261 +7586,75 @@
               </a:rPr>
               <a:t>:</a:t>
             </a:r>
-            <a:endParaRPr lang="ru-RU" sz="1800" dirty="0">
-              <a:latin typeface="Times New Roman" panose="02020603050405020304" pitchFamily="18" charset="0"/>
-              <a:cs typeface="Times New Roman" panose="02020603050405020304" pitchFamily="18" charset="0"/>
-            </a:endParaRPr>
-          </a:p>
-          <a:p>
-            <a:pPr marL="514350" indent="-514350">
+          </a:p>
+          <a:p>
+            <a:pPr>
               <a:lnSpc>
                 <a:spcPct val="150000"/>
               </a:lnSpc>
-              <a:buFont typeface="+mj-lt"/>
-              <a:buAutoNum type="arabicPeriod"/>
             </a:pPr>
             <a:r>
               <a:rPr lang="ru-RU" sz="1800" dirty="0">
                 <a:latin typeface="Times New Roman" panose="02020603050405020304" pitchFamily="18" charset="0"/>
                 <a:cs typeface="Times New Roman" panose="02020603050405020304" pitchFamily="18" charset="0"/>
               </a:rPr>
-              <a:t>Выборка и обработка выделенного пользователем текста</a:t>
-            </a:r>
-            <a:r>
-              <a:rPr lang="en-US" sz="1800" dirty="0">
-                <a:latin typeface="Times New Roman" panose="02020603050405020304" pitchFamily="18" charset="0"/>
-                <a:cs typeface="Times New Roman" panose="02020603050405020304" pitchFamily="18" charset="0"/>
-              </a:rPr>
-              <a:t>;</a:t>
-            </a:r>
-            <a:endParaRPr lang="ru-RU" sz="1800" dirty="0">
-              <a:latin typeface="Times New Roman" panose="02020603050405020304" pitchFamily="18" charset="0"/>
-              <a:cs typeface="Times New Roman" panose="02020603050405020304" pitchFamily="18" charset="0"/>
-            </a:endParaRPr>
-          </a:p>
-          <a:p>
-            <a:pPr marL="514350" indent="-514350">
+              <a:t>Страница входа в систему.</a:t>
+            </a:r>
+          </a:p>
+          <a:p>
+            <a:pPr>
               <a:lnSpc>
                 <a:spcPct val="150000"/>
               </a:lnSpc>
-              <a:buFont typeface="+mj-lt"/>
-              <a:buAutoNum type="arabicPeriod"/>
             </a:pPr>
             <a:r>
               <a:rPr lang="ru-RU" sz="1800" dirty="0">
                 <a:latin typeface="Times New Roman" panose="02020603050405020304" pitchFamily="18" charset="0"/>
                 <a:cs typeface="Times New Roman" panose="02020603050405020304" pitchFamily="18" charset="0"/>
               </a:rPr>
-              <a:t>Передача серверу текста</a:t>
-            </a:r>
-            <a:r>
-              <a:rPr lang="en-US" sz="1800" dirty="0">
-                <a:latin typeface="Times New Roman" panose="02020603050405020304" pitchFamily="18" charset="0"/>
-                <a:cs typeface="Times New Roman" panose="02020603050405020304" pitchFamily="18" charset="0"/>
-              </a:rPr>
-              <a:t>;</a:t>
-            </a:r>
-            <a:endParaRPr lang="ru-RU" sz="1800" dirty="0">
-              <a:latin typeface="Times New Roman" panose="02020603050405020304" pitchFamily="18" charset="0"/>
-              <a:cs typeface="Times New Roman" panose="02020603050405020304" pitchFamily="18" charset="0"/>
-            </a:endParaRPr>
-          </a:p>
-          <a:p>
-            <a:pPr marL="514350" indent="-514350">
+              <a:t>Страница списка книг.</a:t>
+            </a:r>
+          </a:p>
+          <a:p>
+            <a:pPr>
               <a:lnSpc>
                 <a:spcPct val="150000"/>
               </a:lnSpc>
-              <a:buFont typeface="+mj-lt"/>
-              <a:buAutoNum type="arabicPeriod"/>
             </a:pPr>
             <a:r>
               <a:rPr lang="ru-RU" sz="1800" dirty="0">
                 <a:latin typeface="Times New Roman" panose="02020603050405020304" pitchFamily="18" charset="0"/>
                 <a:cs typeface="Times New Roman" panose="02020603050405020304" pitchFamily="18" charset="0"/>
               </a:rPr>
-              <a:t>Сервер формирует запрос</a:t>
-            </a:r>
-            <a:r>
-              <a:rPr lang="en-US" sz="1800" dirty="0">
-                <a:latin typeface="Times New Roman" panose="02020603050405020304" pitchFamily="18" charset="0"/>
-                <a:cs typeface="Times New Roman" panose="02020603050405020304" pitchFamily="18" charset="0"/>
-              </a:rPr>
-              <a:t>;</a:t>
-            </a:r>
-            <a:endParaRPr lang="ru-RU" sz="1800" dirty="0">
-              <a:latin typeface="Times New Roman" panose="02020603050405020304" pitchFamily="18" charset="0"/>
-              <a:cs typeface="Times New Roman" panose="02020603050405020304" pitchFamily="18" charset="0"/>
-            </a:endParaRPr>
-          </a:p>
-          <a:p>
-            <a:pPr marL="514350" indent="-514350">
+              <a:t>Страница недавно открытых книг.</a:t>
+            </a:r>
+          </a:p>
+          <a:p>
+            <a:pPr>
               <a:lnSpc>
                 <a:spcPct val="150000"/>
               </a:lnSpc>
-              <a:buFont typeface="+mj-lt"/>
-              <a:buAutoNum type="arabicPeriod"/>
             </a:pPr>
             <a:r>
               <a:rPr lang="ru-RU" sz="1800" dirty="0">
                 <a:latin typeface="Times New Roman" panose="02020603050405020304" pitchFamily="18" charset="0"/>
                 <a:cs typeface="Times New Roman" panose="02020603050405020304" pitchFamily="18" charset="0"/>
               </a:rPr>
-              <a:t>Отправка </a:t>
-            </a:r>
-            <a:r>
-              <a:rPr lang="en-US" sz="1800" dirty="0">
-                <a:latin typeface="Times New Roman" panose="02020603050405020304" pitchFamily="18" charset="0"/>
-                <a:cs typeface="Times New Roman" panose="02020603050405020304" pitchFamily="18" charset="0"/>
-              </a:rPr>
-              <a:t>API </a:t>
-            </a:r>
+              <a:t>Страница просмотра документа.</a:t>
+            </a:r>
+          </a:p>
+          <a:p>
+            <a:pPr>
+              <a:lnSpc>
+                <a:spcPct val="150000"/>
+              </a:lnSpc>
+            </a:pPr>
             <a:r>
               <a:rPr lang="ru-RU" sz="1800" dirty="0">
                 <a:latin typeface="Times New Roman" panose="02020603050405020304" pitchFamily="18" charset="0"/>
                 <a:cs typeface="Times New Roman" panose="02020603050405020304" pitchFamily="18" charset="0"/>
               </a:rPr>
-              <a:t>ИИ</a:t>
-            </a:r>
-            <a:r>
-              <a:rPr lang="en-US" sz="1800" dirty="0">
-                <a:latin typeface="Times New Roman" panose="02020603050405020304" pitchFamily="18" charset="0"/>
-                <a:cs typeface="Times New Roman" panose="02020603050405020304" pitchFamily="18" charset="0"/>
-              </a:rPr>
-              <a:t>;</a:t>
-            </a:r>
-            <a:endParaRPr lang="ru-RU" sz="1800" dirty="0">
-              <a:latin typeface="Times New Roman" panose="02020603050405020304" pitchFamily="18" charset="0"/>
-              <a:cs typeface="Times New Roman" panose="02020603050405020304" pitchFamily="18" charset="0"/>
-            </a:endParaRPr>
-          </a:p>
-          <a:p>
-            <a:pPr marL="514350" indent="-514350">
-              <a:lnSpc>
-                <a:spcPct val="150000"/>
-              </a:lnSpc>
-              <a:buFont typeface="+mj-lt"/>
-              <a:buAutoNum type="arabicPeriod"/>
-            </a:pPr>
-            <a:r>
-              <a:rPr lang="ru-RU" sz="1800" dirty="0">
-                <a:latin typeface="Times New Roman" panose="02020603050405020304" pitchFamily="18" charset="0"/>
-                <a:cs typeface="Times New Roman" panose="02020603050405020304" pitchFamily="18" charset="0"/>
-              </a:rPr>
-              <a:t>Получение и обработка ответа сервером</a:t>
-            </a:r>
-            <a:r>
-              <a:rPr lang="en-US" sz="1800" dirty="0">
-                <a:latin typeface="Times New Roman" panose="02020603050405020304" pitchFamily="18" charset="0"/>
-                <a:cs typeface="Times New Roman" panose="02020603050405020304" pitchFamily="18" charset="0"/>
-              </a:rPr>
-              <a:t>;</a:t>
-            </a:r>
-            <a:endParaRPr lang="ru-RU" sz="1800" dirty="0">
-              <a:latin typeface="Times New Roman" panose="02020603050405020304" pitchFamily="18" charset="0"/>
-              <a:cs typeface="Times New Roman" panose="02020603050405020304" pitchFamily="18" charset="0"/>
-            </a:endParaRPr>
-          </a:p>
-          <a:p>
-            <a:pPr marL="514350" indent="-514350">
-              <a:lnSpc>
-                <a:spcPct val="150000"/>
-              </a:lnSpc>
-              <a:buFont typeface="+mj-lt"/>
-              <a:buAutoNum type="arabicPeriod"/>
-            </a:pPr>
-            <a:r>
-              <a:rPr lang="ru-RU" sz="1800" dirty="0">
-                <a:latin typeface="Times New Roman" panose="02020603050405020304" pitchFamily="18" charset="0"/>
-                <a:cs typeface="Times New Roman" panose="02020603050405020304" pitchFamily="18" charset="0"/>
-              </a:rPr>
-              <a:t>Передача клиенту</a:t>
-            </a:r>
-            <a:r>
-              <a:rPr lang="en-US" sz="1800">
-                <a:latin typeface="Times New Roman" panose="02020603050405020304" pitchFamily="18" charset="0"/>
-                <a:cs typeface="Times New Roman" panose="02020603050405020304" pitchFamily="18" charset="0"/>
-              </a:rPr>
-              <a:t>.</a:t>
-            </a:r>
-            <a:endParaRPr lang="en-US" sz="1800" dirty="0">
-              <a:latin typeface="Times New Roman" panose="02020603050405020304" pitchFamily="18" charset="0"/>
-              <a:cs typeface="Times New Roman" panose="02020603050405020304" pitchFamily="18" charset="0"/>
-            </a:endParaRPr>
-          </a:p>
-          <a:p>
-            <a:pPr marL="0" indent="0">
-              <a:buNone/>
-            </a:pPr>
-            <a:endParaRPr lang="ru-RU" dirty="0"/>
-          </a:p>
-        </p:txBody>
-      </p:sp>
-      <p:pic>
-        <p:nvPicPr>
-          <p:cNvPr id="3" name="Объект 2">
-            <a:extLst>
-              <a:ext uri="{FF2B5EF4-FFF2-40B4-BE49-F238E27FC236}">
-                <a16:creationId xmlns:a16="http://schemas.microsoft.com/office/drawing/2014/main" id="{75196021-CC2A-B5A2-0DE7-DB2E2EA67EBE}"/>
-              </a:ext>
-            </a:extLst>
-          </p:cNvPr>
-          <p:cNvPicPr>
-            <a:picLocks noGrp="1" noChangeAspect="1"/>
-          </p:cNvPicPr>
-          <p:nvPr>
-            <p:ph sz="half" idx="2"/>
-          </p:nvPr>
-        </p:nvPicPr>
-        <p:blipFill>
-          <a:blip r:embed="rId2">
-            <a:extLst>
-              <a:ext uri="{28A0092B-C50C-407E-A947-70E740481C1C}">
-                <a14:useLocalDpi xmlns:a14="http://schemas.microsoft.com/office/drawing/2010/main" val="0"/>
-              </a:ext>
-            </a:extLst>
-          </a:blip>
-          <a:stretch>
-            <a:fillRect/>
-          </a:stretch>
-        </p:blipFill>
-        <p:spPr>
-          <a:xfrm>
-            <a:off x="8792817" y="497987"/>
-            <a:ext cx="1712390" cy="5678976"/>
-          </a:xfrm>
-        </p:spPr>
-      </p:pic>
-      <p:sp>
-        <p:nvSpPr>
-          <p:cNvPr id="6" name="Заголовок 1">
-            <a:extLst>
-              <a:ext uri="{FF2B5EF4-FFF2-40B4-BE49-F238E27FC236}">
-                <a16:creationId xmlns:a16="http://schemas.microsoft.com/office/drawing/2014/main" id="{76277648-A197-6531-0425-FA34692EAC27}"/>
-              </a:ext>
-            </a:extLst>
-          </p:cNvPr>
-          <p:cNvSpPr>
-            <a:spLocks noGrp="1"/>
-          </p:cNvSpPr>
-          <p:nvPr>
-            <p:ph type="title"/>
-          </p:nvPr>
-        </p:nvSpPr>
-        <p:spPr>
-          <a:xfrm>
-            <a:off x="838200" y="365125"/>
-            <a:ext cx="6980583" cy="1325563"/>
-          </a:xfrm>
-        </p:spPr>
-        <p:txBody>
-          <a:bodyPr>
-            <a:normAutofit/>
-          </a:bodyPr>
-          <a:lstStyle/>
-          <a:p>
-            <a:r>
-              <a:rPr lang="ru-RU" sz="3600" b="1" u="sng" dirty="0"/>
-              <a:t>Обобщение текста</a:t>
+              <a:t>Страница коллекции книг.</a:t>
             </a:r>
           </a:p>
         </p:txBody>
@@ -6309,7 +7662,7 @@
     </p:spTree>
     <p:extLst>
       <p:ext uri="{BB962C8B-B14F-4D97-AF65-F5344CB8AC3E}">
-        <p14:creationId xmlns:p14="http://schemas.microsoft.com/office/powerpoint/2010/main" val="3592267970"/>
+        <p14:creationId xmlns:p14="http://schemas.microsoft.com/office/powerpoint/2010/main" val="2069296979"/>
       </p:ext>
     </p:extLst>
   </p:cSld>
@@ -6341,7 +7694,7 @@
           <p:cNvPr id="2" name="Заголовок 1">
             <a:extLst>
               <a:ext uri="{FF2B5EF4-FFF2-40B4-BE49-F238E27FC236}">
-                <a16:creationId xmlns:a16="http://schemas.microsoft.com/office/drawing/2014/main" id="{2C64B6FC-9AA1-371B-6B3C-18F406082223}"/>
+                <a16:creationId xmlns:a16="http://schemas.microsoft.com/office/drawing/2014/main" id="{ABABFA6C-955D-5F9A-A7F9-2A61ED800F94}"/>
               </a:ext>
             </a:extLst>
           </p:cNvPr>
@@ -6354,8 +7707,8 @@
         </p:nvSpPr>
         <p:spPr>
           <a:xfrm>
-            <a:off x="838200" y="365125"/>
-            <a:ext cx="6675783" cy="1325563"/>
+            <a:off x="358575" y="1156063"/>
+            <a:ext cx="7269480" cy="994172"/>
           </a:xfrm>
         </p:spPr>
         <p:txBody>
@@ -6363,55 +7716,90 @@
           <a:lstStyle/>
           <a:p>
             <a:r>
-              <a:rPr lang="ru-RU" sz="4400" b="1" u="sng" dirty="0"/>
-              <a:t>Определение слова</a:t>
-            </a:r>
-            <a:endParaRPr lang="ru-RU" dirty="0"/>
-          </a:p>
-        </p:txBody>
-      </p:sp>
-      <p:sp>
-        <p:nvSpPr>
-          <p:cNvPr id="3" name="Объект 2">
+              <a:rPr lang="ru-RU" b="1" u="sng" dirty="0"/>
+              <a:t>Страница входа в систему</a:t>
+            </a:r>
+          </a:p>
+        </p:txBody>
+      </p:sp>
+      <p:pic>
+        <p:nvPicPr>
+          <p:cNvPr id="13" name="Объект 12">
             <a:extLst>
               <a:ext uri="{FF2B5EF4-FFF2-40B4-BE49-F238E27FC236}">
-                <a16:creationId xmlns:a16="http://schemas.microsoft.com/office/drawing/2014/main" id="{6ADEBD5D-EB10-0504-FCF5-BED349E1AAEF}"/>
+                <a16:creationId xmlns:a16="http://schemas.microsoft.com/office/drawing/2014/main" id="{335C6985-0BCB-4A33-7A4C-4BA138DE5747}"/>
               </a:ext>
             </a:extLst>
           </p:cNvPr>
-          <p:cNvSpPr>
-            <a:spLocks noGrp="1"/>
-          </p:cNvSpPr>
-          <p:nvPr>
-            <p:ph sz="half" idx="1"/>
-          </p:nvPr>
-        </p:nvSpPr>
+          <p:cNvPicPr>
+            <a:picLocks noGrp="1" noChangeAspect="1"/>
+          </p:cNvPicPr>
+          <p:nvPr>
+            <p:ph idx="1"/>
+          </p:nvPr>
+        </p:nvPicPr>
+        <p:blipFill>
+          <a:blip r:embed="rId3">
+            <a:extLst>
+              <a:ext uri="{28A0092B-C50C-407E-A947-70E740481C1C}">
+                <a14:useLocalDpi xmlns:a14="http://schemas.microsoft.com/office/drawing/2010/main" val="0"/>
+              </a:ext>
+            </a:extLst>
+          </a:blip>
+          <a:stretch>
+            <a:fillRect/>
+          </a:stretch>
+        </p:blipFill>
         <p:spPr>
           <a:xfrm>
-            <a:off x="838200" y="1825625"/>
-            <a:ext cx="6675782" cy="4351338"/>
+            <a:off x="770293" y="2507565"/>
+            <a:ext cx="6446044" cy="3094693"/>
           </a:xfrm>
+          <a:effectLst>
+            <a:outerShdw blurRad="50800" dist="38100" dir="2700000" algn="tl" rotWithShape="0">
+              <a:prstClr val="black">
+                <a:alpha val="40000"/>
+              </a:prstClr>
+            </a:outerShdw>
+          </a:effectLst>
         </p:spPr>
-        <p:txBody>
-          <a:bodyPr/>
-          <a:lstStyle/>
-          <a:p>
-            <a:r>
-              <a:rPr lang="ru-RU" dirty="0"/>
-              <a:t>Проверка что выбрано именно слово</a:t>
-            </a:r>
-          </a:p>
-          <a:p>
-            <a:endParaRPr lang="ru-RU" dirty="0"/>
-          </a:p>
-        </p:txBody>
-      </p:sp>
-      <p:sp>
-        <p:nvSpPr>
-          <p:cNvPr id="4" name="Объект 3">
+      </p:pic>
+    </p:spTree>
+    <p:extLst>
+      <p:ext uri="{BB962C8B-B14F-4D97-AF65-F5344CB8AC3E}">
+        <p14:creationId xmlns:p14="http://schemas.microsoft.com/office/powerpoint/2010/main" val="1470875669"/>
+      </p:ext>
+    </p:extLst>
+  </p:cSld>
+  <p:clrMapOvr>
+    <a:masterClrMapping/>
+  </p:clrMapOvr>
+</p:sld>
+</file>
+
+<file path=ppt/slides/slide8.xml><?xml version="1.0" encoding="utf-8"?>
+<p:sld xmlns:a="http://schemas.openxmlformats.org/drawingml/2006/main" xmlns:r="http://schemas.openxmlformats.org/officeDocument/2006/relationships" xmlns:p="http://schemas.openxmlformats.org/presentationml/2006/main">
+  <p:cSld>
+    <p:spTree>
+      <p:nvGrpSpPr>
+        <p:cNvPr id="1" name=""/>
+        <p:cNvGrpSpPr/>
+        <p:nvPr/>
+      </p:nvGrpSpPr>
+      <p:grpSpPr>
+        <a:xfrm>
+          <a:off x="0" y="0"/>
+          <a:ext cx="0" cy="0"/>
+          <a:chOff x="0" y="0"/>
+          <a:chExt cx="0" cy="0"/>
+        </a:xfrm>
+      </p:grpSpPr>
+      <p:sp>
+        <p:nvSpPr>
+          <p:cNvPr id="2" name="Заголовок 1">
             <a:extLst>
               <a:ext uri="{FF2B5EF4-FFF2-40B4-BE49-F238E27FC236}">
-                <a16:creationId xmlns:a16="http://schemas.microsoft.com/office/drawing/2014/main" id="{531F3E3D-168C-C68B-20DA-F86845877763}"/>
+                <a16:creationId xmlns:a16="http://schemas.microsoft.com/office/drawing/2014/main" id="{ABABFA6C-955D-5F9A-A7F9-2A61ED800F94}"/>
               </a:ext>
             </a:extLst>
           </p:cNvPr>
@@ -6419,27 +7807,214 @@
             <a:spLocks noGrp="1"/>
           </p:cNvSpPr>
           <p:nvPr>
-            <p:ph sz="half" idx="2"/>
+            <p:ph type="title"/>
           </p:nvPr>
         </p:nvSpPr>
         <p:spPr>
           <a:xfrm>
-            <a:off x="7759148" y="1825625"/>
-            <a:ext cx="3594651" cy="4351338"/>
+            <a:off x="417359" y="1239338"/>
+            <a:ext cx="7269480" cy="994172"/>
           </a:xfrm>
         </p:spPr>
         <p:txBody>
-          <a:bodyPr/>
+          <a:bodyPr>
+            <a:normAutofit fontScale="90000"/>
+          </a:bodyPr>
           <a:lstStyle/>
           <a:p>
-            <a:endParaRPr lang="ru-RU" dirty="0"/>
-          </a:p>
-        </p:txBody>
-      </p:sp>
+            <a:r>
+              <a:rPr lang="ru-RU" b="1" u="sng" dirty="0"/>
+              <a:t>Страница списка недавно открытых книг</a:t>
+            </a:r>
+          </a:p>
+        </p:txBody>
+      </p:sp>
+      <p:pic>
+        <p:nvPicPr>
+          <p:cNvPr id="7" name="Объект 6">
+            <a:extLst>
+              <a:ext uri="{FF2B5EF4-FFF2-40B4-BE49-F238E27FC236}">
+                <a16:creationId xmlns:a16="http://schemas.microsoft.com/office/drawing/2014/main" id="{2D05F3FB-F0BD-4926-F187-4CF023AE4299}"/>
+              </a:ext>
+            </a:extLst>
+          </p:cNvPr>
+          <p:cNvPicPr>
+            <a:picLocks noGrp="1" noChangeAspect="1"/>
+          </p:cNvPicPr>
+          <p:nvPr>
+            <p:ph idx="1"/>
+          </p:nvPr>
+        </p:nvPicPr>
+        <p:blipFill>
+          <a:blip r:embed="rId3">
+            <a:extLst>
+              <a:ext uri="{28A0092B-C50C-407E-A947-70E740481C1C}">
+                <a14:useLocalDpi xmlns:a14="http://schemas.microsoft.com/office/drawing/2010/main" val="0"/>
+              </a:ext>
+            </a:extLst>
+          </a:blip>
+          <a:stretch>
+            <a:fillRect/>
+          </a:stretch>
+        </p:blipFill>
+        <p:spPr>
+          <a:xfrm>
+            <a:off x="417502" y="2617086"/>
+            <a:ext cx="6446044" cy="2702569"/>
+          </a:xfrm>
+          <a:effectLst>
+            <a:outerShdw blurRad="50800" dist="38100" dir="2700000" algn="tl" rotWithShape="0">
+              <a:prstClr val="black">
+                <a:alpha val="40000"/>
+              </a:prstClr>
+            </a:outerShdw>
+          </a:effectLst>
+        </p:spPr>
+      </p:pic>
     </p:spTree>
     <p:extLst>
       <p:ext uri="{BB962C8B-B14F-4D97-AF65-F5344CB8AC3E}">
-        <p14:creationId xmlns:p14="http://schemas.microsoft.com/office/powerpoint/2010/main" val="1752438457"/>
+        <p14:creationId xmlns:p14="http://schemas.microsoft.com/office/powerpoint/2010/main" val="143211331"/>
+      </p:ext>
+    </p:extLst>
+  </p:cSld>
+  <p:clrMapOvr>
+    <a:masterClrMapping/>
+  </p:clrMapOvr>
+</p:sld>
+</file>
+
+<file path=ppt/slides/slide9.xml><?xml version="1.0" encoding="utf-8"?>
+<p:sld xmlns:a="http://schemas.openxmlformats.org/drawingml/2006/main" xmlns:r="http://schemas.openxmlformats.org/officeDocument/2006/relationships" xmlns:p="http://schemas.openxmlformats.org/presentationml/2006/main">
+  <p:cSld>
+    <p:spTree>
+      <p:nvGrpSpPr>
+        <p:cNvPr id="1" name=""/>
+        <p:cNvGrpSpPr/>
+        <p:nvPr/>
+      </p:nvGrpSpPr>
+      <p:grpSpPr>
+        <a:xfrm>
+          <a:off x="0" y="0"/>
+          <a:ext cx="0" cy="0"/>
+          <a:chOff x="0" y="0"/>
+          <a:chExt cx="0" cy="0"/>
+        </a:xfrm>
+      </p:grpSpPr>
+      <p:sp>
+        <p:nvSpPr>
+          <p:cNvPr id="2" name="Заголовок 1">
+            <a:extLst>
+              <a:ext uri="{FF2B5EF4-FFF2-40B4-BE49-F238E27FC236}">
+                <a16:creationId xmlns:a16="http://schemas.microsoft.com/office/drawing/2014/main" id="{2E82A089-67C8-6737-768B-5D7EBF7B9E0E}"/>
+              </a:ext>
+            </a:extLst>
+          </p:cNvPr>
+          <p:cNvSpPr>
+            <a:spLocks noGrp="1"/>
+          </p:cNvSpPr>
+          <p:nvPr>
+            <p:ph type="title"/>
+          </p:nvPr>
+        </p:nvSpPr>
+        <p:spPr>
+          <a:xfrm>
+            <a:off x="368372" y="1156063"/>
+            <a:ext cx="7269480" cy="994172"/>
+          </a:xfrm>
+        </p:spPr>
+        <p:txBody>
+          <a:bodyPr/>
+          <a:lstStyle/>
+          <a:p>
+            <a:r>
+              <a:rPr lang="ru-RU" b="1" u="sng" dirty="0"/>
+              <a:t>Страница списка книг</a:t>
+            </a:r>
+            <a:endParaRPr lang="ru-RU" dirty="0"/>
+          </a:p>
+        </p:txBody>
+      </p:sp>
+      <p:pic>
+        <p:nvPicPr>
+          <p:cNvPr id="7" name="Объект 6">
+            <a:extLst>
+              <a:ext uri="{FF2B5EF4-FFF2-40B4-BE49-F238E27FC236}">
+                <a16:creationId xmlns:a16="http://schemas.microsoft.com/office/drawing/2014/main" id="{53F33EDB-69C4-65B4-316C-F4BDC07CC7ED}"/>
+              </a:ext>
+            </a:extLst>
+          </p:cNvPr>
+          <p:cNvPicPr>
+            <a:picLocks noGrp="1" noChangeAspect="1"/>
+          </p:cNvPicPr>
+          <p:nvPr>
+            <p:ph idx="1"/>
+          </p:nvPr>
+        </p:nvPicPr>
+        <p:blipFill>
+          <a:blip r:embed="rId2"/>
+          <a:stretch>
+            <a:fillRect/>
+          </a:stretch>
+        </p:blipFill>
+        <p:spPr>
+          <a:xfrm>
+            <a:off x="542861" y="2344034"/>
+            <a:ext cx="4527329" cy="1898129"/>
+          </a:xfrm>
+          <a:prstGeom prst="rect">
+            <a:avLst/>
+          </a:prstGeom>
+          <a:effectLst>
+            <a:outerShdw blurRad="50800" dist="38100" dir="2700000" algn="tl" rotWithShape="0">
+              <a:prstClr val="black">
+                <a:alpha val="40000"/>
+              </a:prstClr>
+            </a:outerShdw>
+          </a:effectLst>
+        </p:spPr>
+      </p:pic>
+      <p:pic>
+        <p:nvPicPr>
+          <p:cNvPr id="9" name="Рисунок 8">
+            <a:extLst>
+              <a:ext uri="{FF2B5EF4-FFF2-40B4-BE49-F238E27FC236}">
+                <a16:creationId xmlns:a16="http://schemas.microsoft.com/office/drawing/2014/main" id="{669E25AE-65A3-D648-CA03-B0620ACD8D8E}"/>
+              </a:ext>
+            </a:extLst>
+          </p:cNvPr>
+          <p:cNvPicPr>
+            <a:picLocks noChangeAspect="1"/>
+          </p:cNvPicPr>
+          <p:nvPr/>
+        </p:nvPicPr>
+        <p:blipFill>
+          <a:blip r:embed="rId3"/>
+          <a:stretch>
+            <a:fillRect/>
+          </a:stretch>
+        </p:blipFill>
+        <p:spPr>
+          <a:xfrm>
+            <a:off x="2727368" y="3293101"/>
+            <a:ext cx="5049078" cy="2116877"/>
+          </a:xfrm>
+          <a:prstGeom prst="rect">
+            <a:avLst/>
+          </a:prstGeom>
+          <a:effectLst>
+            <a:outerShdw blurRad="50800" dist="38100" dir="2700000" algn="tl" rotWithShape="0">
+              <a:prstClr val="black">
+                <a:alpha val="40000"/>
+              </a:prstClr>
+            </a:outerShdw>
+          </a:effectLst>
+        </p:spPr>
+      </p:pic>
+    </p:spTree>
+    <p:extLst>
+      <p:ext uri="{BB962C8B-B14F-4D97-AF65-F5344CB8AC3E}">
+        <p14:creationId xmlns:p14="http://schemas.microsoft.com/office/powerpoint/2010/main" val="364673470"/>
       </p:ext>
     </p:extLst>
   </p:cSld>
@@ -6450,110 +8025,58 @@
 </file>
 
 <file path=ppt/theme/theme1.xml><?xml version="1.0" encoding="utf-8"?>
-<a:theme xmlns:a="http://schemas.openxmlformats.org/drawingml/2006/main" name="Тема Office">
+<a:theme xmlns:a="http://schemas.openxmlformats.org/drawingml/2006/main" name="Вид">
   <a:themeElements>
-    <a:clrScheme name="Стандартная">
+    <a:clrScheme name="Вид">
       <a:dk1>
-        <a:sysClr val="windowText" lastClr="000000"/>
+        <a:srgbClr val="000000"/>
       </a:dk1>
       <a:lt1>
-        <a:sysClr val="window" lastClr="FFFFFF"/>
+        <a:srgbClr val="FFFFFF"/>
       </a:lt1>
       <a:dk2>
-        <a:srgbClr val="44546A"/>
+        <a:srgbClr val="46464A"/>
       </a:dk2>
       <a:lt2>
-        <a:srgbClr val="E7E6E6"/>
+        <a:srgbClr val="D6D3CC"/>
       </a:lt2>
       <a:accent1>
-        <a:srgbClr val="4472C4"/>
+        <a:srgbClr val="6F6F74"/>
       </a:accent1>
       <a:accent2>
-        <a:srgbClr val="ED7D31"/>
+        <a:srgbClr val="92A9B9"/>
       </a:accent2>
       <a:accent3>
-        <a:srgbClr val="A5A5A5"/>
+        <a:srgbClr val="A7B789"/>
       </a:accent3>
       <a:accent4>
-        <a:srgbClr val="FFC000"/>
+        <a:srgbClr val="B9A489"/>
       </a:accent4>
       <a:accent5>
-        <a:srgbClr val="5B9BD5"/>
+        <a:srgbClr val="8D6374"/>
       </a:accent5>
       <a:accent6>
-        <a:srgbClr val="70AD47"/>
+        <a:srgbClr val="9B7362"/>
       </a:accent6>
       <a:hlink>
-        <a:srgbClr val="0563C1"/>
+        <a:srgbClr val="67AABF"/>
       </a:hlink>
       <a:folHlink>
-        <a:srgbClr val="954F72"/>
+        <a:srgbClr val="ABAFA5"/>
       </a:folHlink>
     </a:clrScheme>
-    <a:fontScheme name="Стандартная">
+    <a:fontScheme name="Вид">
       <a:majorFont>
-        <a:latin typeface="Calibri Light" panose="020F0302020204030204"/>
+        <a:latin typeface="Century Schoolbook" panose="02040604050505020304"/>
         <a:ea typeface=""/>
         <a:cs typeface=""/>
-        <a:font script="Jpan" typeface="游ゴシック Light"/>
+        <a:font script="Jpan" typeface="ＭＳ ゴシック"/>
         <a:font script="Hang" typeface="맑은 고딕"/>
-        <a:font script="Hans" typeface="等线 Light"/>
+        <a:font script="Hans" typeface="宋体"/>
         <a:font script="Hant" typeface="新細明體"/>
-        <a:font script="Arab" typeface="Times New Roman"/>
-        <a:font script="Hebr" typeface="Times New Roman"/>
-        <a:font script="Thai" typeface="Angsana New"/>
-        <a:font script="Ethi" typeface="Nyala"/>
-        <a:font script="Beng" typeface="Vrinda"/>
-        <a:font script="Gujr" typeface="Shruti"/>
-        <a:font script="Khmr" typeface="MoolBoran"/>
-        <a:font script="Knda" typeface="Tunga"/>
-        <a:font script="Guru" typeface="Raavi"/>
-        <a:font script="Cans" typeface="Euphemia"/>
-        <a:font script="Cher" typeface="Plantagenet Cherokee"/>
-        <a:font script="Yiii" typeface="Microsoft Yi Baiti"/>
-        <a:font script="Tibt" typeface="Microsoft Himalaya"/>
-        <a:font script="Thaa" typeface="MV Boli"/>
-        <a:font script="Deva" typeface="Mangal"/>
-        <a:font script="Telu" typeface="Gautami"/>
-        <a:font script="Taml" typeface="Latha"/>
-        <a:font script="Syrc" typeface="Estrangelo Edessa"/>
-        <a:font script="Orya" typeface="Kalinga"/>
-        <a:font script="Mlym" typeface="Kartika"/>
-        <a:font script="Laoo" typeface="DokChampa"/>
-        <a:font script="Sinh" typeface="Iskoola Pota"/>
-        <a:font script="Mong" typeface="Mongolian Baiti"/>
-        <a:font script="Viet" typeface="Times New Roman"/>
-        <a:font script="Uigh" typeface="Microsoft Uighur"/>
-        <a:font script="Geor" typeface="Sylfaen"/>
-        <a:font script="Armn" typeface="Arial"/>
-        <a:font script="Bugi" typeface="Leelawadee UI"/>
-        <a:font script="Bopo" typeface="Microsoft JhengHei"/>
-        <a:font script="Java" typeface="Javanese Text"/>
-        <a:font script="Lisu" typeface="Segoe UI"/>
-        <a:font script="Mymr" typeface="Myanmar Text"/>
-        <a:font script="Nkoo" typeface="Ebrima"/>
-        <a:font script="Olck" typeface="Nirmala UI"/>
-        <a:font script="Osma" typeface="Ebrima"/>
-        <a:font script="Phag" typeface="Phagspa"/>
-        <a:font script="Syrn" typeface="Estrangelo Edessa"/>
-        <a:font script="Syrj" typeface="Estrangelo Edessa"/>
-        <a:font script="Syre" typeface="Estrangelo Edessa"/>
-        <a:font script="Sora" typeface="Nirmala UI"/>
-        <a:font script="Tale" typeface="Microsoft Tai Le"/>
-        <a:font script="Talu" typeface="Microsoft New Tai Lue"/>
-        <a:font script="Tfng" typeface="Ebrima"/>
-      </a:majorFont>
-      <a:minorFont>
-        <a:latin typeface="Calibri" panose="020F0502020204030204"/>
-        <a:ea typeface=""/>
-        <a:cs typeface=""/>
-        <a:font script="Jpan" typeface="游ゴシック"/>
-        <a:font script="Hang" typeface="맑은 고딕"/>
-        <a:font script="Hans" typeface="等线"/>
-        <a:font script="Hant" typeface="新細明體"/>
-        <a:font script="Arab" typeface="Arial"/>
-        <a:font script="Hebr" typeface="Arial"/>
-        <a:font script="Thai" typeface="Cordia New"/>
+        <a:font script="Arab" typeface="Tahoma"/>
+        <a:font script="Hebr" typeface="Gisha"/>
+        <a:font script="Thai" typeface="DilleniaUPC"/>
         <a:font script="Ethi" typeface="Nyala"/>
         <a:font script="Beng" typeface="Vrinda"/>
         <a:font script="Gujr" typeface="Shruti"/>
@@ -6574,107 +8097,86 @@
         <a:font script="Laoo" typeface="DokChampa"/>
         <a:font script="Sinh" typeface="Iskoola Pota"/>
         <a:font script="Mong" typeface="Mongolian Baiti"/>
-        <a:font script="Viet" typeface="Arial"/>
+        <a:font script="Viet" typeface="Tahoma"/>
         <a:font script="Uigh" typeface="Microsoft Uighur"/>
         <a:font script="Geor" typeface="Sylfaen"/>
-        <a:font script="Armn" typeface="Arial"/>
-        <a:font script="Bugi" typeface="Leelawadee UI"/>
-        <a:font script="Bopo" typeface="Microsoft JhengHei"/>
-        <a:font script="Java" typeface="Javanese Text"/>
-        <a:font script="Lisu" typeface="Segoe UI"/>
-        <a:font script="Mymr" typeface="Myanmar Text"/>
-        <a:font script="Nkoo" typeface="Ebrima"/>
-        <a:font script="Olck" typeface="Nirmala UI"/>
-        <a:font script="Osma" typeface="Ebrima"/>
-        <a:font script="Phag" typeface="Phagspa"/>
-        <a:font script="Syrn" typeface="Estrangelo Edessa"/>
-        <a:font script="Syrj" typeface="Estrangelo Edessa"/>
-        <a:font script="Syre" typeface="Estrangelo Edessa"/>
-        <a:font script="Sora" typeface="Nirmala UI"/>
-        <a:font script="Tale" typeface="Microsoft Tai Le"/>
-        <a:font script="Talu" typeface="Microsoft New Tai Lue"/>
-        <a:font script="Tfng" typeface="Ebrima"/>
+      </a:majorFont>
+      <a:minorFont>
+        <a:latin typeface="Century Schoolbook" panose="02040604050505020304"/>
+        <a:ea typeface=""/>
+        <a:cs typeface=""/>
+        <a:font script="Jpan" typeface="ＭＳ ゴシック"/>
+        <a:font script="Hang" typeface="맑은 고딕"/>
+        <a:font script="Hans" typeface="宋体"/>
+        <a:font script="Hant" typeface="新細明體"/>
+        <a:font script="Arab" typeface="Tahoma"/>
+        <a:font script="Hebr" typeface="Gisha"/>
+        <a:font script="Thai" typeface="DilleniaUPC"/>
+        <a:font script="Ethi" typeface="Nyala"/>
+        <a:font script="Beng" typeface="Vrinda"/>
+        <a:font script="Gujr" typeface="Shruti"/>
+        <a:font script="Khmr" typeface="DaunPenh"/>
+        <a:font script="Knda" typeface="Tunga"/>
+        <a:font script="Guru" typeface="Raavi"/>
+        <a:font script="Cans" typeface="Euphemia"/>
+        <a:font script="Cher" typeface="Plantagenet Cherokee"/>
+        <a:font script="Yiii" typeface="Microsoft Yi Baiti"/>
+        <a:font script="Tibt" typeface="Microsoft Himalaya"/>
+        <a:font script="Thaa" typeface="MV Boli"/>
+        <a:font script="Deva" typeface="Mangal"/>
+        <a:font script="Telu" typeface="Gautami"/>
+        <a:font script="Taml" typeface="Latha"/>
+        <a:font script="Syrc" typeface="Estrangelo Edessa"/>
+        <a:font script="Orya" typeface="Kalinga"/>
+        <a:font script="Mlym" typeface="Kartika"/>
+        <a:font script="Laoo" typeface="DokChampa"/>
+        <a:font script="Sinh" typeface="Iskoola Pota"/>
+        <a:font script="Mong" typeface="Mongolian Baiti"/>
+        <a:font script="Viet" typeface="Verdana"/>
+        <a:font script="Uigh" typeface="Microsoft Uighur"/>
+        <a:font script="Geor" typeface="Sylfaen"/>
       </a:minorFont>
     </a:fontScheme>
-    <a:fmtScheme name="Стандартная">
+    <a:fmtScheme name="Вид">
       <a:fillStyleLst>
         <a:solidFill>
           <a:schemeClr val="phClr"/>
         </a:solidFill>
-        <a:gradFill rotWithShape="1">
-          <a:gsLst>
-            <a:gs pos="0">
-              <a:schemeClr val="phClr">
-                <a:lumMod val="110000"/>
-                <a:satMod val="105000"/>
-                <a:tint val="67000"/>
-              </a:schemeClr>
-            </a:gs>
-            <a:gs pos="50000">
-              <a:schemeClr val="phClr">
-                <a:lumMod val="105000"/>
-                <a:satMod val="103000"/>
-                <a:tint val="73000"/>
-              </a:schemeClr>
-            </a:gs>
-            <a:gs pos="100000">
-              <a:schemeClr val="phClr">
-                <a:lumMod val="105000"/>
-                <a:satMod val="109000"/>
-                <a:tint val="81000"/>
-              </a:schemeClr>
-            </a:gs>
-          </a:gsLst>
-          <a:lin ang="5400000" scaled="0"/>
-        </a:gradFill>
-        <a:gradFill rotWithShape="1">
-          <a:gsLst>
-            <a:gs pos="0">
-              <a:schemeClr val="phClr">
-                <a:satMod val="103000"/>
-                <a:lumMod val="102000"/>
-                <a:tint val="94000"/>
-              </a:schemeClr>
-            </a:gs>
-            <a:gs pos="50000">
-              <a:schemeClr val="phClr">
-                <a:satMod val="110000"/>
-                <a:lumMod val="100000"/>
-                <a:shade val="100000"/>
-              </a:schemeClr>
-            </a:gs>
-            <a:gs pos="100000">
-              <a:schemeClr val="phClr">
-                <a:lumMod val="99000"/>
-                <a:satMod val="120000"/>
-                <a:shade val="78000"/>
-              </a:schemeClr>
-            </a:gs>
-          </a:gsLst>
-          <a:lin ang="5400000" scaled="0"/>
-        </a:gradFill>
+        <a:solidFill>
+          <a:schemeClr val="phClr">
+            <a:tint val="60000"/>
+            <a:satMod val="120000"/>
+          </a:schemeClr>
+        </a:solidFill>
+        <a:solidFill>
+          <a:schemeClr val="phClr">
+            <a:shade val="75000"/>
+            <a:satMod val="160000"/>
+          </a:schemeClr>
+        </a:solidFill>
       </a:fillStyleLst>
       <a:lnStyleLst>
-        <a:ln w="6350" cap="flat" cmpd="sng" algn="ctr">
+        <a:ln w="9525" cap="flat" cmpd="sng" algn="ctr">
           <a:solidFill>
             <a:schemeClr val="phClr"/>
           </a:solidFill>
           <a:prstDash val="solid"/>
-          <a:miter lim="800000"/>
         </a:ln>
-        <a:ln w="12700" cap="flat" cmpd="sng" algn="ctr">
+        <a:ln w="13970" cap="flat" cmpd="sng" algn="ctr">
           <a:solidFill>
             <a:schemeClr val="phClr"/>
           </a:solidFill>
           <a:prstDash val="solid"/>
-          <a:miter lim="800000"/>
         </a:ln>
-        <a:ln w="19050" cap="flat" cmpd="sng" algn="ctr">
+        <a:ln w="17145" cap="flat" cmpd="sng" algn="ctr">
           <a:solidFill>
-            <a:schemeClr val="phClr"/>
+            <a:schemeClr val="phClr">
+              <a:shade val="95000"/>
+              <a:alpha val="95000"/>
+              <a:satMod val="150000"/>
+            </a:schemeClr>
           </a:solidFill>
           <a:prstDash val="solid"/>
-          <a:miter lim="800000"/>
         </a:ln>
       </a:lnStyleLst>
       <a:effectStyleLst>
@@ -6682,16 +8184,52 @@
           <a:effectLst/>
         </a:effectStyle>
         <a:effectStyle>
-          <a:effectLst/>
+          <a:effectLst>
+            <a:outerShdw blurRad="50800" dist="15240" dir="5400000" algn="tl" rotWithShape="0">
+              <a:srgbClr val="000000">
+                <a:alpha val="75000"/>
+              </a:srgbClr>
+            </a:outerShdw>
+          </a:effectLst>
+          <a:scene3d>
+            <a:camera prst="orthographicFront">
+              <a:rot lat="0" lon="0" rev="0"/>
+            </a:camera>
+            <a:lightRig rig="brightRoom" dir="tl"/>
+          </a:scene3d>
+          <a:sp3d contourW="9525" prstMaterial="flat">
+            <a:bevelT w="0" h="0" prst="coolSlant"/>
+            <a:contourClr>
+              <a:schemeClr val="phClr">
+                <a:shade val="35000"/>
+                <a:satMod val="130000"/>
+              </a:schemeClr>
+            </a:contourClr>
+          </a:sp3d>
         </a:effectStyle>
         <a:effectStyle>
           <a:effectLst>
-            <a:outerShdw blurRad="57150" dist="19050" dir="5400000" algn="ctr" rotWithShape="0">
+            <a:outerShdw blurRad="76200" dist="25400" dir="5400000" algn="tl" rotWithShape="0">
               <a:srgbClr val="000000">
-                <a:alpha val="63000"/>
+                <a:alpha val="55000"/>
               </a:srgbClr>
             </a:outerShdw>
           </a:effectLst>
+          <a:scene3d>
+            <a:camera prst="orthographicFront">
+              <a:rot lat="0" lon="0" rev="0"/>
+            </a:camera>
+            <a:lightRig rig="brightRoom" dir="tl"/>
+          </a:scene3d>
+          <a:sp3d contourW="19050" prstMaterial="flat">
+            <a:bevelT w="0" h="0" prst="coolSlant"/>
+            <a:contourClr>
+              <a:schemeClr val="phClr">
+                <a:shade val="25000"/>
+                <a:satMod val="140000"/>
+              </a:schemeClr>
+            </a:contourClr>
+          </a:sp3d>
         </a:effectStyle>
       </a:effectStyleLst>
       <a:bgFillStyleLst>
@@ -6708,28 +8246,23 @@
           <a:gsLst>
             <a:gs pos="0">
               <a:schemeClr val="phClr">
-                <a:tint val="93000"/>
-                <a:satMod val="150000"/>
+                <a:tint val="94000"/>
                 <a:shade val="98000"/>
+                <a:satMod val="130000"/>
                 <a:lumMod val="102000"/>
-              </a:schemeClr>
-            </a:gs>
-            <a:gs pos="50000">
-              <a:schemeClr val="phClr">
-                <a:tint val="98000"/>
-                <a:satMod val="130000"/>
-                <a:shade val="90000"/>
-                <a:lumMod val="103000"/>
               </a:schemeClr>
             </a:gs>
             <a:gs pos="100000">
               <a:schemeClr val="phClr">
-                <a:shade val="63000"/>
-                <a:satMod val="120000"/>
+                <a:tint val="98000"/>
+                <a:shade val="78000"/>
+                <a:satMod val="140000"/>
               </a:schemeClr>
             </a:gs>
           </a:gsLst>
-          <a:lin ang="5400000" scaled="0"/>
+          <a:path path="circle">
+            <a:fillToRect l="100000" t="100000" r="100000" b="100000"/>
+          </a:path>
         </a:gradFill>
       </a:bgFillStyleLst>
     </a:fmtScheme>
@@ -6738,7 +8271,7 @@
   <a:extraClrSchemeLst/>
   <a:extLst>
     <a:ext uri="{05A4C25C-085E-4340-85A3-A5531E510DB2}">
-      <thm15:themeFamily xmlns:thm15="http://schemas.microsoft.com/office/thememl/2012/main" name="Office Theme" id="{62F939B6-93AF-4DB8-9C6B-D6C7DFDC589F}" vid="{4A3C46E8-61CC-4603-A589-7422A47A8E4A}"/>
+      <thm15:themeFamily xmlns:thm15="http://schemas.microsoft.com/office/thememl/2012/main" name="View" id="{BA0EB5A6-F2D4-4F82-977B-64ADEE4A2A69}" vid="{3969A8A2-35DB-4E3B-8885-16FD20568674}"/>
     </a:ext>
   </a:extLst>
 </a:theme>

--- a/docs/Презентация.pptx
+++ b/docs/Презентация.pptx
@@ -5,7 +5,7 @@
     <p:sldMasterId id="2147483803" r:id="rId1"/>
   </p:sldMasterIdLst>
   <p:notesMasterIdLst>
-    <p:notesMasterId r:id="rId16"/>
+    <p:notesMasterId r:id="rId13"/>
   </p:notesMasterIdLst>
   <p:sldIdLst>
     <p:sldId id="256" r:id="rId2"/>
@@ -14,14 +14,11 @@
     <p:sldId id="262" r:id="rId5"/>
     <p:sldId id="264" r:id="rId6"/>
     <p:sldId id="269" r:id="rId7"/>
-    <p:sldId id="270" r:id="rId8"/>
-    <p:sldId id="271" r:id="rId9"/>
-    <p:sldId id="272" r:id="rId10"/>
-    <p:sldId id="273" r:id="rId11"/>
-    <p:sldId id="267" r:id="rId12"/>
-    <p:sldId id="265" r:id="rId13"/>
-    <p:sldId id="266" r:id="rId14"/>
-    <p:sldId id="268" r:id="rId15"/>
+    <p:sldId id="272" r:id="rId8"/>
+    <p:sldId id="273" r:id="rId9"/>
+    <p:sldId id="265" r:id="rId10"/>
+    <p:sldId id="266" r:id="rId11"/>
+    <p:sldId id="268" r:id="rId12"/>
   </p:sldIdLst>
   <p:sldSz cx="9144000" cy="6858000" type="screen4x3"/>
   <p:notesSz cx="6858000" cy="9144000"/>
@@ -210,7 +207,7 @@
           <a:p>
             <a:fld id="{DB406D86-2B39-4EB5-BC1A-528B84856720}" type="datetimeFigureOut">
               <a:rPr lang="ru-RU" smtClean="0"/>
-              <a:t>15.06.2024</a:t>
+              <a:t>18.06.2024</a:t>
             </a:fld>
             <a:endParaRPr lang="ru-RU"/>
           </a:p>
@@ -643,185 +640,7 @@
           <a:p>
             <a:fld id="{600DD7E4-AEBE-4F2D-81C5-E23D161449AB}" type="slidenum">
               <a:rPr lang="ru-RU" smtClean="0"/>
-              <a:t>7</a:t>
-            </a:fld>
-            <a:endParaRPr lang="ru-RU"/>
-          </a:p>
-        </p:txBody>
-      </p:sp>
-    </p:spTree>
-    <p:extLst>
-      <p:ext uri="{BB962C8B-B14F-4D97-AF65-F5344CB8AC3E}">
-        <p14:creationId xmlns:p14="http://schemas.microsoft.com/office/powerpoint/2010/main" val="935467296"/>
-      </p:ext>
-    </p:extLst>
-  </p:cSld>
-  <p:clrMapOvr>
-    <a:masterClrMapping/>
-  </p:clrMapOvr>
-</p:notes>
-</file>
-
-<file path=ppt/notesSlides/notesSlide3.xml><?xml version="1.0" encoding="utf-8"?>
-<p:notes xmlns:a="http://schemas.openxmlformats.org/drawingml/2006/main" xmlns:r="http://schemas.openxmlformats.org/officeDocument/2006/relationships" xmlns:p="http://schemas.openxmlformats.org/presentationml/2006/main">
-  <p:cSld>
-    <p:spTree>
-      <p:nvGrpSpPr>
-        <p:cNvPr id="1" name=""/>
-        <p:cNvGrpSpPr/>
-        <p:nvPr/>
-      </p:nvGrpSpPr>
-      <p:grpSpPr>
-        <a:xfrm>
-          <a:off x="0" y="0"/>
-          <a:ext cx="0" cy="0"/>
-          <a:chOff x="0" y="0"/>
-          <a:chExt cx="0" cy="0"/>
-        </a:xfrm>
-      </p:grpSpPr>
-      <p:sp>
-        <p:nvSpPr>
-          <p:cNvPr id="2" name="Образ слайда 1"/>
-          <p:cNvSpPr>
-            <a:spLocks noGrp="1" noRot="1" noChangeAspect="1"/>
-          </p:cNvSpPr>
-          <p:nvPr>
-            <p:ph type="sldImg"/>
-          </p:nvPr>
-        </p:nvSpPr>
-        <p:spPr>
-          <a:xfrm>
-            <a:off x="1371600" y="1143000"/>
-            <a:ext cx="4114800" cy="3086100"/>
-          </a:xfrm>
-        </p:spPr>
-      </p:sp>
-      <p:sp>
-        <p:nvSpPr>
-          <p:cNvPr id="3" name="Заметки 2"/>
-          <p:cNvSpPr>
-            <a:spLocks noGrp="1"/>
-          </p:cNvSpPr>
-          <p:nvPr>
-            <p:ph type="body" idx="1"/>
-          </p:nvPr>
-        </p:nvSpPr>
-        <p:spPr/>
-        <p:txBody>
-          <a:bodyPr/>
-          <a:lstStyle/>
-          <a:p>
-            <a:endParaRPr lang="ru-RU" dirty="0"/>
-          </a:p>
-        </p:txBody>
-      </p:sp>
-      <p:sp>
-        <p:nvSpPr>
-          <p:cNvPr id="4" name="Номер слайда 3"/>
-          <p:cNvSpPr>
-            <a:spLocks noGrp="1"/>
-          </p:cNvSpPr>
-          <p:nvPr>
-            <p:ph type="sldNum" sz="quarter" idx="5"/>
-          </p:nvPr>
-        </p:nvSpPr>
-        <p:spPr/>
-        <p:txBody>
-          <a:bodyPr/>
-          <a:lstStyle/>
-          <a:p>
-            <a:fld id="{600DD7E4-AEBE-4F2D-81C5-E23D161449AB}" type="slidenum">
-              <a:rPr lang="ru-RU" smtClean="0"/>
               <a:t>8</a:t>
-            </a:fld>
-            <a:endParaRPr lang="ru-RU"/>
-          </a:p>
-        </p:txBody>
-      </p:sp>
-    </p:spTree>
-    <p:extLst>
-      <p:ext uri="{BB962C8B-B14F-4D97-AF65-F5344CB8AC3E}">
-        <p14:creationId xmlns:p14="http://schemas.microsoft.com/office/powerpoint/2010/main" val="1220038699"/>
-      </p:ext>
-    </p:extLst>
-  </p:cSld>
-  <p:clrMapOvr>
-    <a:masterClrMapping/>
-  </p:clrMapOvr>
-</p:notes>
-</file>
-
-<file path=ppt/notesSlides/notesSlide4.xml><?xml version="1.0" encoding="utf-8"?>
-<p:notes xmlns:a="http://schemas.openxmlformats.org/drawingml/2006/main" xmlns:r="http://schemas.openxmlformats.org/officeDocument/2006/relationships" xmlns:p="http://schemas.openxmlformats.org/presentationml/2006/main">
-  <p:cSld>
-    <p:spTree>
-      <p:nvGrpSpPr>
-        <p:cNvPr id="1" name=""/>
-        <p:cNvGrpSpPr/>
-        <p:nvPr/>
-      </p:nvGrpSpPr>
-      <p:grpSpPr>
-        <a:xfrm>
-          <a:off x="0" y="0"/>
-          <a:ext cx="0" cy="0"/>
-          <a:chOff x="0" y="0"/>
-          <a:chExt cx="0" cy="0"/>
-        </a:xfrm>
-      </p:grpSpPr>
-      <p:sp>
-        <p:nvSpPr>
-          <p:cNvPr id="2" name="Образ слайда 1"/>
-          <p:cNvSpPr>
-            <a:spLocks noGrp="1" noRot="1" noChangeAspect="1"/>
-          </p:cNvSpPr>
-          <p:nvPr>
-            <p:ph type="sldImg"/>
-          </p:nvPr>
-        </p:nvSpPr>
-        <p:spPr>
-          <a:xfrm>
-            <a:off x="1371600" y="1143000"/>
-            <a:ext cx="4114800" cy="3086100"/>
-          </a:xfrm>
-        </p:spPr>
-      </p:sp>
-      <p:sp>
-        <p:nvSpPr>
-          <p:cNvPr id="3" name="Заметки 2"/>
-          <p:cNvSpPr>
-            <a:spLocks noGrp="1"/>
-          </p:cNvSpPr>
-          <p:nvPr>
-            <p:ph type="body" idx="1"/>
-          </p:nvPr>
-        </p:nvSpPr>
-        <p:spPr/>
-        <p:txBody>
-          <a:bodyPr/>
-          <a:lstStyle/>
-          <a:p>
-            <a:endParaRPr lang="ru-RU" dirty="0"/>
-          </a:p>
-        </p:txBody>
-      </p:sp>
-      <p:sp>
-        <p:nvSpPr>
-          <p:cNvPr id="4" name="Номер слайда 3"/>
-          <p:cNvSpPr>
-            <a:spLocks noGrp="1"/>
-          </p:cNvSpPr>
-          <p:nvPr>
-            <p:ph type="sldNum" sz="quarter" idx="5"/>
-          </p:nvPr>
-        </p:nvSpPr>
-        <p:spPr/>
-        <p:txBody>
-          <a:bodyPr/>
-          <a:lstStyle/>
-          <a:p>
-            <a:fld id="{600DD7E4-AEBE-4F2D-81C5-E23D161449AB}" type="slidenum">
-              <a:rPr lang="ru-RU" smtClean="0"/>
-              <a:t>10</a:t>
             </a:fld>
             <a:endParaRPr lang="ru-RU"/>
           </a:p>
@@ -1047,7 +866,7 @@
           <a:p>
             <a:fld id="{B93E592B-316F-437C-9AE0-9B59089EEBBB}" type="datetimeFigureOut">
               <a:rPr lang="ru-RU" smtClean="0"/>
-              <a:t>15.06.2024</a:t>
+              <a:t>18.06.2024</a:t>
             </a:fld>
             <a:endParaRPr lang="ru-RU"/>
           </a:p>
@@ -1239,7 +1058,7 @@
           <a:p>
             <a:fld id="{B93E592B-316F-437C-9AE0-9B59089EEBBB}" type="datetimeFigureOut">
               <a:rPr lang="ru-RU" smtClean="0"/>
-              <a:t>15.06.2024</a:t>
+              <a:t>18.06.2024</a:t>
             </a:fld>
             <a:endParaRPr lang="ru-RU"/>
           </a:p>
@@ -1419,7 +1238,7 @@
           <a:p>
             <a:fld id="{B93E592B-316F-437C-9AE0-9B59089EEBBB}" type="datetimeFigureOut">
               <a:rPr lang="ru-RU" smtClean="0"/>
-              <a:t>15.06.2024</a:t>
+              <a:t>18.06.2024</a:t>
             </a:fld>
             <a:endParaRPr lang="ru-RU"/>
           </a:p>
@@ -1589,7 +1408,7 @@
           <a:p>
             <a:fld id="{B93E592B-316F-437C-9AE0-9B59089EEBBB}" type="datetimeFigureOut">
               <a:rPr lang="ru-RU" smtClean="0"/>
-              <a:t>15.06.2024</a:t>
+              <a:t>18.06.2024</a:t>
             </a:fld>
             <a:endParaRPr lang="ru-RU"/>
           </a:p>
@@ -1843,7 +1662,7 @@
           <a:p>
             <a:fld id="{B93E592B-316F-437C-9AE0-9B59089EEBBB}" type="datetimeFigureOut">
               <a:rPr lang="ru-RU" smtClean="0"/>
-              <a:t>15.06.2024</a:t>
+              <a:t>18.06.2024</a:t>
             </a:fld>
             <a:endParaRPr lang="ru-RU"/>
           </a:p>
@@ -2169,7 +1988,7 @@
           <a:p>
             <a:fld id="{B93E592B-316F-437C-9AE0-9B59089EEBBB}" type="datetimeFigureOut">
               <a:rPr lang="ru-RU" smtClean="0"/>
-              <a:t>15.06.2024</a:t>
+              <a:t>18.06.2024</a:t>
             </a:fld>
             <a:endParaRPr lang="ru-RU"/>
           </a:p>
@@ -2589,7 +2408,7 @@
           <a:p>
             <a:fld id="{B93E592B-316F-437C-9AE0-9B59089EEBBB}" type="datetimeFigureOut">
               <a:rPr lang="ru-RU" smtClean="0"/>
-              <a:t>15.06.2024</a:t>
+              <a:t>18.06.2024</a:t>
             </a:fld>
             <a:endParaRPr lang="ru-RU"/>
           </a:p>
@@ -2707,7 +2526,7 @@
           <a:p>
             <a:fld id="{B93E592B-316F-437C-9AE0-9B59089EEBBB}" type="datetimeFigureOut">
               <a:rPr lang="ru-RU" smtClean="0"/>
-              <a:t>15.06.2024</a:t>
+              <a:t>18.06.2024</a:t>
             </a:fld>
             <a:endParaRPr lang="ru-RU"/>
           </a:p>
@@ -2802,7 +2621,7 @@
           <a:p>
             <a:fld id="{B93E592B-316F-437C-9AE0-9B59089EEBBB}" type="datetimeFigureOut">
               <a:rPr lang="ru-RU" smtClean="0"/>
-              <a:t>15.06.2024</a:t>
+              <a:t>18.06.2024</a:t>
             </a:fld>
             <a:endParaRPr lang="ru-RU"/>
           </a:p>
@@ -3089,7 +2908,7 @@
           <a:p>
             <a:fld id="{B93E592B-316F-437C-9AE0-9B59089EEBBB}" type="datetimeFigureOut">
               <a:rPr lang="ru-RU" smtClean="0"/>
-              <a:t>15.06.2024</a:t>
+              <a:t>18.06.2024</a:t>
             </a:fld>
             <a:endParaRPr lang="ru-RU"/>
           </a:p>
@@ -3411,7 +3230,7 @@
           <a:p>
             <a:fld id="{B93E592B-316F-437C-9AE0-9B59089EEBBB}" type="datetimeFigureOut">
               <a:rPr lang="ru-RU" smtClean="0"/>
-              <a:t>15.06.2024</a:t>
+              <a:t>18.06.2024</a:t>
             </a:fld>
             <a:endParaRPr lang="ru-RU"/>
           </a:p>
@@ -3665,7 +3484,7 @@
           <a:p>
             <a:fld id="{B93E592B-316F-437C-9AE0-9B59089EEBBB}" type="datetimeFigureOut">
               <a:rPr lang="ru-RU" smtClean="0"/>
-              <a:t>15.06.2024</a:t>
+              <a:t>18.06.2024</a:t>
             </a:fld>
             <a:endParaRPr lang="ru-RU"/>
           </a:p>
@@ -4380,7 +4199,7 @@
           <p:cNvPr id="2" name="Заголовок 1">
             <a:extLst>
               <a:ext uri="{FF2B5EF4-FFF2-40B4-BE49-F238E27FC236}">
-                <a16:creationId xmlns:a16="http://schemas.microsoft.com/office/drawing/2014/main" id="{2E82A089-67C8-6737-768B-5D7EBF7B9E0E}"/>
+                <a16:creationId xmlns:a16="http://schemas.microsoft.com/office/drawing/2014/main" id="{2C64B6FC-9AA1-371B-6B3C-18F406082223}"/>
               </a:ext>
             </a:extLst>
           </p:cNvPr>
@@ -4393,160 +4212,8 @@
         </p:nvSpPr>
         <p:spPr>
           <a:xfrm>
-            <a:off x="383722" y="1190353"/>
-            <a:ext cx="7269480" cy="994172"/>
-          </a:xfrm>
-        </p:spPr>
-        <p:txBody>
-          <a:bodyPr>
-            <a:normAutofit fontScale="90000"/>
-          </a:bodyPr>
-          <a:lstStyle/>
-          <a:p>
-            <a:r>
-              <a:rPr lang="ru-RU" b="1" u="sng" dirty="0"/>
-              <a:t>Страница просмотра документа</a:t>
-            </a:r>
-            <a:endParaRPr lang="ru-RU" dirty="0"/>
-          </a:p>
-        </p:txBody>
-      </p:sp>
-      <p:pic>
-        <p:nvPicPr>
-          <p:cNvPr id="6" name="Рисунок 5">
-            <a:extLst>
-              <a:ext uri="{FF2B5EF4-FFF2-40B4-BE49-F238E27FC236}">
-                <a16:creationId xmlns:a16="http://schemas.microsoft.com/office/drawing/2014/main" id="{7F332726-7FC6-DA2C-D2E5-16F2521C9E54}"/>
-              </a:ext>
-            </a:extLst>
-          </p:cNvPr>
-          <p:cNvPicPr>
-            <a:picLocks noChangeAspect="1"/>
-          </p:cNvPicPr>
-          <p:nvPr/>
-        </p:nvPicPr>
-        <p:blipFill>
-          <a:blip r:embed="rId3">
-            <a:extLst>
-              <a:ext uri="{28A0092B-C50C-407E-A947-70E740481C1C}">
-                <a14:useLocalDpi xmlns:a14="http://schemas.microsoft.com/office/drawing/2010/main" val="0"/>
-              </a:ext>
-            </a:extLst>
-          </a:blip>
-          <a:stretch>
-            <a:fillRect/>
-          </a:stretch>
-        </p:blipFill>
-        <p:spPr>
-          <a:xfrm>
-            <a:off x="383722" y="2291859"/>
-            <a:ext cx="6065522" cy="2543032"/>
-          </a:xfrm>
-          <a:prstGeom prst="rect">
-            <a:avLst/>
-          </a:prstGeom>
-          <a:effectLst>
-            <a:outerShdw blurRad="50800" dist="38100" dir="2700000" algn="tl" rotWithShape="0">
-              <a:prstClr val="black">
-                <a:alpha val="40000"/>
-              </a:prstClr>
-            </a:outerShdw>
-          </a:effectLst>
-        </p:spPr>
-      </p:pic>
-      <p:pic>
-        <p:nvPicPr>
-          <p:cNvPr id="10" name="Рисунок 9">
-            <a:extLst>
-              <a:ext uri="{FF2B5EF4-FFF2-40B4-BE49-F238E27FC236}">
-                <a16:creationId xmlns:a16="http://schemas.microsoft.com/office/drawing/2014/main" id="{645735AF-25F2-088B-85AE-8DD117302323}"/>
-              </a:ext>
-            </a:extLst>
-          </p:cNvPr>
-          <p:cNvPicPr>
-            <a:picLocks noChangeAspect="1"/>
-          </p:cNvPicPr>
-          <p:nvPr/>
-        </p:nvPicPr>
-        <p:blipFill>
-          <a:blip r:embed="rId4">
-            <a:extLst>
-              <a:ext uri="{28A0092B-C50C-407E-A947-70E740481C1C}">
-                <a14:useLocalDpi xmlns:a14="http://schemas.microsoft.com/office/drawing/2010/main" val="0"/>
-              </a:ext>
-            </a:extLst>
-          </a:blip>
-          <a:stretch>
-            <a:fillRect/>
-          </a:stretch>
-        </p:blipFill>
-        <p:spPr>
-          <a:xfrm>
-            <a:off x="4300404" y="4274773"/>
-            <a:ext cx="3446444" cy="1120237"/>
-          </a:xfrm>
-          <a:prstGeom prst="rect">
-            <a:avLst/>
-          </a:prstGeom>
-          <a:effectLst>
-            <a:outerShdw blurRad="50800" dist="38100" dir="2700000" algn="tl" rotWithShape="0">
-              <a:prstClr val="black">
-                <a:alpha val="40000"/>
-              </a:prstClr>
-            </a:outerShdw>
-          </a:effectLst>
-        </p:spPr>
-      </p:pic>
-    </p:spTree>
-    <p:extLst>
-      <p:ext uri="{BB962C8B-B14F-4D97-AF65-F5344CB8AC3E}">
-        <p14:creationId xmlns:p14="http://schemas.microsoft.com/office/powerpoint/2010/main" val="3951106101"/>
-      </p:ext>
-    </p:extLst>
-  </p:cSld>
-  <p:clrMapOvr>
-    <a:masterClrMapping/>
-  </p:clrMapOvr>
-</p:sld>
-</file>
-
-<file path=ppt/slides/slide11.xml><?xml version="1.0" encoding="utf-8"?>
-<p:sld xmlns:a="http://schemas.openxmlformats.org/drawingml/2006/main" xmlns:r="http://schemas.openxmlformats.org/officeDocument/2006/relationships" xmlns:p="http://schemas.openxmlformats.org/presentationml/2006/main">
-  <p:cSld>
-    <p:spTree>
-      <p:nvGrpSpPr>
-        <p:cNvPr id="1" name=""/>
-        <p:cNvGrpSpPr/>
-        <p:nvPr/>
-      </p:nvGrpSpPr>
-      <p:grpSpPr>
-        <a:xfrm>
-          <a:off x="0" y="0"/>
-          <a:ext cx="0" cy="0"/>
-          <a:chOff x="0" y="0"/>
-          <a:chExt cx="0" cy="0"/>
-        </a:xfrm>
-      </p:grpSpPr>
-      <p:sp>
-        <p:nvSpPr>
-          <p:cNvPr id="6" name="Заголовок 1">
-            <a:extLst>
-              <a:ext uri="{FF2B5EF4-FFF2-40B4-BE49-F238E27FC236}">
-                <a16:creationId xmlns:a16="http://schemas.microsoft.com/office/drawing/2014/main" id="{76277648-A197-6531-0425-FA34692EAC27}"/>
-              </a:ext>
-            </a:extLst>
-          </p:cNvPr>
-          <p:cNvSpPr>
-            <a:spLocks noGrp="1"/>
-          </p:cNvSpPr>
-          <p:nvPr>
-            <p:ph type="title"/>
-          </p:nvPr>
-        </p:nvSpPr>
-        <p:spPr>
-          <a:xfrm>
-            <a:off x="334735" y="1180079"/>
-            <a:ext cx="7804703" cy="994172"/>
+            <a:off x="360000" y="1170000"/>
+            <a:ext cx="4715691" cy="994172"/>
           </a:xfrm>
         </p:spPr>
         <p:txBody>
@@ -4556,460 +4223,9 @@
           <a:lstStyle/>
           <a:p>
             <a:r>
-              <a:rPr lang="ru-RU" sz="2700" b="1" u="sng" dirty="0"/>
-              <a:t>Обобщение текста</a:t>
-            </a:r>
-          </a:p>
-        </p:txBody>
-      </p:sp>
-      <p:pic>
-        <p:nvPicPr>
-          <p:cNvPr id="8" name="Объект 7">
-            <a:extLst>
-              <a:ext uri="{FF2B5EF4-FFF2-40B4-BE49-F238E27FC236}">
-                <a16:creationId xmlns:a16="http://schemas.microsoft.com/office/drawing/2014/main" id="{060442F5-D4C6-20AC-D7F6-57897710893C}"/>
-              </a:ext>
-            </a:extLst>
-          </p:cNvPr>
-          <p:cNvPicPr>
-            <a:picLocks noGrp="1" noChangeAspect="1"/>
-          </p:cNvPicPr>
-          <p:nvPr>
-            <p:ph sz="half" idx="1"/>
-          </p:nvPr>
-        </p:nvPicPr>
-        <p:blipFill>
-          <a:blip r:embed="rId2">
-            <a:extLst>
-              <a:ext uri="{28A0092B-C50C-407E-A947-70E740481C1C}">
-                <a14:useLocalDpi xmlns:a14="http://schemas.microsoft.com/office/drawing/2010/main" val="0"/>
-              </a:ext>
-            </a:extLst>
-          </a:blip>
-          <a:stretch>
-            <a:fillRect/>
-          </a:stretch>
-        </p:blipFill>
-        <p:spPr>
-          <a:xfrm>
-            <a:off x="334735" y="2255879"/>
-            <a:ext cx="2482298" cy="2000125"/>
-          </a:xfrm>
-          <a:prstGeom prst="rect">
-            <a:avLst/>
-          </a:prstGeom>
-          <a:effectLst>
-            <a:outerShdw blurRad="50800" dist="38100" dir="2700000" algn="tl" rotWithShape="0">
-              <a:prstClr val="black">
-                <a:alpha val="40000"/>
-              </a:prstClr>
-            </a:outerShdw>
-          </a:effectLst>
-        </p:spPr>
-      </p:pic>
-      <p:pic>
-        <p:nvPicPr>
-          <p:cNvPr id="10" name="Рисунок 9">
-            <a:extLst>
-              <a:ext uri="{FF2B5EF4-FFF2-40B4-BE49-F238E27FC236}">
-                <a16:creationId xmlns:a16="http://schemas.microsoft.com/office/drawing/2014/main" id="{39737559-F0E6-9995-AA97-21BC0D895615}"/>
-              </a:ext>
-            </a:extLst>
-          </p:cNvPr>
-          <p:cNvPicPr>
-            <a:picLocks noChangeAspect="1"/>
-          </p:cNvPicPr>
-          <p:nvPr/>
-        </p:nvPicPr>
-        <p:blipFill>
-          <a:blip r:embed="rId3"/>
-          <a:stretch>
-            <a:fillRect/>
-          </a:stretch>
-        </p:blipFill>
-        <p:spPr>
-          <a:xfrm>
-            <a:off x="2696993" y="2710036"/>
-            <a:ext cx="4880600" cy="2967885"/>
-          </a:xfrm>
-          <a:prstGeom prst="rect">
-            <a:avLst/>
-          </a:prstGeom>
-          <a:effectLst>
-            <a:outerShdw blurRad="50800" dist="38100" dir="2700000" algn="tl" rotWithShape="0">
-              <a:prstClr val="black">
-                <a:alpha val="40000"/>
-              </a:prstClr>
-            </a:outerShdw>
-          </a:effectLst>
-        </p:spPr>
-      </p:pic>
-    </p:spTree>
-    <p:extLst>
-      <p:ext uri="{BB962C8B-B14F-4D97-AF65-F5344CB8AC3E}">
-        <p14:creationId xmlns:p14="http://schemas.microsoft.com/office/powerpoint/2010/main" val="564058936"/>
-      </p:ext>
-    </p:extLst>
-  </p:cSld>
-  <p:clrMapOvr>
-    <a:masterClrMapping/>
-  </p:clrMapOvr>
-</p:sld>
-</file>
-
-<file path=ppt/slides/slide12.xml><?xml version="1.0" encoding="utf-8"?>
-<p:sld xmlns:a="http://schemas.openxmlformats.org/drawingml/2006/main" xmlns:r="http://schemas.openxmlformats.org/officeDocument/2006/relationships" xmlns:p="http://schemas.openxmlformats.org/presentationml/2006/main">
-  <p:cSld>
-    <p:spTree>
-      <p:nvGrpSpPr>
-        <p:cNvPr id="1" name=""/>
-        <p:cNvGrpSpPr/>
-        <p:nvPr/>
-      </p:nvGrpSpPr>
-      <p:grpSpPr>
-        <a:xfrm>
-          <a:off x="0" y="0"/>
-          <a:ext cx="0" cy="0"/>
-          <a:chOff x="0" y="0"/>
-          <a:chExt cx="0" cy="0"/>
-        </a:xfrm>
-      </p:grpSpPr>
-      <p:sp>
-        <p:nvSpPr>
-          <p:cNvPr id="6" name="Заголовок 1">
-            <a:extLst>
-              <a:ext uri="{FF2B5EF4-FFF2-40B4-BE49-F238E27FC236}">
-                <a16:creationId xmlns:a16="http://schemas.microsoft.com/office/drawing/2014/main" id="{76277648-A197-6531-0425-FA34692EAC27}"/>
-              </a:ext>
-            </a:extLst>
-          </p:cNvPr>
-          <p:cNvSpPr>
-            <a:spLocks noGrp="1"/>
-          </p:cNvSpPr>
-          <p:nvPr>
-            <p:ph type="title"/>
-          </p:nvPr>
-        </p:nvSpPr>
-        <p:spPr>
-          <a:xfrm>
-            <a:off x="349433" y="348955"/>
-            <a:ext cx="4314008" cy="994172"/>
-          </a:xfrm>
-        </p:spPr>
-        <p:txBody>
-          <a:bodyPr>
-            <a:normAutofit/>
-          </a:bodyPr>
-          <a:lstStyle/>
-          <a:p>
-            <a:r>
-              <a:rPr lang="ru-RU" sz="2700" b="1" u="sng" dirty="0"/>
-              <a:t>Обобщение текста</a:t>
-            </a:r>
-          </a:p>
-        </p:txBody>
-      </p:sp>
-      <p:sp>
-        <p:nvSpPr>
-          <p:cNvPr id="4" name="Объект 3">
-            <a:extLst>
-              <a:ext uri="{FF2B5EF4-FFF2-40B4-BE49-F238E27FC236}">
-                <a16:creationId xmlns:a16="http://schemas.microsoft.com/office/drawing/2014/main" id="{6FE20B52-975D-25F3-3BC2-29E51C3A9E13}"/>
-              </a:ext>
-            </a:extLst>
-          </p:cNvPr>
-          <p:cNvSpPr>
-            <a:spLocks noGrp="1"/>
-          </p:cNvSpPr>
-          <p:nvPr>
-            <p:ph sz="half" idx="1"/>
-          </p:nvPr>
-        </p:nvSpPr>
-        <p:spPr>
-          <a:xfrm>
-            <a:off x="349431" y="1456509"/>
-            <a:ext cx="4359729" cy="4008970"/>
-          </a:xfrm>
-        </p:spPr>
-        <p:txBody>
-          <a:bodyPr>
-            <a:normAutofit fontScale="85000" lnSpcReduction="10000"/>
-          </a:bodyPr>
-          <a:lstStyle/>
-          <a:p>
-            <a:pPr marL="0" indent="0">
-              <a:lnSpc>
-                <a:spcPct val="150000"/>
-              </a:lnSpc>
-              <a:buNone/>
-            </a:pPr>
-            <a:r>
-              <a:rPr lang="ru-RU" dirty="0">
-                <a:latin typeface="Times New Roman" panose="02020603050405020304" pitchFamily="18" charset="0"/>
-                <a:cs typeface="Times New Roman" panose="02020603050405020304" pitchFamily="18" charset="0"/>
-              </a:rPr>
-              <a:t>Алгоритм представляет собой следующее</a:t>
-            </a:r>
-            <a:r>
-              <a:rPr lang="en-US" dirty="0">
-                <a:latin typeface="Times New Roman" panose="02020603050405020304" pitchFamily="18" charset="0"/>
-                <a:cs typeface="Times New Roman" panose="02020603050405020304" pitchFamily="18" charset="0"/>
-              </a:rPr>
-              <a:t>:</a:t>
-            </a:r>
-            <a:endParaRPr lang="ru-RU" dirty="0">
-              <a:latin typeface="Times New Roman" panose="02020603050405020304" pitchFamily="18" charset="0"/>
-              <a:cs typeface="Times New Roman" panose="02020603050405020304" pitchFamily="18" charset="0"/>
-            </a:endParaRPr>
-          </a:p>
-          <a:p>
-            <a:pPr marL="385763" indent="-385763">
-              <a:lnSpc>
-                <a:spcPct val="150000"/>
-              </a:lnSpc>
-              <a:buFont typeface="+mj-lt"/>
-              <a:buAutoNum type="arabicPeriod"/>
-            </a:pPr>
-            <a:r>
-              <a:rPr lang="ru-RU" dirty="0">
-                <a:latin typeface="Times New Roman" panose="02020603050405020304" pitchFamily="18" charset="0"/>
-                <a:cs typeface="Times New Roman" panose="02020603050405020304" pitchFamily="18" charset="0"/>
-              </a:rPr>
-              <a:t>Выборка и обработка выделенного пользователем текста.</a:t>
-            </a:r>
-          </a:p>
-          <a:p>
-            <a:pPr marL="385763" indent="-385763">
-              <a:lnSpc>
-                <a:spcPct val="150000"/>
-              </a:lnSpc>
-              <a:buFont typeface="+mj-lt"/>
-              <a:buAutoNum type="arabicPeriod"/>
-            </a:pPr>
-            <a:r>
-              <a:rPr lang="ru-RU" dirty="0">
-                <a:latin typeface="Times New Roman" panose="02020603050405020304" pitchFamily="18" charset="0"/>
-                <a:cs typeface="Times New Roman" panose="02020603050405020304" pitchFamily="18" charset="0"/>
-              </a:rPr>
-              <a:t>Передача серверу текста.</a:t>
-            </a:r>
-          </a:p>
-          <a:p>
-            <a:pPr marL="385763" indent="-385763">
-              <a:lnSpc>
-                <a:spcPct val="150000"/>
-              </a:lnSpc>
-              <a:buFont typeface="+mj-lt"/>
-              <a:buAutoNum type="arabicPeriod"/>
-            </a:pPr>
-            <a:r>
-              <a:rPr lang="ru-RU" dirty="0">
-                <a:latin typeface="Times New Roman" panose="02020603050405020304" pitchFamily="18" charset="0"/>
-                <a:cs typeface="Times New Roman" panose="02020603050405020304" pitchFamily="18" charset="0"/>
-              </a:rPr>
-              <a:t>Сервер формирует запрос.</a:t>
-            </a:r>
-          </a:p>
-          <a:p>
-            <a:pPr marL="385763" indent="-385763">
-              <a:lnSpc>
-                <a:spcPct val="150000"/>
-              </a:lnSpc>
-              <a:buFont typeface="+mj-lt"/>
-              <a:buAutoNum type="arabicPeriod"/>
-            </a:pPr>
-            <a:r>
-              <a:rPr lang="ru-RU" dirty="0">
-                <a:latin typeface="Times New Roman" panose="02020603050405020304" pitchFamily="18" charset="0"/>
-                <a:cs typeface="Times New Roman" panose="02020603050405020304" pitchFamily="18" charset="0"/>
-              </a:rPr>
-              <a:t>Отправка</a:t>
-            </a:r>
-            <a:r>
-              <a:rPr lang="en-US" dirty="0">
-                <a:latin typeface="Times New Roman" panose="02020603050405020304" pitchFamily="18" charset="0"/>
-                <a:cs typeface="Times New Roman" panose="02020603050405020304" pitchFamily="18" charset="0"/>
-              </a:rPr>
-              <a:t> </a:t>
-            </a:r>
-            <a:r>
-              <a:rPr lang="ru-RU" dirty="0">
-                <a:latin typeface="Times New Roman" panose="02020603050405020304" pitchFamily="18" charset="0"/>
-                <a:cs typeface="Times New Roman" panose="02020603050405020304" pitchFamily="18" charset="0"/>
-              </a:rPr>
-              <a:t>запроса к </a:t>
-            </a:r>
-            <a:r>
-              <a:rPr lang="en-US" dirty="0">
-                <a:latin typeface="Times New Roman" panose="02020603050405020304" pitchFamily="18" charset="0"/>
-                <a:cs typeface="Times New Roman" panose="02020603050405020304" pitchFamily="18" charset="0"/>
-              </a:rPr>
-              <a:t>API </a:t>
-            </a:r>
-            <a:r>
-              <a:rPr lang="ru-RU" dirty="0">
-                <a:latin typeface="Times New Roman" panose="02020603050405020304" pitchFamily="18" charset="0"/>
-                <a:cs typeface="Times New Roman" panose="02020603050405020304" pitchFamily="18" charset="0"/>
-              </a:rPr>
-              <a:t>ИИ</a:t>
-            </a:r>
-            <a:r>
-              <a:rPr lang="en-US" dirty="0">
-                <a:latin typeface="Times New Roman" panose="02020603050405020304" pitchFamily="18" charset="0"/>
-                <a:cs typeface="Times New Roman" panose="02020603050405020304" pitchFamily="18" charset="0"/>
-              </a:rPr>
-              <a:t>.</a:t>
-            </a:r>
-            <a:endParaRPr lang="ru-RU" dirty="0">
-              <a:latin typeface="Times New Roman" panose="02020603050405020304" pitchFamily="18" charset="0"/>
-              <a:cs typeface="Times New Roman" panose="02020603050405020304" pitchFamily="18" charset="0"/>
-            </a:endParaRPr>
-          </a:p>
-          <a:p>
-            <a:pPr marL="385763" indent="-385763">
-              <a:lnSpc>
-                <a:spcPct val="150000"/>
-              </a:lnSpc>
-              <a:buFont typeface="+mj-lt"/>
-              <a:buAutoNum type="arabicPeriod"/>
-            </a:pPr>
-            <a:r>
-              <a:rPr lang="ru-RU" dirty="0">
-                <a:latin typeface="Times New Roman" panose="02020603050405020304" pitchFamily="18" charset="0"/>
-                <a:cs typeface="Times New Roman" panose="02020603050405020304" pitchFamily="18" charset="0"/>
-              </a:rPr>
-              <a:t>Получение и обработка ответа сервером.</a:t>
-            </a:r>
-          </a:p>
-          <a:p>
-            <a:pPr marL="385763" indent="-385763">
-              <a:lnSpc>
-                <a:spcPct val="150000"/>
-              </a:lnSpc>
-              <a:buFont typeface="+mj-lt"/>
-              <a:buAutoNum type="arabicPeriod"/>
-            </a:pPr>
-            <a:r>
-              <a:rPr lang="ru-RU" dirty="0">
-                <a:latin typeface="Times New Roman" panose="02020603050405020304" pitchFamily="18" charset="0"/>
-                <a:cs typeface="Times New Roman" panose="02020603050405020304" pitchFamily="18" charset="0"/>
-              </a:rPr>
-              <a:t>Передача клиенту</a:t>
-            </a:r>
-            <a:r>
-              <a:rPr lang="en-US" dirty="0">
-                <a:latin typeface="Times New Roman" panose="02020603050405020304" pitchFamily="18" charset="0"/>
-                <a:cs typeface="Times New Roman" panose="02020603050405020304" pitchFamily="18" charset="0"/>
-              </a:rPr>
-              <a:t>.</a:t>
-            </a:r>
-          </a:p>
-          <a:p>
-            <a:pPr marL="0" indent="0">
-              <a:buNone/>
-            </a:pPr>
-            <a:endParaRPr lang="ru-RU" dirty="0"/>
-          </a:p>
-        </p:txBody>
-      </p:sp>
-      <p:pic>
-        <p:nvPicPr>
-          <p:cNvPr id="3" name="Объект 2">
-            <a:extLst>
-              <a:ext uri="{FF2B5EF4-FFF2-40B4-BE49-F238E27FC236}">
-                <a16:creationId xmlns:a16="http://schemas.microsoft.com/office/drawing/2014/main" id="{75196021-CC2A-B5A2-0DE7-DB2E2EA67EBE}"/>
-              </a:ext>
-            </a:extLst>
-          </p:cNvPr>
-          <p:cNvPicPr>
-            <a:picLocks noGrp="1" noChangeAspect="1"/>
-          </p:cNvPicPr>
-          <p:nvPr>
-            <p:ph sz="half" idx="2"/>
-          </p:nvPr>
-        </p:nvPicPr>
-        <p:blipFill>
-          <a:blip r:embed="rId2">
-            <a:extLst>
-              <a:ext uri="{28A0092B-C50C-407E-A947-70E740481C1C}">
-                <a14:useLocalDpi xmlns:a14="http://schemas.microsoft.com/office/drawing/2010/main" val="0"/>
-              </a:ext>
-            </a:extLst>
-          </a:blip>
-          <a:stretch>
-            <a:fillRect/>
-          </a:stretch>
-        </p:blipFill>
-        <p:spPr>
-          <a:xfrm>
-            <a:off x="4912131" y="348955"/>
-            <a:ext cx="1658486" cy="5497204"/>
-          </a:xfrm>
-        </p:spPr>
-      </p:pic>
-    </p:spTree>
-    <p:extLst>
-      <p:ext uri="{BB962C8B-B14F-4D97-AF65-F5344CB8AC3E}">
-        <p14:creationId xmlns:p14="http://schemas.microsoft.com/office/powerpoint/2010/main" val="3592267970"/>
-      </p:ext>
-    </p:extLst>
-  </p:cSld>
-  <p:clrMapOvr>
-    <a:masterClrMapping/>
-  </p:clrMapOvr>
-</p:sld>
-</file>
-
-<file path=ppt/slides/slide13.xml><?xml version="1.0" encoding="utf-8"?>
-<p:sld xmlns:a="http://schemas.openxmlformats.org/drawingml/2006/main" xmlns:r="http://schemas.openxmlformats.org/officeDocument/2006/relationships" xmlns:p="http://schemas.openxmlformats.org/presentationml/2006/main">
-  <p:cSld>
-    <p:spTree>
-      <p:nvGrpSpPr>
-        <p:cNvPr id="1" name=""/>
-        <p:cNvGrpSpPr/>
-        <p:nvPr/>
-      </p:nvGrpSpPr>
-      <p:grpSpPr>
-        <a:xfrm>
-          <a:off x="0" y="0"/>
-          <a:ext cx="0" cy="0"/>
-          <a:chOff x="0" y="0"/>
-          <a:chExt cx="0" cy="0"/>
-        </a:xfrm>
-      </p:grpSpPr>
-      <p:sp>
-        <p:nvSpPr>
-          <p:cNvPr id="2" name="Заголовок 1">
-            <a:extLst>
-              <a:ext uri="{FF2B5EF4-FFF2-40B4-BE49-F238E27FC236}">
-                <a16:creationId xmlns:a16="http://schemas.microsoft.com/office/drawing/2014/main" id="{2C64B6FC-9AA1-371B-6B3C-18F406082223}"/>
-              </a:ext>
-            </a:extLst>
-          </p:cNvPr>
-          <p:cNvSpPr>
-            <a:spLocks noGrp="1"/>
-          </p:cNvSpPr>
-          <p:nvPr>
-            <p:ph type="title"/>
-          </p:nvPr>
-        </p:nvSpPr>
-        <p:spPr>
-          <a:xfrm>
-            <a:off x="344534" y="1184979"/>
-            <a:ext cx="4715691" cy="994172"/>
-          </a:xfrm>
-        </p:spPr>
-        <p:txBody>
-          <a:bodyPr>
-            <a:normAutofit fontScale="90000"/>
-          </a:bodyPr>
-          <a:lstStyle/>
-          <a:p>
-            <a:r>
-              <a:rPr lang="ru-RU" b="1" u="sng" dirty="0"/>
+              <a:rPr lang="ru-RU" sz="2800" b="1" u="sng" dirty="0"/>
               <a:t>Определение слова</a:t>
             </a:r>
-            <a:endParaRPr lang="ru-RU" dirty="0"/>
           </a:p>
         </p:txBody>
       </p:sp>
@@ -5245,7 +4461,7 @@
 </p:sld>
 </file>
 
-<file path=ppt/slides/slide14.xml><?xml version="1.0" encoding="utf-8"?>
+<file path=ppt/slides/slide11.xml><?xml version="1.0" encoding="utf-8"?>
 <p:sld xmlns:a="http://schemas.openxmlformats.org/drawingml/2006/main" xmlns:r="http://schemas.openxmlformats.org/officeDocument/2006/relationships" xmlns:p="http://schemas.openxmlformats.org/presentationml/2006/main">
   <p:cSld>
     <p:spTree>
@@ -5280,26 +4496,26 @@
         </p:nvSpPr>
         <p:spPr>
           <a:xfrm>
-            <a:off x="476794" y="1126671"/>
+            <a:off x="360000" y="1170000"/>
             <a:ext cx="4118719" cy="994172"/>
           </a:xfrm>
         </p:spPr>
         <p:txBody>
           <a:bodyPr>
-            <a:normAutofit fontScale="90000"/>
+            <a:normAutofit/>
           </a:bodyPr>
           <a:lstStyle/>
           <a:p>
             <a:r>
-              <a:rPr lang="ru-RU" b="1" u="sng" dirty="0"/>
+              <a:rPr lang="ru-RU" sz="2800" b="1" u="sng" dirty="0"/>
               <a:t>Трекинг</a:t>
             </a:r>
             <a:r>
-              <a:rPr lang="ru-RU" b="1" i="1" u="sng" dirty="0"/>
+              <a:rPr lang="ru-RU" sz="2800" b="1" i="1" u="sng" dirty="0"/>
               <a:t> </a:t>
             </a:r>
             <a:r>
-              <a:rPr lang="ru-RU" b="1" u="sng" dirty="0"/>
+              <a:rPr lang="ru-RU" sz="2800" b="1" u="sng" dirty="0"/>
               <a:t>времени</a:t>
             </a:r>
           </a:p>
@@ -5323,7 +4539,7 @@
         </p:nvSpPr>
         <p:spPr>
           <a:xfrm>
-            <a:off x="476794" y="2226469"/>
+            <a:off x="421456" y="2424496"/>
             <a:ext cx="4494973" cy="3263504"/>
           </a:xfrm>
         </p:spPr>
@@ -5466,8 +4682,8 @@
         </p:nvSpPr>
         <p:spPr>
           <a:xfrm>
-            <a:off x="334736" y="1170283"/>
-            <a:ext cx="7886700" cy="715100"/>
+            <a:off x="360000" y="1170283"/>
+            <a:ext cx="7920000" cy="715100"/>
           </a:xfrm>
         </p:spPr>
         <p:txBody>
@@ -5477,7 +4693,7 @@
           <a:lstStyle/>
           <a:p>
             <a:r>
-              <a:rPr lang="ru-RU" b="1" u="sng" dirty="0"/>
+              <a:rPr lang="ru-RU" sz="2800" b="1" u="sng" dirty="0"/>
               <a:t>Цель</a:t>
             </a:r>
             <a:r>
@@ -5485,7 +4701,7 @@
               <a:t> </a:t>
             </a:r>
             <a:r>
-              <a:rPr lang="ru-RU" b="1" u="sng" dirty="0"/>
+              <a:rPr lang="ru-RU" sz="2800" b="1" u="sng" dirty="0"/>
               <a:t>работы</a:t>
             </a:r>
           </a:p>
@@ -5509,7 +4725,7 @@
         </p:nvSpPr>
         <p:spPr>
           <a:xfrm>
-            <a:off x="334736" y="1948747"/>
+            <a:off x="360000" y="1948747"/>
             <a:ext cx="7886700" cy="1028699"/>
           </a:xfrm>
         </p:spPr>
@@ -5551,7 +4767,7 @@
         </p:nvSpPr>
         <p:spPr>
           <a:xfrm>
-            <a:off x="334736" y="2890476"/>
+            <a:off x="393300" y="2915573"/>
             <a:ext cx="7886700" cy="648528"/>
           </a:xfrm>
           <a:prstGeom prst="rect">
@@ -5583,7 +4799,7 @@
           </a:lstStyle>
           <a:p>
             <a:r>
-              <a:rPr lang="ru-RU" sz="3300" b="1" u="sng" dirty="0"/>
+              <a:rPr lang="ru-RU" sz="2800" b="1" u="sng" spc="-50" dirty="0"/>
               <a:t>Задачи</a:t>
             </a:r>
           </a:p>
@@ -5605,8 +4821,8 @@
         </p:nvSpPr>
         <p:spPr>
           <a:xfrm>
-            <a:off x="334736" y="3539005"/>
-            <a:ext cx="7886700" cy="2060972"/>
+            <a:off x="426600" y="3548252"/>
+            <a:ext cx="7886700" cy="2848732"/>
           </a:xfrm>
           <a:prstGeom prst="rect">
             <a:avLst/>
@@ -5614,7 +4830,7 @@
         </p:spPr>
         <p:txBody>
           <a:bodyPr vert="horz" lIns="68580" tIns="34290" rIns="68580" bIns="34290" rtlCol="0">
-            <a:normAutofit lnSpcReduction="10000"/>
+            <a:normAutofit/>
           </a:bodyPr>
           <a:lstStyle>
             <a:lvl1pPr marL="228600" indent="-228600" algn="l" defTabSz="914400" rtl="0" eaLnBrk="1" latinLnBrk="0" hangingPunct="1">
@@ -5787,21 +5003,21 @@
               </a:lnSpc>
             </a:pPr>
             <a:r>
-              <a:rPr lang="ru-RU" sz="1350" dirty="0">
+              <a:rPr lang="ru-RU" sz="1800" dirty="0">
                 <a:latin typeface="Times New Roman" panose="02020603050405020304" pitchFamily="18" charset="0"/>
                 <a:cs typeface="Times New Roman" panose="02020603050405020304" pitchFamily="18" charset="0"/>
               </a:rPr>
               <a:t>Разработка программного обеспечения</a:t>
             </a:r>
             <a:r>
-              <a:rPr lang="en-US" sz="1350" dirty="0">
+              <a:rPr lang="en-US" sz="1800" dirty="0">
                 <a:latin typeface="Times New Roman" panose="02020603050405020304" pitchFamily="18" charset="0"/>
                 <a:cs typeface="Times New Roman" panose="02020603050405020304" pitchFamily="18" charset="0"/>
               </a:rPr>
               <a:t> </a:t>
             </a:r>
             <a:r>
-              <a:rPr lang="ru-RU" sz="1350" dirty="0">
+              <a:rPr lang="ru-RU" sz="1800" dirty="0">
                 <a:latin typeface="Times New Roman" panose="02020603050405020304" pitchFamily="18" charset="0"/>
                 <a:cs typeface="Times New Roman" panose="02020603050405020304" pitchFamily="18" charset="0"/>
               </a:rPr>
@@ -5815,7 +5031,7 @@
               </a:lnSpc>
             </a:pPr>
             <a:r>
-              <a:rPr lang="ru-RU" sz="1350" dirty="0">
+              <a:rPr lang="ru-RU" sz="1800" dirty="0">
                 <a:latin typeface="Times New Roman" panose="02020603050405020304" pitchFamily="18" charset="0"/>
                 <a:cs typeface="Times New Roman" panose="02020603050405020304" pitchFamily="18" charset="0"/>
               </a:rPr>
@@ -5829,7 +5045,7 @@
               </a:lnSpc>
             </a:pPr>
             <a:r>
-              <a:rPr lang="ru-RU" sz="1350" dirty="0">
+              <a:rPr lang="ru-RU" sz="1800" dirty="0">
                 <a:latin typeface="Times New Roman" panose="02020603050405020304" pitchFamily="18" charset="0"/>
                 <a:cs typeface="Times New Roman" panose="02020603050405020304" pitchFamily="18" charset="0"/>
               </a:rPr>
@@ -5843,7 +5059,7 @@
               </a:lnSpc>
             </a:pPr>
             <a:r>
-              <a:rPr lang="ru-RU" sz="1350" dirty="0">
+              <a:rPr lang="ru-RU" sz="1800" dirty="0">
                 <a:latin typeface="Times New Roman" panose="02020603050405020304" pitchFamily="18" charset="0"/>
                 <a:cs typeface="Times New Roman" panose="02020603050405020304" pitchFamily="18" charset="0"/>
               </a:rPr>
@@ -5857,7 +5073,7 @@
               </a:lnSpc>
             </a:pPr>
             <a:r>
-              <a:rPr lang="ru-RU" sz="1350" dirty="0">
+              <a:rPr lang="ru-RU" sz="1800" dirty="0">
                 <a:latin typeface="Times New Roman" panose="02020603050405020304" pitchFamily="18" charset="0"/>
                 <a:cs typeface="Times New Roman" panose="02020603050405020304" pitchFamily="18" charset="0"/>
               </a:rPr>
@@ -5914,16 +5130,18 @@
         </p:nvSpPr>
         <p:spPr>
           <a:xfrm>
-            <a:off x="338981" y="1180555"/>
+            <a:off x="360000" y="1170000"/>
             <a:ext cx="7269480" cy="994172"/>
           </a:xfrm>
         </p:spPr>
         <p:txBody>
-          <a:bodyPr/>
+          <a:bodyPr>
+            <a:normAutofit/>
+          </a:bodyPr>
           <a:lstStyle/>
           <a:p>
             <a:r>
-              <a:rPr lang="ru-RU" b="1" u="sng" dirty="0"/>
+              <a:rPr lang="ru-RU" sz="2800" b="1" u="sng" dirty="0"/>
               <a:t>Функции системы</a:t>
             </a:r>
           </a:p>
@@ -5947,13 +5165,13 @@
         </p:nvSpPr>
         <p:spPr>
           <a:xfrm>
-            <a:off x="338981" y="2277836"/>
-            <a:ext cx="6446520" cy="3263503"/>
+            <a:off x="360000" y="2303962"/>
+            <a:ext cx="7290499" cy="3574324"/>
           </a:xfrm>
         </p:spPr>
         <p:txBody>
           <a:bodyPr>
-            <a:normAutofit fontScale="92500" lnSpcReduction="10000"/>
+            <a:noAutofit/>
           </a:bodyPr>
           <a:lstStyle/>
           <a:p>
@@ -5963,7 +5181,7 @@
               </a:lnSpc>
             </a:pPr>
             <a:r>
-              <a:rPr lang="ru-RU" sz="1800" dirty="0">
+              <a:rPr lang="ru-RU" dirty="0">
                 <a:latin typeface="Times New Roman" panose="02020603050405020304" pitchFamily="18" charset="0"/>
                 <a:cs typeface="Times New Roman" panose="02020603050405020304" pitchFamily="18" charset="0"/>
               </a:rPr>
@@ -5977,7 +5195,7 @@
               </a:lnSpc>
             </a:pPr>
             <a:r>
-              <a:rPr lang="ru-RU" sz="1800" dirty="0">
+              <a:rPr lang="ru-RU" dirty="0">
                 <a:latin typeface="Times New Roman" panose="02020603050405020304" pitchFamily="18" charset="0"/>
                 <a:cs typeface="Times New Roman" panose="02020603050405020304" pitchFamily="18" charset="0"/>
               </a:rPr>
@@ -5991,7 +5209,7 @@
               </a:lnSpc>
             </a:pPr>
             <a:r>
-              <a:rPr lang="ru-RU" sz="1800" dirty="0">
+              <a:rPr lang="ru-RU" dirty="0">
                 <a:latin typeface="Times New Roman" panose="02020603050405020304" pitchFamily="18" charset="0"/>
                 <a:cs typeface="Times New Roman" panose="02020603050405020304" pitchFamily="18" charset="0"/>
               </a:rPr>
@@ -6005,7 +5223,7 @@
               </a:lnSpc>
             </a:pPr>
             <a:r>
-              <a:rPr lang="ru-RU" sz="1800" dirty="0">
+              <a:rPr lang="ru-RU" dirty="0">
                 <a:latin typeface="Times New Roman" panose="02020603050405020304" pitchFamily="18" charset="0"/>
                 <a:cs typeface="Times New Roman" panose="02020603050405020304" pitchFamily="18" charset="0"/>
               </a:rPr>
@@ -6019,14 +5237,14 @@
               </a:lnSpc>
             </a:pPr>
             <a:r>
-              <a:rPr lang="ru-RU" sz="1800" dirty="0">
+              <a:rPr lang="ru-RU" dirty="0">
                 <a:latin typeface="Times New Roman" panose="02020603050405020304" pitchFamily="18" charset="0"/>
                 <a:cs typeface="Times New Roman" panose="02020603050405020304" pitchFamily="18" charset="0"/>
               </a:rPr>
               <a:t>обобщение текста</a:t>
             </a:r>
             <a:r>
-              <a:rPr lang="en-US" sz="1800" dirty="0">
+              <a:rPr lang="en-US" dirty="0">
                 <a:latin typeface="Times New Roman" panose="02020603050405020304" pitchFamily="18" charset="0"/>
                 <a:cs typeface="Times New Roman" panose="02020603050405020304" pitchFamily="18" charset="0"/>
               </a:rPr>
@@ -6040,7 +5258,7 @@
               </a:lnSpc>
             </a:pPr>
             <a:r>
-              <a:rPr lang="ru-RU" sz="1800" dirty="0">
+              <a:rPr lang="ru-RU" dirty="0">
                 <a:latin typeface="Times New Roman" panose="02020603050405020304" pitchFamily="18" charset="0"/>
                 <a:cs typeface="Times New Roman" panose="02020603050405020304" pitchFamily="18" charset="0"/>
               </a:rPr>
@@ -6097,7 +5315,7 @@
         </p:nvSpPr>
         <p:spPr>
           <a:xfrm>
-            <a:off x="329184" y="1126829"/>
+            <a:off x="360000" y="1170000"/>
             <a:ext cx="7269480" cy="994172"/>
           </a:xfrm>
         </p:spPr>
@@ -6108,7 +5326,7 @@
           <a:lstStyle/>
           <a:p>
             <a:r>
-              <a:rPr lang="ru-RU" sz="2100" b="1" u="sng" dirty="0"/>
+              <a:rPr lang="ru-RU" sz="2800" b="1" u="sng" dirty="0"/>
               <a:t>Таблица результатов сравнительного анализа аналогов и системы</a:t>
             </a:r>
           </a:p>
@@ -6130,14 +5348,14 @@
             <p:ph idx="1"/>
             <p:extLst>
               <p:ext uri="{D42A27DB-BD31-4B8C-83A1-F6EECF244321}">
-                <p14:modId xmlns:p14="http://schemas.microsoft.com/office/powerpoint/2010/main" val="3753408370"/>
+                <p14:modId xmlns:p14="http://schemas.microsoft.com/office/powerpoint/2010/main" val="1998424720"/>
               </p:ext>
             </p:extLst>
           </p:nvPr>
         </p:nvGraphicFramePr>
         <p:xfrm>
-          <a:off x="383721" y="2125265"/>
-          <a:ext cx="7649935" cy="3961284"/>
+          <a:off x="360000" y="2353865"/>
+          <a:ext cx="7649935" cy="3605907"/>
         </p:xfrm>
         <a:graphic>
           <a:graphicData uri="http://schemas.openxmlformats.org/drawingml/2006/table">
@@ -6194,15 +5412,18 @@
                         </a:lnSpc>
                       </a:pPr>
                       <a:r>
-                        <a:rPr lang="ru-RU" sz="1400" b="1" kern="150" dirty="0">
+                        <a:rPr lang="ru-RU" sz="1200" b="1" kern="150" dirty="0">
                           <a:effectLst/>
+                          <a:latin typeface="Times New Roman" panose="02020603050405020304" pitchFamily="18" charset="0"/>
+                          <a:cs typeface="Times New Roman" panose="02020603050405020304" pitchFamily="18" charset="0"/>
                         </a:rPr>
                         <a:t>Название программного продукта</a:t>
                       </a:r>
-                      <a:endParaRPr lang="ru-RU" sz="1400" b="1" kern="150" dirty="0">
+                      <a:endParaRPr lang="ru-RU" sz="1200" b="1" kern="150" dirty="0">
                         <a:effectLst/>
                         <a:latin typeface="Times New Roman" panose="02020603050405020304" pitchFamily="18" charset="0"/>
                         <a:ea typeface="+mn-ea"/>
+                        <a:cs typeface="Times New Roman" panose="02020603050405020304" pitchFamily="18" charset="0"/>
                       </a:endParaRPr>
                     </a:p>
                   </a:txBody>
@@ -6219,15 +5440,18 @@
                         </a:lnSpc>
                       </a:pPr>
                       <a:r>
-                        <a:rPr lang="ru-RU" sz="1400" b="1" kern="150" dirty="0">
+                        <a:rPr lang="ru-RU" sz="1200" b="1" kern="150" dirty="0">
                           <a:effectLst/>
+                          <a:latin typeface="Times New Roman" panose="02020603050405020304" pitchFamily="18" charset="0"/>
+                          <a:cs typeface="Times New Roman" panose="02020603050405020304" pitchFamily="18" charset="0"/>
                         </a:rPr>
                         <a:t>Calibre</a:t>
                       </a:r>
-                      <a:endParaRPr lang="ru-RU" sz="1400" b="1" kern="150" dirty="0">
+                      <a:endParaRPr lang="ru-RU" sz="1200" b="1" kern="150" dirty="0">
                         <a:effectLst/>
                         <a:latin typeface="Times New Roman" panose="02020603050405020304" pitchFamily="18" charset="0"/>
                         <a:ea typeface="+mn-ea"/>
+                        <a:cs typeface="Times New Roman" panose="02020603050405020304" pitchFamily="18" charset="0"/>
                       </a:endParaRPr>
                     </a:p>
                   </a:txBody>
@@ -6244,15 +5468,18 @@
                         </a:lnSpc>
                       </a:pPr>
                       <a:r>
-                        <a:rPr lang="en-US" sz="1400" b="1" kern="150" dirty="0">
+                        <a:rPr lang="en-US" sz="1200" b="1" kern="150" dirty="0">
                           <a:effectLst/>
+                          <a:latin typeface="Times New Roman" panose="02020603050405020304" pitchFamily="18" charset="0"/>
+                          <a:cs typeface="Times New Roman" panose="02020603050405020304" pitchFamily="18" charset="0"/>
                         </a:rPr>
                         <a:t>Kavita</a:t>
                       </a:r>
-                      <a:endParaRPr lang="ru-RU" sz="1400" b="1" kern="150" dirty="0">
+                      <a:endParaRPr lang="ru-RU" sz="1200" b="1" kern="150" dirty="0">
                         <a:effectLst/>
                         <a:latin typeface="Times New Roman" panose="02020603050405020304" pitchFamily="18" charset="0"/>
                         <a:ea typeface="+mn-ea"/>
+                        <a:cs typeface="Times New Roman" panose="02020603050405020304" pitchFamily="18" charset="0"/>
                       </a:endParaRPr>
                     </a:p>
                   </a:txBody>
@@ -6269,15 +5496,18 @@
                         </a:lnSpc>
                       </a:pPr>
                       <a:r>
-                        <a:rPr lang="en-US" sz="1400" b="1" kern="150" dirty="0">
+                        <a:rPr lang="en-US" sz="1200" b="1" kern="150" dirty="0">
                           <a:effectLst/>
+                          <a:latin typeface="Times New Roman" panose="02020603050405020304" pitchFamily="18" charset="0"/>
+                          <a:cs typeface="Times New Roman" panose="02020603050405020304" pitchFamily="18" charset="0"/>
                         </a:rPr>
                         <a:t>Koodo</a:t>
                       </a:r>
-                      <a:endParaRPr lang="ru-RU" sz="1400" b="1" kern="150" dirty="0">
+                      <a:endParaRPr lang="ru-RU" sz="1200" b="1" kern="150" dirty="0">
                         <a:effectLst/>
                         <a:latin typeface="Times New Roman" panose="02020603050405020304" pitchFamily="18" charset="0"/>
                         <a:ea typeface="+mn-ea"/>
+                        <a:cs typeface="Times New Roman" panose="02020603050405020304" pitchFamily="18" charset="0"/>
                       </a:endParaRPr>
                     </a:p>
                   </a:txBody>
@@ -6294,15 +5524,18 @@
                         </a:lnSpc>
                       </a:pPr>
                       <a:r>
-                        <a:rPr lang="ru-RU" sz="1400" b="1" kern="150" dirty="0">
+                        <a:rPr lang="ru-RU" sz="1200" b="1" kern="150" dirty="0">
                           <a:effectLst/>
+                          <a:latin typeface="Times New Roman" panose="02020603050405020304" pitchFamily="18" charset="0"/>
+                          <a:cs typeface="Times New Roman" panose="02020603050405020304" pitchFamily="18" charset="0"/>
                         </a:rPr>
                         <a:t>Разработанный программный продукт</a:t>
                       </a:r>
-                      <a:endParaRPr lang="ru-RU" sz="1400" b="1" kern="150" dirty="0">
+                      <a:endParaRPr lang="ru-RU" sz="1200" b="1" kern="150" dirty="0">
                         <a:effectLst/>
                         <a:latin typeface="Times New Roman" panose="02020603050405020304" pitchFamily="18" charset="0"/>
                         <a:ea typeface="+mn-ea"/>
+                        <a:cs typeface="Times New Roman" panose="02020603050405020304" pitchFamily="18" charset="0"/>
                       </a:endParaRPr>
                     </a:p>
                   </a:txBody>
@@ -6326,15 +5559,18 @@
                         </a:lnSpc>
                       </a:pPr>
                       <a:r>
-                        <a:rPr lang="ru-RU" sz="1400" b="1" kern="150" dirty="0">
+                        <a:rPr lang="ru-RU" sz="1200" b="1" kern="150" dirty="0">
                           <a:effectLst/>
+                          <a:latin typeface="Times New Roman" panose="02020603050405020304" pitchFamily="18" charset="0"/>
+                          <a:cs typeface="Times New Roman" panose="02020603050405020304" pitchFamily="18" charset="0"/>
                         </a:rPr>
                         <a:t>Многопользовательская система</a:t>
                       </a:r>
-                      <a:endParaRPr lang="ru-RU" sz="1400" b="1" kern="150" dirty="0">
+                      <a:endParaRPr lang="ru-RU" sz="1200" b="1" kern="150" dirty="0">
                         <a:effectLst/>
                         <a:latin typeface="Times New Roman" panose="02020603050405020304" pitchFamily="18" charset="0"/>
                         <a:ea typeface="+mn-ea"/>
+                        <a:cs typeface="Times New Roman" panose="02020603050405020304" pitchFamily="18" charset="0"/>
                       </a:endParaRPr>
                     </a:p>
                   </a:txBody>
@@ -6351,15 +5587,18 @@
                         </a:lnSpc>
                       </a:pPr>
                       <a:r>
-                        <a:rPr lang="ru-RU" sz="1400" kern="150" dirty="0">
+                        <a:rPr lang="ru-RU" sz="1200" kern="150" dirty="0">
                           <a:effectLst/>
+                          <a:latin typeface="Times New Roman" panose="02020603050405020304" pitchFamily="18" charset="0"/>
+                          <a:cs typeface="Times New Roman" panose="02020603050405020304" pitchFamily="18" charset="0"/>
                         </a:rPr>
                         <a:t>-</a:t>
                       </a:r>
-                      <a:endParaRPr lang="ru-RU" sz="1400" kern="150" dirty="0">
+                      <a:endParaRPr lang="ru-RU" sz="1200" kern="150" dirty="0">
                         <a:effectLst/>
                         <a:latin typeface="Times New Roman" panose="02020603050405020304" pitchFamily="18" charset="0"/>
                         <a:ea typeface="+mn-ea"/>
+                        <a:cs typeface="Times New Roman" panose="02020603050405020304" pitchFamily="18" charset="0"/>
                       </a:endParaRPr>
                     </a:p>
                   </a:txBody>
@@ -6376,15 +5615,18 @@
                         </a:lnSpc>
                       </a:pPr>
                       <a:r>
-                        <a:rPr lang="ru-RU" sz="1400" kern="150">
+                        <a:rPr lang="ru-RU" sz="1200" kern="150">
                           <a:effectLst/>
+                          <a:latin typeface="Times New Roman" panose="02020603050405020304" pitchFamily="18" charset="0"/>
+                          <a:cs typeface="Times New Roman" panose="02020603050405020304" pitchFamily="18" charset="0"/>
                         </a:rPr>
                         <a:t>+</a:t>
                       </a:r>
-                      <a:endParaRPr lang="ru-RU" sz="1400" kern="150">
+                      <a:endParaRPr lang="ru-RU" sz="1200" kern="150">
                         <a:effectLst/>
                         <a:latin typeface="Times New Roman" panose="02020603050405020304" pitchFamily="18" charset="0"/>
                         <a:ea typeface="+mn-ea"/>
+                        <a:cs typeface="Times New Roman" panose="02020603050405020304" pitchFamily="18" charset="0"/>
                       </a:endParaRPr>
                     </a:p>
                   </a:txBody>
@@ -6401,15 +5643,18 @@
                         </a:lnSpc>
                       </a:pPr>
                       <a:r>
-                        <a:rPr lang="en-US" sz="1400" kern="150">
+                        <a:rPr lang="en-US" sz="1200" kern="150">
                           <a:effectLst/>
+                          <a:latin typeface="Times New Roman" panose="02020603050405020304" pitchFamily="18" charset="0"/>
+                          <a:cs typeface="Times New Roman" panose="02020603050405020304" pitchFamily="18" charset="0"/>
                         </a:rPr>
                         <a:t>-</a:t>
                       </a:r>
-                      <a:endParaRPr lang="ru-RU" sz="1400" kern="150">
+                      <a:endParaRPr lang="ru-RU" sz="1200" kern="150">
                         <a:effectLst/>
                         <a:latin typeface="Times New Roman" panose="02020603050405020304" pitchFamily="18" charset="0"/>
                         <a:ea typeface="+mn-ea"/>
+                        <a:cs typeface="Times New Roman" panose="02020603050405020304" pitchFamily="18" charset="0"/>
                       </a:endParaRPr>
                     </a:p>
                   </a:txBody>
@@ -6426,15 +5671,18 @@
                         </a:lnSpc>
                       </a:pPr>
                       <a:r>
-                        <a:rPr lang="ru-RU" sz="1400" kern="150">
+                        <a:rPr lang="ru-RU" sz="1200" kern="150">
                           <a:effectLst/>
+                          <a:latin typeface="Times New Roman" panose="02020603050405020304" pitchFamily="18" charset="0"/>
+                          <a:cs typeface="Times New Roman" panose="02020603050405020304" pitchFamily="18" charset="0"/>
                         </a:rPr>
                         <a:t>+</a:t>
                       </a:r>
-                      <a:endParaRPr lang="ru-RU" sz="1400" kern="150">
+                      <a:endParaRPr lang="ru-RU" sz="1200" kern="150">
                         <a:effectLst/>
                         <a:latin typeface="Times New Roman" panose="02020603050405020304" pitchFamily="18" charset="0"/>
                         <a:ea typeface="+mn-ea"/>
+                        <a:cs typeface="Times New Roman" panose="02020603050405020304" pitchFamily="18" charset="0"/>
                       </a:endParaRPr>
                     </a:p>
                   </a:txBody>
@@ -6458,15 +5706,18 @@
                         </a:lnSpc>
                       </a:pPr>
                       <a:r>
-                        <a:rPr lang="ru-RU" sz="1400" b="1" kern="150" dirty="0">
+                        <a:rPr lang="ru-RU" sz="1200" b="1" kern="150" dirty="0">
                           <a:effectLst/>
+                          <a:latin typeface="Times New Roman" panose="02020603050405020304" pitchFamily="18" charset="0"/>
+                          <a:cs typeface="Times New Roman" panose="02020603050405020304" pitchFamily="18" charset="0"/>
                         </a:rPr>
                         <a:t>Веб-интерфейс</a:t>
                       </a:r>
-                      <a:endParaRPr lang="ru-RU" sz="1400" b="1" kern="150" dirty="0">
+                      <a:endParaRPr lang="ru-RU" sz="1200" b="1" kern="150" dirty="0">
                         <a:effectLst/>
                         <a:latin typeface="Times New Roman" panose="02020603050405020304" pitchFamily="18" charset="0"/>
                         <a:ea typeface="+mn-ea"/>
+                        <a:cs typeface="Times New Roman" panose="02020603050405020304" pitchFamily="18" charset="0"/>
                       </a:endParaRPr>
                     </a:p>
                   </a:txBody>
@@ -6483,15 +5734,18 @@
                         </a:lnSpc>
                       </a:pPr>
                       <a:r>
-                        <a:rPr lang="ru-RU" sz="1400" kern="150">
+                        <a:rPr lang="ru-RU" sz="1200" kern="150">
                           <a:effectLst/>
+                          <a:latin typeface="Times New Roman" panose="02020603050405020304" pitchFamily="18" charset="0"/>
+                          <a:cs typeface="Times New Roman" panose="02020603050405020304" pitchFamily="18" charset="0"/>
                         </a:rPr>
                         <a:t>-</a:t>
                       </a:r>
-                      <a:endParaRPr lang="ru-RU" sz="1400" kern="150">
+                      <a:endParaRPr lang="ru-RU" sz="1200" kern="150">
                         <a:effectLst/>
                         <a:latin typeface="Times New Roman" panose="02020603050405020304" pitchFamily="18" charset="0"/>
                         <a:ea typeface="+mn-ea"/>
+                        <a:cs typeface="Times New Roman" panose="02020603050405020304" pitchFamily="18" charset="0"/>
                       </a:endParaRPr>
                     </a:p>
                   </a:txBody>
@@ -6508,15 +5762,18 @@
                         </a:lnSpc>
                       </a:pPr>
                       <a:r>
-                        <a:rPr lang="ru-RU" sz="1400" kern="150">
+                        <a:rPr lang="ru-RU" sz="1200" kern="150">
                           <a:effectLst/>
+                          <a:latin typeface="Times New Roman" panose="02020603050405020304" pitchFamily="18" charset="0"/>
+                          <a:cs typeface="Times New Roman" panose="02020603050405020304" pitchFamily="18" charset="0"/>
                         </a:rPr>
                         <a:t>+</a:t>
                       </a:r>
-                      <a:endParaRPr lang="ru-RU" sz="1400" kern="150">
+                      <a:endParaRPr lang="ru-RU" sz="1200" kern="150">
                         <a:effectLst/>
                         <a:latin typeface="Times New Roman" panose="02020603050405020304" pitchFamily="18" charset="0"/>
                         <a:ea typeface="+mn-ea"/>
+                        <a:cs typeface="Times New Roman" panose="02020603050405020304" pitchFamily="18" charset="0"/>
                       </a:endParaRPr>
                     </a:p>
                   </a:txBody>
@@ -6533,15 +5790,18 @@
                         </a:lnSpc>
                       </a:pPr>
                       <a:r>
-                        <a:rPr lang="en-US" sz="1400" kern="150">
+                        <a:rPr lang="en-US" sz="1200" kern="150">
                           <a:effectLst/>
+                          <a:latin typeface="Times New Roman" panose="02020603050405020304" pitchFamily="18" charset="0"/>
+                          <a:cs typeface="Times New Roman" panose="02020603050405020304" pitchFamily="18" charset="0"/>
                         </a:rPr>
                         <a:t>+</a:t>
                       </a:r>
-                      <a:endParaRPr lang="ru-RU" sz="1400" kern="150">
+                      <a:endParaRPr lang="ru-RU" sz="1200" kern="150">
                         <a:effectLst/>
                         <a:latin typeface="Times New Roman" panose="02020603050405020304" pitchFamily="18" charset="0"/>
                         <a:ea typeface="+mn-ea"/>
+                        <a:cs typeface="Times New Roman" panose="02020603050405020304" pitchFamily="18" charset="0"/>
                       </a:endParaRPr>
                     </a:p>
                   </a:txBody>
@@ -6558,15 +5818,18 @@
                         </a:lnSpc>
                       </a:pPr>
                       <a:r>
-                        <a:rPr lang="ru-RU" sz="1400" kern="150">
+                        <a:rPr lang="ru-RU" sz="1200" kern="150">
                           <a:effectLst/>
+                          <a:latin typeface="Times New Roman" panose="02020603050405020304" pitchFamily="18" charset="0"/>
+                          <a:cs typeface="Times New Roman" panose="02020603050405020304" pitchFamily="18" charset="0"/>
                         </a:rPr>
                         <a:t>+</a:t>
                       </a:r>
-                      <a:endParaRPr lang="ru-RU" sz="1400" kern="150">
+                      <a:endParaRPr lang="ru-RU" sz="1200" kern="150">
                         <a:effectLst/>
                         <a:latin typeface="Times New Roman" panose="02020603050405020304" pitchFamily="18" charset="0"/>
                         <a:ea typeface="+mn-ea"/>
+                        <a:cs typeface="Times New Roman" panose="02020603050405020304" pitchFamily="18" charset="0"/>
                       </a:endParaRPr>
                     </a:p>
                   </a:txBody>
@@ -6590,15 +5853,18 @@
                         </a:lnSpc>
                       </a:pPr>
                       <a:r>
-                        <a:rPr lang="ru-RU" sz="1400" b="1" kern="150" dirty="0">
+                        <a:rPr lang="ru-RU" sz="1200" b="1" kern="150" dirty="0">
                           <a:effectLst/>
+                          <a:latin typeface="Times New Roman" panose="02020603050405020304" pitchFamily="18" charset="0"/>
+                          <a:cs typeface="Times New Roman" panose="02020603050405020304" pitchFamily="18" charset="0"/>
                         </a:rPr>
                         <a:t>Настольное приложение</a:t>
                       </a:r>
-                      <a:endParaRPr lang="ru-RU" sz="1400" b="1" kern="150" dirty="0">
+                      <a:endParaRPr lang="ru-RU" sz="1200" b="1" kern="150" dirty="0">
                         <a:effectLst/>
                         <a:latin typeface="Times New Roman" panose="02020603050405020304" pitchFamily="18" charset="0"/>
                         <a:ea typeface="+mn-ea"/>
+                        <a:cs typeface="Times New Roman" panose="02020603050405020304" pitchFamily="18" charset="0"/>
                       </a:endParaRPr>
                     </a:p>
                   </a:txBody>
@@ -6615,15 +5881,18 @@
                         </a:lnSpc>
                       </a:pPr>
                       <a:r>
-                        <a:rPr lang="ru-RU" sz="1400" kern="150" dirty="0">
+                        <a:rPr lang="ru-RU" sz="1200" kern="150" dirty="0">
                           <a:effectLst/>
+                          <a:latin typeface="Times New Roman" panose="02020603050405020304" pitchFamily="18" charset="0"/>
+                          <a:cs typeface="Times New Roman" panose="02020603050405020304" pitchFamily="18" charset="0"/>
                         </a:rPr>
                         <a:t>+</a:t>
                       </a:r>
-                      <a:endParaRPr lang="ru-RU" sz="1400" kern="150" dirty="0">
+                      <a:endParaRPr lang="ru-RU" sz="1200" kern="150" dirty="0">
                         <a:effectLst/>
                         <a:latin typeface="Times New Roman" panose="02020603050405020304" pitchFamily="18" charset="0"/>
                         <a:ea typeface="+mn-ea"/>
+                        <a:cs typeface="Times New Roman" panose="02020603050405020304" pitchFamily="18" charset="0"/>
                       </a:endParaRPr>
                     </a:p>
                   </a:txBody>
@@ -6640,15 +5909,18 @@
                         </a:lnSpc>
                       </a:pPr>
                       <a:r>
-                        <a:rPr lang="ru-RU" sz="1400" kern="150">
+                        <a:rPr lang="ru-RU" sz="1200" kern="150">
                           <a:effectLst/>
+                          <a:latin typeface="Times New Roman" panose="02020603050405020304" pitchFamily="18" charset="0"/>
+                          <a:cs typeface="Times New Roman" panose="02020603050405020304" pitchFamily="18" charset="0"/>
                         </a:rPr>
                         <a:t>-</a:t>
                       </a:r>
-                      <a:endParaRPr lang="ru-RU" sz="1400" kern="150">
+                      <a:endParaRPr lang="ru-RU" sz="1200" kern="150">
                         <a:effectLst/>
                         <a:latin typeface="Times New Roman" panose="02020603050405020304" pitchFamily="18" charset="0"/>
                         <a:ea typeface="+mn-ea"/>
+                        <a:cs typeface="Times New Roman" panose="02020603050405020304" pitchFamily="18" charset="0"/>
                       </a:endParaRPr>
                     </a:p>
                   </a:txBody>
@@ -6665,15 +5937,18 @@
                         </a:lnSpc>
                       </a:pPr>
                       <a:r>
-                        <a:rPr lang="en-US" sz="1400" kern="150">
+                        <a:rPr lang="en-US" sz="1200" kern="150">
                           <a:effectLst/>
+                          <a:latin typeface="Times New Roman" panose="02020603050405020304" pitchFamily="18" charset="0"/>
+                          <a:cs typeface="Times New Roman" panose="02020603050405020304" pitchFamily="18" charset="0"/>
                         </a:rPr>
                         <a:t>+</a:t>
                       </a:r>
-                      <a:endParaRPr lang="ru-RU" sz="1400" kern="150">
+                      <a:endParaRPr lang="ru-RU" sz="1200" kern="150">
                         <a:effectLst/>
                         <a:latin typeface="Times New Roman" panose="02020603050405020304" pitchFamily="18" charset="0"/>
                         <a:ea typeface="+mn-ea"/>
+                        <a:cs typeface="Times New Roman" panose="02020603050405020304" pitchFamily="18" charset="0"/>
                       </a:endParaRPr>
                     </a:p>
                   </a:txBody>
@@ -6690,15 +5965,18 @@
                         </a:lnSpc>
                       </a:pPr>
                       <a:r>
-                        <a:rPr lang="ru-RU" sz="1400" kern="150" dirty="0">
+                        <a:rPr lang="ru-RU" sz="1200" kern="150" dirty="0">
                           <a:effectLst/>
+                          <a:latin typeface="Times New Roman" panose="02020603050405020304" pitchFamily="18" charset="0"/>
+                          <a:cs typeface="Times New Roman" panose="02020603050405020304" pitchFamily="18" charset="0"/>
                         </a:rPr>
                         <a:t>+</a:t>
                       </a:r>
-                      <a:endParaRPr lang="ru-RU" sz="1400" kern="150" dirty="0">
+                      <a:endParaRPr lang="ru-RU" sz="1200" kern="150" dirty="0">
                         <a:effectLst/>
                         <a:latin typeface="Times New Roman" panose="02020603050405020304" pitchFamily="18" charset="0"/>
                         <a:ea typeface="+mn-ea"/>
+                        <a:cs typeface="Times New Roman" panose="02020603050405020304" pitchFamily="18" charset="0"/>
                       </a:endParaRPr>
                     </a:p>
                   </a:txBody>
@@ -6722,15 +6000,18 @@
                         </a:lnSpc>
                       </a:pPr>
                       <a:r>
-                        <a:rPr lang="ru-RU" sz="1400" b="1" kern="150" dirty="0">
+                        <a:rPr lang="ru-RU" sz="1200" b="1" kern="150" dirty="0">
                           <a:effectLst/>
+                          <a:latin typeface="Times New Roman" panose="02020603050405020304" pitchFamily="18" charset="0"/>
+                          <a:cs typeface="Times New Roman" panose="02020603050405020304" pitchFamily="18" charset="0"/>
                         </a:rPr>
                         <a:t>Трекинг проведенного времени</a:t>
                       </a:r>
-                      <a:endParaRPr lang="ru-RU" sz="1400" b="1" kern="150" dirty="0">
+                      <a:endParaRPr lang="ru-RU" sz="1200" b="1" kern="150" dirty="0">
                         <a:effectLst/>
                         <a:latin typeface="Times New Roman" panose="02020603050405020304" pitchFamily="18" charset="0"/>
                         <a:ea typeface="+mn-ea"/>
+                        <a:cs typeface="Times New Roman" panose="02020603050405020304" pitchFamily="18" charset="0"/>
                       </a:endParaRPr>
                     </a:p>
                   </a:txBody>
@@ -6747,15 +6028,18 @@
                         </a:lnSpc>
                       </a:pPr>
                       <a:r>
-                        <a:rPr lang="ru-RU" sz="1400" kern="150" dirty="0">
+                        <a:rPr lang="ru-RU" sz="1200" kern="150" dirty="0">
                           <a:effectLst/>
+                          <a:latin typeface="Times New Roman" panose="02020603050405020304" pitchFamily="18" charset="0"/>
+                          <a:cs typeface="Times New Roman" panose="02020603050405020304" pitchFamily="18" charset="0"/>
                         </a:rPr>
                         <a:t>-</a:t>
                       </a:r>
-                      <a:endParaRPr lang="ru-RU" sz="1400" kern="150" dirty="0">
+                      <a:endParaRPr lang="ru-RU" sz="1200" kern="150" dirty="0">
                         <a:effectLst/>
                         <a:latin typeface="Times New Roman" panose="02020603050405020304" pitchFamily="18" charset="0"/>
                         <a:ea typeface="+mn-ea"/>
+                        <a:cs typeface="Times New Roman" panose="02020603050405020304" pitchFamily="18" charset="0"/>
                       </a:endParaRPr>
                     </a:p>
                   </a:txBody>
@@ -6772,15 +6056,18 @@
                         </a:lnSpc>
                       </a:pPr>
                       <a:r>
-                        <a:rPr lang="ru-RU" sz="1400" kern="150" dirty="0">
+                        <a:rPr lang="ru-RU" sz="1200" kern="150" dirty="0">
                           <a:effectLst/>
+                          <a:latin typeface="Times New Roman" panose="02020603050405020304" pitchFamily="18" charset="0"/>
+                          <a:cs typeface="Times New Roman" panose="02020603050405020304" pitchFamily="18" charset="0"/>
                         </a:rPr>
                         <a:t>-</a:t>
                       </a:r>
-                      <a:endParaRPr lang="ru-RU" sz="1400" kern="150" dirty="0">
+                      <a:endParaRPr lang="ru-RU" sz="1200" kern="150" dirty="0">
                         <a:effectLst/>
                         <a:latin typeface="Times New Roman" panose="02020603050405020304" pitchFamily="18" charset="0"/>
                         <a:ea typeface="+mn-ea"/>
+                        <a:cs typeface="Times New Roman" panose="02020603050405020304" pitchFamily="18" charset="0"/>
                       </a:endParaRPr>
                     </a:p>
                   </a:txBody>
@@ -6797,15 +6084,18 @@
                         </a:lnSpc>
                       </a:pPr>
                       <a:r>
-                        <a:rPr lang="en-US" sz="1400" kern="150">
+                        <a:rPr lang="en-US" sz="1200" kern="150">
                           <a:effectLst/>
+                          <a:latin typeface="Times New Roman" panose="02020603050405020304" pitchFamily="18" charset="0"/>
+                          <a:cs typeface="Times New Roman" panose="02020603050405020304" pitchFamily="18" charset="0"/>
                         </a:rPr>
                         <a:t>-</a:t>
                       </a:r>
-                      <a:endParaRPr lang="ru-RU" sz="1400" kern="150">
+                      <a:endParaRPr lang="ru-RU" sz="1200" kern="150">
                         <a:effectLst/>
                         <a:latin typeface="Times New Roman" panose="02020603050405020304" pitchFamily="18" charset="0"/>
                         <a:ea typeface="+mn-ea"/>
+                        <a:cs typeface="Times New Roman" panose="02020603050405020304" pitchFamily="18" charset="0"/>
                       </a:endParaRPr>
                     </a:p>
                   </a:txBody>
@@ -6822,15 +6112,18 @@
                         </a:lnSpc>
                       </a:pPr>
                       <a:r>
-                        <a:rPr lang="ru-RU" sz="1400" kern="150">
+                        <a:rPr lang="ru-RU" sz="1200" kern="150">
                           <a:effectLst/>
+                          <a:latin typeface="Times New Roman" panose="02020603050405020304" pitchFamily="18" charset="0"/>
+                          <a:cs typeface="Times New Roman" panose="02020603050405020304" pitchFamily="18" charset="0"/>
                         </a:rPr>
                         <a:t>+</a:t>
                       </a:r>
-                      <a:endParaRPr lang="ru-RU" sz="1400" kern="150">
+                      <a:endParaRPr lang="ru-RU" sz="1200" kern="150">
                         <a:effectLst/>
                         <a:latin typeface="Times New Roman" panose="02020603050405020304" pitchFamily="18" charset="0"/>
                         <a:ea typeface="+mn-ea"/>
+                        <a:cs typeface="Times New Roman" panose="02020603050405020304" pitchFamily="18" charset="0"/>
                       </a:endParaRPr>
                     </a:p>
                   </a:txBody>
@@ -6854,15 +6147,18 @@
                         </a:lnSpc>
                       </a:pPr>
                       <a:r>
-                        <a:rPr lang="ru-RU" sz="1400" b="1" kern="150" dirty="0">
+                        <a:rPr lang="ru-RU" sz="1200" b="1" kern="150" dirty="0">
                           <a:effectLst/>
+                          <a:latin typeface="Times New Roman" panose="02020603050405020304" pitchFamily="18" charset="0"/>
+                          <a:cs typeface="Times New Roman" panose="02020603050405020304" pitchFamily="18" charset="0"/>
                         </a:rPr>
                         <a:t>Краткий пересказ выделенного текста</a:t>
                       </a:r>
-                      <a:endParaRPr lang="ru-RU" sz="1400" b="1" kern="150" dirty="0">
+                      <a:endParaRPr lang="ru-RU" sz="1200" b="1" kern="150" dirty="0">
                         <a:effectLst/>
                         <a:latin typeface="Times New Roman" panose="02020603050405020304" pitchFamily="18" charset="0"/>
                         <a:ea typeface="+mn-ea"/>
+                        <a:cs typeface="Times New Roman" panose="02020603050405020304" pitchFamily="18" charset="0"/>
                       </a:endParaRPr>
                     </a:p>
                   </a:txBody>
@@ -6879,15 +6175,18 @@
                         </a:lnSpc>
                       </a:pPr>
                       <a:r>
-                        <a:rPr lang="ru-RU" sz="1400" kern="150">
+                        <a:rPr lang="ru-RU" sz="1200" kern="150">
                           <a:effectLst/>
+                          <a:latin typeface="Times New Roman" panose="02020603050405020304" pitchFamily="18" charset="0"/>
+                          <a:cs typeface="Times New Roman" panose="02020603050405020304" pitchFamily="18" charset="0"/>
                         </a:rPr>
                         <a:t>-</a:t>
                       </a:r>
-                      <a:endParaRPr lang="ru-RU" sz="1400" kern="150">
+                      <a:endParaRPr lang="ru-RU" sz="1200" kern="150">
                         <a:effectLst/>
                         <a:latin typeface="Times New Roman" panose="02020603050405020304" pitchFamily="18" charset="0"/>
                         <a:ea typeface="+mn-ea"/>
+                        <a:cs typeface="Times New Roman" panose="02020603050405020304" pitchFamily="18" charset="0"/>
                       </a:endParaRPr>
                     </a:p>
                   </a:txBody>
@@ -6904,15 +6203,18 @@
                         </a:lnSpc>
                       </a:pPr>
                       <a:r>
-                        <a:rPr lang="ru-RU" sz="1400" kern="150" dirty="0">
+                        <a:rPr lang="ru-RU" sz="1200" kern="150" dirty="0">
                           <a:effectLst/>
+                          <a:latin typeface="Times New Roman" panose="02020603050405020304" pitchFamily="18" charset="0"/>
+                          <a:cs typeface="Times New Roman" panose="02020603050405020304" pitchFamily="18" charset="0"/>
                         </a:rPr>
                         <a:t>-</a:t>
                       </a:r>
-                      <a:endParaRPr lang="ru-RU" sz="1400" kern="150" dirty="0">
+                      <a:endParaRPr lang="ru-RU" sz="1200" kern="150" dirty="0">
                         <a:effectLst/>
                         <a:latin typeface="Times New Roman" panose="02020603050405020304" pitchFamily="18" charset="0"/>
                         <a:ea typeface="+mn-ea"/>
+                        <a:cs typeface="Times New Roman" panose="02020603050405020304" pitchFamily="18" charset="0"/>
                       </a:endParaRPr>
                     </a:p>
                   </a:txBody>
@@ -6929,15 +6231,18 @@
                         </a:lnSpc>
                       </a:pPr>
                       <a:r>
-                        <a:rPr lang="ru-RU" sz="1400" kern="150" dirty="0">
+                        <a:rPr lang="ru-RU" sz="1200" kern="150" dirty="0">
                           <a:effectLst/>
+                          <a:latin typeface="Times New Roman" panose="02020603050405020304" pitchFamily="18" charset="0"/>
+                          <a:cs typeface="Times New Roman" panose="02020603050405020304" pitchFamily="18" charset="0"/>
                         </a:rPr>
                         <a:t>-</a:t>
                       </a:r>
-                      <a:endParaRPr lang="ru-RU" sz="1400" kern="150" dirty="0">
+                      <a:endParaRPr lang="ru-RU" sz="1200" kern="150" dirty="0">
                         <a:effectLst/>
                         <a:latin typeface="Times New Roman" panose="02020603050405020304" pitchFamily="18" charset="0"/>
                         <a:ea typeface="+mn-ea"/>
+                        <a:cs typeface="Times New Roman" panose="02020603050405020304" pitchFamily="18" charset="0"/>
                       </a:endParaRPr>
                     </a:p>
                   </a:txBody>
@@ -6954,15 +6259,18 @@
                         </a:lnSpc>
                       </a:pPr>
                       <a:r>
-                        <a:rPr lang="ru-RU" sz="1400" kern="150">
+                        <a:rPr lang="ru-RU" sz="1200" kern="150">
                           <a:effectLst/>
+                          <a:latin typeface="Times New Roman" panose="02020603050405020304" pitchFamily="18" charset="0"/>
+                          <a:cs typeface="Times New Roman" panose="02020603050405020304" pitchFamily="18" charset="0"/>
                         </a:rPr>
                         <a:t>+</a:t>
                       </a:r>
-                      <a:endParaRPr lang="ru-RU" sz="1400" kern="150">
+                      <a:endParaRPr lang="ru-RU" sz="1200" kern="150">
                         <a:effectLst/>
                         <a:latin typeface="Times New Roman" panose="02020603050405020304" pitchFamily="18" charset="0"/>
                         <a:ea typeface="+mn-ea"/>
+                        <a:cs typeface="Times New Roman" panose="02020603050405020304" pitchFamily="18" charset="0"/>
                       </a:endParaRPr>
                     </a:p>
                   </a:txBody>
@@ -6986,15 +6294,18 @@
                         </a:lnSpc>
                       </a:pPr>
                       <a:r>
-                        <a:rPr lang="ru-RU" sz="1400" b="1" kern="150" dirty="0">
+                        <a:rPr lang="ru-RU" sz="1200" b="1" kern="150" dirty="0">
                           <a:effectLst/>
+                          <a:latin typeface="Times New Roman" panose="02020603050405020304" pitchFamily="18" charset="0"/>
+                          <a:cs typeface="Times New Roman" panose="02020603050405020304" pitchFamily="18" charset="0"/>
                         </a:rPr>
                         <a:t>Встроенный словарь</a:t>
                       </a:r>
-                      <a:endParaRPr lang="ru-RU" sz="1400" b="1" kern="150" dirty="0">
+                      <a:endParaRPr lang="ru-RU" sz="1200" b="1" kern="150" dirty="0">
                         <a:effectLst/>
                         <a:latin typeface="Times New Roman" panose="02020603050405020304" pitchFamily="18" charset="0"/>
                         <a:ea typeface="+mn-ea"/>
+                        <a:cs typeface="Times New Roman" panose="02020603050405020304" pitchFamily="18" charset="0"/>
                       </a:endParaRPr>
                     </a:p>
                   </a:txBody>
@@ -7011,15 +6322,18 @@
                         </a:lnSpc>
                       </a:pPr>
                       <a:r>
-                        <a:rPr lang="ru-RU" sz="1400" kern="150">
+                        <a:rPr lang="ru-RU" sz="1200" kern="150">
                           <a:effectLst/>
+                          <a:latin typeface="Times New Roman" panose="02020603050405020304" pitchFamily="18" charset="0"/>
+                          <a:cs typeface="Times New Roman" panose="02020603050405020304" pitchFamily="18" charset="0"/>
                         </a:rPr>
                         <a:t>+</a:t>
                       </a:r>
-                      <a:endParaRPr lang="ru-RU" sz="1400" kern="150">
+                      <a:endParaRPr lang="ru-RU" sz="1200" kern="150">
                         <a:effectLst/>
                         <a:latin typeface="Times New Roman" panose="02020603050405020304" pitchFamily="18" charset="0"/>
                         <a:ea typeface="+mn-ea"/>
+                        <a:cs typeface="Times New Roman" panose="02020603050405020304" pitchFamily="18" charset="0"/>
                       </a:endParaRPr>
                     </a:p>
                   </a:txBody>
@@ -7036,15 +6350,18 @@
                         </a:lnSpc>
                       </a:pPr>
                       <a:r>
-                        <a:rPr lang="ru-RU" sz="1400" kern="150">
+                        <a:rPr lang="ru-RU" sz="1200" kern="150">
                           <a:effectLst/>
+                          <a:latin typeface="Times New Roman" panose="02020603050405020304" pitchFamily="18" charset="0"/>
+                          <a:cs typeface="Times New Roman" panose="02020603050405020304" pitchFamily="18" charset="0"/>
                         </a:rPr>
                         <a:t>-</a:t>
                       </a:r>
-                      <a:endParaRPr lang="ru-RU" sz="1400" kern="150">
+                      <a:endParaRPr lang="ru-RU" sz="1200" kern="150">
                         <a:effectLst/>
                         <a:latin typeface="Times New Roman" panose="02020603050405020304" pitchFamily="18" charset="0"/>
                         <a:ea typeface="+mn-ea"/>
+                        <a:cs typeface="Times New Roman" panose="02020603050405020304" pitchFamily="18" charset="0"/>
                       </a:endParaRPr>
                     </a:p>
                   </a:txBody>
@@ -7061,15 +6378,18 @@
                         </a:lnSpc>
                       </a:pPr>
                       <a:r>
-                        <a:rPr lang="ru-RU" sz="1400" kern="150" dirty="0">
+                        <a:rPr lang="ru-RU" sz="1200" kern="150" dirty="0">
                           <a:effectLst/>
+                          <a:latin typeface="Times New Roman" panose="02020603050405020304" pitchFamily="18" charset="0"/>
+                          <a:cs typeface="Times New Roman" panose="02020603050405020304" pitchFamily="18" charset="0"/>
                         </a:rPr>
                         <a:t>-</a:t>
                       </a:r>
-                      <a:endParaRPr lang="ru-RU" sz="1400" kern="150" dirty="0">
+                      <a:endParaRPr lang="ru-RU" sz="1200" kern="150" dirty="0">
                         <a:effectLst/>
                         <a:latin typeface="Times New Roman" panose="02020603050405020304" pitchFamily="18" charset="0"/>
                         <a:ea typeface="+mn-ea"/>
+                        <a:cs typeface="Times New Roman" panose="02020603050405020304" pitchFamily="18" charset="0"/>
                       </a:endParaRPr>
                     </a:p>
                   </a:txBody>
@@ -7086,15 +6406,18 @@
                         </a:lnSpc>
                       </a:pPr>
                       <a:r>
-                        <a:rPr lang="ru-RU" sz="1400" kern="150" dirty="0">
+                        <a:rPr lang="ru-RU" sz="1200" kern="150" dirty="0">
                           <a:effectLst/>
+                          <a:latin typeface="Times New Roman" panose="02020603050405020304" pitchFamily="18" charset="0"/>
+                          <a:cs typeface="Times New Roman" panose="02020603050405020304" pitchFamily="18" charset="0"/>
                         </a:rPr>
                         <a:t>+</a:t>
                       </a:r>
-                      <a:endParaRPr lang="ru-RU" sz="1400" kern="150" dirty="0">
+                      <a:endParaRPr lang="ru-RU" sz="1200" kern="150" dirty="0">
                         <a:effectLst/>
                         <a:latin typeface="Times New Roman" panose="02020603050405020304" pitchFamily="18" charset="0"/>
                         <a:ea typeface="+mn-ea"/>
+                        <a:cs typeface="Times New Roman" panose="02020603050405020304" pitchFamily="18" charset="0"/>
                       </a:endParaRPr>
                     </a:p>
                   </a:txBody>
@@ -7118,15 +6441,18 @@
                         </a:lnSpc>
                       </a:pPr>
                       <a:r>
-                        <a:rPr lang="ru-RU" sz="1400" b="1" kern="150" dirty="0">
+                        <a:rPr lang="ru-RU" sz="1200" b="1" kern="150" dirty="0">
                           <a:effectLst/>
+                          <a:latin typeface="Times New Roman" panose="02020603050405020304" pitchFamily="18" charset="0"/>
+                          <a:cs typeface="Times New Roman" panose="02020603050405020304" pitchFamily="18" charset="0"/>
                         </a:rPr>
                         <a:t>Лицензия исходного кода программы</a:t>
                       </a:r>
-                      <a:endParaRPr lang="ru-RU" sz="1400" b="1" kern="150" dirty="0">
+                      <a:endParaRPr lang="ru-RU" sz="1200" b="1" kern="150" dirty="0">
                         <a:effectLst/>
                         <a:latin typeface="Times New Roman" panose="02020603050405020304" pitchFamily="18" charset="0"/>
                         <a:ea typeface="+mn-ea"/>
+                        <a:cs typeface="Times New Roman" panose="02020603050405020304" pitchFamily="18" charset="0"/>
                       </a:endParaRPr>
                     </a:p>
                   </a:txBody>
@@ -7143,15 +6469,18 @@
                         </a:lnSpc>
                       </a:pPr>
                       <a:r>
-                        <a:rPr lang="en-US" sz="1400" kern="150">
+                        <a:rPr lang="en-US" sz="1200" kern="150" dirty="0">
                           <a:effectLst/>
+                          <a:latin typeface="Times New Roman" panose="02020603050405020304" pitchFamily="18" charset="0"/>
+                          <a:cs typeface="Times New Roman" panose="02020603050405020304" pitchFamily="18" charset="0"/>
                         </a:rPr>
                         <a:t>GPL 3.0</a:t>
                       </a:r>
-                      <a:endParaRPr lang="ru-RU" sz="1400" kern="150">
+                      <a:endParaRPr lang="ru-RU" sz="1200" kern="150" dirty="0">
                         <a:effectLst/>
                         <a:latin typeface="Times New Roman" panose="02020603050405020304" pitchFamily="18" charset="0"/>
                         <a:ea typeface="+mn-ea"/>
+                        <a:cs typeface="Times New Roman" panose="02020603050405020304" pitchFamily="18" charset="0"/>
                       </a:endParaRPr>
                     </a:p>
                   </a:txBody>
@@ -7168,15 +6497,18 @@
                         </a:lnSpc>
                       </a:pPr>
                       <a:r>
-                        <a:rPr lang="en-US" sz="1400" kern="150">
+                        <a:rPr lang="en-US" sz="1200" kern="150">
                           <a:effectLst/>
+                          <a:latin typeface="Times New Roman" panose="02020603050405020304" pitchFamily="18" charset="0"/>
+                          <a:cs typeface="Times New Roman" panose="02020603050405020304" pitchFamily="18" charset="0"/>
                         </a:rPr>
                         <a:t>GPL 3.0</a:t>
                       </a:r>
-                      <a:endParaRPr lang="ru-RU" sz="1400" kern="150">
+                      <a:endParaRPr lang="ru-RU" sz="1200" kern="150">
                         <a:effectLst/>
                         <a:latin typeface="Times New Roman" panose="02020603050405020304" pitchFamily="18" charset="0"/>
                         <a:ea typeface="+mn-ea"/>
+                        <a:cs typeface="Times New Roman" panose="02020603050405020304" pitchFamily="18" charset="0"/>
                       </a:endParaRPr>
                     </a:p>
                   </a:txBody>
@@ -7193,15 +6525,18 @@
                         </a:lnSpc>
                       </a:pPr>
                       <a:r>
-                        <a:rPr lang="en-US" sz="1400" kern="150">
+                        <a:rPr lang="en-US" sz="1200" kern="150" dirty="0">
                           <a:effectLst/>
+                          <a:latin typeface="Times New Roman" panose="02020603050405020304" pitchFamily="18" charset="0"/>
+                          <a:cs typeface="Times New Roman" panose="02020603050405020304" pitchFamily="18" charset="0"/>
                         </a:rPr>
                         <a:t>AGPL 3.0</a:t>
                       </a:r>
-                      <a:endParaRPr lang="ru-RU" sz="1400" kern="150">
+                      <a:endParaRPr lang="ru-RU" sz="1200" kern="150" dirty="0">
                         <a:effectLst/>
                         <a:latin typeface="Times New Roman" panose="02020603050405020304" pitchFamily="18" charset="0"/>
                         <a:ea typeface="+mn-ea"/>
+                        <a:cs typeface="Times New Roman" panose="02020603050405020304" pitchFamily="18" charset="0"/>
                       </a:endParaRPr>
                     </a:p>
                   </a:txBody>
@@ -7218,15 +6553,18 @@
                         </a:lnSpc>
                       </a:pPr>
                       <a:r>
-                        <a:rPr lang="en-US" sz="1400" kern="150" dirty="0">
+                        <a:rPr lang="en-US" sz="1200" kern="150" dirty="0">
                           <a:effectLst/>
+                          <a:latin typeface="Times New Roman" panose="02020603050405020304" pitchFamily="18" charset="0"/>
+                          <a:cs typeface="Times New Roman" panose="02020603050405020304" pitchFamily="18" charset="0"/>
                         </a:rPr>
                         <a:t>MIT</a:t>
                       </a:r>
-                      <a:endParaRPr lang="ru-RU" sz="1400" kern="150" dirty="0">
+                      <a:endParaRPr lang="ru-RU" sz="1200" kern="150" dirty="0">
                         <a:effectLst/>
                         <a:latin typeface="Times New Roman" panose="02020603050405020304" pitchFamily="18" charset="0"/>
                         <a:ea typeface="+mn-ea"/>
+                        <a:cs typeface="Times New Roman" panose="02020603050405020304" pitchFamily="18" charset="0"/>
                       </a:endParaRPr>
                     </a:p>
                   </a:txBody>
@@ -7290,7 +6628,7 @@
         </p:nvSpPr>
         <p:spPr>
           <a:xfrm>
-            <a:off x="294894" y="1136469"/>
+            <a:off x="360000" y="1170000"/>
             <a:ext cx="7269480" cy="994172"/>
           </a:xfrm>
         </p:spPr>
@@ -7299,8 +6637,16 @@
           <a:lstStyle/>
           <a:p>
             <a:r>
+              <a:rPr lang="ru-RU" sz="2800" b="1" u="sng" dirty="0"/>
+              <a:t>Выбранные</a:t>
+            </a:r>
+            <a:r>
               <a:rPr lang="ru-RU" b="1" u="sng" dirty="0"/>
-              <a:t>Выбранные технологии</a:t>
+              <a:t> </a:t>
+            </a:r>
+            <a:r>
+              <a:rPr lang="ru-RU" sz="2800" b="1" u="sng" dirty="0"/>
+              <a:t>технологии</a:t>
             </a:r>
           </a:p>
         </p:txBody>
@@ -7323,7 +6669,7 @@
         </p:nvSpPr>
         <p:spPr>
           <a:xfrm>
-            <a:off x="373271" y="2248444"/>
+            <a:off x="360000" y="2287632"/>
             <a:ext cx="6446520" cy="3263503"/>
           </a:xfrm>
         </p:spPr>
@@ -7374,12 +6720,16 @@
               <a:t> (клиентская часть)</a:t>
             </a:r>
             <a:r>
-              <a:rPr lang="en-US" sz="1800" dirty="0">
+              <a:rPr lang="en-US" dirty="0">
                 <a:latin typeface="Times New Roman" panose="02020603050405020304" pitchFamily="18" charset="0"/>
                 <a:cs typeface="Times New Roman" panose="02020603050405020304" pitchFamily="18" charset="0"/>
               </a:rPr>
-              <a:t>;</a:t>
-            </a:r>
+              <a:t>.</a:t>
+            </a:r>
+            <a:endParaRPr lang="en-US" sz="1800" dirty="0">
+              <a:latin typeface="Times New Roman" panose="02020603050405020304" pitchFamily="18" charset="0"/>
+              <a:cs typeface="Times New Roman" panose="02020603050405020304" pitchFamily="18" charset="0"/>
+            </a:endParaRPr>
           </a:p>
           <a:p>
             <a:pPr>
@@ -7427,7 +6777,7 @@
                 <a:latin typeface="Times New Roman" panose="02020603050405020304" pitchFamily="18" charset="0"/>
                 <a:cs typeface="Times New Roman" panose="02020603050405020304" pitchFamily="18" charset="0"/>
               </a:rPr>
-              <a:t>;</a:t>
+              <a:t>.</a:t>
             </a:r>
             <a:endParaRPr lang="ru-RU" sz="1800" dirty="0">
               <a:latin typeface="Times New Roman" panose="02020603050405020304" pitchFamily="18" charset="0"/>
@@ -7523,17 +6873,19 @@
         </p:nvSpPr>
         <p:spPr>
           <a:xfrm>
-            <a:off x="300446" y="1151164"/>
+            <a:off x="360000" y="1170000"/>
             <a:ext cx="7269480" cy="994172"/>
           </a:xfrm>
         </p:spPr>
         <p:txBody>
-          <a:bodyPr/>
+          <a:bodyPr>
+            <a:normAutofit/>
+          </a:bodyPr>
           <a:lstStyle/>
           <a:p>
             <a:r>
-              <a:rPr lang="ru-RU" b="1" u="sng" dirty="0"/>
-              <a:t>Страницы</a:t>
+              <a:rPr lang="ru-RU" sz="2800" b="1" u="sng" dirty="0"/>
+              <a:t>Основные разделы</a:t>
             </a:r>
           </a:p>
         </p:txBody>
@@ -7556,13 +6908,13 @@
         </p:nvSpPr>
         <p:spPr>
           <a:xfrm>
-            <a:off x="300446" y="2231368"/>
-            <a:ext cx="4743450" cy="3263504"/>
+            <a:off x="359999" y="2424496"/>
+            <a:ext cx="7269479" cy="3263504"/>
           </a:xfrm>
         </p:spPr>
         <p:txBody>
           <a:bodyPr>
-            <a:normAutofit fontScale="92500" lnSpcReduction="10000"/>
+            <a:normAutofit/>
           </a:bodyPr>
           <a:lstStyle/>
           <a:p>
@@ -7577,7 +6929,35 @@
                 <a:latin typeface="Times New Roman" panose="02020603050405020304" pitchFamily="18" charset="0"/>
                 <a:cs typeface="Times New Roman" panose="02020603050405020304" pitchFamily="18" charset="0"/>
               </a:rPr>
-              <a:t>Состоит из пяти основных страниц</a:t>
+              <a:t>Состоит </a:t>
+            </a:r>
+            <a:r>
+              <a:rPr lang="ru-RU" sz="1800">
+                <a:latin typeface="Times New Roman" panose="02020603050405020304" pitchFamily="18" charset="0"/>
+                <a:cs typeface="Times New Roman" panose="02020603050405020304" pitchFamily="18" charset="0"/>
+              </a:rPr>
+              <a:t>из ч</a:t>
+            </a:r>
+            <a:r>
+              <a:rPr lang="ru-RU">
+                <a:latin typeface="Times New Roman" panose="02020603050405020304" pitchFamily="18" charset="0"/>
+                <a:cs typeface="Times New Roman" panose="02020603050405020304" pitchFamily="18" charset="0"/>
+              </a:rPr>
+              <a:t>етырёх</a:t>
+            </a:r>
+            <a:r>
+              <a:rPr lang="ru-RU" sz="1800">
+                <a:latin typeface="Times New Roman" panose="02020603050405020304" pitchFamily="18" charset="0"/>
+                <a:cs typeface="Times New Roman" panose="02020603050405020304" pitchFamily="18" charset="0"/>
+              </a:rPr>
+              <a:t> </a:t>
+            </a:r>
+            <a:r>
+              <a:rPr lang="ru-RU" sz="1800" dirty="0">
+                <a:latin typeface="Times New Roman" panose="02020603050405020304" pitchFamily="18" charset="0"/>
+                <a:cs typeface="Times New Roman" panose="02020603050405020304" pitchFamily="18" charset="0"/>
+              </a:rPr>
+              <a:t>основных разделов</a:t>
             </a:r>
             <a:r>
               <a:rPr lang="en-US" sz="1800" dirty="0">
@@ -7585,20 +6965,6 @@
                 <a:cs typeface="Times New Roman" panose="02020603050405020304" pitchFamily="18" charset="0"/>
               </a:rPr>
               <a:t>:</a:t>
-            </a:r>
-          </a:p>
-          <a:p>
-            <a:pPr>
-              <a:lnSpc>
-                <a:spcPct val="150000"/>
-              </a:lnSpc>
-            </a:pPr>
-            <a:r>
-              <a:rPr lang="ru-RU" sz="1800" dirty="0">
-                <a:latin typeface="Times New Roman" panose="02020603050405020304" pitchFamily="18" charset="0"/>
-                <a:cs typeface="Times New Roman" panose="02020603050405020304" pitchFamily="18" charset="0"/>
-              </a:rPr>
-              <a:t>Страница входа в систему.</a:t>
             </a:r>
           </a:p>
           <a:p>
@@ -7694,218 +7060,6 @@
           <p:cNvPr id="2" name="Заголовок 1">
             <a:extLst>
               <a:ext uri="{FF2B5EF4-FFF2-40B4-BE49-F238E27FC236}">
-                <a16:creationId xmlns:a16="http://schemas.microsoft.com/office/drawing/2014/main" id="{ABABFA6C-955D-5F9A-A7F9-2A61ED800F94}"/>
-              </a:ext>
-            </a:extLst>
-          </p:cNvPr>
-          <p:cNvSpPr>
-            <a:spLocks noGrp="1"/>
-          </p:cNvSpPr>
-          <p:nvPr>
-            <p:ph type="title"/>
-          </p:nvPr>
-        </p:nvSpPr>
-        <p:spPr>
-          <a:xfrm>
-            <a:off x="358575" y="1156063"/>
-            <a:ext cx="7269480" cy="994172"/>
-          </a:xfrm>
-        </p:spPr>
-        <p:txBody>
-          <a:bodyPr/>
-          <a:lstStyle/>
-          <a:p>
-            <a:r>
-              <a:rPr lang="ru-RU" b="1" u="sng" dirty="0"/>
-              <a:t>Страница входа в систему</a:t>
-            </a:r>
-          </a:p>
-        </p:txBody>
-      </p:sp>
-      <p:pic>
-        <p:nvPicPr>
-          <p:cNvPr id="13" name="Объект 12">
-            <a:extLst>
-              <a:ext uri="{FF2B5EF4-FFF2-40B4-BE49-F238E27FC236}">
-                <a16:creationId xmlns:a16="http://schemas.microsoft.com/office/drawing/2014/main" id="{335C6985-0BCB-4A33-7A4C-4BA138DE5747}"/>
-              </a:ext>
-            </a:extLst>
-          </p:cNvPr>
-          <p:cNvPicPr>
-            <a:picLocks noGrp="1" noChangeAspect="1"/>
-          </p:cNvPicPr>
-          <p:nvPr>
-            <p:ph idx="1"/>
-          </p:nvPr>
-        </p:nvPicPr>
-        <p:blipFill>
-          <a:blip r:embed="rId3">
-            <a:extLst>
-              <a:ext uri="{28A0092B-C50C-407E-A947-70E740481C1C}">
-                <a14:useLocalDpi xmlns:a14="http://schemas.microsoft.com/office/drawing/2010/main" val="0"/>
-              </a:ext>
-            </a:extLst>
-          </a:blip>
-          <a:stretch>
-            <a:fillRect/>
-          </a:stretch>
-        </p:blipFill>
-        <p:spPr>
-          <a:xfrm>
-            <a:off x="770293" y="2507565"/>
-            <a:ext cx="6446044" cy="3094693"/>
-          </a:xfrm>
-          <a:effectLst>
-            <a:outerShdw blurRad="50800" dist="38100" dir="2700000" algn="tl" rotWithShape="0">
-              <a:prstClr val="black">
-                <a:alpha val="40000"/>
-              </a:prstClr>
-            </a:outerShdw>
-          </a:effectLst>
-        </p:spPr>
-      </p:pic>
-    </p:spTree>
-    <p:extLst>
-      <p:ext uri="{BB962C8B-B14F-4D97-AF65-F5344CB8AC3E}">
-        <p14:creationId xmlns:p14="http://schemas.microsoft.com/office/powerpoint/2010/main" val="1470875669"/>
-      </p:ext>
-    </p:extLst>
-  </p:cSld>
-  <p:clrMapOvr>
-    <a:masterClrMapping/>
-  </p:clrMapOvr>
-</p:sld>
-</file>
-
-<file path=ppt/slides/slide8.xml><?xml version="1.0" encoding="utf-8"?>
-<p:sld xmlns:a="http://schemas.openxmlformats.org/drawingml/2006/main" xmlns:r="http://schemas.openxmlformats.org/officeDocument/2006/relationships" xmlns:p="http://schemas.openxmlformats.org/presentationml/2006/main">
-  <p:cSld>
-    <p:spTree>
-      <p:nvGrpSpPr>
-        <p:cNvPr id="1" name=""/>
-        <p:cNvGrpSpPr/>
-        <p:nvPr/>
-      </p:nvGrpSpPr>
-      <p:grpSpPr>
-        <a:xfrm>
-          <a:off x="0" y="0"/>
-          <a:ext cx="0" cy="0"/>
-          <a:chOff x="0" y="0"/>
-          <a:chExt cx="0" cy="0"/>
-        </a:xfrm>
-      </p:grpSpPr>
-      <p:sp>
-        <p:nvSpPr>
-          <p:cNvPr id="2" name="Заголовок 1">
-            <a:extLst>
-              <a:ext uri="{FF2B5EF4-FFF2-40B4-BE49-F238E27FC236}">
-                <a16:creationId xmlns:a16="http://schemas.microsoft.com/office/drawing/2014/main" id="{ABABFA6C-955D-5F9A-A7F9-2A61ED800F94}"/>
-              </a:ext>
-            </a:extLst>
-          </p:cNvPr>
-          <p:cNvSpPr>
-            <a:spLocks noGrp="1"/>
-          </p:cNvSpPr>
-          <p:nvPr>
-            <p:ph type="title"/>
-          </p:nvPr>
-        </p:nvSpPr>
-        <p:spPr>
-          <a:xfrm>
-            <a:off x="417359" y="1239338"/>
-            <a:ext cx="7269480" cy="994172"/>
-          </a:xfrm>
-        </p:spPr>
-        <p:txBody>
-          <a:bodyPr>
-            <a:normAutofit fontScale="90000"/>
-          </a:bodyPr>
-          <a:lstStyle/>
-          <a:p>
-            <a:r>
-              <a:rPr lang="ru-RU" b="1" u="sng" dirty="0"/>
-              <a:t>Страница списка недавно открытых книг</a:t>
-            </a:r>
-          </a:p>
-        </p:txBody>
-      </p:sp>
-      <p:pic>
-        <p:nvPicPr>
-          <p:cNvPr id="7" name="Объект 6">
-            <a:extLst>
-              <a:ext uri="{FF2B5EF4-FFF2-40B4-BE49-F238E27FC236}">
-                <a16:creationId xmlns:a16="http://schemas.microsoft.com/office/drawing/2014/main" id="{2D05F3FB-F0BD-4926-F187-4CF023AE4299}"/>
-              </a:ext>
-            </a:extLst>
-          </p:cNvPr>
-          <p:cNvPicPr>
-            <a:picLocks noGrp="1" noChangeAspect="1"/>
-          </p:cNvPicPr>
-          <p:nvPr>
-            <p:ph idx="1"/>
-          </p:nvPr>
-        </p:nvPicPr>
-        <p:blipFill>
-          <a:blip r:embed="rId3">
-            <a:extLst>
-              <a:ext uri="{28A0092B-C50C-407E-A947-70E740481C1C}">
-                <a14:useLocalDpi xmlns:a14="http://schemas.microsoft.com/office/drawing/2010/main" val="0"/>
-              </a:ext>
-            </a:extLst>
-          </a:blip>
-          <a:stretch>
-            <a:fillRect/>
-          </a:stretch>
-        </p:blipFill>
-        <p:spPr>
-          <a:xfrm>
-            <a:off x="417502" y="2617086"/>
-            <a:ext cx="6446044" cy="2702569"/>
-          </a:xfrm>
-          <a:effectLst>
-            <a:outerShdw blurRad="50800" dist="38100" dir="2700000" algn="tl" rotWithShape="0">
-              <a:prstClr val="black">
-                <a:alpha val="40000"/>
-              </a:prstClr>
-            </a:outerShdw>
-          </a:effectLst>
-        </p:spPr>
-      </p:pic>
-    </p:spTree>
-    <p:extLst>
-      <p:ext uri="{BB962C8B-B14F-4D97-AF65-F5344CB8AC3E}">
-        <p14:creationId xmlns:p14="http://schemas.microsoft.com/office/powerpoint/2010/main" val="143211331"/>
-      </p:ext>
-    </p:extLst>
-  </p:cSld>
-  <p:clrMapOvr>
-    <a:masterClrMapping/>
-  </p:clrMapOvr>
-</p:sld>
-</file>
-
-<file path=ppt/slides/slide9.xml><?xml version="1.0" encoding="utf-8"?>
-<p:sld xmlns:a="http://schemas.openxmlformats.org/drawingml/2006/main" xmlns:r="http://schemas.openxmlformats.org/officeDocument/2006/relationships" xmlns:p="http://schemas.openxmlformats.org/presentationml/2006/main">
-  <p:cSld>
-    <p:spTree>
-      <p:nvGrpSpPr>
-        <p:cNvPr id="1" name=""/>
-        <p:cNvGrpSpPr/>
-        <p:nvPr/>
-      </p:nvGrpSpPr>
-      <p:grpSpPr>
-        <a:xfrm>
-          <a:off x="0" y="0"/>
-          <a:ext cx="0" cy="0"/>
-          <a:chOff x="0" y="0"/>
-          <a:chExt cx="0" cy="0"/>
-        </a:xfrm>
-      </p:grpSpPr>
-      <p:sp>
-        <p:nvSpPr>
-          <p:cNvPr id="2" name="Заголовок 1">
-            <a:extLst>
-              <a:ext uri="{FF2B5EF4-FFF2-40B4-BE49-F238E27FC236}">
                 <a16:creationId xmlns:a16="http://schemas.microsoft.com/office/drawing/2014/main" id="{2E82A089-67C8-6737-768B-5D7EBF7B9E0E}"/>
               </a:ext>
             </a:extLst>
@@ -7919,7 +7073,7 @@
         </p:nvSpPr>
         <p:spPr>
           <a:xfrm>
-            <a:off x="368372" y="1156063"/>
+            <a:off x="360000" y="1170000"/>
             <a:ext cx="7269480" cy="994172"/>
           </a:xfrm>
         </p:spPr>
@@ -7928,10 +7082,17 @@
           <a:lstStyle/>
           <a:p>
             <a:r>
-              <a:rPr lang="ru-RU" b="1" u="sng" dirty="0"/>
+              <a:rPr lang="ru-RU" sz="2800" b="1" u="sng" dirty="0"/>
               <a:t>Страница списка книг</a:t>
             </a:r>
-            <a:endParaRPr lang="ru-RU" dirty="0"/>
+            <a:r>
+              <a:rPr lang="en-US" sz="2800" b="1" u="sng" dirty="0"/>
+              <a:t> </a:t>
+            </a:r>
+            <a:r>
+              <a:rPr lang="ru-RU" sz="2800" b="1" u="sng" dirty="0"/>
+              <a:t>и недавно открытых книг</a:t>
+            </a:r>
           </a:p>
         </p:txBody>
       </p:sp>
@@ -7996,8 +7157,51 @@
         </p:blipFill>
         <p:spPr>
           <a:xfrm>
-            <a:off x="2727368" y="3293101"/>
+            <a:off x="3178036" y="2796713"/>
             <a:ext cx="5049078" cy="2116877"/>
+          </a:xfrm>
+          <a:prstGeom prst="rect">
+            <a:avLst/>
+          </a:prstGeom>
+          <a:effectLst>
+            <a:outerShdw blurRad="50800" dist="38100" dir="2700000" algn="tl" rotWithShape="0">
+              <a:prstClr val="black">
+                <a:alpha val="40000"/>
+              </a:prstClr>
+            </a:outerShdw>
+          </a:effectLst>
+        </p:spPr>
+      </p:pic>
+      <p:pic>
+        <p:nvPicPr>
+          <p:cNvPr id="3" name="Объект 6">
+            <a:extLst>
+              <a:ext uri="{FF2B5EF4-FFF2-40B4-BE49-F238E27FC236}">
+                <a16:creationId xmlns:a16="http://schemas.microsoft.com/office/drawing/2014/main" id="{2D05F3FB-F0BD-4926-F187-4CF023AE4299}"/>
+              </a:ext>
+            </a:extLst>
+          </p:cNvPr>
+          <p:cNvPicPr>
+            <a:picLocks noChangeAspect="1"/>
+          </p:cNvPicPr>
+          <p:nvPr/>
+        </p:nvPicPr>
+        <p:blipFill>
+          <a:blip r:embed="rId4">
+            <a:extLst>
+              <a:ext uri="{28A0092B-C50C-407E-A947-70E740481C1C}">
+                <a14:useLocalDpi xmlns:a14="http://schemas.microsoft.com/office/drawing/2010/main" val="0"/>
+              </a:ext>
+            </a:extLst>
+          </a:blip>
+          <a:stretch>
+            <a:fillRect/>
+          </a:stretch>
+        </p:blipFill>
+        <p:spPr>
+          <a:xfrm>
+            <a:off x="660446" y="4129500"/>
+            <a:ext cx="5276623" cy="2212277"/>
           </a:xfrm>
           <a:prstGeom prst="rect">
             <a:avLst/>
@@ -8015,6 +7219,479 @@
     <p:extLst>
       <p:ext uri="{BB962C8B-B14F-4D97-AF65-F5344CB8AC3E}">
         <p14:creationId xmlns:p14="http://schemas.microsoft.com/office/powerpoint/2010/main" val="364673470"/>
+      </p:ext>
+    </p:extLst>
+  </p:cSld>
+  <p:clrMapOvr>
+    <a:masterClrMapping/>
+  </p:clrMapOvr>
+</p:sld>
+</file>
+
+<file path=ppt/slides/slide8.xml><?xml version="1.0" encoding="utf-8"?>
+<p:sld xmlns:a="http://schemas.openxmlformats.org/drawingml/2006/main" xmlns:r="http://schemas.openxmlformats.org/officeDocument/2006/relationships" xmlns:p="http://schemas.openxmlformats.org/presentationml/2006/main">
+  <p:cSld>
+    <p:spTree>
+      <p:nvGrpSpPr>
+        <p:cNvPr id="1" name=""/>
+        <p:cNvGrpSpPr/>
+        <p:nvPr/>
+      </p:nvGrpSpPr>
+      <p:grpSpPr>
+        <a:xfrm>
+          <a:off x="0" y="0"/>
+          <a:ext cx="0" cy="0"/>
+          <a:chOff x="0" y="0"/>
+          <a:chExt cx="0" cy="0"/>
+        </a:xfrm>
+      </p:grpSpPr>
+      <p:sp>
+        <p:nvSpPr>
+          <p:cNvPr id="2" name="Заголовок 1">
+            <a:extLst>
+              <a:ext uri="{FF2B5EF4-FFF2-40B4-BE49-F238E27FC236}">
+                <a16:creationId xmlns:a16="http://schemas.microsoft.com/office/drawing/2014/main" id="{2E82A089-67C8-6737-768B-5D7EBF7B9E0E}"/>
+              </a:ext>
+            </a:extLst>
+          </p:cNvPr>
+          <p:cNvSpPr>
+            <a:spLocks noGrp="1"/>
+          </p:cNvSpPr>
+          <p:nvPr>
+            <p:ph type="title"/>
+          </p:nvPr>
+        </p:nvSpPr>
+        <p:spPr>
+          <a:xfrm>
+            <a:off x="360000" y="1170000"/>
+            <a:ext cx="7269480" cy="994172"/>
+          </a:xfrm>
+        </p:spPr>
+        <p:txBody>
+          <a:bodyPr>
+            <a:normAutofit/>
+          </a:bodyPr>
+          <a:lstStyle/>
+          <a:p>
+            <a:r>
+              <a:rPr lang="ru-RU" sz="2800" b="1" u="sng" dirty="0"/>
+              <a:t>Страница просмотра документа</a:t>
+            </a:r>
+          </a:p>
+        </p:txBody>
+      </p:sp>
+      <p:pic>
+        <p:nvPicPr>
+          <p:cNvPr id="6" name="Рисунок 5">
+            <a:extLst>
+              <a:ext uri="{FF2B5EF4-FFF2-40B4-BE49-F238E27FC236}">
+                <a16:creationId xmlns:a16="http://schemas.microsoft.com/office/drawing/2014/main" id="{7F332726-7FC6-DA2C-D2E5-16F2521C9E54}"/>
+              </a:ext>
+            </a:extLst>
+          </p:cNvPr>
+          <p:cNvPicPr>
+            <a:picLocks noChangeAspect="1"/>
+          </p:cNvPicPr>
+          <p:nvPr/>
+        </p:nvPicPr>
+        <p:blipFill>
+          <a:blip r:embed="rId3">
+            <a:extLst>
+              <a:ext uri="{28A0092B-C50C-407E-A947-70E740481C1C}">
+                <a14:useLocalDpi xmlns:a14="http://schemas.microsoft.com/office/drawing/2010/main" val="0"/>
+              </a:ext>
+            </a:extLst>
+          </a:blip>
+          <a:stretch>
+            <a:fillRect/>
+          </a:stretch>
+        </p:blipFill>
+        <p:spPr>
+          <a:xfrm>
+            <a:off x="383722" y="2291859"/>
+            <a:ext cx="6065522" cy="2543032"/>
+          </a:xfrm>
+          <a:prstGeom prst="rect">
+            <a:avLst/>
+          </a:prstGeom>
+          <a:effectLst>
+            <a:outerShdw blurRad="50800" dist="38100" dir="2700000" algn="tl" rotWithShape="0">
+              <a:prstClr val="black">
+                <a:alpha val="40000"/>
+              </a:prstClr>
+            </a:outerShdw>
+          </a:effectLst>
+        </p:spPr>
+      </p:pic>
+      <p:pic>
+        <p:nvPicPr>
+          <p:cNvPr id="10" name="Рисунок 9">
+            <a:extLst>
+              <a:ext uri="{FF2B5EF4-FFF2-40B4-BE49-F238E27FC236}">
+                <a16:creationId xmlns:a16="http://schemas.microsoft.com/office/drawing/2014/main" id="{645735AF-25F2-088B-85AE-8DD117302323}"/>
+              </a:ext>
+            </a:extLst>
+          </p:cNvPr>
+          <p:cNvPicPr>
+            <a:picLocks noChangeAspect="1"/>
+          </p:cNvPicPr>
+          <p:nvPr/>
+        </p:nvPicPr>
+        <p:blipFill>
+          <a:blip r:embed="rId4">
+            <a:extLst>
+              <a:ext uri="{28A0092B-C50C-407E-A947-70E740481C1C}">
+                <a14:useLocalDpi xmlns:a14="http://schemas.microsoft.com/office/drawing/2010/main" val="0"/>
+              </a:ext>
+            </a:extLst>
+          </a:blip>
+          <a:stretch>
+            <a:fillRect/>
+          </a:stretch>
+        </p:blipFill>
+        <p:spPr>
+          <a:xfrm>
+            <a:off x="4300404" y="4274773"/>
+            <a:ext cx="3446444" cy="1120237"/>
+          </a:xfrm>
+          <a:prstGeom prst="rect">
+            <a:avLst/>
+          </a:prstGeom>
+          <a:effectLst>
+            <a:outerShdw blurRad="50800" dist="38100" dir="2700000" algn="tl" rotWithShape="0">
+              <a:prstClr val="black">
+                <a:alpha val="40000"/>
+              </a:prstClr>
+            </a:outerShdw>
+          </a:effectLst>
+        </p:spPr>
+      </p:pic>
+    </p:spTree>
+    <p:extLst>
+      <p:ext uri="{BB962C8B-B14F-4D97-AF65-F5344CB8AC3E}">
+        <p14:creationId xmlns:p14="http://schemas.microsoft.com/office/powerpoint/2010/main" val="3951106101"/>
+      </p:ext>
+    </p:extLst>
+  </p:cSld>
+  <p:clrMapOvr>
+    <a:masterClrMapping/>
+  </p:clrMapOvr>
+</p:sld>
+</file>
+
+<file path=ppt/slides/slide9.xml><?xml version="1.0" encoding="utf-8"?>
+<p:sld xmlns:a="http://schemas.openxmlformats.org/drawingml/2006/main" xmlns:r="http://schemas.openxmlformats.org/officeDocument/2006/relationships" xmlns:p="http://schemas.openxmlformats.org/presentationml/2006/main">
+  <p:cSld>
+    <p:spTree>
+      <p:nvGrpSpPr>
+        <p:cNvPr id="1" name=""/>
+        <p:cNvGrpSpPr/>
+        <p:nvPr/>
+      </p:nvGrpSpPr>
+      <p:grpSpPr>
+        <a:xfrm>
+          <a:off x="0" y="0"/>
+          <a:ext cx="0" cy="0"/>
+          <a:chOff x="0" y="0"/>
+          <a:chExt cx="0" cy="0"/>
+        </a:xfrm>
+      </p:grpSpPr>
+      <p:sp>
+        <p:nvSpPr>
+          <p:cNvPr id="6" name="Заголовок 1">
+            <a:extLst>
+              <a:ext uri="{FF2B5EF4-FFF2-40B4-BE49-F238E27FC236}">
+                <a16:creationId xmlns:a16="http://schemas.microsoft.com/office/drawing/2014/main" id="{76277648-A197-6531-0425-FA34692EAC27}"/>
+              </a:ext>
+            </a:extLst>
+          </p:cNvPr>
+          <p:cNvSpPr>
+            <a:spLocks noGrp="1"/>
+          </p:cNvSpPr>
+          <p:nvPr>
+            <p:ph type="title"/>
+          </p:nvPr>
+        </p:nvSpPr>
+        <p:spPr>
+          <a:xfrm>
+            <a:off x="360000" y="1170000"/>
+            <a:ext cx="4314008" cy="994172"/>
+          </a:xfrm>
+        </p:spPr>
+        <p:txBody>
+          <a:bodyPr>
+            <a:normAutofit/>
+          </a:bodyPr>
+          <a:lstStyle/>
+          <a:p>
+            <a:r>
+              <a:rPr lang="ru-RU" sz="2700" b="1" u="sng" dirty="0"/>
+              <a:t>Обобщение текста</a:t>
+            </a:r>
+          </a:p>
+        </p:txBody>
+      </p:sp>
+      <p:sp>
+        <p:nvSpPr>
+          <p:cNvPr id="4" name="Объект 3">
+            <a:extLst>
+              <a:ext uri="{FF2B5EF4-FFF2-40B4-BE49-F238E27FC236}">
+                <a16:creationId xmlns:a16="http://schemas.microsoft.com/office/drawing/2014/main" id="{6FE20B52-975D-25F3-3BC2-29E51C3A9E13}"/>
+              </a:ext>
+            </a:extLst>
+          </p:cNvPr>
+          <p:cNvSpPr>
+            <a:spLocks noGrp="1"/>
+          </p:cNvSpPr>
+          <p:nvPr>
+            <p:ph sz="half" idx="1"/>
+          </p:nvPr>
+        </p:nvSpPr>
+        <p:spPr>
+          <a:xfrm>
+            <a:off x="360000" y="2272937"/>
+            <a:ext cx="4634048" cy="3964577"/>
+          </a:xfrm>
+        </p:spPr>
+        <p:txBody>
+          <a:bodyPr>
+            <a:normAutofit lnSpcReduction="10000"/>
+          </a:bodyPr>
+          <a:lstStyle/>
+          <a:p>
+            <a:pPr marL="385763" indent="-385763">
+              <a:lnSpc>
+                <a:spcPct val="150000"/>
+              </a:lnSpc>
+              <a:buFont typeface="+mj-lt"/>
+              <a:buAutoNum type="arabicPeriod"/>
+            </a:pPr>
+            <a:r>
+              <a:rPr lang="ru-RU" dirty="0">
+                <a:latin typeface="Times New Roman" panose="02020603050405020304" pitchFamily="18" charset="0"/>
+                <a:cs typeface="Times New Roman" panose="02020603050405020304" pitchFamily="18" charset="0"/>
+              </a:rPr>
+              <a:t>Выборка и обработка выделенного пользователем текста.</a:t>
+            </a:r>
+          </a:p>
+          <a:p>
+            <a:pPr marL="385763" indent="-385763">
+              <a:lnSpc>
+                <a:spcPct val="150000"/>
+              </a:lnSpc>
+              <a:buFont typeface="+mj-lt"/>
+              <a:buAutoNum type="arabicPeriod"/>
+            </a:pPr>
+            <a:r>
+              <a:rPr lang="ru-RU" dirty="0">
+                <a:latin typeface="Times New Roman" panose="02020603050405020304" pitchFamily="18" charset="0"/>
+                <a:cs typeface="Times New Roman" panose="02020603050405020304" pitchFamily="18" charset="0"/>
+              </a:rPr>
+              <a:t>Передача серверу текста.</a:t>
+            </a:r>
+          </a:p>
+          <a:p>
+            <a:pPr marL="385763" indent="-385763">
+              <a:lnSpc>
+                <a:spcPct val="150000"/>
+              </a:lnSpc>
+              <a:buFont typeface="+mj-lt"/>
+              <a:buAutoNum type="arabicPeriod"/>
+            </a:pPr>
+            <a:r>
+              <a:rPr lang="ru-RU" dirty="0">
+                <a:latin typeface="Times New Roman" panose="02020603050405020304" pitchFamily="18" charset="0"/>
+                <a:cs typeface="Times New Roman" panose="02020603050405020304" pitchFamily="18" charset="0"/>
+              </a:rPr>
+              <a:t>Сервер формирует запрос.</a:t>
+            </a:r>
+          </a:p>
+          <a:p>
+            <a:pPr marL="385763" indent="-385763">
+              <a:lnSpc>
+                <a:spcPct val="150000"/>
+              </a:lnSpc>
+              <a:buFont typeface="+mj-lt"/>
+              <a:buAutoNum type="arabicPeriod"/>
+            </a:pPr>
+            <a:r>
+              <a:rPr lang="ru-RU" dirty="0">
+                <a:latin typeface="Times New Roman" panose="02020603050405020304" pitchFamily="18" charset="0"/>
+                <a:cs typeface="Times New Roman" panose="02020603050405020304" pitchFamily="18" charset="0"/>
+              </a:rPr>
+              <a:t>Отправка</a:t>
+            </a:r>
+            <a:r>
+              <a:rPr lang="en-US" dirty="0">
+                <a:latin typeface="Times New Roman" panose="02020603050405020304" pitchFamily="18" charset="0"/>
+                <a:cs typeface="Times New Roman" panose="02020603050405020304" pitchFamily="18" charset="0"/>
+              </a:rPr>
+              <a:t> </a:t>
+            </a:r>
+            <a:r>
+              <a:rPr lang="ru-RU" dirty="0">
+                <a:latin typeface="Times New Roman" panose="02020603050405020304" pitchFamily="18" charset="0"/>
+                <a:cs typeface="Times New Roman" panose="02020603050405020304" pitchFamily="18" charset="0"/>
+              </a:rPr>
+              <a:t>запроса к </a:t>
+            </a:r>
+            <a:r>
+              <a:rPr lang="en-US" dirty="0">
+                <a:latin typeface="Times New Roman" panose="02020603050405020304" pitchFamily="18" charset="0"/>
+                <a:cs typeface="Times New Roman" panose="02020603050405020304" pitchFamily="18" charset="0"/>
+              </a:rPr>
+              <a:t>API </a:t>
+            </a:r>
+            <a:r>
+              <a:rPr lang="ru-RU" dirty="0">
+                <a:latin typeface="Times New Roman" panose="02020603050405020304" pitchFamily="18" charset="0"/>
+                <a:cs typeface="Times New Roman" panose="02020603050405020304" pitchFamily="18" charset="0"/>
+              </a:rPr>
+              <a:t>ИИ</a:t>
+            </a:r>
+            <a:r>
+              <a:rPr lang="en-US" dirty="0">
+                <a:latin typeface="Times New Roman" panose="02020603050405020304" pitchFamily="18" charset="0"/>
+                <a:cs typeface="Times New Roman" panose="02020603050405020304" pitchFamily="18" charset="0"/>
+              </a:rPr>
+              <a:t>.</a:t>
+            </a:r>
+            <a:endParaRPr lang="ru-RU" dirty="0">
+              <a:latin typeface="Times New Roman" panose="02020603050405020304" pitchFamily="18" charset="0"/>
+              <a:cs typeface="Times New Roman" panose="02020603050405020304" pitchFamily="18" charset="0"/>
+            </a:endParaRPr>
+          </a:p>
+          <a:p>
+            <a:pPr marL="385763" indent="-385763">
+              <a:lnSpc>
+                <a:spcPct val="150000"/>
+              </a:lnSpc>
+              <a:buFont typeface="+mj-lt"/>
+              <a:buAutoNum type="arabicPeriod"/>
+            </a:pPr>
+            <a:r>
+              <a:rPr lang="ru-RU" dirty="0">
+                <a:latin typeface="Times New Roman" panose="02020603050405020304" pitchFamily="18" charset="0"/>
+                <a:cs typeface="Times New Roman" panose="02020603050405020304" pitchFamily="18" charset="0"/>
+              </a:rPr>
+              <a:t>Получение и обработка ответа сервером.</a:t>
+            </a:r>
+          </a:p>
+          <a:p>
+            <a:pPr marL="385763" indent="-385763">
+              <a:lnSpc>
+                <a:spcPct val="150000"/>
+              </a:lnSpc>
+              <a:buFont typeface="+mj-lt"/>
+              <a:buAutoNum type="arabicPeriod"/>
+            </a:pPr>
+            <a:r>
+              <a:rPr lang="ru-RU" dirty="0">
+                <a:latin typeface="Times New Roman" panose="02020603050405020304" pitchFamily="18" charset="0"/>
+                <a:cs typeface="Times New Roman" panose="02020603050405020304" pitchFamily="18" charset="0"/>
+              </a:rPr>
+              <a:t>Передача клиенту результата</a:t>
+            </a:r>
+            <a:r>
+              <a:rPr lang="en-US" dirty="0">
+                <a:latin typeface="Times New Roman" panose="02020603050405020304" pitchFamily="18" charset="0"/>
+                <a:cs typeface="Times New Roman" panose="02020603050405020304" pitchFamily="18" charset="0"/>
+              </a:rPr>
+              <a:t>.</a:t>
+            </a:r>
+          </a:p>
+          <a:p>
+            <a:pPr marL="0" indent="0">
+              <a:buNone/>
+            </a:pPr>
+            <a:endParaRPr lang="ru-RU" sz="1600" dirty="0"/>
+          </a:p>
+        </p:txBody>
+      </p:sp>
+      <p:pic>
+        <p:nvPicPr>
+          <p:cNvPr id="8" name="Объект 7">
+            <a:extLst>
+              <a:ext uri="{FF2B5EF4-FFF2-40B4-BE49-F238E27FC236}">
+                <a16:creationId xmlns:a16="http://schemas.microsoft.com/office/drawing/2014/main" id="{060442F5-D4C6-20AC-D7F6-57897710893C}"/>
+              </a:ext>
+            </a:extLst>
+          </p:cNvPr>
+          <p:cNvPicPr>
+            <a:picLocks noChangeAspect="1"/>
+          </p:cNvPicPr>
+          <p:nvPr/>
+        </p:nvPicPr>
+        <p:blipFill>
+          <a:blip r:embed="rId2">
+            <a:extLst>
+              <a:ext uri="{28A0092B-C50C-407E-A947-70E740481C1C}">
+                <a14:useLocalDpi xmlns:a14="http://schemas.microsoft.com/office/drawing/2010/main" val="0"/>
+              </a:ext>
+            </a:extLst>
+          </a:blip>
+          <a:stretch>
+            <a:fillRect/>
+          </a:stretch>
+        </p:blipFill>
+        <p:spPr>
+          <a:xfrm>
+            <a:off x="5083083" y="1892606"/>
+            <a:ext cx="2482298" cy="2000125"/>
+          </a:xfrm>
+          <a:prstGeom prst="rect">
+            <a:avLst/>
+          </a:prstGeom>
+          <a:effectLst>
+            <a:outerShdw blurRad="50800" dist="38100" dir="2700000" algn="tl" rotWithShape="0">
+              <a:prstClr val="black">
+                <a:alpha val="40000"/>
+              </a:prstClr>
+            </a:outerShdw>
+          </a:effectLst>
+        </p:spPr>
+      </p:pic>
+      <p:pic>
+        <p:nvPicPr>
+          <p:cNvPr id="10" name="Рисунок 9">
+            <a:extLst>
+              <a:ext uri="{FF2B5EF4-FFF2-40B4-BE49-F238E27FC236}">
+                <a16:creationId xmlns:a16="http://schemas.microsoft.com/office/drawing/2014/main" id="{39737559-F0E6-9995-AA97-21BC0D895615}"/>
+              </a:ext>
+            </a:extLst>
+          </p:cNvPr>
+          <p:cNvPicPr>
+            <a:picLocks noChangeAspect="1"/>
+          </p:cNvPicPr>
+          <p:nvPr/>
+        </p:nvPicPr>
+        <p:blipFill>
+          <a:blip r:embed="rId3"/>
+          <a:stretch>
+            <a:fillRect/>
+          </a:stretch>
+        </p:blipFill>
+        <p:spPr>
+          <a:xfrm>
+            <a:off x="5403123" y="3827419"/>
+            <a:ext cx="3211482" cy="1952897"/>
+          </a:xfrm>
+          <a:prstGeom prst="rect">
+            <a:avLst/>
+          </a:prstGeom>
+          <a:effectLst>
+            <a:outerShdw blurRad="50800" dist="38100" dir="2700000" algn="tl" rotWithShape="0">
+              <a:prstClr val="black">
+                <a:alpha val="40000"/>
+              </a:prstClr>
+            </a:outerShdw>
+          </a:effectLst>
+        </p:spPr>
+      </p:pic>
+    </p:spTree>
+    <p:extLst>
+      <p:ext uri="{BB962C8B-B14F-4D97-AF65-F5344CB8AC3E}">
+        <p14:creationId xmlns:p14="http://schemas.microsoft.com/office/powerpoint/2010/main" val="3592267970"/>
       </p:ext>
     </p:extLst>
   </p:cSld>
